--- a/ВКР Путилов М.Ю. Презентация.pptx
+++ b/ВКР Путилов М.Ю. Презентация.pptx
@@ -10,22 +10,28 @@
     <p:sldId id="258" r:id="rId4"/>
     <p:sldId id="259" r:id="rId5"/>
     <p:sldId id="266" r:id="rId6"/>
-    <p:sldId id="267" r:id="rId7"/>
-    <p:sldId id="269" r:id="rId8"/>
-    <p:sldId id="270" r:id="rId9"/>
-    <p:sldId id="271" r:id="rId10"/>
-    <p:sldId id="272" r:id="rId11"/>
-    <p:sldId id="268" r:id="rId12"/>
-    <p:sldId id="273" r:id="rId13"/>
-    <p:sldId id="274" r:id="rId14"/>
-    <p:sldId id="275" r:id="rId15"/>
-    <p:sldId id="276" r:id="rId16"/>
-    <p:sldId id="277" r:id="rId17"/>
-    <p:sldId id="278" r:id="rId18"/>
-    <p:sldId id="260" r:id="rId19"/>
-    <p:sldId id="262" r:id="rId20"/>
-    <p:sldId id="265" r:id="rId21"/>
-    <p:sldId id="261" r:id="rId22"/>
+    <p:sldId id="281" r:id="rId7"/>
+    <p:sldId id="267" r:id="rId8"/>
+    <p:sldId id="269" r:id="rId9"/>
+    <p:sldId id="270" r:id="rId10"/>
+    <p:sldId id="282" r:id="rId11"/>
+    <p:sldId id="271" r:id="rId12"/>
+    <p:sldId id="272" r:id="rId13"/>
+    <p:sldId id="268" r:id="rId14"/>
+    <p:sldId id="273" r:id="rId15"/>
+    <p:sldId id="274" r:id="rId16"/>
+    <p:sldId id="275" r:id="rId17"/>
+    <p:sldId id="283" r:id="rId18"/>
+    <p:sldId id="276" r:id="rId19"/>
+    <p:sldId id="277" r:id="rId20"/>
+    <p:sldId id="284" r:id="rId21"/>
+    <p:sldId id="278" r:id="rId22"/>
+    <p:sldId id="285" r:id="rId23"/>
+    <p:sldId id="280" r:id="rId24"/>
+    <p:sldId id="279" r:id="rId25"/>
+    <p:sldId id="261" r:id="rId26"/>
+    <p:sldId id="260" r:id="rId27"/>
+    <p:sldId id="262" r:id="rId28"/>
   </p:sldIdLst>
   <p:sldSz cx="9144000" cy="6858000" type="screen4x3"/>
   <p:notesSz cx="6858000" cy="9144000"/>
@@ -309,7 +315,7 @@
             <a:fld id="{21F36726-CBBA-4CB8-81DA-DDFBFDBDA1BE}" type="datetimeFigureOut">
               <a:rPr lang="ru-RU" smtClean="0"/>
               <a:pPr/>
-              <a:t>28.05.2015</a:t>
+              <a:t>29.05.2015</a:t>
             </a:fld>
             <a:endParaRPr lang="ru-RU"/>
           </a:p>
@@ -476,7 +482,7 @@
             <a:fld id="{21F36726-CBBA-4CB8-81DA-DDFBFDBDA1BE}" type="datetimeFigureOut">
               <a:rPr lang="ru-RU" smtClean="0"/>
               <a:pPr/>
-              <a:t>28.05.2015</a:t>
+              <a:t>29.05.2015</a:t>
             </a:fld>
             <a:endParaRPr lang="ru-RU"/>
           </a:p>
@@ -653,7 +659,7 @@
             <a:fld id="{21F36726-CBBA-4CB8-81DA-DDFBFDBDA1BE}" type="datetimeFigureOut">
               <a:rPr lang="ru-RU" smtClean="0"/>
               <a:pPr/>
-              <a:t>28.05.2015</a:t>
+              <a:t>29.05.2015</a:t>
             </a:fld>
             <a:endParaRPr lang="ru-RU"/>
           </a:p>
@@ -820,7 +826,7 @@
             <a:fld id="{21F36726-CBBA-4CB8-81DA-DDFBFDBDA1BE}" type="datetimeFigureOut">
               <a:rPr lang="ru-RU" smtClean="0"/>
               <a:pPr/>
-              <a:t>28.05.2015</a:t>
+              <a:t>29.05.2015</a:t>
             </a:fld>
             <a:endParaRPr lang="ru-RU"/>
           </a:p>
@@ -1063,7 +1069,7 @@
             <a:fld id="{21F36726-CBBA-4CB8-81DA-DDFBFDBDA1BE}" type="datetimeFigureOut">
               <a:rPr lang="ru-RU" smtClean="0"/>
               <a:pPr/>
-              <a:t>28.05.2015</a:t>
+              <a:t>29.05.2015</a:t>
             </a:fld>
             <a:endParaRPr lang="ru-RU"/>
           </a:p>
@@ -1348,7 +1354,7 @@
             <a:fld id="{21F36726-CBBA-4CB8-81DA-DDFBFDBDA1BE}" type="datetimeFigureOut">
               <a:rPr lang="ru-RU" smtClean="0"/>
               <a:pPr/>
-              <a:t>28.05.2015</a:t>
+              <a:t>29.05.2015</a:t>
             </a:fld>
             <a:endParaRPr lang="ru-RU"/>
           </a:p>
@@ -1767,7 +1773,7 @@
             <a:fld id="{21F36726-CBBA-4CB8-81DA-DDFBFDBDA1BE}" type="datetimeFigureOut">
               <a:rPr lang="ru-RU" smtClean="0"/>
               <a:pPr/>
-              <a:t>28.05.2015</a:t>
+              <a:t>29.05.2015</a:t>
             </a:fld>
             <a:endParaRPr lang="ru-RU"/>
           </a:p>
@@ -1882,7 +1888,7 @@
             <a:fld id="{21F36726-CBBA-4CB8-81DA-DDFBFDBDA1BE}" type="datetimeFigureOut">
               <a:rPr lang="ru-RU" smtClean="0"/>
               <a:pPr/>
-              <a:t>28.05.2015</a:t>
+              <a:t>29.05.2015</a:t>
             </a:fld>
             <a:endParaRPr lang="ru-RU"/>
           </a:p>
@@ -1974,7 +1980,7 @@
             <a:fld id="{21F36726-CBBA-4CB8-81DA-DDFBFDBDA1BE}" type="datetimeFigureOut">
               <a:rPr lang="ru-RU" smtClean="0"/>
               <a:pPr/>
-              <a:t>28.05.2015</a:t>
+              <a:t>29.05.2015</a:t>
             </a:fld>
             <a:endParaRPr lang="ru-RU"/>
           </a:p>
@@ -2248,7 +2254,7 @@
             <a:fld id="{21F36726-CBBA-4CB8-81DA-DDFBFDBDA1BE}" type="datetimeFigureOut">
               <a:rPr lang="ru-RU" smtClean="0"/>
               <a:pPr/>
-              <a:t>28.05.2015</a:t>
+              <a:t>29.05.2015</a:t>
             </a:fld>
             <a:endParaRPr lang="ru-RU"/>
           </a:p>
@@ -2498,7 +2504,7 @@
             <a:fld id="{21F36726-CBBA-4CB8-81DA-DDFBFDBDA1BE}" type="datetimeFigureOut">
               <a:rPr lang="ru-RU" smtClean="0"/>
               <a:pPr/>
-              <a:t>28.05.2015</a:t>
+              <a:t>29.05.2015</a:t>
             </a:fld>
             <a:endParaRPr lang="ru-RU"/>
           </a:p>
@@ -2708,7 +2714,7 @@
             <a:fld id="{21F36726-CBBA-4CB8-81DA-DDFBFDBDA1BE}" type="datetimeFigureOut">
               <a:rPr lang="ru-RU" smtClean="0"/>
               <a:pPr/>
-              <a:t>28.05.2015</a:t>
+              <a:t>29.05.2015</a:t>
             </a:fld>
             <a:endParaRPr lang="ru-RU"/>
           </a:p>
@@ -3103,11 +3109,7 @@
           <a:p>
             <a:r>
               <a:rPr lang="ru-RU" dirty="0" smtClean="0"/>
-              <a:t>Система </a:t>
-            </a:r>
-            <a:r>
-              <a:rPr lang="ru-RU" dirty="0" smtClean="0"/>
-              <a:t>совместного редактирования текстов в режиме реального времени</a:t>
+              <a:t>Система совместного редактирования текстов в режиме реального времени</a:t>
             </a:r>
             <a:endParaRPr lang="ru-RU" dirty="0"/>
           </a:p>
@@ -3153,7 +3155,7 @@
             </a:r>
             <a:r>
               <a:rPr lang="ru-RU" dirty="0" smtClean="0"/>
-              <a:t>      асс., И.А. Домашних</a:t>
+              <a:t>      асс.  И.А. Домашних</a:t>
             </a:r>
             <a:endParaRPr lang="ru-RU" dirty="0"/>
           </a:p>
@@ -3208,55 +3210,616 @@
           <a:p>
             <a:r>
               <a:rPr lang="ru-RU" dirty="0" smtClean="0"/>
-              <a:t>Алгоритм</a:t>
-            </a:r>
-            <a:r>
-              <a:rPr lang="en-US" dirty="0" smtClean="0"/>
-              <a:t> </a:t>
-            </a:r>
-            <a:r>
-              <a:rPr lang="en-US" dirty="0" smtClean="0"/>
-              <a:t>(</a:t>
-            </a:r>
-            <a:r>
-              <a:rPr lang="ru-RU" dirty="0" smtClean="0"/>
-              <a:t>часть 1</a:t>
-            </a:r>
-            <a:r>
-              <a:rPr lang="en-US" dirty="0" smtClean="0"/>
-              <a:t>)</a:t>
-            </a:r>
-            <a:endParaRPr lang="ru-RU" dirty="0">
-              <a:latin typeface="Times New Roman" pitchFamily="18" charset="0"/>
-              <a:cs typeface="Times New Roman" pitchFamily="18" charset="0"/>
-            </a:endParaRPr>
-          </a:p>
-        </p:txBody>
-      </p:sp>
-      <p:pic>
-        <p:nvPicPr>
-          <p:cNvPr id="8" name="Содержимое 7" descr="алгоритм2.png"/>
-          <p:cNvPicPr>
-            <a:picLocks noGrp="1" noChangeAspect="1"/>
-          </p:cNvPicPr>
+              <a:t>Дельта</a:t>
+            </a:r>
+            <a:endParaRPr lang="ru-RU" dirty="0"/>
+          </a:p>
+        </p:txBody>
+      </p:sp>
+      <p:graphicFrame>
+        <p:nvGraphicFramePr>
+          <p:cNvPr id="4" name="Содержимое 3"/>
+          <p:cNvGraphicFramePr>
+            <a:graphicFrameLocks noGrp="1"/>
+          </p:cNvGraphicFramePr>
           <p:nvPr>
             <p:ph idx="1"/>
           </p:nvPr>
-        </p:nvPicPr>
-        <p:blipFill>
-          <a:blip r:embed="rId2" cstate="print"/>
-          <a:srcRect r="8489" b="56708"/>
-          <a:stretch>
-            <a:fillRect/>
-          </a:stretch>
-        </p:blipFill>
-        <p:spPr>
-          <a:xfrm>
-            <a:off x="251520" y="1268760"/>
-            <a:ext cx="8712968" cy="4680520"/>
-          </a:xfrm>
-        </p:spPr>
-      </p:pic>
+        </p:nvGraphicFramePr>
+        <p:xfrm>
+          <a:off x="457200" y="1600200"/>
+          <a:ext cx="8363271" cy="3972560"/>
+        </p:xfrm>
+        <a:graphic>
+          <a:graphicData uri="http://schemas.openxmlformats.org/drawingml/2006/table">
+            <a:tbl>
+              <a:tblPr firstRow="1" bandRow="1">
+                <a:tableStyleId>{5C22544A-7EE6-4342-B048-85BDC9FD1C3A}</a:tableStyleId>
+              </a:tblPr>
+              <a:tblGrid>
+                <a:gridCol w="2787757"/>
+                <a:gridCol w="2787757"/>
+                <a:gridCol w="2787757"/>
+              </a:tblGrid>
+              <a:tr h="370840">
+                <a:tc>
+                  <a:txBody>
+                    <a:bodyPr/>
+                    <a:lstStyle/>
+                    <a:p>
+                      <a:r>
+                        <a:rPr lang="ru-RU" dirty="0" smtClean="0"/>
+                        <a:t>Последняя </a:t>
+                      </a:r>
+                      <a:r>
+                        <a:rPr lang="ru-RU" dirty="0" err="1" smtClean="0"/>
+                        <a:t>синх</a:t>
+                      </a:r>
+                      <a:r>
+                        <a:rPr lang="ru-RU" dirty="0" smtClean="0"/>
+                        <a:t>. версия</a:t>
+                      </a:r>
+                      <a:endParaRPr lang="ru-RU" dirty="0"/>
+                    </a:p>
+                  </a:txBody>
+                  <a:tcPr/>
+                </a:tc>
+                <a:tc>
+                  <a:txBody>
+                    <a:bodyPr/>
+                    <a:lstStyle/>
+                    <a:p>
+                      <a:r>
+                        <a:rPr lang="ru-RU" dirty="0" smtClean="0"/>
+                        <a:t>Редактируемый текст</a:t>
+                      </a:r>
+                      <a:endParaRPr lang="ru-RU" dirty="0"/>
+                    </a:p>
+                  </a:txBody>
+                  <a:tcPr/>
+                </a:tc>
+                <a:tc>
+                  <a:txBody>
+                    <a:bodyPr/>
+                    <a:lstStyle/>
+                    <a:p>
+                      <a:r>
+                        <a:rPr lang="ru-RU" dirty="0" smtClean="0"/>
+                        <a:t>Построчная</a:t>
+                      </a:r>
+                      <a:r>
+                        <a:rPr lang="ru-RU" baseline="0" dirty="0" smtClean="0"/>
+                        <a:t> </a:t>
+                      </a:r>
+                      <a:r>
+                        <a:rPr lang="ru-RU" dirty="0" smtClean="0"/>
+                        <a:t>дельта</a:t>
+                      </a:r>
+                      <a:endParaRPr lang="ru-RU" dirty="0"/>
+                    </a:p>
+                  </a:txBody>
+                  <a:tcPr/>
+                </a:tc>
+              </a:tr>
+              <a:tr h="370840">
+                <a:tc rowSpan="3">
+                  <a:txBody>
+                    <a:bodyPr/>
+                    <a:lstStyle/>
+                    <a:p>
+                      <a:r>
+                        <a:rPr lang="ru-RU" sz="2000" kern="1200" baseline="0" dirty="0" smtClean="0">
+                          <a:solidFill>
+                            <a:schemeClr val="dk1"/>
+                          </a:solidFill>
+                          <a:latin typeface="Courier New" pitchFamily="49" charset="0"/>
+                          <a:ea typeface="+mn-ea"/>
+                          <a:cs typeface="Courier New" pitchFamily="49" charset="0"/>
+                        </a:rPr>
+                        <a:t>Шел Паша </a:t>
+                      </a:r>
+                    </a:p>
+                    <a:p>
+                      <a:r>
+                        <a:rPr lang="ru-RU" sz="2000" kern="1200" baseline="0" dirty="0" smtClean="0">
+                          <a:solidFill>
+                            <a:schemeClr val="dk1"/>
+                          </a:solidFill>
+                          <a:latin typeface="Courier New" pitchFamily="49" charset="0"/>
+                          <a:ea typeface="+mn-ea"/>
+                          <a:cs typeface="Courier New" pitchFamily="49" charset="0"/>
+                        </a:rPr>
+                        <a:t>по шоссе </a:t>
+                      </a:r>
+                    </a:p>
+                    <a:p>
+                      <a:r>
+                        <a:rPr lang="ru-RU" sz="2000" kern="1200" baseline="0" dirty="0" smtClean="0">
+                          <a:solidFill>
+                            <a:schemeClr val="dk1"/>
+                          </a:solidFill>
+                          <a:latin typeface="Courier New" pitchFamily="49" charset="0"/>
+                          <a:ea typeface="+mn-ea"/>
+                          <a:cs typeface="Courier New" pitchFamily="49" charset="0"/>
+                        </a:rPr>
+                        <a:t>и сосал сушку</a:t>
+                      </a:r>
+                    </a:p>
+                  </a:txBody>
+                  <a:tcPr anchor="ctr"/>
+                </a:tc>
+                <a:tc rowSpan="3">
+                  <a:txBody>
+                    <a:bodyPr/>
+                    <a:lstStyle/>
+                    <a:p>
+                      <a:r>
+                        <a:rPr lang="ru-RU" sz="2000" kern="1200" baseline="0" dirty="0" smtClean="0">
+                          <a:solidFill>
+                            <a:schemeClr val="dk1"/>
+                          </a:solidFill>
+                          <a:latin typeface="Courier New" pitchFamily="49" charset="0"/>
+                          <a:ea typeface="+mn-ea"/>
+                          <a:cs typeface="Courier New" pitchFamily="49" charset="0"/>
+                        </a:rPr>
+                        <a:t>Шла Саша </a:t>
+                      </a:r>
+                    </a:p>
+                    <a:p>
+                      <a:r>
+                        <a:rPr lang="ru-RU" sz="2000" kern="1200" baseline="0" dirty="0" smtClean="0">
+                          <a:solidFill>
+                            <a:schemeClr val="dk1"/>
+                          </a:solidFill>
+                          <a:latin typeface="Courier New" pitchFamily="49" charset="0"/>
+                          <a:ea typeface="+mn-ea"/>
+                          <a:cs typeface="Courier New" pitchFamily="49" charset="0"/>
+                        </a:rPr>
+                        <a:t>по шоссе </a:t>
+                      </a:r>
+                    </a:p>
+                    <a:p>
+                      <a:r>
+                        <a:rPr lang="ru-RU" sz="2000" kern="1200" baseline="0" dirty="0" smtClean="0">
+                          <a:solidFill>
+                            <a:schemeClr val="dk1"/>
+                          </a:solidFill>
+                          <a:latin typeface="Courier New" pitchFamily="49" charset="0"/>
+                          <a:ea typeface="+mn-ea"/>
+                          <a:cs typeface="Courier New" pitchFamily="49" charset="0"/>
+                        </a:rPr>
+                        <a:t>и сосала сушку</a:t>
+                      </a:r>
+                    </a:p>
+                  </a:txBody>
+                  <a:tcPr anchor="ctr"/>
+                </a:tc>
+                <a:tc>
+                  <a:txBody>
+                    <a:bodyPr/>
+                    <a:lstStyle/>
+                    <a:p>
+                      <a:r>
+                        <a:rPr lang="ru-RU" sz="2000" b="0" u="none" strike="sngStrike" kern="1200" baseline="0" dirty="0" smtClean="0">
+                          <a:solidFill>
+                            <a:schemeClr val="dk1"/>
+                          </a:solidFill>
+                          <a:latin typeface="Courier New" pitchFamily="49" charset="0"/>
+                          <a:ea typeface="+mn-ea"/>
+                          <a:cs typeface="Courier New" pitchFamily="49" charset="0"/>
+                        </a:rPr>
+                        <a:t>Шел Паша</a:t>
+                      </a:r>
+                    </a:p>
+                    <a:p>
+                      <a:pPr marL="0" marR="0" indent="0" algn="l" defTabSz="914400" rtl="0" eaLnBrk="1" fontAlgn="auto" latinLnBrk="0" hangingPunct="1">
+                        <a:lnSpc>
+                          <a:spcPct val="100000"/>
+                        </a:lnSpc>
+                        <a:spcBef>
+                          <a:spcPts val="0"/>
+                        </a:spcBef>
+                        <a:spcAft>
+                          <a:spcPts val="0"/>
+                        </a:spcAft>
+                        <a:buClrTx/>
+                        <a:buSzTx/>
+                        <a:buFontTx/>
+                        <a:buNone/>
+                        <a:tabLst/>
+                        <a:defRPr/>
+                      </a:pPr>
+                      <a:r>
+                        <a:rPr lang="ru-RU" sz="2000" b="1" u="sng" strike="noStrike" kern="1200" baseline="0" dirty="0" smtClean="0">
+                          <a:solidFill>
+                            <a:schemeClr val="dk1"/>
+                          </a:solidFill>
+                          <a:latin typeface="Courier New" pitchFamily="49" charset="0"/>
+                          <a:ea typeface="+mn-ea"/>
+                          <a:cs typeface="Courier New" pitchFamily="49" charset="0"/>
+                        </a:rPr>
+                        <a:t>Шла Саша</a:t>
+                      </a:r>
+                      <a:endParaRPr lang="en-US" sz="2000" b="1" u="sng" strike="noStrike" kern="1200" baseline="0" dirty="0" smtClean="0">
+                        <a:solidFill>
+                          <a:schemeClr val="dk1"/>
+                        </a:solidFill>
+                        <a:latin typeface="Courier New" pitchFamily="49" charset="0"/>
+                        <a:ea typeface="+mn-ea"/>
+                        <a:cs typeface="Courier New" pitchFamily="49" charset="0"/>
+                      </a:endParaRPr>
+                    </a:p>
+                    <a:p>
+                      <a:r>
+                        <a:rPr lang="ru-RU" sz="2000" kern="1200" baseline="0" dirty="0" smtClean="0">
+                          <a:solidFill>
+                            <a:schemeClr val="dk1"/>
+                          </a:solidFill>
+                          <a:latin typeface="Courier New" pitchFamily="49" charset="0"/>
+                          <a:ea typeface="+mn-ea"/>
+                          <a:cs typeface="Courier New" pitchFamily="49" charset="0"/>
+                        </a:rPr>
+                        <a:t>по шоссе</a:t>
+                      </a:r>
+                      <a:endParaRPr lang="ru-RU" sz="2000" b="1" u="sng" kern="1200" baseline="0" dirty="0" smtClean="0">
+                        <a:solidFill>
+                          <a:schemeClr val="dk1"/>
+                        </a:solidFill>
+                        <a:latin typeface="Courier New" pitchFamily="49" charset="0"/>
+                        <a:ea typeface="+mn-ea"/>
+                        <a:cs typeface="Courier New" pitchFamily="49" charset="0"/>
+                      </a:endParaRPr>
+                    </a:p>
+                    <a:p>
+                      <a:r>
+                        <a:rPr lang="ru-RU" sz="2000" b="0" i="0" u="none" strike="sngStrike" kern="1200" baseline="0" dirty="0" smtClean="0">
+                          <a:solidFill>
+                            <a:schemeClr val="dk1"/>
+                          </a:solidFill>
+                          <a:latin typeface="Courier New" pitchFamily="49" charset="0"/>
+                          <a:ea typeface="+mn-ea"/>
+                          <a:cs typeface="Courier New" pitchFamily="49" charset="0"/>
+                        </a:rPr>
+                        <a:t>и сосал сушку</a:t>
+                      </a:r>
+                    </a:p>
+                    <a:p>
+                      <a:r>
+                        <a:rPr lang="ru-RU" sz="2000" b="1" u="sng" strike="noStrike" kern="1200" baseline="0" dirty="0" smtClean="0">
+                          <a:solidFill>
+                            <a:schemeClr val="dk1"/>
+                          </a:solidFill>
+                          <a:latin typeface="Courier New" pitchFamily="49" charset="0"/>
+                          <a:ea typeface="+mn-ea"/>
+                          <a:cs typeface="Courier New" pitchFamily="49" charset="0"/>
+                        </a:rPr>
+                        <a:t>и сосала сушку</a:t>
+                      </a:r>
+                    </a:p>
+                    <a:p>
+                      <a:endParaRPr lang="ru-RU" sz="2000" b="1" u="sng" kern="1200" baseline="0" dirty="0" smtClean="0">
+                        <a:solidFill>
+                          <a:schemeClr val="dk1"/>
+                        </a:solidFill>
+                        <a:latin typeface="Courier New" pitchFamily="49" charset="0"/>
+                        <a:ea typeface="+mn-ea"/>
+                        <a:cs typeface="Courier New" pitchFamily="49" charset="0"/>
+                      </a:endParaRPr>
+                    </a:p>
+                  </a:txBody>
+                  <a:tcPr/>
+                </a:tc>
+              </a:tr>
+              <a:tr h="370840">
+                <a:tc vMerge="1">
+                  <a:txBody>
+                    <a:bodyPr/>
+                    <a:lstStyle/>
+                    <a:p>
+                      <a:endParaRPr lang="ru-RU" sz="2000" kern="1200" baseline="0" dirty="0" smtClean="0">
+                        <a:solidFill>
+                          <a:schemeClr val="dk1"/>
+                        </a:solidFill>
+                        <a:latin typeface="Courier New" pitchFamily="49" charset="0"/>
+                        <a:ea typeface="+mn-ea"/>
+                        <a:cs typeface="Courier New" pitchFamily="49" charset="0"/>
+                      </a:endParaRPr>
+                    </a:p>
+                  </a:txBody>
+                  <a:tcPr/>
+                </a:tc>
+                <a:tc vMerge="1">
+                  <a:txBody>
+                    <a:bodyPr/>
+                    <a:lstStyle/>
+                    <a:p>
+                      <a:endParaRPr lang="ru-RU" sz="2000" kern="1200" baseline="0" dirty="0" smtClean="0">
+                        <a:solidFill>
+                          <a:schemeClr val="dk1"/>
+                        </a:solidFill>
+                        <a:latin typeface="Courier New" pitchFamily="49" charset="0"/>
+                        <a:ea typeface="+mn-ea"/>
+                        <a:cs typeface="Courier New" pitchFamily="49" charset="0"/>
+                      </a:endParaRPr>
+                    </a:p>
+                  </a:txBody>
+                  <a:tcPr>
+                    <a:solidFill>
+                      <a:schemeClr val="accent1"/>
+                    </a:solidFill>
+                  </a:tcPr>
+                </a:tc>
+                <a:tc>
+                  <a:txBody>
+                    <a:bodyPr/>
+                    <a:lstStyle/>
+                    <a:p>
+                      <a:r>
+                        <a:rPr lang="ru-RU" sz="1800" b="1" kern="1200" baseline="0" dirty="0" smtClean="0">
+                          <a:solidFill>
+                            <a:schemeClr val="bg1"/>
+                          </a:solidFill>
+                          <a:latin typeface="+mj-lt"/>
+                          <a:ea typeface="+mn-ea"/>
+                          <a:cs typeface="Courier New" pitchFamily="49" charset="0"/>
+                        </a:rPr>
+                        <a:t>Посимвольная дельта</a:t>
+                      </a:r>
+                    </a:p>
+                  </a:txBody>
+                  <a:tcPr>
+                    <a:solidFill>
+                      <a:schemeClr val="accent1"/>
+                    </a:solidFill>
+                  </a:tcPr>
+                </a:tc>
+              </a:tr>
+              <a:tr h="370840">
+                <a:tc vMerge="1">
+                  <a:txBody>
+                    <a:bodyPr/>
+                    <a:lstStyle/>
+                    <a:p>
+                      <a:endParaRPr lang="ru-RU" sz="2000" kern="1200" baseline="0" dirty="0" smtClean="0">
+                        <a:solidFill>
+                          <a:schemeClr val="dk1"/>
+                        </a:solidFill>
+                        <a:latin typeface="Courier New" pitchFamily="49" charset="0"/>
+                        <a:ea typeface="+mn-ea"/>
+                        <a:cs typeface="Courier New" pitchFamily="49" charset="0"/>
+                      </a:endParaRPr>
+                    </a:p>
+                  </a:txBody>
+                  <a:tcPr/>
+                </a:tc>
+                <a:tc vMerge="1">
+                  <a:txBody>
+                    <a:bodyPr/>
+                    <a:lstStyle/>
+                    <a:p>
+                      <a:endParaRPr lang="ru-RU" sz="2000" kern="1200" baseline="0" dirty="0" smtClean="0">
+                        <a:solidFill>
+                          <a:schemeClr val="dk1"/>
+                        </a:solidFill>
+                        <a:latin typeface="Courier New" pitchFamily="49" charset="0"/>
+                        <a:ea typeface="+mn-ea"/>
+                        <a:cs typeface="Courier New" pitchFamily="49" charset="0"/>
+                      </a:endParaRPr>
+                    </a:p>
+                  </a:txBody>
+                  <a:tcPr/>
+                </a:tc>
+                <a:tc>
+                  <a:txBody>
+                    <a:bodyPr/>
+                    <a:lstStyle/>
+                    <a:p>
+                      <a:pPr marL="0" marR="0" indent="0" algn="l" defTabSz="914400" rtl="0" eaLnBrk="1" fontAlgn="auto" latinLnBrk="0" hangingPunct="1">
+                        <a:lnSpc>
+                          <a:spcPct val="100000"/>
+                        </a:lnSpc>
+                        <a:spcBef>
+                          <a:spcPts val="0"/>
+                        </a:spcBef>
+                        <a:spcAft>
+                          <a:spcPts val="0"/>
+                        </a:spcAft>
+                        <a:buClrTx/>
+                        <a:buSzTx/>
+                        <a:buFontTx/>
+                        <a:buNone/>
+                        <a:tabLst/>
+                        <a:defRPr/>
+                      </a:pPr>
+                      <a:r>
+                        <a:rPr lang="ru-RU" sz="2000" kern="1200" baseline="0" dirty="0" smtClean="0">
+                          <a:solidFill>
+                            <a:schemeClr val="dk1"/>
+                          </a:solidFill>
+                          <a:latin typeface="Courier New" pitchFamily="49" charset="0"/>
+                          <a:ea typeface="+mn-ea"/>
+                          <a:cs typeface="Courier New" pitchFamily="49" charset="0"/>
+                        </a:rPr>
+                        <a:t>Ш</a:t>
+                      </a:r>
+                      <a:r>
+                        <a:rPr lang="ru-RU" sz="2000" b="0" u="none" strike="sngStrike" kern="1200" baseline="0" dirty="0" smtClean="0">
+                          <a:solidFill>
+                            <a:schemeClr val="tx1"/>
+                          </a:solidFill>
+                          <a:effectLst/>
+                          <a:latin typeface="Courier New" pitchFamily="49" charset="0"/>
+                          <a:ea typeface="+mn-ea"/>
+                          <a:cs typeface="Courier New" pitchFamily="49" charset="0"/>
+                        </a:rPr>
+                        <a:t>е</a:t>
+                      </a:r>
+                      <a:r>
+                        <a:rPr lang="ru-RU" sz="2000" kern="1200" baseline="0" dirty="0" smtClean="0">
+                          <a:solidFill>
+                            <a:schemeClr val="dk1"/>
+                          </a:solidFill>
+                          <a:latin typeface="Courier New" pitchFamily="49" charset="0"/>
+                          <a:ea typeface="+mn-ea"/>
+                          <a:cs typeface="Courier New" pitchFamily="49" charset="0"/>
+                        </a:rPr>
+                        <a:t>л</a:t>
+                      </a:r>
+                      <a:r>
+                        <a:rPr lang="ru-RU" sz="2000" b="1" u="sng" strike="noStrike" kern="1200" baseline="0" dirty="0" smtClean="0">
+                          <a:solidFill>
+                            <a:schemeClr val="dk1"/>
+                          </a:solidFill>
+                          <a:latin typeface="Courier New" pitchFamily="49" charset="0"/>
+                          <a:ea typeface="+mn-ea"/>
+                          <a:cs typeface="Courier New" pitchFamily="49" charset="0"/>
+                        </a:rPr>
+                        <a:t>а</a:t>
+                      </a:r>
+                      <a:r>
+                        <a:rPr lang="ru-RU" sz="2000" kern="1200" baseline="0" dirty="0" smtClean="0">
+                          <a:solidFill>
+                            <a:schemeClr val="dk1"/>
+                          </a:solidFill>
+                          <a:latin typeface="Courier New" pitchFamily="49" charset="0"/>
+                          <a:ea typeface="+mn-ea"/>
+                          <a:cs typeface="Courier New" pitchFamily="49" charset="0"/>
+                        </a:rPr>
+                        <a:t> </a:t>
+                      </a:r>
+                      <a:r>
+                        <a:rPr lang="ru-RU" sz="2000" b="1" u="sng" strike="noStrike" kern="1200" baseline="0" dirty="0" smtClean="0">
+                          <a:solidFill>
+                            <a:schemeClr val="dk1"/>
+                          </a:solidFill>
+                          <a:latin typeface="Courier New" pitchFamily="49" charset="0"/>
+                          <a:ea typeface="+mn-ea"/>
+                          <a:cs typeface="Courier New" pitchFamily="49" charset="0"/>
+                        </a:rPr>
+                        <a:t>С</a:t>
+                      </a:r>
+                      <a:r>
+                        <a:rPr lang="ru-RU" sz="2000" b="0" u="none" strike="sngStrike" kern="1200" baseline="0" dirty="0" smtClean="0">
+                          <a:solidFill>
+                            <a:schemeClr val="dk1"/>
+                          </a:solidFill>
+                          <a:latin typeface="Courier New" pitchFamily="49" charset="0"/>
+                          <a:ea typeface="+mn-ea"/>
+                          <a:cs typeface="Courier New" pitchFamily="49" charset="0"/>
+                        </a:rPr>
+                        <a:t>П</a:t>
+                      </a:r>
+                      <a:r>
+                        <a:rPr lang="ru-RU" sz="2000" kern="1200" baseline="0" dirty="0" smtClean="0">
+                          <a:solidFill>
+                            <a:schemeClr val="dk1"/>
+                          </a:solidFill>
+                          <a:latin typeface="Courier New" pitchFamily="49" charset="0"/>
+                          <a:ea typeface="+mn-ea"/>
+                          <a:cs typeface="Courier New" pitchFamily="49" charset="0"/>
+                        </a:rPr>
+                        <a:t>аша</a:t>
+                      </a:r>
+                      <a:br>
+                        <a:rPr lang="ru-RU" sz="2000" kern="1200" baseline="0" dirty="0" smtClean="0">
+                          <a:solidFill>
+                            <a:schemeClr val="dk1"/>
+                          </a:solidFill>
+                          <a:latin typeface="Courier New" pitchFamily="49" charset="0"/>
+                          <a:ea typeface="+mn-ea"/>
+                          <a:cs typeface="Courier New" pitchFamily="49" charset="0"/>
+                        </a:rPr>
+                      </a:br>
+                      <a:r>
+                        <a:rPr lang="ru-RU" sz="2000" kern="1200" baseline="0" dirty="0" smtClean="0">
+                          <a:solidFill>
+                            <a:schemeClr val="dk1"/>
+                          </a:solidFill>
+                          <a:latin typeface="Courier New" pitchFamily="49" charset="0"/>
+                          <a:ea typeface="+mn-ea"/>
+                          <a:cs typeface="Courier New" pitchFamily="49" charset="0"/>
+                        </a:rPr>
+                        <a:t>по шоссе</a:t>
+                      </a:r>
+                      <a:br>
+                        <a:rPr lang="ru-RU" sz="2000" kern="1200" baseline="0" dirty="0" smtClean="0">
+                          <a:solidFill>
+                            <a:schemeClr val="dk1"/>
+                          </a:solidFill>
+                          <a:latin typeface="Courier New" pitchFamily="49" charset="0"/>
+                          <a:ea typeface="+mn-ea"/>
+                          <a:cs typeface="Courier New" pitchFamily="49" charset="0"/>
+                        </a:rPr>
+                      </a:br>
+                      <a:r>
+                        <a:rPr lang="ru-RU" sz="2000" kern="1200" baseline="0" dirty="0" smtClean="0">
+                          <a:solidFill>
+                            <a:schemeClr val="dk1"/>
+                          </a:solidFill>
+                          <a:latin typeface="Courier New" pitchFamily="49" charset="0"/>
+                          <a:ea typeface="+mn-ea"/>
+                          <a:cs typeface="Courier New" pitchFamily="49" charset="0"/>
+                        </a:rPr>
+                        <a:t>и сосал</a:t>
+                      </a:r>
+                      <a:r>
+                        <a:rPr lang="ru-RU" sz="2000" b="1" u="sng" strike="noStrike" kern="1200" baseline="0" dirty="0" smtClean="0">
+                          <a:solidFill>
+                            <a:schemeClr val="dk1"/>
+                          </a:solidFill>
+                          <a:latin typeface="Courier New" pitchFamily="49" charset="0"/>
+                          <a:ea typeface="+mn-ea"/>
+                          <a:cs typeface="Courier New" pitchFamily="49" charset="0"/>
+                        </a:rPr>
+                        <a:t>а</a:t>
+                      </a:r>
+                      <a:r>
+                        <a:rPr lang="ru-RU" sz="2000" kern="1200" baseline="0" dirty="0" smtClean="0">
+                          <a:solidFill>
+                            <a:schemeClr val="dk1"/>
+                          </a:solidFill>
+                          <a:latin typeface="Courier New" pitchFamily="49" charset="0"/>
+                          <a:ea typeface="+mn-ea"/>
+                          <a:cs typeface="Courier New" pitchFamily="49" charset="0"/>
+                        </a:rPr>
+                        <a:t> сушку</a:t>
+                      </a:r>
+                    </a:p>
+                    <a:p>
+                      <a:pPr marL="0" marR="0" indent="0" algn="l" defTabSz="914400" rtl="0" eaLnBrk="1" fontAlgn="auto" latinLnBrk="0" hangingPunct="1">
+                        <a:lnSpc>
+                          <a:spcPct val="100000"/>
+                        </a:lnSpc>
+                        <a:spcBef>
+                          <a:spcPts val="0"/>
+                        </a:spcBef>
+                        <a:spcAft>
+                          <a:spcPts val="0"/>
+                        </a:spcAft>
+                        <a:buClrTx/>
+                        <a:buSzTx/>
+                        <a:buFontTx/>
+                        <a:buNone/>
+                        <a:tabLst/>
+                        <a:defRPr/>
+                      </a:pPr>
+                      <a:endParaRPr lang="ru-RU" sz="2000" kern="1200" baseline="0" dirty="0" smtClean="0">
+                        <a:solidFill>
+                          <a:schemeClr val="dk1"/>
+                        </a:solidFill>
+                        <a:latin typeface="Courier New" pitchFamily="49" charset="0"/>
+                        <a:ea typeface="+mn-ea"/>
+                        <a:cs typeface="Courier New" pitchFamily="49" charset="0"/>
+                      </a:endParaRPr>
+                    </a:p>
+                  </a:txBody>
+                  <a:tcPr/>
+                </a:tc>
+              </a:tr>
+            </a:tbl>
+          </a:graphicData>
+        </a:graphic>
+      </p:graphicFrame>
     </p:spTree>
   </p:cSld>
   <p:clrMapOvr>
@@ -3306,19 +3869,30 @@
           <a:p>
             <a:r>
               <a:rPr lang="ru-RU" dirty="0" smtClean="0"/>
-              <a:t>Алгоритм </a:t>
+              <a:t>Алгоритм</a:t>
+            </a:r>
+            <a:r>
+              <a:rPr lang="en-US" dirty="0" smtClean="0"/>
+              <a:t> (</a:t>
             </a:r>
             <a:r>
               <a:rPr lang="ru-RU" dirty="0" smtClean="0"/>
-              <a:t>(часть 2)</a:t>
-            </a:r>
-            <a:endParaRPr lang="ru-RU" dirty="0"/>
+              <a:t>часть 1</a:t>
+            </a:r>
+            <a:r>
+              <a:rPr lang="en-US" dirty="0" smtClean="0"/>
+              <a:t>)</a:t>
+            </a:r>
+            <a:endParaRPr lang="ru-RU" dirty="0">
+              <a:latin typeface="Times New Roman" pitchFamily="18" charset="0"/>
+              <a:cs typeface="Times New Roman" pitchFamily="18" charset="0"/>
+            </a:endParaRPr>
           </a:p>
         </p:txBody>
       </p:sp>
       <p:pic>
         <p:nvPicPr>
-          <p:cNvPr id="4" name="Содержимое 3" descr="алгоритм2.png"/>
+          <p:cNvPr id="8" name="Содержимое 7" descr="алгоритм2.png"/>
           <p:cNvPicPr>
             <a:picLocks noGrp="1" noChangeAspect="1"/>
           </p:cNvPicPr>
@@ -3328,18 +3902,90 @@
         </p:nvPicPr>
         <p:blipFill>
           <a:blip r:embed="rId2" cstate="print"/>
-          <a:srcRect t="43078"/>
+          <a:srcRect r="10551" b="56732"/>
           <a:stretch>
             <a:fillRect/>
           </a:stretch>
         </p:blipFill>
         <p:spPr>
           <a:xfrm>
-            <a:off x="0" y="1484784"/>
-            <a:ext cx="8096266" cy="5233109"/>
+            <a:off x="251520" y="1268760"/>
+            <a:ext cx="8516606" cy="4677997"/>
           </a:xfrm>
+          <a:prstGeom prst="rect">
+            <a:avLst/>
+          </a:prstGeom>
+          <a:noFill/>
+          <a:ln>
+            <a:noFill/>
+          </a:ln>
         </p:spPr>
       </p:pic>
+      <p:sp>
+        <p:nvSpPr>
+          <p:cNvPr id="4" name="TextBox 3"/>
+          <p:cNvSpPr txBox="1"/>
+          <p:nvPr/>
+        </p:nvSpPr>
+        <p:spPr>
+          <a:xfrm>
+            <a:off x="2411760" y="6093296"/>
+            <a:ext cx="1944216" cy="369332"/>
+          </a:xfrm>
+          <a:prstGeom prst="rect">
+            <a:avLst/>
+          </a:prstGeom>
+          <a:noFill/>
+          <a:effectLst/>
+        </p:spPr>
+        <p:txBody>
+          <a:bodyPr wrap="square" rtlCol="0">
+            <a:spAutoFit/>
+          </a:bodyPr>
+          <a:lstStyle/>
+          <a:p>
+            <a:r>
+              <a:rPr lang="ru-RU" dirty="0" smtClean="0">
+                <a:latin typeface="Times New Roman" pitchFamily="18" charset="0"/>
+                <a:cs typeface="Times New Roman" pitchFamily="18" charset="0"/>
+              </a:rPr>
+              <a:t>Присвоить </a:t>
+            </a:r>
+            <a:r>
+              <a:rPr lang="en-US" dirty="0" smtClean="0">
+                <a:latin typeface="Times New Roman" pitchFamily="18" charset="0"/>
+                <a:cs typeface="Times New Roman" pitchFamily="18" charset="0"/>
+              </a:rPr>
+              <a:t>S</a:t>
+            </a:r>
+            <a:r>
+              <a:rPr lang="en-US" baseline="-25000" dirty="0" smtClean="0">
+                <a:latin typeface="Times New Roman" pitchFamily="18" charset="0"/>
+                <a:cs typeface="Times New Roman" pitchFamily="18" charset="0"/>
+              </a:rPr>
+              <a:t>t</a:t>
+            </a:r>
+            <a:r>
+              <a:rPr lang="en-US" dirty="0" smtClean="0">
+                <a:latin typeface="Times New Roman" pitchFamily="18" charset="0"/>
+                <a:cs typeface="Times New Roman" pitchFamily="18" charset="0"/>
+              </a:rPr>
+              <a:t> = C</a:t>
+            </a:r>
+            <a:r>
+              <a:rPr lang="en-US" baseline="-25000" dirty="0" smtClean="0">
+                <a:latin typeface="Times New Roman" pitchFamily="18" charset="0"/>
+                <a:cs typeface="Times New Roman" pitchFamily="18" charset="0"/>
+              </a:rPr>
+              <a:t>t</a:t>
+            </a:r>
+            <a:endParaRPr lang="ru-RU" baseline="-25000" dirty="0">
+              <a:latin typeface="Times New Roman" pitchFamily="18" charset="0"/>
+              <a:cs typeface="Times New Roman" pitchFamily="18" charset="0"/>
+            </a:endParaRPr>
+          </a:p>
+        </p:txBody>
+      </p:sp>
     </p:spTree>
   </p:cSld>
   <p:clrMapOvr>
@@ -3389,15 +4035,30 @@
           <a:p>
             <a:r>
               <a:rPr lang="ru-RU" dirty="0" smtClean="0"/>
-              <a:t>Алгоритм (часть 2)</a:t>
-            </a:r>
-            <a:endParaRPr lang="ru-RU" dirty="0"/>
+              <a:t>Алгоритм</a:t>
+            </a:r>
+            <a:r>
+              <a:rPr lang="en-US" dirty="0" smtClean="0"/>
+              <a:t> (</a:t>
+            </a:r>
+            <a:r>
+              <a:rPr lang="ru-RU" dirty="0" smtClean="0"/>
+              <a:t>часть 1</a:t>
+            </a:r>
+            <a:r>
+              <a:rPr lang="en-US" dirty="0" smtClean="0"/>
+              <a:t>)</a:t>
+            </a:r>
+            <a:endParaRPr lang="ru-RU" dirty="0">
+              <a:latin typeface="Times New Roman" pitchFamily="18" charset="0"/>
+              <a:cs typeface="Times New Roman" pitchFamily="18" charset="0"/>
+            </a:endParaRPr>
           </a:p>
         </p:txBody>
       </p:sp>
       <p:pic>
         <p:nvPicPr>
-          <p:cNvPr id="4" name="Содержимое 3" descr="алгоритм2.6.png"/>
+          <p:cNvPr id="8" name="Содержимое 7" descr="алгоритм2.png"/>
           <p:cNvPicPr>
             <a:picLocks noGrp="1" noChangeAspect="1"/>
           </p:cNvPicPr>
@@ -3407,18 +4068,83 @@
         </p:nvPicPr>
         <p:blipFill>
           <a:blip r:embed="rId2" cstate="print"/>
-          <a:srcRect t="43078"/>
+          <a:srcRect r="8489" b="56708"/>
           <a:stretch>
             <a:fillRect/>
           </a:stretch>
         </p:blipFill>
         <p:spPr>
           <a:xfrm>
-            <a:off x="0" y="1484784"/>
-            <a:ext cx="8096266" cy="5233109"/>
+            <a:off x="251520" y="1268760"/>
+            <a:ext cx="8712968" cy="4680520"/>
           </a:xfrm>
         </p:spPr>
       </p:pic>
+      <p:sp>
+        <p:nvSpPr>
+          <p:cNvPr id="4" name="TextBox 3"/>
+          <p:cNvSpPr txBox="1"/>
+          <p:nvPr/>
+        </p:nvSpPr>
+        <p:spPr>
+          <a:xfrm>
+            <a:off x="2411760" y="6093296"/>
+            <a:ext cx="1944216" cy="369332"/>
+          </a:xfrm>
+          <a:prstGeom prst="rect">
+            <a:avLst/>
+          </a:prstGeom>
+          <a:noFill/>
+          <a:effectLst/>
+        </p:spPr>
+        <p:txBody>
+          <a:bodyPr wrap="square" rtlCol="0">
+            <a:spAutoFit/>
+          </a:bodyPr>
+          <a:lstStyle/>
+          <a:p>
+            <a:r>
+              <a:rPr lang="ru-RU" dirty="0" smtClean="0">
+                <a:latin typeface="Times New Roman" pitchFamily="18" charset="0"/>
+                <a:cs typeface="Times New Roman" pitchFamily="18" charset="0"/>
+              </a:rPr>
+              <a:t>Присвоить </a:t>
+            </a:r>
+            <a:r>
+              <a:rPr lang="en-US" dirty="0" smtClean="0">
+                <a:latin typeface="Times New Roman" pitchFamily="18" charset="0"/>
+                <a:cs typeface="Times New Roman" pitchFamily="18" charset="0"/>
+              </a:rPr>
+              <a:t>S</a:t>
+            </a:r>
+            <a:r>
+              <a:rPr lang="en-US" baseline="-25000" dirty="0" smtClean="0">
+                <a:latin typeface="Times New Roman" pitchFamily="18" charset="0"/>
+                <a:cs typeface="Times New Roman" pitchFamily="18" charset="0"/>
+              </a:rPr>
+              <a:t>t</a:t>
+            </a:r>
+            <a:r>
+              <a:rPr lang="en-US" dirty="0" smtClean="0">
+                <a:latin typeface="Times New Roman" pitchFamily="18" charset="0"/>
+                <a:cs typeface="Times New Roman" pitchFamily="18" charset="0"/>
+              </a:rPr>
+              <a:t> = C</a:t>
+            </a:r>
+            <a:r>
+              <a:rPr lang="en-US" baseline="-25000" dirty="0" smtClean="0">
+                <a:latin typeface="Times New Roman" pitchFamily="18" charset="0"/>
+                <a:cs typeface="Times New Roman" pitchFamily="18" charset="0"/>
+              </a:rPr>
+              <a:t>t</a:t>
+            </a:r>
+            <a:endParaRPr lang="ru-RU" baseline="-25000" dirty="0">
+              <a:latin typeface="Times New Roman" pitchFamily="18" charset="0"/>
+              <a:cs typeface="Times New Roman" pitchFamily="18" charset="0"/>
+            </a:endParaRPr>
+          </a:p>
+        </p:txBody>
+      </p:sp>
     </p:spTree>
   </p:cSld>
   <p:clrMapOvr>
@@ -3476,7 +4202,7 @@
       </p:sp>
       <p:pic>
         <p:nvPicPr>
-          <p:cNvPr id="4" name="Содержимое 3" descr="алгоритм2.6.png"/>
+          <p:cNvPr id="4" name="Содержимое 3" descr="алгоритм2.png"/>
           <p:cNvPicPr>
             <a:picLocks noGrp="1" noChangeAspect="1"/>
           </p:cNvPicPr>
@@ -3565,15 +4291,15 @@
         </p:nvPicPr>
         <p:blipFill>
           <a:blip r:embed="rId2" cstate="print"/>
-          <a:srcRect t="43406"/>
+          <a:srcRect t="43078"/>
           <a:stretch>
             <a:fillRect/>
           </a:stretch>
         </p:blipFill>
         <p:spPr>
           <a:xfrm>
-            <a:off x="0" y="1512000"/>
-            <a:ext cx="8096266" cy="5202925"/>
+            <a:off x="0" y="1484784"/>
+            <a:ext cx="8096266" cy="5233109"/>
           </a:xfrm>
         </p:spPr>
       </p:pic>
@@ -3723,15 +4449,15 @@
         </p:nvPicPr>
         <p:blipFill>
           <a:blip r:embed="rId2" cstate="print"/>
-          <a:srcRect t="43073"/>
+          <a:srcRect t="43406"/>
           <a:stretch>
             <a:fillRect/>
           </a:stretch>
         </p:blipFill>
         <p:spPr>
           <a:xfrm>
-            <a:off x="0" y="1484784"/>
-            <a:ext cx="8161036" cy="5235775"/>
+            <a:off x="0" y="1512000"/>
+            <a:ext cx="8096266" cy="5202925"/>
           </a:xfrm>
         </p:spPr>
       </p:pic>
@@ -3779,47 +4505,455 @@
         </p:nvSpPr>
         <p:spPr/>
         <p:txBody>
-          <a:bodyPr>
-            <a:normAutofit fontScale="90000"/>
-          </a:bodyPr>
+          <a:bodyPr/>
           <a:lstStyle/>
           <a:p>
             <a:r>
               <a:rPr lang="ru-RU" dirty="0" smtClean="0"/>
-              <a:t>Общая последовательность работы</a:t>
+              <a:t>Применение дельты</a:t>
             </a:r>
             <a:endParaRPr lang="ru-RU" dirty="0"/>
           </a:p>
         </p:txBody>
       </p:sp>
-      <p:pic>
-        <p:nvPicPr>
-          <p:cNvPr id="4" name="Содержимое 3" descr="алгоритм3.png"/>
-          <p:cNvPicPr>
-            <a:picLocks noGrp="1" noChangeAspect="1"/>
-          </p:cNvPicPr>
+      <p:graphicFrame>
+        <p:nvGraphicFramePr>
+          <p:cNvPr id="4" name="Содержимое 3"/>
+          <p:cNvGraphicFramePr>
+            <a:graphicFrameLocks noGrp="1"/>
+          </p:cNvGraphicFramePr>
           <p:nvPr>
             <p:ph idx="1"/>
           </p:nvPr>
-        </p:nvPicPr>
-        <p:blipFill>
-          <a:blip r:embed="rId2" cstate="print"/>
-          <a:stretch>
-            <a:fillRect/>
-          </a:stretch>
-        </p:blipFill>
-        <p:spPr>
-          <a:xfrm>
-            <a:off x="1547664" y="1556792"/>
-            <a:ext cx="6016764" cy="4800611"/>
-          </a:xfrm>
-        </p:spPr>
-      </p:pic>
+        </p:nvGraphicFramePr>
+        <p:xfrm>
+          <a:off x="457200" y="1600200"/>
+          <a:ext cx="8219256" cy="1986280"/>
+        </p:xfrm>
+        <a:graphic>
+          <a:graphicData uri="http://schemas.openxmlformats.org/drawingml/2006/table">
+            <a:tbl>
+              <a:tblPr firstRow="1" bandRow="1">
+                <a:tableStyleId>{5C22544A-7EE6-4342-B048-85BDC9FD1C3A}</a:tableStyleId>
+              </a:tblPr>
+              <a:tblGrid>
+                <a:gridCol w="2739752"/>
+                <a:gridCol w="2739752"/>
+                <a:gridCol w="2739752"/>
+              </a:tblGrid>
+              <a:tr h="370840">
+                <a:tc>
+                  <a:txBody>
+                    <a:bodyPr/>
+                    <a:lstStyle/>
+                    <a:p>
+                      <a:r>
+                        <a:rPr lang="ru-RU" dirty="0" smtClean="0"/>
+                        <a:t>Последняя</a:t>
+                      </a:r>
+                      <a:r>
+                        <a:rPr lang="ru-RU" baseline="0" dirty="0" smtClean="0"/>
+                        <a:t> </a:t>
+                      </a:r>
+                      <a:r>
+                        <a:rPr lang="ru-RU" baseline="0" dirty="0" err="1" smtClean="0"/>
+                        <a:t>синх</a:t>
+                      </a:r>
+                      <a:r>
+                        <a:rPr lang="ru-RU" baseline="0" dirty="0" smtClean="0"/>
+                        <a:t>. версия</a:t>
+                      </a:r>
+                      <a:endParaRPr lang="ru-RU" dirty="0"/>
+                    </a:p>
+                  </a:txBody>
+                  <a:tcPr/>
+                </a:tc>
+                <a:tc>
+                  <a:txBody>
+                    <a:bodyPr/>
+                    <a:lstStyle/>
+                    <a:p>
+                      <a:r>
+                        <a:rPr lang="ru-RU" dirty="0" smtClean="0"/>
+                        <a:t>Посимвольная</a:t>
+                      </a:r>
+                      <a:r>
+                        <a:rPr lang="ru-RU" baseline="0" dirty="0" smtClean="0"/>
+                        <a:t> д</a:t>
+                      </a:r>
+                      <a:r>
+                        <a:rPr lang="ru-RU" dirty="0" smtClean="0"/>
+                        <a:t>ельта</a:t>
+                      </a:r>
+                      <a:endParaRPr lang="ru-RU" dirty="0"/>
+                    </a:p>
+                  </a:txBody>
+                  <a:tcPr/>
+                </a:tc>
+                <a:tc>
+                  <a:txBody>
+                    <a:bodyPr/>
+                    <a:lstStyle/>
+                    <a:p>
+                      <a:r>
+                        <a:rPr lang="ru-RU" dirty="0" smtClean="0"/>
+                        <a:t>Результат</a:t>
+                      </a:r>
+                      <a:endParaRPr lang="ru-RU" dirty="0"/>
+                    </a:p>
+                  </a:txBody>
+                  <a:tcPr/>
+                </a:tc>
+              </a:tr>
+              <a:tr h="370840">
+                <a:tc>
+                  <a:txBody>
+                    <a:bodyPr/>
+                    <a:lstStyle/>
+                    <a:p>
+                      <a:pPr algn="l"/>
+                      <a:r>
+                        <a:rPr lang="ru-RU" sz="2000" kern="1200" baseline="0" dirty="0" smtClean="0">
+                          <a:solidFill>
+                            <a:schemeClr val="dk1"/>
+                          </a:solidFill>
+                          <a:latin typeface="Courier New" pitchFamily="49" charset="0"/>
+                          <a:ea typeface="+mn-ea"/>
+                          <a:cs typeface="Courier New" pitchFamily="49" charset="0"/>
+                        </a:rPr>
+                        <a:t>Шел Паша </a:t>
+                      </a:r>
+                    </a:p>
+                    <a:p>
+                      <a:pPr algn="l"/>
+                      <a:r>
+                        <a:rPr lang="ru-RU" sz="2000" kern="1200" baseline="0" dirty="0" smtClean="0">
+                          <a:solidFill>
+                            <a:schemeClr val="dk1"/>
+                          </a:solidFill>
+                          <a:latin typeface="Courier New" pitchFamily="49" charset="0"/>
+                          <a:ea typeface="+mn-ea"/>
+                          <a:cs typeface="Courier New" pitchFamily="49" charset="0"/>
+                        </a:rPr>
+                        <a:t>по шоссе </a:t>
+                      </a:r>
+                    </a:p>
+                    <a:p>
+                      <a:pPr algn="l"/>
+                      <a:r>
+                        <a:rPr lang="ru-RU" sz="2000" kern="1200" baseline="0" dirty="0" smtClean="0">
+                          <a:solidFill>
+                            <a:schemeClr val="dk1"/>
+                          </a:solidFill>
+                          <a:latin typeface="Courier New" pitchFamily="49" charset="0"/>
+                          <a:ea typeface="+mn-ea"/>
+                          <a:cs typeface="Courier New" pitchFamily="49" charset="0"/>
+                        </a:rPr>
+                        <a:t>и сосал сушку</a:t>
+                      </a:r>
+                    </a:p>
+                  </a:txBody>
+                  <a:tcPr anchor="ctr"/>
+                </a:tc>
+                <a:tc>
+                  <a:txBody>
+                    <a:bodyPr/>
+                    <a:lstStyle/>
+                    <a:p>
+                      <a:pPr marL="0" marR="0" indent="0" algn="l" defTabSz="914400" rtl="0" eaLnBrk="1" fontAlgn="auto" latinLnBrk="0" hangingPunct="1">
+                        <a:lnSpc>
+                          <a:spcPct val="100000"/>
+                        </a:lnSpc>
+                        <a:spcBef>
+                          <a:spcPts val="0"/>
+                        </a:spcBef>
+                        <a:spcAft>
+                          <a:spcPts val="0"/>
+                        </a:spcAft>
+                        <a:buClrTx/>
+                        <a:buSzTx/>
+                        <a:buFontTx/>
+                        <a:buNone/>
+                        <a:tabLst/>
+                        <a:defRPr/>
+                      </a:pPr>
+                      <a:endParaRPr lang="ru-RU" sz="2000" kern="1200" baseline="0" dirty="0" smtClean="0">
+                        <a:solidFill>
+                          <a:schemeClr val="dk1"/>
+                        </a:solidFill>
+                        <a:latin typeface="Courier New" pitchFamily="49" charset="0"/>
+                        <a:ea typeface="+mn-ea"/>
+                        <a:cs typeface="Courier New" pitchFamily="49" charset="0"/>
+                      </a:endParaRPr>
+                    </a:p>
+                    <a:p>
+                      <a:pPr marL="0" marR="0" indent="0" algn="l" defTabSz="914400" rtl="0" eaLnBrk="1" fontAlgn="auto" latinLnBrk="0" hangingPunct="1">
+                        <a:lnSpc>
+                          <a:spcPct val="100000"/>
+                        </a:lnSpc>
+                        <a:spcBef>
+                          <a:spcPts val="0"/>
+                        </a:spcBef>
+                        <a:spcAft>
+                          <a:spcPts val="0"/>
+                        </a:spcAft>
+                        <a:buClrTx/>
+                        <a:buSzTx/>
+                        <a:buFontTx/>
+                        <a:buNone/>
+                        <a:tabLst/>
+                        <a:defRPr/>
+                      </a:pPr>
+                      <a:r>
+                        <a:rPr lang="ru-RU" sz="2000" kern="1200" baseline="0" dirty="0" smtClean="0">
+                          <a:solidFill>
+                            <a:schemeClr val="dk1"/>
+                          </a:solidFill>
+                          <a:latin typeface="Courier New" pitchFamily="49" charset="0"/>
+                          <a:ea typeface="+mn-ea"/>
+                          <a:cs typeface="Courier New" pitchFamily="49" charset="0"/>
+                        </a:rPr>
+                        <a:t>Ш</a:t>
+                      </a:r>
+                      <a:r>
+                        <a:rPr lang="ru-RU" sz="2000" b="0" u="none" strike="sngStrike" kern="1200" baseline="0" dirty="0" smtClean="0">
+                          <a:solidFill>
+                            <a:schemeClr val="tx1"/>
+                          </a:solidFill>
+                          <a:effectLst/>
+                          <a:latin typeface="Courier New" pitchFamily="49" charset="0"/>
+                          <a:ea typeface="+mn-ea"/>
+                          <a:cs typeface="Courier New" pitchFamily="49" charset="0"/>
+                        </a:rPr>
+                        <a:t>е</a:t>
+                      </a:r>
+                      <a:r>
+                        <a:rPr lang="ru-RU" sz="2000" kern="1200" baseline="0" dirty="0" smtClean="0">
+                          <a:solidFill>
+                            <a:schemeClr val="dk1"/>
+                          </a:solidFill>
+                          <a:latin typeface="Courier New" pitchFamily="49" charset="0"/>
+                          <a:ea typeface="+mn-ea"/>
+                          <a:cs typeface="Courier New" pitchFamily="49" charset="0"/>
+                        </a:rPr>
+                        <a:t>л</a:t>
+                      </a:r>
+                      <a:r>
+                        <a:rPr lang="ru-RU" sz="2000" b="1" u="sng" strike="noStrike" kern="1200" baseline="0" dirty="0" smtClean="0">
+                          <a:solidFill>
+                            <a:schemeClr val="dk1"/>
+                          </a:solidFill>
+                          <a:latin typeface="Courier New" pitchFamily="49" charset="0"/>
+                          <a:ea typeface="+mn-ea"/>
+                          <a:cs typeface="Courier New" pitchFamily="49" charset="0"/>
+                        </a:rPr>
+                        <a:t>а</a:t>
+                      </a:r>
+                      <a:r>
+                        <a:rPr lang="ru-RU" sz="2000" kern="1200" baseline="0" dirty="0" smtClean="0">
+                          <a:solidFill>
+                            <a:schemeClr val="dk1"/>
+                          </a:solidFill>
+                          <a:latin typeface="Courier New" pitchFamily="49" charset="0"/>
+                          <a:ea typeface="+mn-ea"/>
+                          <a:cs typeface="Courier New" pitchFamily="49" charset="0"/>
+                        </a:rPr>
+                        <a:t> </a:t>
+                      </a:r>
+                      <a:r>
+                        <a:rPr lang="ru-RU" sz="2000" b="1" u="sng" strike="noStrike" kern="1200" baseline="0" dirty="0" smtClean="0">
+                          <a:solidFill>
+                            <a:schemeClr val="dk1"/>
+                          </a:solidFill>
+                          <a:latin typeface="Courier New" pitchFamily="49" charset="0"/>
+                          <a:ea typeface="+mn-ea"/>
+                          <a:cs typeface="Courier New" pitchFamily="49" charset="0"/>
+                        </a:rPr>
+                        <a:t>С</a:t>
+                      </a:r>
+                      <a:r>
+                        <a:rPr lang="ru-RU" sz="2000" b="0" u="none" strike="sngStrike" kern="1200" baseline="0" dirty="0" smtClean="0">
+                          <a:solidFill>
+                            <a:schemeClr val="dk1"/>
+                          </a:solidFill>
+                          <a:latin typeface="Courier New" pitchFamily="49" charset="0"/>
+                          <a:ea typeface="+mn-ea"/>
+                          <a:cs typeface="Courier New" pitchFamily="49" charset="0"/>
+                        </a:rPr>
+                        <a:t>П</a:t>
+                      </a:r>
+                      <a:r>
+                        <a:rPr lang="ru-RU" sz="2000" kern="1200" baseline="0" dirty="0" smtClean="0">
+                          <a:solidFill>
+                            <a:schemeClr val="dk1"/>
+                          </a:solidFill>
+                          <a:latin typeface="Courier New" pitchFamily="49" charset="0"/>
+                          <a:ea typeface="+mn-ea"/>
+                          <a:cs typeface="Courier New" pitchFamily="49" charset="0"/>
+                        </a:rPr>
+                        <a:t>аша</a:t>
+                      </a:r>
+                      <a:br>
+                        <a:rPr lang="ru-RU" sz="2000" kern="1200" baseline="0" dirty="0" smtClean="0">
+                          <a:solidFill>
+                            <a:schemeClr val="dk1"/>
+                          </a:solidFill>
+                          <a:latin typeface="Courier New" pitchFamily="49" charset="0"/>
+                          <a:ea typeface="+mn-ea"/>
+                          <a:cs typeface="Courier New" pitchFamily="49" charset="0"/>
+                        </a:rPr>
+                      </a:br>
+                      <a:r>
+                        <a:rPr lang="ru-RU" sz="2000" kern="1200" baseline="0" dirty="0" smtClean="0">
+                          <a:solidFill>
+                            <a:schemeClr val="dk1"/>
+                          </a:solidFill>
+                          <a:latin typeface="Courier New" pitchFamily="49" charset="0"/>
+                          <a:ea typeface="+mn-ea"/>
+                          <a:cs typeface="Courier New" pitchFamily="49" charset="0"/>
+                        </a:rPr>
+                        <a:t>по шоссе</a:t>
+                      </a:r>
+                      <a:br>
+                        <a:rPr lang="ru-RU" sz="2000" kern="1200" baseline="0" dirty="0" smtClean="0">
+                          <a:solidFill>
+                            <a:schemeClr val="dk1"/>
+                          </a:solidFill>
+                          <a:latin typeface="Courier New" pitchFamily="49" charset="0"/>
+                          <a:ea typeface="+mn-ea"/>
+                          <a:cs typeface="Courier New" pitchFamily="49" charset="0"/>
+                        </a:rPr>
+                      </a:br>
+                      <a:r>
+                        <a:rPr lang="ru-RU" sz="2000" kern="1200" baseline="0" dirty="0" smtClean="0">
+                          <a:solidFill>
+                            <a:schemeClr val="dk1"/>
+                          </a:solidFill>
+                          <a:latin typeface="Courier New" pitchFamily="49" charset="0"/>
+                          <a:ea typeface="+mn-ea"/>
+                          <a:cs typeface="Courier New" pitchFamily="49" charset="0"/>
+                        </a:rPr>
+                        <a:t>и сосал</a:t>
+                      </a:r>
+                      <a:r>
+                        <a:rPr lang="ru-RU" sz="2000" b="1" u="sng" strike="noStrike" kern="1200" baseline="0" dirty="0" smtClean="0">
+                          <a:solidFill>
+                            <a:schemeClr val="dk1"/>
+                          </a:solidFill>
+                          <a:latin typeface="Courier New" pitchFamily="49" charset="0"/>
+                          <a:ea typeface="+mn-ea"/>
+                          <a:cs typeface="Courier New" pitchFamily="49" charset="0"/>
+                        </a:rPr>
+                        <a:t>а</a:t>
+                      </a:r>
+                      <a:r>
+                        <a:rPr lang="ru-RU" sz="2000" kern="1200" baseline="0" dirty="0" smtClean="0">
+                          <a:solidFill>
+                            <a:schemeClr val="dk1"/>
+                          </a:solidFill>
+                          <a:latin typeface="Courier New" pitchFamily="49" charset="0"/>
+                          <a:ea typeface="+mn-ea"/>
+                          <a:cs typeface="Courier New" pitchFamily="49" charset="0"/>
+                        </a:rPr>
+                        <a:t> сушку</a:t>
+                      </a:r>
+                    </a:p>
+                    <a:p>
+                      <a:pPr marL="0" marR="0" indent="0" algn="l" defTabSz="914400" rtl="0" eaLnBrk="1" fontAlgn="auto" latinLnBrk="0" hangingPunct="1">
+                        <a:lnSpc>
+                          <a:spcPct val="100000"/>
+                        </a:lnSpc>
+                        <a:spcBef>
+                          <a:spcPts val="0"/>
+                        </a:spcBef>
+                        <a:spcAft>
+                          <a:spcPts val="0"/>
+                        </a:spcAft>
+                        <a:buClrTx/>
+                        <a:buSzTx/>
+                        <a:buFontTx/>
+                        <a:buNone/>
+                        <a:tabLst/>
+                        <a:defRPr/>
+                      </a:pPr>
+                      <a:endParaRPr lang="ru-RU" sz="2000" kern="1200" baseline="0" dirty="0" smtClean="0">
+                        <a:solidFill>
+                          <a:schemeClr val="dk1"/>
+                        </a:solidFill>
+                        <a:latin typeface="Courier New" pitchFamily="49" charset="0"/>
+                        <a:ea typeface="+mn-ea"/>
+                        <a:cs typeface="Courier New" pitchFamily="49" charset="0"/>
+                      </a:endParaRPr>
+                    </a:p>
+                  </a:txBody>
+                  <a:tcPr anchor="ctr"/>
+                </a:tc>
+                <a:tc>
+                  <a:txBody>
+                    <a:bodyPr/>
+                    <a:lstStyle/>
+                    <a:p>
+                      <a:pPr algn="l"/>
+                      <a:r>
+                        <a:rPr lang="ru-RU" sz="2000" kern="1200" baseline="0" dirty="0" smtClean="0">
+                          <a:solidFill>
+                            <a:schemeClr val="dk1"/>
+                          </a:solidFill>
+                          <a:latin typeface="Courier New" pitchFamily="49" charset="0"/>
+                          <a:ea typeface="+mn-ea"/>
+                          <a:cs typeface="Courier New" pitchFamily="49" charset="0"/>
+                        </a:rPr>
+                        <a:t>Шла Саша </a:t>
+                      </a:r>
+                    </a:p>
+                    <a:p>
+                      <a:pPr algn="l"/>
+                      <a:r>
+                        <a:rPr lang="ru-RU" sz="2000" kern="1200" baseline="0" dirty="0" smtClean="0">
+                          <a:solidFill>
+                            <a:schemeClr val="dk1"/>
+                          </a:solidFill>
+                          <a:latin typeface="Courier New" pitchFamily="49" charset="0"/>
+                          <a:ea typeface="+mn-ea"/>
+                          <a:cs typeface="Courier New" pitchFamily="49" charset="0"/>
+                        </a:rPr>
+                        <a:t>по шоссе </a:t>
+                      </a:r>
+                    </a:p>
+                    <a:p>
+                      <a:pPr algn="l"/>
+                      <a:r>
+                        <a:rPr lang="ru-RU" sz="2000" kern="1200" baseline="0" dirty="0" smtClean="0">
+                          <a:solidFill>
+                            <a:schemeClr val="dk1"/>
+                          </a:solidFill>
+                          <a:latin typeface="Courier New" pitchFamily="49" charset="0"/>
+                          <a:ea typeface="+mn-ea"/>
+                          <a:cs typeface="Courier New" pitchFamily="49" charset="0"/>
+                        </a:rPr>
+                        <a:t>и сосала сушку</a:t>
+                      </a:r>
+                    </a:p>
+                  </a:txBody>
+                  <a:tcPr anchor="ctr"/>
+                </a:tc>
+              </a:tr>
+            </a:tbl>
+          </a:graphicData>
+        </a:graphic>
+      </p:graphicFrame>
     </p:spTree>
   </p:cSld>
   <p:clrMapOvr>
     <a:masterClrMapping/>
   </p:clrMapOvr>
+  <p:timing>
+    <p:tnLst>
+      <p:par>
+        <p:cTn id="1" dur="indefinite" restart="never" nodeType="tmRoot"/>
+      </p:par>
+    </p:tnLst>
+  </p:timing>
 </p:sld>
 </file>
 
@@ -3852,58 +4986,41 @@
         </p:nvSpPr>
         <p:spPr/>
         <p:txBody>
-          <a:bodyPr>
-            <a:normAutofit/>
-          </a:bodyPr>
+          <a:bodyPr/>
           <a:lstStyle/>
           <a:p>
             <a:r>
               <a:rPr lang="ru-RU" dirty="0" smtClean="0"/>
-              <a:t>Дальнейшее развитие проекта</a:t>
+              <a:t>Алгоритм (часть 2)</a:t>
             </a:r>
             <a:endParaRPr lang="ru-RU" dirty="0"/>
           </a:p>
         </p:txBody>
       </p:sp>
-      <p:sp>
-        <p:nvSpPr>
-          <p:cNvPr id="3" name="Содержимое 2"/>
-          <p:cNvSpPr>
-            <a:spLocks noGrp="1"/>
-          </p:cNvSpPr>
+      <p:pic>
+        <p:nvPicPr>
+          <p:cNvPr id="4" name="Содержимое 3" descr="алгоритм2.6.png"/>
+          <p:cNvPicPr>
+            <a:picLocks noGrp="1" noChangeAspect="1"/>
+          </p:cNvPicPr>
           <p:nvPr>
             <p:ph idx="1"/>
           </p:nvPr>
-        </p:nvSpPr>
-        <p:spPr/>
-        <p:txBody>
-          <a:bodyPr>
-            <a:normAutofit/>
-          </a:bodyPr>
-          <a:lstStyle/>
-          <a:p>
-            <a:pPr marL="514350" indent="-514350">
-              <a:buNone/>
-            </a:pPr>
-            <a:r>
-              <a:rPr lang="ru-RU" dirty="0" smtClean="0"/>
-              <a:t>	Предоставление возможности отправлять непрерывный поток обновлений в каждом из направлений, не дожидаясь наличия маркера.</a:t>
-            </a:r>
-          </a:p>
-          <a:p>
-            <a:pPr marL="514350" indent="-514350">
-              <a:buNone/>
-            </a:pPr>
-            <a:endParaRPr lang="ru-RU" dirty="0" smtClean="0"/>
-          </a:p>
-          <a:p>
-            <a:pPr marL="514350" indent="-514350">
-              <a:buNone/>
-            </a:pPr>
-            <a:endParaRPr lang="ru-RU" dirty="0"/>
-          </a:p>
-        </p:txBody>
-      </p:sp>
+        </p:nvPicPr>
+        <p:blipFill>
+          <a:blip r:embed="rId2" cstate="print"/>
+          <a:srcRect t="43078"/>
+          <a:stretch>
+            <a:fillRect/>
+          </a:stretch>
+        </p:blipFill>
+        <p:spPr>
+          <a:xfrm>
+            <a:off x="0" y="1484784"/>
+            <a:ext cx="8096266" cy="5233109"/>
+          </a:xfrm>
+        </p:spPr>
+      </p:pic>
     </p:spTree>
   </p:cSld>
   <p:clrMapOvr>
@@ -3948,58 +5065,41 @@
         </p:nvSpPr>
         <p:spPr/>
         <p:txBody>
-          <a:bodyPr>
-            <a:normAutofit/>
-          </a:bodyPr>
+          <a:bodyPr/>
           <a:lstStyle/>
           <a:p>
             <a:r>
               <a:rPr lang="ru-RU" dirty="0" smtClean="0"/>
-              <a:t>Дальнейшее развитие проекта</a:t>
+              <a:t>Алгоритм (часть 2)</a:t>
             </a:r>
             <a:endParaRPr lang="ru-RU" dirty="0"/>
           </a:p>
         </p:txBody>
       </p:sp>
-      <p:sp>
-        <p:nvSpPr>
-          <p:cNvPr id="3" name="Содержимое 2"/>
-          <p:cNvSpPr>
-            <a:spLocks noGrp="1"/>
-          </p:cNvSpPr>
+      <p:pic>
+        <p:nvPicPr>
+          <p:cNvPr id="4" name="Содержимое 3" descr="алгоритм2.6.png"/>
+          <p:cNvPicPr>
+            <a:picLocks noGrp="1" noChangeAspect="1"/>
+          </p:cNvPicPr>
           <p:nvPr>
             <p:ph idx="1"/>
           </p:nvPr>
-        </p:nvSpPr>
-        <p:spPr/>
-        <p:txBody>
-          <a:bodyPr>
-            <a:normAutofit/>
-          </a:bodyPr>
-          <a:lstStyle/>
-          <a:p>
-            <a:pPr marL="514350" indent="-514350">
-              <a:buNone/>
-            </a:pPr>
-            <a:r>
-              <a:rPr lang="ru-RU" dirty="0" smtClean="0"/>
-              <a:t>	Добавление </a:t>
-            </a:r>
-            <a:r>
-              <a:rPr lang="ru-RU" dirty="0"/>
-              <a:t>функциональной возможности отслеживать, какой пользователь был ответственен за какие </a:t>
-            </a:r>
-            <a:r>
-              <a:rPr lang="ru-RU" dirty="0" smtClean="0"/>
-              <a:t>изменения общего </a:t>
-            </a:r>
-            <a:r>
-              <a:rPr lang="ru-RU" dirty="0"/>
-              <a:t>документа</a:t>
-            </a:r>
-          </a:p>
-        </p:txBody>
-      </p:sp>
+        </p:nvPicPr>
+        <p:blipFill>
+          <a:blip r:embed="rId2" cstate="print"/>
+          <a:srcRect t="43073"/>
+          <a:stretch>
+            <a:fillRect/>
+          </a:stretch>
+        </p:blipFill>
+        <p:spPr>
+          <a:xfrm>
+            <a:off x="0" y="1484784"/>
+            <a:ext cx="8161036" cy="5235775"/>
+          </a:xfrm>
+        </p:spPr>
+      </p:pic>
     </p:spTree>
   </p:cSld>
   <p:clrMapOvr>
@@ -4049,7 +5149,7 @@
           <a:p>
             <a:r>
               <a:rPr lang="ru-RU" dirty="0" smtClean="0"/>
-              <a:t>Цели и задачи</a:t>
+              <a:t>Цель</a:t>
             </a:r>
             <a:endParaRPr lang="ru-RU" dirty="0"/>
           </a:p>
@@ -4111,6 +5211,1106 @@
 </file>
 
 <file path=ppt/slides/slide20.xml><?xml version="1.0" encoding="utf-8"?>
+<p:sld xmlns:a="http://schemas.openxmlformats.org/drawingml/2006/main" xmlns:r="http://schemas.openxmlformats.org/officeDocument/2006/relationships" xmlns:p="http://schemas.openxmlformats.org/presentationml/2006/main">
+  <p:cSld>
+    <p:spTree>
+      <p:nvGrpSpPr>
+        <p:cNvPr id="1" name=""/>
+        <p:cNvGrpSpPr/>
+        <p:nvPr/>
+      </p:nvGrpSpPr>
+      <p:grpSpPr>
+        <a:xfrm>
+          <a:off x="0" y="0"/>
+          <a:ext cx="0" cy="0"/>
+          <a:chOff x="0" y="0"/>
+          <a:chExt cx="0" cy="0"/>
+        </a:xfrm>
+      </p:grpSpPr>
+      <p:sp>
+        <p:nvSpPr>
+          <p:cNvPr id="2" name="Заголовок 1"/>
+          <p:cNvSpPr>
+            <a:spLocks noGrp="1"/>
+          </p:cNvSpPr>
+          <p:nvPr>
+            <p:ph type="title"/>
+          </p:nvPr>
+        </p:nvSpPr>
+        <p:spPr/>
+        <p:txBody>
+          <a:bodyPr>
+            <a:normAutofit fontScale="90000"/>
+          </a:bodyPr>
+          <a:lstStyle/>
+          <a:p>
+            <a:r>
+              <a:rPr lang="ru-RU" dirty="0" smtClean="0"/>
+              <a:t>Применение дельты с учетом ошибок</a:t>
+            </a:r>
+            <a:endParaRPr lang="ru-RU" dirty="0"/>
+          </a:p>
+        </p:txBody>
+      </p:sp>
+      <p:graphicFrame>
+        <p:nvGraphicFramePr>
+          <p:cNvPr id="4" name="Содержимое 3"/>
+          <p:cNvGraphicFramePr>
+            <a:graphicFrameLocks noGrp="1"/>
+          </p:cNvGraphicFramePr>
+          <p:nvPr>
+            <p:ph idx="1"/>
+          </p:nvPr>
+        </p:nvGraphicFramePr>
+        <p:xfrm>
+          <a:off x="457200" y="1600200"/>
+          <a:ext cx="8435280" cy="3972560"/>
+        </p:xfrm>
+        <a:graphic>
+          <a:graphicData uri="http://schemas.openxmlformats.org/drawingml/2006/table">
+            <a:tbl>
+              <a:tblPr firstRow="1" bandRow="1">
+                <a:tableStyleId>{5C22544A-7EE6-4342-B048-85BDC9FD1C3A}</a:tableStyleId>
+              </a:tblPr>
+              <a:tblGrid>
+                <a:gridCol w="3040539"/>
+                <a:gridCol w="2582981"/>
+                <a:gridCol w="2811760"/>
+              </a:tblGrid>
+              <a:tr h="370840">
+                <a:tc>
+                  <a:txBody>
+                    <a:bodyPr/>
+                    <a:lstStyle/>
+                    <a:p>
+                      <a:r>
+                        <a:rPr lang="ru-RU" dirty="0" smtClean="0"/>
+                        <a:t>Редактируемый текст</a:t>
+                      </a:r>
+                      <a:endParaRPr lang="ru-RU" dirty="0"/>
+                    </a:p>
+                  </a:txBody>
+                  <a:tcPr/>
+                </a:tc>
+                <a:tc>
+                  <a:txBody>
+                    <a:bodyPr/>
+                    <a:lstStyle/>
+                    <a:p>
+                      <a:r>
+                        <a:rPr lang="ru-RU" dirty="0" smtClean="0"/>
+                        <a:t>Посимвольная</a:t>
+                      </a:r>
+                      <a:r>
+                        <a:rPr lang="ru-RU" baseline="0" dirty="0" smtClean="0"/>
+                        <a:t> д</a:t>
+                      </a:r>
+                      <a:r>
+                        <a:rPr lang="ru-RU" dirty="0" smtClean="0"/>
+                        <a:t>ельта</a:t>
+                      </a:r>
+                      <a:endParaRPr lang="ru-RU" dirty="0"/>
+                    </a:p>
+                  </a:txBody>
+                  <a:tcPr/>
+                </a:tc>
+                <a:tc>
+                  <a:txBody>
+                    <a:bodyPr/>
+                    <a:lstStyle/>
+                    <a:p>
+                      <a:r>
+                        <a:rPr lang="ru-RU" dirty="0" smtClean="0"/>
+                        <a:t>Результат применения</a:t>
+                      </a:r>
+                      <a:endParaRPr lang="ru-RU" dirty="0"/>
+                    </a:p>
+                  </a:txBody>
+                  <a:tcPr/>
+                </a:tc>
+              </a:tr>
+              <a:tr h="370840">
+                <a:tc rowSpan="3">
+                  <a:txBody>
+                    <a:bodyPr/>
+                    <a:lstStyle/>
+                    <a:p>
+                      <a:pPr algn="l"/>
+                      <a:r>
+                        <a:rPr lang="ru-RU" sz="2000" kern="1200" baseline="0" dirty="0" smtClean="0">
+                          <a:solidFill>
+                            <a:schemeClr val="dk1"/>
+                          </a:solidFill>
+                          <a:latin typeface="Courier New" pitchFamily="49" charset="0"/>
+                          <a:ea typeface="+mn-ea"/>
+                          <a:cs typeface="Courier New" pitchFamily="49" charset="0"/>
+                        </a:rPr>
+                        <a:t>Я увидел, что</a:t>
+                      </a:r>
+                    </a:p>
+                    <a:p>
+                      <a:pPr algn="l"/>
+                      <a:r>
+                        <a:rPr lang="ru-RU" sz="2000" kern="1200" baseline="0" dirty="0" smtClean="0">
+                          <a:solidFill>
+                            <a:schemeClr val="dk1"/>
+                          </a:solidFill>
+                          <a:latin typeface="Courier New" pitchFamily="49" charset="0"/>
+                          <a:ea typeface="+mn-ea"/>
+                          <a:cs typeface="Courier New" pitchFamily="49" charset="0"/>
+                        </a:rPr>
+                        <a:t>внезапно шел Паша </a:t>
+                      </a:r>
+                    </a:p>
+                    <a:p>
+                      <a:pPr algn="l"/>
+                      <a:r>
+                        <a:rPr lang="ru-RU" sz="2000" kern="1200" baseline="0" dirty="0" smtClean="0">
+                          <a:solidFill>
+                            <a:schemeClr val="dk1"/>
+                          </a:solidFill>
+                          <a:latin typeface="Courier New" pitchFamily="49" charset="0"/>
+                          <a:ea typeface="+mn-ea"/>
+                          <a:cs typeface="Courier New" pitchFamily="49" charset="0"/>
+                        </a:rPr>
+                        <a:t>по шоссе </a:t>
+                      </a:r>
+                    </a:p>
+                    <a:p>
+                      <a:pPr algn="l"/>
+                      <a:r>
+                        <a:rPr lang="ru-RU" sz="2000" kern="1200" baseline="0" dirty="0" smtClean="0">
+                          <a:solidFill>
+                            <a:schemeClr val="dk1"/>
+                          </a:solidFill>
+                          <a:latin typeface="Courier New" pitchFamily="49" charset="0"/>
+                          <a:ea typeface="+mn-ea"/>
+                          <a:cs typeface="Courier New" pitchFamily="49" charset="0"/>
+                        </a:rPr>
+                        <a:t>и сосал сушку</a:t>
+                      </a:r>
+                    </a:p>
+                  </a:txBody>
+                  <a:tcPr anchor="ctr"/>
+                </a:tc>
+                <a:tc>
+                  <a:txBody>
+                    <a:bodyPr/>
+                    <a:lstStyle/>
+                    <a:p>
+                      <a:pPr marL="0" marR="0" indent="0" algn="l" defTabSz="914400" rtl="0" eaLnBrk="1" fontAlgn="auto" latinLnBrk="0" hangingPunct="1">
+                        <a:lnSpc>
+                          <a:spcPct val="100000"/>
+                        </a:lnSpc>
+                        <a:spcBef>
+                          <a:spcPts val="0"/>
+                        </a:spcBef>
+                        <a:spcAft>
+                          <a:spcPts val="0"/>
+                        </a:spcAft>
+                        <a:buClrTx/>
+                        <a:buSzTx/>
+                        <a:buFontTx/>
+                        <a:buNone/>
+                        <a:tabLst/>
+                        <a:defRPr/>
+                      </a:pPr>
+                      <a:endParaRPr lang="ru-RU" sz="2000" kern="1200" baseline="0" dirty="0" smtClean="0">
+                        <a:solidFill>
+                          <a:schemeClr val="dk1"/>
+                        </a:solidFill>
+                        <a:latin typeface="Courier New" pitchFamily="49" charset="0"/>
+                        <a:ea typeface="+mn-ea"/>
+                        <a:cs typeface="Courier New" pitchFamily="49" charset="0"/>
+                      </a:endParaRPr>
+                    </a:p>
+                    <a:p>
+                      <a:pPr marL="0" marR="0" indent="0" algn="l" defTabSz="914400" rtl="0" eaLnBrk="1" fontAlgn="auto" latinLnBrk="0" hangingPunct="1">
+                        <a:lnSpc>
+                          <a:spcPct val="100000"/>
+                        </a:lnSpc>
+                        <a:spcBef>
+                          <a:spcPts val="0"/>
+                        </a:spcBef>
+                        <a:spcAft>
+                          <a:spcPts val="0"/>
+                        </a:spcAft>
+                        <a:buClrTx/>
+                        <a:buSzTx/>
+                        <a:buFontTx/>
+                        <a:buNone/>
+                        <a:tabLst/>
+                        <a:defRPr/>
+                      </a:pPr>
+                      <a:r>
+                        <a:rPr lang="ru-RU" sz="2000" kern="1200" baseline="0" dirty="0" smtClean="0">
+                          <a:solidFill>
+                            <a:schemeClr val="dk1"/>
+                          </a:solidFill>
+                          <a:latin typeface="Courier New" pitchFamily="49" charset="0"/>
+                          <a:ea typeface="+mn-ea"/>
+                          <a:cs typeface="Courier New" pitchFamily="49" charset="0"/>
+                        </a:rPr>
+                        <a:t>Ш</a:t>
+                      </a:r>
+                      <a:r>
+                        <a:rPr lang="ru-RU" sz="2000" b="0" u="none" strike="sngStrike" kern="1200" baseline="0" dirty="0" smtClean="0">
+                          <a:solidFill>
+                            <a:schemeClr val="tx1"/>
+                          </a:solidFill>
+                          <a:effectLst/>
+                          <a:latin typeface="Courier New" pitchFamily="49" charset="0"/>
+                          <a:ea typeface="+mn-ea"/>
+                          <a:cs typeface="Courier New" pitchFamily="49" charset="0"/>
+                        </a:rPr>
+                        <a:t>е</a:t>
+                      </a:r>
+                      <a:r>
+                        <a:rPr lang="ru-RU" sz="2000" kern="1200" baseline="0" dirty="0" smtClean="0">
+                          <a:solidFill>
+                            <a:schemeClr val="dk1"/>
+                          </a:solidFill>
+                          <a:latin typeface="Courier New" pitchFamily="49" charset="0"/>
+                          <a:ea typeface="+mn-ea"/>
+                          <a:cs typeface="Courier New" pitchFamily="49" charset="0"/>
+                        </a:rPr>
+                        <a:t>л</a:t>
+                      </a:r>
+                      <a:r>
+                        <a:rPr lang="ru-RU" sz="2000" b="1" u="sng" strike="noStrike" kern="1200" baseline="0" dirty="0" smtClean="0">
+                          <a:solidFill>
+                            <a:schemeClr val="dk1"/>
+                          </a:solidFill>
+                          <a:latin typeface="Courier New" pitchFamily="49" charset="0"/>
+                          <a:ea typeface="+mn-ea"/>
+                          <a:cs typeface="Courier New" pitchFamily="49" charset="0"/>
+                        </a:rPr>
+                        <a:t>а</a:t>
+                      </a:r>
+                      <a:r>
+                        <a:rPr lang="ru-RU" sz="2000" kern="1200" baseline="0" dirty="0" smtClean="0">
+                          <a:solidFill>
+                            <a:schemeClr val="dk1"/>
+                          </a:solidFill>
+                          <a:latin typeface="Courier New" pitchFamily="49" charset="0"/>
+                          <a:ea typeface="+mn-ea"/>
+                          <a:cs typeface="Courier New" pitchFamily="49" charset="0"/>
+                        </a:rPr>
+                        <a:t> </a:t>
+                      </a:r>
+                      <a:r>
+                        <a:rPr lang="ru-RU" sz="2000" b="1" u="sng" strike="noStrike" kern="1200" baseline="0" dirty="0" smtClean="0">
+                          <a:solidFill>
+                            <a:schemeClr val="dk1"/>
+                          </a:solidFill>
+                          <a:latin typeface="Courier New" pitchFamily="49" charset="0"/>
+                          <a:ea typeface="+mn-ea"/>
+                          <a:cs typeface="Courier New" pitchFamily="49" charset="0"/>
+                        </a:rPr>
+                        <a:t>С</a:t>
+                      </a:r>
+                      <a:r>
+                        <a:rPr lang="ru-RU" sz="2000" b="0" u="none" strike="sngStrike" kern="1200" baseline="0" dirty="0" smtClean="0">
+                          <a:solidFill>
+                            <a:schemeClr val="dk1"/>
+                          </a:solidFill>
+                          <a:latin typeface="Courier New" pitchFamily="49" charset="0"/>
+                          <a:ea typeface="+mn-ea"/>
+                          <a:cs typeface="Courier New" pitchFamily="49" charset="0"/>
+                        </a:rPr>
+                        <a:t>П</a:t>
+                      </a:r>
+                      <a:r>
+                        <a:rPr lang="ru-RU" sz="2000" kern="1200" baseline="0" dirty="0" smtClean="0">
+                          <a:solidFill>
+                            <a:schemeClr val="dk1"/>
+                          </a:solidFill>
+                          <a:latin typeface="Courier New" pitchFamily="49" charset="0"/>
+                          <a:ea typeface="+mn-ea"/>
+                          <a:cs typeface="Courier New" pitchFamily="49" charset="0"/>
+                        </a:rPr>
+                        <a:t>аша</a:t>
+                      </a:r>
+                      <a:br>
+                        <a:rPr lang="ru-RU" sz="2000" kern="1200" baseline="0" dirty="0" smtClean="0">
+                          <a:solidFill>
+                            <a:schemeClr val="dk1"/>
+                          </a:solidFill>
+                          <a:latin typeface="Courier New" pitchFamily="49" charset="0"/>
+                          <a:ea typeface="+mn-ea"/>
+                          <a:cs typeface="Courier New" pitchFamily="49" charset="0"/>
+                        </a:rPr>
+                      </a:br>
+                      <a:r>
+                        <a:rPr lang="ru-RU" sz="2000" kern="1200" baseline="0" dirty="0" smtClean="0">
+                          <a:solidFill>
+                            <a:schemeClr val="dk1"/>
+                          </a:solidFill>
+                          <a:latin typeface="Courier New" pitchFamily="49" charset="0"/>
+                          <a:ea typeface="+mn-ea"/>
+                          <a:cs typeface="Courier New" pitchFamily="49" charset="0"/>
+                        </a:rPr>
+                        <a:t>по шоссе</a:t>
+                      </a:r>
+                      <a:br>
+                        <a:rPr lang="ru-RU" sz="2000" kern="1200" baseline="0" dirty="0" smtClean="0">
+                          <a:solidFill>
+                            <a:schemeClr val="dk1"/>
+                          </a:solidFill>
+                          <a:latin typeface="Courier New" pitchFamily="49" charset="0"/>
+                          <a:ea typeface="+mn-ea"/>
+                          <a:cs typeface="Courier New" pitchFamily="49" charset="0"/>
+                        </a:rPr>
+                      </a:br>
+                      <a:r>
+                        <a:rPr lang="ru-RU" sz="2000" kern="1200" baseline="0" dirty="0" smtClean="0">
+                          <a:solidFill>
+                            <a:schemeClr val="dk1"/>
+                          </a:solidFill>
+                          <a:latin typeface="Courier New" pitchFamily="49" charset="0"/>
+                          <a:ea typeface="+mn-ea"/>
+                          <a:cs typeface="Courier New" pitchFamily="49" charset="0"/>
+                        </a:rPr>
+                        <a:t>и сосал</a:t>
+                      </a:r>
+                      <a:r>
+                        <a:rPr lang="ru-RU" sz="2000" b="1" u="sng" strike="noStrike" kern="1200" baseline="0" dirty="0" smtClean="0">
+                          <a:solidFill>
+                            <a:schemeClr val="dk1"/>
+                          </a:solidFill>
+                          <a:latin typeface="Courier New" pitchFamily="49" charset="0"/>
+                          <a:ea typeface="+mn-ea"/>
+                          <a:cs typeface="Courier New" pitchFamily="49" charset="0"/>
+                        </a:rPr>
+                        <a:t>а</a:t>
+                      </a:r>
+                      <a:r>
+                        <a:rPr lang="ru-RU" sz="2000" kern="1200" baseline="0" dirty="0" smtClean="0">
+                          <a:solidFill>
+                            <a:schemeClr val="dk1"/>
+                          </a:solidFill>
+                          <a:latin typeface="Courier New" pitchFamily="49" charset="0"/>
+                          <a:ea typeface="+mn-ea"/>
+                          <a:cs typeface="Courier New" pitchFamily="49" charset="0"/>
+                        </a:rPr>
+                        <a:t> сушку</a:t>
+                      </a:r>
+                    </a:p>
+                    <a:p>
+                      <a:pPr marL="0" marR="0" indent="0" algn="l" defTabSz="914400" rtl="0" eaLnBrk="1" fontAlgn="auto" latinLnBrk="0" hangingPunct="1">
+                        <a:lnSpc>
+                          <a:spcPct val="100000"/>
+                        </a:lnSpc>
+                        <a:spcBef>
+                          <a:spcPts val="0"/>
+                        </a:spcBef>
+                        <a:spcAft>
+                          <a:spcPts val="0"/>
+                        </a:spcAft>
+                        <a:buClrTx/>
+                        <a:buSzTx/>
+                        <a:buFontTx/>
+                        <a:buNone/>
+                        <a:tabLst/>
+                        <a:defRPr/>
+                      </a:pPr>
+                      <a:endParaRPr lang="ru-RU" sz="2000" kern="1200" baseline="0" dirty="0" smtClean="0">
+                        <a:solidFill>
+                          <a:schemeClr val="dk1"/>
+                        </a:solidFill>
+                        <a:latin typeface="Courier New" pitchFamily="49" charset="0"/>
+                        <a:ea typeface="+mn-ea"/>
+                        <a:cs typeface="Courier New" pitchFamily="49" charset="0"/>
+                      </a:endParaRPr>
+                    </a:p>
+                  </a:txBody>
+                  <a:tcPr anchor="ctr"/>
+                </a:tc>
+                <a:tc>
+                  <a:txBody>
+                    <a:bodyPr/>
+                    <a:lstStyle/>
+                    <a:p>
+                      <a:pPr algn="l"/>
+                      <a:r>
+                        <a:rPr lang="ru-RU" sz="2000" kern="1200" baseline="0" dirty="0" smtClean="0">
+                          <a:solidFill>
+                            <a:schemeClr val="dk1"/>
+                          </a:solidFill>
+                          <a:latin typeface="Courier New" pitchFamily="49" charset="0"/>
+                          <a:ea typeface="+mn-ea"/>
+                          <a:cs typeface="Courier New" pitchFamily="49" charset="0"/>
+                        </a:rPr>
+                        <a:t>Я увидел, что</a:t>
+                      </a:r>
+                    </a:p>
+                    <a:p>
+                      <a:pPr algn="l"/>
+                      <a:r>
+                        <a:rPr lang="ru-RU" sz="2000" kern="1200" baseline="0" dirty="0" smtClean="0">
+                          <a:solidFill>
+                            <a:schemeClr val="dk1"/>
+                          </a:solidFill>
+                          <a:latin typeface="Courier New" pitchFamily="49" charset="0"/>
+                          <a:ea typeface="+mn-ea"/>
+                          <a:cs typeface="Courier New" pitchFamily="49" charset="0"/>
+                        </a:rPr>
+                        <a:t>внезапно шл</a:t>
+                      </a:r>
+                      <a:r>
+                        <a:rPr lang="ru-RU" sz="2000" b="1" kern="1200" baseline="0" dirty="0" smtClean="0">
+                          <a:solidFill>
+                            <a:schemeClr val="dk1"/>
+                          </a:solidFill>
+                          <a:latin typeface="Courier New" pitchFamily="49" charset="0"/>
+                          <a:ea typeface="+mn-ea"/>
+                          <a:cs typeface="Courier New" pitchFamily="49" charset="0"/>
+                        </a:rPr>
+                        <a:t>а</a:t>
+                      </a:r>
+                      <a:r>
+                        <a:rPr lang="ru-RU" sz="2000" kern="1200" baseline="0" dirty="0" smtClean="0">
+                          <a:solidFill>
+                            <a:schemeClr val="dk1"/>
+                          </a:solidFill>
+                          <a:latin typeface="Courier New" pitchFamily="49" charset="0"/>
+                          <a:ea typeface="+mn-ea"/>
+                          <a:cs typeface="Courier New" pitchFamily="49" charset="0"/>
+                        </a:rPr>
+                        <a:t> </a:t>
+                      </a:r>
+                      <a:r>
+                        <a:rPr lang="ru-RU" sz="2000" b="1" kern="1200" baseline="0" dirty="0" smtClean="0">
+                          <a:solidFill>
+                            <a:schemeClr val="dk1"/>
+                          </a:solidFill>
+                          <a:latin typeface="Courier New" pitchFamily="49" charset="0"/>
+                          <a:ea typeface="+mn-ea"/>
+                          <a:cs typeface="Courier New" pitchFamily="49" charset="0"/>
+                        </a:rPr>
+                        <a:t>С</a:t>
+                      </a:r>
+                      <a:r>
+                        <a:rPr lang="ru-RU" sz="2000" kern="1200" baseline="0" dirty="0" smtClean="0">
+                          <a:solidFill>
+                            <a:schemeClr val="dk1"/>
+                          </a:solidFill>
+                          <a:latin typeface="Courier New" pitchFamily="49" charset="0"/>
+                          <a:ea typeface="+mn-ea"/>
+                          <a:cs typeface="Courier New" pitchFamily="49" charset="0"/>
+                        </a:rPr>
+                        <a:t>аша </a:t>
+                      </a:r>
+                    </a:p>
+                    <a:p>
+                      <a:pPr algn="l"/>
+                      <a:r>
+                        <a:rPr lang="ru-RU" sz="2000" kern="1200" baseline="0" dirty="0" smtClean="0">
+                          <a:solidFill>
+                            <a:schemeClr val="dk1"/>
+                          </a:solidFill>
+                          <a:latin typeface="Courier New" pitchFamily="49" charset="0"/>
+                          <a:ea typeface="+mn-ea"/>
+                          <a:cs typeface="Courier New" pitchFamily="49" charset="0"/>
+                        </a:rPr>
+                        <a:t>по шоссе </a:t>
+                      </a:r>
+                    </a:p>
+                    <a:p>
+                      <a:pPr algn="l"/>
+                      <a:r>
+                        <a:rPr lang="ru-RU" sz="2000" kern="1200" baseline="0" dirty="0" smtClean="0">
+                          <a:solidFill>
+                            <a:schemeClr val="dk1"/>
+                          </a:solidFill>
+                          <a:latin typeface="Courier New" pitchFamily="49" charset="0"/>
+                          <a:ea typeface="+mn-ea"/>
+                          <a:cs typeface="Courier New" pitchFamily="49" charset="0"/>
+                        </a:rPr>
+                        <a:t>и сосал</a:t>
+                      </a:r>
+                      <a:r>
+                        <a:rPr lang="ru-RU" sz="2000" b="1" kern="1200" baseline="0" dirty="0" smtClean="0">
+                          <a:solidFill>
+                            <a:schemeClr val="dk1"/>
+                          </a:solidFill>
+                          <a:latin typeface="Courier New" pitchFamily="49" charset="0"/>
+                          <a:ea typeface="+mn-ea"/>
+                          <a:cs typeface="Courier New" pitchFamily="49" charset="0"/>
+                        </a:rPr>
+                        <a:t>а</a:t>
+                      </a:r>
+                      <a:r>
+                        <a:rPr lang="ru-RU" sz="2000" kern="1200" baseline="0" dirty="0" smtClean="0">
+                          <a:solidFill>
+                            <a:schemeClr val="dk1"/>
+                          </a:solidFill>
+                          <a:latin typeface="Courier New" pitchFamily="49" charset="0"/>
+                          <a:ea typeface="+mn-ea"/>
+                          <a:cs typeface="Courier New" pitchFamily="49" charset="0"/>
+                        </a:rPr>
+                        <a:t> сушку</a:t>
+                      </a:r>
+                    </a:p>
+                  </a:txBody>
+                  <a:tcPr anchor="ctr"/>
+                </a:tc>
+              </a:tr>
+              <a:tr h="370840">
+                <a:tc vMerge="1">
+                  <a:txBody>
+                    <a:bodyPr/>
+                    <a:lstStyle/>
+                    <a:p>
+                      <a:pPr algn="l"/>
+                      <a:endParaRPr lang="ru-RU" sz="2000" kern="1200" baseline="0" dirty="0" smtClean="0">
+                        <a:solidFill>
+                          <a:schemeClr val="dk1"/>
+                        </a:solidFill>
+                        <a:latin typeface="Courier New" pitchFamily="49" charset="0"/>
+                        <a:ea typeface="+mn-ea"/>
+                        <a:cs typeface="Courier New" pitchFamily="49" charset="0"/>
+                      </a:endParaRPr>
+                    </a:p>
+                  </a:txBody>
+                  <a:tcPr anchor="ctr"/>
+                </a:tc>
+                <a:tc>
+                  <a:txBody>
+                    <a:bodyPr/>
+                    <a:lstStyle/>
+                    <a:p>
+                      <a:r>
+                        <a:rPr lang="ru-RU" sz="1800" b="1" dirty="0" smtClean="0">
+                          <a:solidFill>
+                            <a:schemeClr val="bg1"/>
+                          </a:solidFill>
+                        </a:rPr>
+                        <a:t>Построчная</a:t>
+                      </a:r>
+                      <a:r>
+                        <a:rPr lang="ru-RU" sz="1800" b="1" baseline="0" dirty="0" smtClean="0">
+                          <a:solidFill>
+                            <a:schemeClr val="bg1"/>
+                          </a:solidFill>
+                        </a:rPr>
+                        <a:t> </a:t>
+                      </a:r>
+                      <a:r>
+                        <a:rPr lang="ru-RU" sz="1800" b="1" dirty="0" smtClean="0">
+                          <a:solidFill>
+                            <a:schemeClr val="bg1"/>
+                          </a:solidFill>
+                        </a:rPr>
+                        <a:t>дельта</a:t>
+                      </a:r>
+                      <a:endParaRPr lang="ru-RU" sz="1800" b="1" dirty="0">
+                        <a:solidFill>
+                          <a:schemeClr val="bg1"/>
+                        </a:solidFill>
+                      </a:endParaRPr>
+                    </a:p>
+                  </a:txBody>
+                  <a:tcPr>
+                    <a:solidFill>
+                      <a:schemeClr val="accent1"/>
+                    </a:solidFill>
+                  </a:tcPr>
+                </a:tc>
+                <a:tc>
+                  <a:txBody>
+                    <a:bodyPr/>
+                    <a:lstStyle/>
+                    <a:p>
+                      <a:pPr marL="0" marR="0" indent="0" algn="l" defTabSz="914400" rtl="0" eaLnBrk="1" fontAlgn="auto" latinLnBrk="0" hangingPunct="1">
+                        <a:lnSpc>
+                          <a:spcPct val="100000"/>
+                        </a:lnSpc>
+                        <a:spcBef>
+                          <a:spcPts val="0"/>
+                        </a:spcBef>
+                        <a:spcAft>
+                          <a:spcPts val="0"/>
+                        </a:spcAft>
+                        <a:buClrTx/>
+                        <a:buSzTx/>
+                        <a:buFontTx/>
+                        <a:buNone/>
+                        <a:tabLst/>
+                        <a:defRPr/>
+                      </a:pPr>
+                      <a:r>
+                        <a:rPr lang="ru-RU" sz="1800" b="1" dirty="0" smtClean="0">
+                          <a:solidFill>
+                            <a:schemeClr val="bg1"/>
+                          </a:solidFill>
+                        </a:rPr>
+                        <a:t>Результат применения</a:t>
+                      </a:r>
+                    </a:p>
+                  </a:txBody>
+                  <a:tcPr anchor="ctr">
+                    <a:solidFill>
+                      <a:schemeClr val="accent1"/>
+                    </a:solidFill>
+                  </a:tcPr>
+                </a:tc>
+              </a:tr>
+              <a:tr h="370840">
+                <a:tc vMerge="1">
+                  <a:txBody>
+                    <a:bodyPr/>
+                    <a:lstStyle/>
+                    <a:p>
+                      <a:pPr algn="l"/>
+                      <a:endParaRPr lang="ru-RU" sz="2000" kern="1200" baseline="0" dirty="0" smtClean="0">
+                        <a:solidFill>
+                          <a:schemeClr val="dk1"/>
+                        </a:solidFill>
+                        <a:latin typeface="Courier New" pitchFamily="49" charset="0"/>
+                        <a:ea typeface="+mn-ea"/>
+                        <a:cs typeface="Courier New" pitchFamily="49" charset="0"/>
+                      </a:endParaRPr>
+                    </a:p>
+                  </a:txBody>
+                  <a:tcPr anchor="ctr"/>
+                </a:tc>
+                <a:tc>
+                  <a:txBody>
+                    <a:bodyPr/>
+                    <a:lstStyle/>
+                    <a:p>
+                      <a:r>
+                        <a:rPr lang="ru-RU" sz="2000" b="0" u="none" strike="sngStrike" kern="1200" baseline="0" dirty="0" smtClean="0">
+                          <a:solidFill>
+                            <a:schemeClr val="dk1"/>
+                          </a:solidFill>
+                          <a:latin typeface="Courier New" pitchFamily="49" charset="0"/>
+                          <a:ea typeface="+mn-ea"/>
+                          <a:cs typeface="Courier New" pitchFamily="49" charset="0"/>
+                        </a:rPr>
+                        <a:t>Шел Паша</a:t>
+                      </a:r>
+                    </a:p>
+                    <a:p>
+                      <a:pPr marL="0" marR="0" indent="0" algn="l" defTabSz="914400" rtl="0" eaLnBrk="1" fontAlgn="auto" latinLnBrk="0" hangingPunct="1">
+                        <a:lnSpc>
+                          <a:spcPct val="100000"/>
+                        </a:lnSpc>
+                        <a:spcBef>
+                          <a:spcPts val="0"/>
+                        </a:spcBef>
+                        <a:spcAft>
+                          <a:spcPts val="0"/>
+                        </a:spcAft>
+                        <a:buClrTx/>
+                        <a:buSzTx/>
+                        <a:buFontTx/>
+                        <a:buNone/>
+                        <a:tabLst/>
+                        <a:defRPr/>
+                      </a:pPr>
+                      <a:r>
+                        <a:rPr lang="ru-RU" sz="2000" b="1" u="sng" strike="noStrike" kern="1200" baseline="0" dirty="0" smtClean="0">
+                          <a:solidFill>
+                            <a:schemeClr val="dk1"/>
+                          </a:solidFill>
+                          <a:latin typeface="Courier New" pitchFamily="49" charset="0"/>
+                          <a:ea typeface="+mn-ea"/>
+                          <a:cs typeface="Courier New" pitchFamily="49" charset="0"/>
+                        </a:rPr>
+                        <a:t>Шла Саша</a:t>
+                      </a:r>
+                      <a:endParaRPr lang="en-US" sz="2000" b="1" u="sng" strike="noStrike" kern="1200" baseline="0" dirty="0" smtClean="0">
+                        <a:solidFill>
+                          <a:schemeClr val="dk1"/>
+                        </a:solidFill>
+                        <a:latin typeface="Courier New" pitchFamily="49" charset="0"/>
+                        <a:ea typeface="+mn-ea"/>
+                        <a:cs typeface="Courier New" pitchFamily="49" charset="0"/>
+                      </a:endParaRPr>
+                    </a:p>
+                    <a:p>
+                      <a:r>
+                        <a:rPr lang="ru-RU" sz="2000" kern="1200" baseline="0" dirty="0" smtClean="0">
+                          <a:solidFill>
+                            <a:schemeClr val="dk1"/>
+                          </a:solidFill>
+                          <a:latin typeface="Courier New" pitchFamily="49" charset="0"/>
+                          <a:ea typeface="+mn-ea"/>
+                          <a:cs typeface="Courier New" pitchFamily="49" charset="0"/>
+                        </a:rPr>
+                        <a:t>по шоссе</a:t>
+                      </a:r>
+                      <a:endParaRPr lang="ru-RU" sz="2000" b="1" u="sng" kern="1200" baseline="0" dirty="0" smtClean="0">
+                        <a:solidFill>
+                          <a:schemeClr val="dk1"/>
+                        </a:solidFill>
+                        <a:latin typeface="Courier New" pitchFamily="49" charset="0"/>
+                        <a:ea typeface="+mn-ea"/>
+                        <a:cs typeface="Courier New" pitchFamily="49" charset="0"/>
+                      </a:endParaRPr>
+                    </a:p>
+                    <a:p>
+                      <a:r>
+                        <a:rPr lang="ru-RU" sz="2000" b="0" i="0" u="none" strike="sngStrike" kern="1200" baseline="0" dirty="0" smtClean="0">
+                          <a:solidFill>
+                            <a:schemeClr val="dk1"/>
+                          </a:solidFill>
+                          <a:latin typeface="Courier New" pitchFamily="49" charset="0"/>
+                          <a:ea typeface="+mn-ea"/>
+                          <a:cs typeface="Courier New" pitchFamily="49" charset="0"/>
+                        </a:rPr>
+                        <a:t>и сосал сушку</a:t>
+                      </a:r>
+                    </a:p>
+                    <a:p>
+                      <a:r>
+                        <a:rPr lang="ru-RU" sz="2000" b="1" u="sng" strike="noStrike" kern="1200" baseline="0" dirty="0" smtClean="0">
+                          <a:solidFill>
+                            <a:schemeClr val="dk1"/>
+                          </a:solidFill>
+                          <a:latin typeface="Courier New" pitchFamily="49" charset="0"/>
+                          <a:ea typeface="+mn-ea"/>
+                          <a:cs typeface="Courier New" pitchFamily="49" charset="0"/>
+                        </a:rPr>
+                        <a:t>и сосала сушку</a:t>
+                      </a:r>
+                    </a:p>
+                  </a:txBody>
+                  <a:tcPr/>
+                </a:tc>
+                <a:tc>
+                  <a:txBody>
+                    <a:bodyPr/>
+                    <a:lstStyle/>
+                    <a:p>
+                      <a:pPr algn="l"/>
+                      <a:r>
+                        <a:rPr lang="ru-RU" sz="2000" kern="1200" baseline="0" dirty="0" smtClean="0">
+                          <a:solidFill>
+                            <a:schemeClr val="dk1"/>
+                          </a:solidFill>
+                          <a:latin typeface="Courier New" pitchFamily="49" charset="0"/>
+                          <a:ea typeface="+mn-ea"/>
+                          <a:cs typeface="Courier New" pitchFamily="49" charset="0"/>
+                        </a:rPr>
+                        <a:t>Я увидел, что</a:t>
+                      </a:r>
+                    </a:p>
+                    <a:p>
+                      <a:pPr algn="l"/>
+                      <a:r>
+                        <a:rPr lang="ru-RU" sz="2000" kern="1200" baseline="0" dirty="0" smtClean="0">
+                          <a:solidFill>
+                            <a:schemeClr val="dk1"/>
+                          </a:solidFill>
+                          <a:latin typeface="Courier New" pitchFamily="49" charset="0"/>
+                          <a:ea typeface="+mn-ea"/>
+                          <a:cs typeface="Courier New" pitchFamily="49" charset="0"/>
+                        </a:rPr>
+                        <a:t>внезапно шел Паша </a:t>
+                      </a:r>
+                    </a:p>
+                    <a:p>
+                      <a:pPr algn="l"/>
+                      <a:r>
+                        <a:rPr lang="ru-RU" sz="2000" kern="1200" baseline="0" dirty="0" smtClean="0">
+                          <a:solidFill>
+                            <a:schemeClr val="dk1"/>
+                          </a:solidFill>
+                          <a:latin typeface="Courier New" pitchFamily="49" charset="0"/>
+                          <a:ea typeface="+mn-ea"/>
+                          <a:cs typeface="Courier New" pitchFamily="49" charset="0"/>
+                        </a:rPr>
+                        <a:t>по шоссе </a:t>
+                      </a:r>
+                    </a:p>
+                    <a:p>
+                      <a:pPr algn="l"/>
+                      <a:r>
+                        <a:rPr lang="ru-RU" sz="2000" b="1" kern="1200" baseline="0" dirty="0" smtClean="0">
+                          <a:solidFill>
+                            <a:schemeClr val="dk1"/>
+                          </a:solidFill>
+                          <a:latin typeface="Courier New" pitchFamily="49" charset="0"/>
+                          <a:ea typeface="+mn-ea"/>
+                          <a:cs typeface="Courier New" pitchFamily="49" charset="0"/>
+                        </a:rPr>
+                        <a:t>и сосала сушку</a:t>
+                      </a:r>
+                    </a:p>
+                    <a:p>
+                      <a:pPr algn="l"/>
+                      <a:endParaRPr lang="ru-RU" sz="2000" kern="1200" baseline="0" dirty="0" smtClean="0">
+                        <a:solidFill>
+                          <a:schemeClr val="dk1"/>
+                        </a:solidFill>
+                        <a:latin typeface="Courier New" pitchFamily="49" charset="0"/>
+                        <a:ea typeface="+mn-ea"/>
+                        <a:cs typeface="Courier New" pitchFamily="49" charset="0"/>
+                      </a:endParaRPr>
+                    </a:p>
+                  </a:txBody>
+                  <a:tcPr anchor="ctr"/>
+                </a:tc>
+              </a:tr>
+            </a:tbl>
+          </a:graphicData>
+        </a:graphic>
+      </p:graphicFrame>
+    </p:spTree>
+  </p:cSld>
+  <p:clrMapOvr>
+    <a:masterClrMapping/>
+  </p:clrMapOvr>
+  <p:timing>
+    <p:tnLst>
+      <p:par>
+        <p:cTn id="1" dur="indefinite" restart="never" nodeType="tmRoot"/>
+      </p:par>
+    </p:tnLst>
+  </p:timing>
+</p:sld>
+</file>
+
+<file path=ppt/slides/slide21.xml><?xml version="1.0" encoding="utf-8"?>
+<p:sld xmlns:a="http://schemas.openxmlformats.org/drawingml/2006/main" xmlns:r="http://schemas.openxmlformats.org/officeDocument/2006/relationships" xmlns:p="http://schemas.openxmlformats.org/presentationml/2006/main">
+  <p:cSld>
+    <p:spTree>
+      <p:nvGrpSpPr>
+        <p:cNvPr id="1" name=""/>
+        <p:cNvGrpSpPr/>
+        <p:nvPr/>
+      </p:nvGrpSpPr>
+      <p:grpSpPr>
+        <a:xfrm>
+          <a:off x="0" y="0"/>
+          <a:ext cx="0" cy="0"/>
+          <a:chOff x="0" y="0"/>
+          <a:chExt cx="0" cy="0"/>
+        </a:xfrm>
+      </p:grpSpPr>
+      <p:sp>
+        <p:nvSpPr>
+          <p:cNvPr id="2" name="Заголовок 1"/>
+          <p:cNvSpPr>
+            <a:spLocks noGrp="1"/>
+          </p:cNvSpPr>
+          <p:nvPr>
+            <p:ph type="title"/>
+          </p:nvPr>
+        </p:nvSpPr>
+        <p:spPr/>
+        <p:txBody>
+          <a:bodyPr>
+            <a:normAutofit fontScale="90000"/>
+          </a:bodyPr>
+          <a:lstStyle/>
+          <a:p>
+            <a:r>
+              <a:rPr lang="ru-RU" dirty="0" smtClean="0"/>
+              <a:t>Общая последовательность работы</a:t>
+            </a:r>
+            <a:endParaRPr lang="ru-RU" dirty="0"/>
+          </a:p>
+        </p:txBody>
+      </p:sp>
+      <p:pic>
+        <p:nvPicPr>
+          <p:cNvPr id="4" name="Содержимое 3" descr="алгоритм3.png"/>
+          <p:cNvPicPr>
+            <a:picLocks noGrp="1" noChangeAspect="1"/>
+          </p:cNvPicPr>
+          <p:nvPr>
+            <p:ph idx="1"/>
+          </p:nvPr>
+        </p:nvPicPr>
+        <p:blipFill>
+          <a:blip r:embed="rId2" cstate="print"/>
+          <a:stretch>
+            <a:fillRect/>
+          </a:stretch>
+        </p:blipFill>
+        <p:spPr>
+          <a:xfrm>
+            <a:off x="1547664" y="1556792"/>
+            <a:ext cx="6016764" cy="4800611"/>
+          </a:xfrm>
+        </p:spPr>
+      </p:pic>
+    </p:spTree>
+  </p:cSld>
+  <p:clrMapOvr>
+    <a:masterClrMapping/>
+  </p:clrMapOvr>
+  <p:timing>
+    <p:tnLst>
+      <p:par>
+        <p:cTn id="1" dur="indefinite" restart="never" nodeType="tmRoot"/>
+      </p:par>
+    </p:tnLst>
+  </p:timing>
+</p:sld>
+</file>
+
+<file path=ppt/slides/slide22.xml><?xml version="1.0" encoding="utf-8"?>
+<p:sld xmlns:a="http://schemas.openxmlformats.org/drawingml/2006/main" xmlns:r="http://schemas.openxmlformats.org/officeDocument/2006/relationships" xmlns:p="http://schemas.openxmlformats.org/presentationml/2006/main">
+  <p:cSld>
+    <p:spTree>
+      <p:nvGrpSpPr>
+        <p:cNvPr id="1" name=""/>
+        <p:cNvGrpSpPr/>
+        <p:nvPr/>
+      </p:nvGrpSpPr>
+      <p:grpSpPr>
+        <a:xfrm>
+          <a:off x="0" y="0"/>
+          <a:ext cx="0" cy="0"/>
+          <a:chOff x="0" y="0"/>
+          <a:chExt cx="0" cy="0"/>
+        </a:xfrm>
+      </p:grpSpPr>
+      <p:sp>
+        <p:nvSpPr>
+          <p:cNvPr id="2" name="Заголовок 1"/>
+          <p:cNvSpPr>
+            <a:spLocks noGrp="1"/>
+          </p:cNvSpPr>
+          <p:nvPr>
+            <p:ph type="title"/>
+          </p:nvPr>
+        </p:nvSpPr>
+        <p:spPr/>
+        <p:txBody>
+          <a:bodyPr/>
+          <a:lstStyle/>
+          <a:p>
+            <a:r>
+              <a:rPr lang="ru-RU" dirty="0" smtClean="0"/>
+              <a:t>Топология сети</a:t>
+            </a:r>
+            <a:endParaRPr lang="ru-RU" dirty="0"/>
+          </a:p>
+        </p:txBody>
+      </p:sp>
+      <p:pic>
+        <p:nvPicPr>
+          <p:cNvPr id="4" name="Содержимое 3" descr="топология.png"/>
+          <p:cNvPicPr>
+            <a:picLocks noGrp="1" noChangeAspect="1"/>
+          </p:cNvPicPr>
+          <p:nvPr>
+            <p:ph idx="1"/>
+          </p:nvPr>
+        </p:nvPicPr>
+        <p:blipFill>
+          <a:blip r:embed="rId2" cstate="print"/>
+          <a:stretch>
+            <a:fillRect/>
+          </a:stretch>
+        </p:blipFill>
+        <p:spPr>
+          <a:xfrm>
+            <a:off x="251520" y="2348880"/>
+            <a:ext cx="8733005" cy="2800634"/>
+          </a:xfrm>
+        </p:spPr>
+      </p:pic>
+    </p:spTree>
+  </p:cSld>
+  <p:clrMapOvr>
+    <a:masterClrMapping/>
+  </p:clrMapOvr>
+  <p:timing>
+    <p:tnLst>
+      <p:par>
+        <p:cTn id="1" dur="indefinite" restart="never" nodeType="tmRoot"/>
+      </p:par>
+    </p:tnLst>
+  </p:timing>
+</p:sld>
+</file>
+
+<file path=ppt/slides/slide23.xml><?xml version="1.0" encoding="utf-8"?>
+<p:sld xmlns:a="http://schemas.openxmlformats.org/drawingml/2006/main" xmlns:r="http://schemas.openxmlformats.org/officeDocument/2006/relationships" xmlns:p="http://schemas.openxmlformats.org/presentationml/2006/main">
+  <p:cSld>
+    <p:spTree>
+      <p:nvGrpSpPr>
+        <p:cNvPr id="1" name=""/>
+        <p:cNvGrpSpPr/>
+        <p:nvPr/>
+      </p:nvGrpSpPr>
+      <p:grpSpPr>
+        <a:xfrm>
+          <a:off x="0" y="0"/>
+          <a:ext cx="0" cy="0"/>
+          <a:chOff x="0" y="0"/>
+          <a:chExt cx="0" cy="0"/>
+        </a:xfrm>
+      </p:grpSpPr>
+      <p:sp>
+        <p:nvSpPr>
+          <p:cNvPr id="4" name="Заголовок 3"/>
+          <p:cNvSpPr>
+            <a:spLocks noGrp="1"/>
+          </p:cNvSpPr>
+          <p:nvPr>
+            <p:ph type="title"/>
+          </p:nvPr>
+        </p:nvSpPr>
+        <p:spPr/>
+        <p:txBody>
+          <a:bodyPr/>
+          <a:lstStyle/>
+          <a:p>
+            <a:r>
+              <a:rPr lang="ru-RU" dirty="0" smtClean="0"/>
+              <a:t>производительность</a:t>
+            </a:r>
+            <a:endParaRPr lang="ru-RU" dirty="0"/>
+          </a:p>
+        </p:txBody>
+      </p:sp>
+      <p:sp>
+        <p:nvSpPr>
+          <p:cNvPr id="5" name="Текст 4"/>
+          <p:cNvSpPr>
+            <a:spLocks noGrp="1"/>
+          </p:cNvSpPr>
+          <p:nvPr>
+            <p:ph type="body" idx="1"/>
+          </p:nvPr>
+        </p:nvSpPr>
+        <p:spPr/>
+        <p:txBody>
+          <a:bodyPr/>
+          <a:lstStyle/>
+          <a:p>
+            <a:r>
+              <a:rPr lang="ru-RU" dirty="0" smtClean="0"/>
+              <a:t>Результаты тестирования</a:t>
+            </a:r>
+            <a:endParaRPr lang="ru-RU" dirty="0"/>
+          </a:p>
+        </p:txBody>
+      </p:sp>
+    </p:spTree>
+  </p:cSld>
+  <p:clrMapOvr>
+    <a:masterClrMapping/>
+  </p:clrMapOvr>
+  <p:timing>
+    <p:tnLst>
+      <p:par>
+        <p:cTn id="1" dur="indefinite" restart="never" nodeType="tmRoot"/>
+      </p:par>
+    </p:tnLst>
+  </p:timing>
+</p:sld>
+</file>
+
+<file path=ppt/slides/slide24.xml><?xml version="1.0" encoding="utf-8"?>
 <p:sld xmlns:a="http://schemas.openxmlformats.org/drawingml/2006/main" xmlns:r="http://schemas.openxmlformats.org/officeDocument/2006/relationships" xmlns:p="http://schemas.openxmlformats.org/presentationml/2006/main">
   <p:cSld>
     <p:spTree>
@@ -4497,13 +6697,25 @@
                     <a:p>
                       <a:pPr algn="ctr"/>
                       <a:r>
-                        <a:rPr lang="ru-RU" sz="2000" b="1" dirty="0" smtClean="0"/>
+                        <a:rPr lang="ru-RU" sz="2000" b="1" dirty="0" smtClean="0">
+                          <a:solidFill>
+                            <a:schemeClr val="bg1"/>
+                          </a:solidFill>
+                        </a:rPr>
                         <a:t>Производительность при редактировании текста</a:t>
                       </a:r>
-                      <a:endParaRPr lang="ru-RU" sz="2000" b="1" dirty="0"/>
+                      <a:endParaRPr lang="ru-RU" sz="2000" b="1" dirty="0">
+                        <a:solidFill>
+                          <a:schemeClr val="bg1"/>
+                        </a:solidFill>
+                      </a:endParaRPr>
                     </a:p>
                   </a:txBody>
-                  <a:tcPr/>
+                  <a:tcPr>
+                    <a:solidFill>
+                      <a:schemeClr val="accent1"/>
+                    </a:solidFill>
+                  </a:tcPr>
                 </a:tc>
                 <a:tc hMerge="1">
                   <a:txBody>
@@ -4785,7 +6997,7 @@
 </p:sld>
 </file>
 
-<file path=ppt/slides/slide21.xml><?xml version="1.0" encoding="utf-8"?>
+<file path=ppt/slides/slide25.xml><?xml version="1.0" encoding="utf-8"?>
 <p:sld xmlns:a="http://schemas.openxmlformats.org/drawingml/2006/main" xmlns:r="http://schemas.openxmlformats.org/officeDocument/2006/relationships" xmlns:p="http://schemas.openxmlformats.org/presentationml/2006/main">
   <p:cSld>
     <p:spTree>
@@ -4821,7 +7033,7 @@
           <a:p>
             <a:r>
               <a:rPr lang="ru-RU" dirty="0" smtClean="0"/>
-              <a:t>Результаты работ</a:t>
+              <a:t>Результаты работы</a:t>
             </a:r>
             <a:endParaRPr lang="ru-RU" dirty="0"/>
           </a:p>
@@ -4848,6 +7060,235 @@
               <a:buFont typeface="+mj-lt"/>
               <a:buAutoNum type="arabicPeriod"/>
             </a:pPr>
+            <a:r>
+              <a:rPr lang="ru-RU" dirty="0" smtClean="0"/>
+              <a:t>был разработан алгоритм;</a:t>
+            </a:r>
+          </a:p>
+          <a:p>
+            <a:pPr marL="514350" indent="-514350">
+              <a:buFont typeface="+mj-lt"/>
+              <a:buAutoNum type="arabicPeriod"/>
+            </a:pPr>
+            <a:r>
+              <a:rPr lang="ru-RU" dirty="0" smtClean="0"/>
+              <a:t>написана реализация расширения для текстового редактора </a:t>
+            </a:r>
+            <a:r>
+              <a:rPr lang="en-US" dirty="0" smtClean="0"/>
+              <a:t>Sublime Text </a:t>
+            </a:r>
+            <a:r>
+              <a:rPr lang="ru-RU" dirty="0" smtClean="0"/>
+              <a:t>на языке </a:t>
+            </a:r>
+            <a:r>
+              <a:rPr lang="en-US" dirty="0" smtClean="0"/>
+              <a:t>Python</a:t>
+            </a:r>
+            <a:r>
+              <a:rPr lang="ru-RU" dirty="0" smtClean="0"/>
+              <a:t>;</a:t>
+            </a:r>
+            <a:endParaRPr lang="en-US" dirty="0" smtClean="0"/>
+          </a:p>
+          <a:p>
+            <a:pPr marL="514350" indent="-514350">
+              <a:buFont typeface="+mj-lt"/>
+              <a:buAutoNum type="arabicPeriod"/>
+            </a:pPr>
+            <a:r>
+              <a:rPr lang="ru-RU" dirty="0" smtClean="0"/>
+              <a:t>создано описание разработанного продукта.</a:t>
+            </a:r>
+          </a:p>
+        </p:txBody>
+      </p:sp>
+    </p:spTree>
+  </p:cSld>
+  <p:clrMapOvr>
+    <a:masterClrMapping/>
+  </p:clrMapOvr>
+  <p:timing>
+    <p:tnLst>
+      <p:par>
+        <p:cTn id="1" dur="indefinite" restart="never" nodeType="tmRoot"/>
+      </p:par>
+    </p:tnLst>
+  </p:timing>
+</p:sld>
+</file>
+
+<file path=ppt/slides/slide26.xml><?xml version="1.0" encoding="utf-8"?>
+<p:sld xmlns:a="http://schemas.openxmlformats.org/drawingml/2006/main" xmlns:r="http://schemas.openxmlformats.org/officeDocument/2006/relationships" xmlns:p="http://schemas.openxmlformats.org/presentationml/2006/main">
+  <p:cSld>
+    <p:spTree>
+      <p:nvGrpSpPr>
+        <p:cNvPr id="1" name=""/>
+        <p:cNvGrpSpPr/>
+        <p:nvPr/>
+      </p:nvGrpSpPr>
+      <p:grpSpPr>
+        <a:xfrm>
+          <a:off x="0" y="0"/>
+          <a:ext cx="0" cy="0"/>
+          <a:chOff x="0" y="0"/>
+          <a:chExt cx="0" cy="0"/>
+        </a:xfrm>
+      </p:grpSpPr>
+      <p:sp>
+        <p:nvSpPr>
+          <p:cNvPr id="2" name="Заголовок 1"/>
+          <p:cNvSpPr>
+            <a:spLocks noGrp="1"/>
+          </p:cNvSpPr>
+          <p:nvPr>
+            <p:ph type="title"/>
+          </p:nvPr>
+        </p:nvSpPr>
+        <p:spPr/>
+        <p:txBody>
+          <a:bodyPr>
+            <a:normAutofit/>
+          </a:bodyPr>
+          <a:lstStyle/>
+          <a:p>
+            <a:r>
+              <a:rPr lang="ru-RU" dirty="0" smtClean="0"/>
+              <a:t>Дальнейшее развитие проекта</a:t>
+            </a:r>
+            <a:endParaRPr lang="ru-RU" dirty="0"/>
+          </a:p>
+        </p:txBody>
+      </p:sp>
+      <p:sp>
+        <p:nvSpPr>
+          <p:cNvPr id="3" name="Содержимое 2"/>
+          <p:cNvSpPr>
+            <a:spLocks noGrp="1"/>
+          </p:cNvSpPr>
+          <p:nvPr>
+            <p:ph idx="1"/>
+          </p:nvPr>
+        </p:nvSpPr>
+        <p:spPr/>
+        <p:txBody>
+          <a:bodyPr>
+            <a:normAutofit/>
+          </a:bodyPr>
+          <a:lstStyle/>
+          <a:p>
+            <a:pPr marL="514350" indent="-514350">
+              <a:buNone/>
+            </a:pPr>
+            <a:r>
+              <a:rPr lang="ru-RU" dirty="0" smtClean="0"/>
+              <a:t>	Предоставление возможности отправлять непрерывный поток обновлений в каждом из направлений.</a:t>
+            </a:r>
+          </a:p>
+          <a:p>
+            <a:pPr marL="514350" indent="-514350">
+              <a:buNone/>
+            </a:pPr>
+            <a:endParaRPr lang="ru-RU" dirty="0" smtClean="0"/>
+          </a:p>
+          <a:p>
+            <a:pPr marL="514350" indent="-514350">
+              <a:buNone/>
+            </a:pPr>
+            <a:endParaRPr lang="ru-RU" dirty="0"/>
+          </a:p>
+        </p:txBody>
+      </p:sp>
+    </p:spTree>
+  </p:cSld>
+  <p:clrMapOvr>
+    <a:masterClrMapping/>
+  </p:clrMapOvr>
+  <p:timing>
+    <p:tnLst>
+      <p:par>
+        <p:cTn id="1" dur="indefinite" restart="never" nodeType="tmRoot"/>
+      </p:par>
+    </p:tnLst>
+  </p:timing>
+</p:sld>
+</file>
+
+<file path=ppt/slides/slide27.xml><?xml version="1.0" encoding="utf-8"?>
+<p:sld xmlns:a="http://schemas.openxmlformats.org/drawingml/2006/main" xmlns:r="http://schemas.openxmlformats.org/officeDocument/2006/relationships" xmlns:p="http://schemas.openxmlformats.org/presentationml/2006/main">
+  <p:cSld>
+    <p:spTree>
+      <p:nvGrpSpPr>
+        <p:cNvPr id="1" name=""/>
+        <p:cNvGrpSpPr/>
+        <p:nvPr/>
+      </p:nvGrpSpPr>
+      <p:grpSpPr>
+        <a:xfrm>
+          <a:off x="0" y="0"/>
+          <a:ext cx="0" cy="0"/>
+          <a:chOff x="0" y="0"/>
+          <a:chExt cx="0" cy="0"/>
+        </a:xfrm>
+      </p:grpSpPr>
+      <p:sp>
+        <p:nvSpPr>
+          <p:cNvPr id="2" name="Заголовок 1"/>
+          <p:cNvSpPr>
+            <a:spLocks noGrp="1"/>
+          </p:cNvSpPr>
+          <p:nvPr>
+            <p:ph type="title"/>
+          </p:nvPr>
+        </p:nvSpPr>
+        <p:spPr/>
+        <p:txBody>
+          <a:bodyPr>
+            <a:normAutofit/>
+          </a:bodyPr>
+          <a:lstStyle/>
+          <a:p>
+            <a:r>
+              <a:rPr lang="ru-RU" dirty="0" smtClean="0"/>
+              <a:t>Дальнейшее развитие проекта</a:t>
+            </a:r>
+            <a:endParaRPr lang="ru-RU" dirty="0"/>
+          </a:p>
+        </p:txBody>
+      </p:sp>
+      <p:sp>
+        <p:nvSpPr>
+          <p:cNvPr id="3" name="Содержимое 2"/>
+          <p:cNvSpPr>
+            <a:spLocks noGrp="1"/>
+          </p:cNvSpPr>
+          <p:nvPr>
+            <p:ph idx="1"/>
+          </p:nvPr>
+        </p:nvSpPr>
+        <p:spPr/>
+        <p:txBody>
+          <a:bodyPr>
+            <a:normAutofit/>
+          </a:bodyPr>
+          <a:lstStyle/>
+          <a:p>
+            <a:pPr marL="514350" indent="-514350">
+              <a:buNone/>
+            </a:pPr>
+            <a:r>
+              <a:rPr lang="ru-RU" dirty="0" smtClean="0"/>
+              <a:t>	Добавление </a:t>
+            </a:r>
+            <a:r>
+              <a:rPr lang="ru-RU" dirty="0"/>
+              <a:t>функциональной возможности отслеживать, какой пользователь был ответственен за какие </a:t>
+            </a:r>
+            <a:r>
+              <a:rPr lang="ru-RU" dirty="0" smtClean="0"/>
+              <a:t>изменения общего документа.</a:t>
+            </a:r>
             <a:endParaRPr lang="ru-RU" dirty="0"/>
           </a:p>
         </p:txBody>
@@ -4901,7 +7342,7 @@
           <a:p>
             <a:r>
               <a:rPr lang="ru-RU" dirty="0" smtClean="0"/>
-              <a:t>Цели и задачи</a:t>
+              <a:t>Задачи</a:t>
             </a:r>
             <a:endParaRPr lang="ru-RU" dirty="0"/>
           </a:p>
@@ -4924,15 +7365,6 @@
           </a:bodyPr>
           <a:lstStyle/>
           <a:p>
-            <a:pPr>
-              <a:buNone/>
-            </a:pPr>
-            <a:r>
-              <a:rPr lang="ru-RU" dirty="0" smtClean="0"/>
-              <a:t>Задачи:</a:t>
-            </a:r>
-          </a:p>
-          <a:p>
             <a:pPr marL="514350" lvl="0" indent="-514350">
               <a:buFont typeface="+mj-lt"/>
               <a:buAutoNum type="arabicPeriod"/>
@@ -4943,8 +7375,13 @@
             </a:r>
             <a:r>
               <a:rPr lang="ru-RU" dirty="0"/>
-              <a:t>к организации совместной работы;</a:t>
-            </a:r>
+              <a:t>к организации совместной </a:t>
+            </a:r>
+            <a:r>
+              <a:rPr lang="ru-RU" dirty="0" smtClean="0"/>
+              <a:t>работы;</a:t>
+            </a:r>
+            <a:endParaRPr lang="ru-RU" dirty="0"/>
           </a:p>
           <a:p>
             <a:pPr marL="514350" lvl="0" indent="-514350">
@@ -5071,7 +7508,7 @@
         <p:spPr/>
         <p:txBody>
           <a:bodyPr>
-            <a:normAutofit/>
+            <a:normAutofit fontScale="92500" lnSpcReduction="10000"/>
           </a:bodyPr>
           <a:lstStyle/>
           <a:p>
@@ -5080,12 +7517,26 @@
               <a:buAutoNum type="arabicPeriod"/>
             </a:pPr>
             <a:r>
-              <a:rPr lang="ru-RU" dirty="0"/>
-              <a:t>а</a:t>
-            </a:r>
-            <a:r>
               <a:rPr lang="ru-RU" dirty="0" smtClean="0"/>
-              <a:t>втоматический режим синхронизации текста;</a:t>
+              <a:t>реализация в виде расширения редактора </a:t>
+            </a:r>
+            <a:r>
+              <a:rPr lang="en-US" dirty="0" smtClean="0"/>
+              <a:t>Sublime Text</a:t>
+            </a:r>
+            <a:r>
+              <a:rPr lang="ru-RU" dirty="0" smtClean="0"/>
+              <a:t>;</a:t>
+            </a:r>
+          </a:p>
+          <a:p>
+            <a:pPr marL="514350" indent="-514350">
+              <a:buFont typeface="+mj-lt"/>
+              <a:buAutoNum type="arabicPeriod"/>
+            </a:pPr>
+            <a:r>
+              <a:rPr lang="ru-RU" dirty="0" smtClean="0"/>
+              <a:t>автоматический режим синхронизации текста;</a:t>
             </a:r>
           </a:p>
           <a:p>
@@ -5174,29 +7625,35 @@
           </a:p>
         </p:txBody>
       </p:sp>
-      <p:sp>
-        <p:nvSpPr>
-          <p:cNvPr id="3" name="Содержимое 2"/>
-          <p:cNvSpPr>
-            <a:spLocks noGrp="1"/>
-          </p:cNvSpPr>
+      <p:pic>
+        <p:nvPicPr>
+          <p:cNvPr id="4" name="1.mp4">
+            <a:hlinkClick r:id="" action="ppaction://media"/>
+          </p:cNvPr>
+          <p:cNvPicPr>
+            <a:picLocks noGrp="1" noRot="1" noChangeAspect="1"/>
+          </p:cNvPicPr>
           <p:nvPr>
             <p:ph idx="1"/>
-          </p:nvPr>
-        </p:nvSpPr>
-        <p:spPr/>
-        <p:txBody>
-          <a:bodyPr/>
-          <a:lstStyle/>
-          <a:p>
-            <a:r>
-              <a:rPr lang="ru-RU" dirty="0" err="1" smtClean="0"/>
-              <a:t>Видяха</a:t>
-            </a:r>
-            <a:endParaRPr lang="ru-RU" dirty="0"/>
-          </a:p>
-        </p:txBody>
-      </p:sp>
+            <a:videoFile r:link="rId1"/>
+          </p:nvPr>
+        </p:nvPicPr>
+        <p:blipFill>
+          <a:blip r:embed="rId3" cstate="print"/>
+          <a:stretch>
+            <a:fillRect/>
+          </a:stretch>
+        </p:blipFill>
+        <p:spPr>
+          <a:xfrm>
+            <a:off x="539552" y="1270100"/>
+            <a:ext cx="8280919" cy="5327252"/>
+          </a:xfrm>
+          <a:prstGeom prst="rect">
+            <a:avLst/>
+          </a:prstGeom>
+        </p:spPr>
+      </p:pic>
     </p:spTree>
   </p:cSld>
   <p:clrMapOvr>
@@ -5205,7 +7662,92 @@
   <p:timing>
     <p:tnLst>
       <p:par>
-        <p:cTn id="1" dur="indefinite" restart="never" nodeType="tmRoot"/>
+        <p:cTn id="1" dur="indefinite" restart="never" nodeType="tmRoot">
+          <p:childTnLst>
+            <p:seq concurrent="1" nextAc="seek">
+              <p:cTn id="2" restart="whenNotActive" fill="hold" evtFilter="cancelBubble" nodeType="interactiveSeq">
+                <p:stCondLst>
+                  <p:cond evt="onClick" delay="0">
+                    <p:tgtEl>
+                      <p:spTgt spid="4"/>
+                    </p:tgtEl>
+                  </p:cond>
+                </p:stCondLst>
+                <p:endSync evt="end" delay="0">
+                  <p:rtn val="all"/>
+                </p:endSync>
+                <p:childTnLst>
+                  <p:par>
+                    <p:cTn id="3" fill="hold">
+                      <p:stCondLst>
+                        <p:cond delay="0"/>
+                      </p:stCondLst>
+                      <p:childTnLst>
+                        <p:par>
+                          <p:cTn id="4" fill="hold">
+                            <p:stCondLst>
+                              <p:cond delay="0"/>
+                            </p:stCondLst>
+                            <p:childTnLst>
+                              <p:par>
+                                <p:cTn id="5" presetID="2" presetClass="mediacall" presetSubtype="0" fill="hold" nodeType="clickEffect">
+                                  <p:stCondLst>
+                                    <p:cond delay="0"/>
+                                  </p:stCondLst>
+                                  <p:childTnLst>
+                                    <p:cmd type="call" cmd="togglePause">
+                                      <p:cBhvr>
+                                        <p:cTn id="6" dur="1" fill="hold"/>
+                                        <p:tgtEl>
+                                          <p:spTgt spid="4"/>
+                                        </p:tgtEl>
+                                      </p:cBhvr>
+                                    </p:cmd>
+                                  </p:childTnLst>
+                                </p:cTn>
+                              </p:par>
+                            </p:childTnLst>
+                          </p:cTn>
+                        </p:par>
+                      </p:childTnLst>
+                    </p:cTn>
+                  </p:par>
+                </p:childTnLst>
+              </p:cTn>
+              <p:nextCondLst>
+                <p:cond evt="onClick" delay="0">
+                  <p:tgtEl>
+                    <p:spTgt spid="4"/>
+                  </p:tgtEl>
+                </p:cond>
+              </p:nextCondLst>
+            </p:seq>
+            <p:video>
+              <p:cMediaNode>
+                <p:cTn id="7" fill="hold" display="0">
+                  <p:stCondLst>
+                    <p:cond delay="indefinite"/>
+                  </p:stCondLst>
+                  <p:endCondLst>
+                    <p:cond evt="onNext" delay="0">
+                      <p:tgtEl>
+                        <p:sldTgt/>
+                      </p:tgtEl>
+                    </p:cond>
+                    <p:cond evt="onPrev" delay="0">
+                      <p:tgtEl>
+                        <p:sldTgt/>
+                      </p:tgtEl>
+                    </p:cond>
+                  </p:endCondLst>
+                </p:cTn>
+                <p:tgtEl>
+                  <p:spTgt spid="4"/>
+                </p:tgtEl>
+              </p:cMediaNode>
+            </p:video>
+          </p:childTnLst>
+        </p:cTn>
       </p:par>
     </p:tnLst>
   </p:timing>
@@ -5231,7 +7773,7 @@
       </p:grpSpPr>
       <p:sp>
         <p:nvSpPr>
-          <p:cNvPr id="2" name="Заголовок 1"/>
+          <p:cNvPr id="4" name="Заголовок 3"/>
           <p:cNvSpPr>
             <a:spLocks noGrp="1"/>
           </p:cNvSpPr>
@@ -5246,55 +7788,35 @@
           <a:p>
             <a:r>
               <a:rPr lang="ru-RU" dirty="0" smtClean="0"/>
-              <a:t>Алгоритм</a:t>
-            </a:r>
-            <a:r>
-              <a:rPr lang="en-US" dirty="0" smtClean="0"/>
-              <a:t> </a:t>
-            </a:r>
-            <a:r>
-              <a:rPr lang="en-US" dirty="0" smtClean="0"/>
-              <a:t>(</a:t>
-            </a:r>
+              <a:t>алгоритм</a:t>
+            </a:r>
+            <a:endParaRPr lang="ru-RU" dirty="0"/>
+          </a:p>
+        </p:txBody>
+      </p:sp>
+      <p:sp>
+        <p:nvSpPr>
+          <p:cNvPr id="5" name="Текст 4"/>
+          <p:cNvSpPr>
+            <a:spLocks noGrp="1"/>
+          </p:cNvSpPr>
+          <p:nvPr>
+            <p:ph type="body" idx="1"/>
+          </p:nvPr>
+        </p:nvSpPr>
+        <p:spPr/>
+        <p:txBody>
+          <a:bodyPr/>
+          <a:lstStyle/>
+          <a:p>
             <a:r>
               <a:rPr lang="ru-RU" dirty="0" smtClean="0"/>
-              <a:t>часть 1</a:t>
-            </a:r>
-            <a:r>
-              <a:rPr lang="en-US" dirty="0" smtClean="0"/>
-              <a:t>)</a:t>
-            </a:r>
-            <a:endParaRPr lang="ru-RU" dirty="0">
-              <a:latin typeface="Times New Roman" pitchFamily="18" charset="0"/>
-              <a:cs typeface="Times New Roman" pitchFamily="18" charset="0"/>
-            </a:endParaRPr>
-          </a:p>
-        </p:txBody>
-      </p:sp>
-      <p:pic>
-        <p:nvPicPr>
-          <p:cNvPr id="8" name="Содержимое 7" descr="алгоритм2.png"/>
-          <p:cNvPicPr>
-            <a:picLocks noGrp="1" noChangeAspect="1"/>
-          </p:cNvPicPr>
-          <p:nvPr>
-            <p:ph idx="1"/>
-          </p:nvPr>
-        </p:nvPicPr>
-        <p:blipFill>
-          <a:blip r:embed="rId2" cstate="print"/>
-          <a:srcRect r="12903" b="57016"/>
-          <a:stretch>
-            <a:fillRect/>
-          </a:stretch>
-        </p:blipFill>
-        <p:spPr>
-          <a:xfrm>
-            <a:off x="251520" y="1268760"/>
-            <a:ext cx="8568952" cy="4685158"/>
-          </a:xfrm>
-        </p:spPr>
-      </p:pic>
+              <a:t>Как это работает</a:t>
+            </a:r>
+            <a:endParaRPr lang="ru-RU" dirty="0"/>
+          </a:p>
+        </p:txBody>
+      </p:sp>
     </p:spTree>
   </p:cSld>
   <p:clrMapOvr>
@@ -5348,11 +7870,7 @@
             </a:r>
             <a:r>
               <a:rPr lang="en-US" dirty="0" smtClean="0"/>
-              <a:t> </a:t>
-            </a:r>
-            <a:r>
-              <a:rPr lang="en-US" dirty="0" smtClean="0"/>
-              <a:t>(</a:t>
+              <a:t> (</a:t>
             </a:r>
             <a:r>
               <a:rPr lang="ru-RU" dirty="0" smtClean="0"/>
@@ -5381,7 +7899,7 @@
         </p:nvPicPr>
         <p:blipFill>
           <a:blip r:embed="rId2" cstate="print"/>
-          <a:srcRect r="10226" b="56867"/>
+          <a:srcRect r="12903" b="57016"/>
           <a:stretch>
             <a:fillRect/>
           </a:stretch>
@@ -5389,10 +7907,75 @@
         <p:spPr>
           <a:xfrm>
             <a:off x="251520" y="1268760"/>
-            <a:ext cx="8547571" cy="4663374"/>
+            <a:ext cx="8568952" cy="4685158"/>
           </a:xfrm>
         </p:spPr>
       </p:pic>
+      <p:sp>
+        <p:nvSpPr>
+          <p:cNvPr id="4" name="TextBox 3"/>
+          <p:cNvSpPr txBox="1"/>
+          <p:nvPr/>
+        </p:nvSpPr>
+        <p:spPr>
+          <a:xfrm>
+            <a:off x="2411760" y="6093296"/>
+            <a:ext cx="1944216" cy="369332"/>
+          </a:xfrm>
+          <a:prstGeom prst="rect">
+            <a:avLst/>
+          </a:prstGeom>
+          <a:noFill/>
+          <a:effectLst/>
+        </p:spPr>
+        <p:txBody>
+          <a:bodyPr wrap="square" rtlCol="0">
+            <a:spAutoFit/>
+          </a:bodyPr>
+          <a:lstStyle/>
+          <a:p>
+            <a:r>
+              <a:rPr lang="ru-RU" dirty="0" smtClean="0">
+                <a:latin typeface="Times New Roman" pitchFamily="18" charset="0"/>
+                <a:cs typeface="Times New Roman" pitchFamily="18" charset="0"/>
+              </a:rPr>
+              <a:t>Присвоить </a:t>
+            </a:r>
+            <a:r>
+              <a:rPr lang="en-US" dirty="0" smtClean="0">
+                <a:latin typeface="Times New Roman" pitchFamily="18" charset="0"/>
+                <a:cs typeface="Times New Roman" pitchFamily="18" charset="0"/>
+              </a:rPr>
+              <a:t>S</a:t>
+            </a:r>
+            <a:r>
+              <a:rPr lang="en-US" baseline="-25000" dirty="0" smtClean="0">
+                <a:latin typeface="Times New Roman" pitchFamily="18" charset="0"/>
+                <a:cs typeface="Times New Roman" pitchFamily="18" charset="0"/>
+              </a:rPr>
+              <a:t>t</a:t>
+            </a:r>
+            <a:r>
+              <a:rPr lang="en-US" dirty="0" smtClean="0">
+                <a:latin typeface="Times New Roman" pitchFamily="18" charset="0"/>
+                <a:cs typeface="Times New Roman" pitchFamily="18" charset="0"/>
+              </a:rPr>
+              <a:t> = C</a:t>
+            </a:r>
+            <a:r>
+              <a:rPr lang="en-US" baseline="-25000" dirty="0" smtClean="0">
+                <a:latin typeface="Times New Roman" pitchFamily="18" charset="0"/>
+                <a:cs typeface="Times New Roman" pitchFamily="18" charset="0"/>
+              </a:rPr>
+              <a:t>t</a:t>
+            </a:r>
+            <a:endParaRPr lang="ru-RU" baseline="-25000" dirty="0">
+              <a:latin typeface="Times New Roman" pitchFamily="18" charset="0"/>
+              <a:cs typeface="Times New Roman" pitchFamily="18" charset="0"/>
+            </a:endParaRPr>
+          </a:p>
+        </p:txBody>
+      </p:sp>
     </p:spTree>
   </p:cSld>
   <p:clrMapOvr>
@@ -5446,11 +8029,7 @@
             </a:r>
             <a:r>
               <a:rPr lang="en-US" dirty="0" smtClean="0"/>
-              <a:t> </a:t>
-            </a:r>
-            <a:r>
-              <a:rPr lang="en-US" dirty="0" smtClean="0"/>
-              <a:t>(</a:t>
+              <a:t> (</a:t>
             </a:r>
             <a:r>
               <a:rPr lang="ru-RU" dirty="0" smtClean="0"/>
@@ -5479,7 +8058,7 @@
         </p:nvPicPr>
         <p:blipFill>
           <a:blip r:embed="rId2" cstate="print"/>
-          <a:srcRect r="10288" b="56765"/>
+          <a:srcRect r="10226" b="56867"/>
           <a:stretch>
             <a:fillRect/>
           </a:stretch>
@@ -5487,10 +8066,75 @@
         <p:spPr>
           <a:xfrm>
             <a:off x="251520" y="1268760"/>
-            <a:ext cx="8541667" cy="4674402"/>
+            <a:ext cx="8547571" cy="4663374"/>
           </a:xfrm>
         </p:spPr>
       </p:pic>
+      <p:sp>
+        <p:nvSpPr>
+          <p:cNvPr id="5" name="TextBox 4"/>
+          <p:cNvSpPr txBox="1"/>
+          <p:nvPr/>
+        </p:nvSpPr>
+        <p:spPr>
+          <a:xfrm>
+            <a:off x="2411760" y="6093296"/>
+            <a:ext cx="1944216" cy="369332"/>
+          </a:xfrm>
+          <a:prstGeom prst="rect">
+            <a:avLst/>
+          </a:prstGeom>
+          <a:noFill/>
+          <a:effectLst/>
+        </p:spPr>
+        <p:txBody>
+          <a:bodyPr wrap="square" rtlCol="0">
+            <a:spAutoFit/>
+          </a:bodyPr>
+          <a:lstStyle/>
+          <a:p>
+            <a:r>
+              <a:rPr lang="ru-RU" dirty="0" smtClean="0">
+                <a:latin typeface="Times New Roman" pitchFamily="18" charset="0"/>
+                <a:cs typeface="Times New Roman" pitchFamily="18" charset="0"/>
+              </a:rPr>
+              <a:t>Присвоить </a:t>
+            </a:r>
+            <a:r>
+              <a:rPr lang="en-US" dirty="0" smtClean="0">
+                <a:latin typeface="Times New Roman" pitchFamily="18" charset="0"/>
+                <a:cs typeface="Times New Roman" pitchFamily="18" charset="0"/>
+              </a:rPr>
+              <a:t>S</a:t>
+            </a:r>
+            <a:r>
+              <a:rPr lang="en-US" baseline="-25000" dirty="0" smtClean="0">
+                <a:latin typeface="Times New Roman" pitchFamily="18" charset="0"/>
+                <a:cs typeface="Times New Roman" pitchFamily="18" charset="0"/>
+              </a:rPr>
+              <a:t>t</a:t>
+            </a:r>
+            <a:r>
+              <a:rPr lang="en-US" dirty="0" smtClean="0">
+                <a:latin typeface="Times New Roman" pitchFamily="18" charset="0"/>
+                <a:cs typeface="Times New Roman" pitchFamily="18" charset="0"/>
+              </a:rPr>
+              <a:t> = C</a:t>
+            </a:r>
+            <a:r>
+              <a:rPr lang="en-US" baseline="-25000" dirty="0" smtClean="0">
+                <a:latin typeface="Times New Roman" pitchFamily="18" charset="0"/>
+                <a:cs typeface="Times New Roman" pitchFamily="18" charset="0"/>
+              </a:rPr>
+              <a:t>t</a:t>
+            </a:r>
+            <a:endParaRPr lang="ru-RU" baseline="-25000" dirty="0">
+              <a:latin typeface="Times New Roman" pitchFamily="18" charset="0"/>
+              <a:cs typeface="Times New Roman" pitchFamily="18" charset="0"/>
+            </a:endParaRPr>
+          </a:p>
+        </p:txBody>
+      </p:sp>
     </p:spTree>
   </p:cSld>
   <p:clrMapOvr>
@@ -5544,11 +8188,7 @@
             </a:r>
             <a:r>
               <a:rPr lang="en-US" dirty="0" smtClean="0"/>
-              <a:t> </a:t>
-            </a:r>
-            <a:r>
-              <a:rPr lang="en-US" dirty="0" smtClean="0"/>
-              <a:t>(</a:t>
+              <a:t> (</a:t>
             </a:r>
             <a:r>
               <a:rPr lang="ru-RU" dirty="0" smtClean="0"/>
@@ -5577,7 +8217,7 @@
         </p:nvPicPr>
         <p:blipFill>
           <a:blip r:embed="rId2" cstate="print"/>
-          <a:srcRect r="10551" b="56732"/>
+          <a:srcRect r="10288" b="56765"/>
           <a:stretch>
             <a:fillRect/>
           </a:stretch>
@@ -5585,17 +8225,75 @@
         <p:spPr>
           <a:xfrm>
             <a:off x="251520" y="1268760"/>
-            <a:ext cx="8516606" cy="4677997"/>
+            <a:ext cx="8541667" cy="4674402"/>
+          </a:xfrm>
+        </p:spPr>
+      </p:pic>
+      <p:sp>
+        <p:nvSpPr>
+          <p:cNvPr id="4" name="TextBox 3"/>
+          <p:cNvSpPr txBox="1"/>
+          <p:nvPr/>
+        </p:nvSpPr>
+        <p:spPr>
+          <a:xfrm>
+            <a:off x="2411760" y="6093296"/>
+            <a:ext cx="1944216" cy="369332"/>
           </a:xfrm>
           <a:prstGeom prst="rect">
             <a:avLst/>
           </a:prstGeom>
           <a:noFill/>
-          <a:ln>
-            <a:noFill/>
-          </a:ln>
+          <a:effectLst/>
         </p:spPr>
-      </p:pic>
+        <p:txBody>
+          <a:bodyPr wrap="square" rtlCol="0">
+            <a:spAutoFit/>
+          </a:bodyPr>
+          <a:lstStyle/>
+          <a:p>
+            <a:r>
+              <a:rPr lang="ru-RU" dirty="0" smtClean="0">
+                <a:latin typeface="Times New Roman" pitchFamily="18" charset="0"/>
+                <a:cs typeface="Times New Roman" pitchFamily="18" charset="0"/>
+              </a:rPr>
+              <a:t>Присвоить </a:t>
+            </a:r>
+            <a:r>
+              <a:rPr lang="en-US" dirty="0" smtClean="0">
+                <a:latin typeface="Times New Roman" pitchFamily="18" charset="0"/>
+                <a:cs typeface="Times New Roman" pitchFamily="18" charset="0"/>
+              </a:rPr>
+              <a:t>S</a:t>
+            </a:r>
+            <a:r>
+              <a:rPr lang="en-US" baseline="-25000" dirty="0" smtClean="0">
+                <a:latin typeface="Times New Roman" pitchFamily="18" charset="0"/>
+                <a:cs typeface="Times New Roman" pitchFamily="18" charset="0"/>
+              </a:rPr>
+              <a:t>t</a:t>
+            </a:r>
+            <a:r>
+              <a:rPr lang="en-US" dirty="0" smtClean="0">
+                <a:latin typeface="Times New Roman" pitchFamily="18" charset="0"/>
+                <a:cs typeface="Times New Roman" pitchFamily="18" charset="0"/>
+              </a:rPr>
+              <a:t> = C</a:t>
+            </a:r>
+            <a:r>
+              <a:rPr lang="en-US" baseline="-25000" dirty="0" smtClean="0">
+                <a:latin typeface="Times New Roman" pitchFamily="18" charset="0"/>
+                <a:cs typeface="Times New Roman" pitchFamily="18" charset="0"/>
+              </a:rPr>
+              <a:t>t</a:t>
+            </a:r>
+            <a:endParaRPr lang="ru-RU" baseline="-25000" dirty="0">
+              <a:latin typeface="Times New Roman" pitchFamily="18" charset="0"/>
+              <a:cs typeface="Times New Roman" pitchFamily="18" charset="0"/>
+            </a:endParaRPr>
+          </a:p>
+        </p:txBody>
+      </p:sp>
     </p:spTree>
   </p:cSld>
   <p:clrMapOvr>

--- a/ВКР Путилов М.Ю. Презентация.pptx
+++ b/ВКР Путилов М.Ю. Презентация.pptx
@@ -315,7 +315,7 @@
             <a:fld id="{21F36726-CBBA-4CB8-81DA-DDFBFDBDA1BE}" type="datetimeFigureOut">
               <a:rPr lang="ru-RU" smtClean="0"/>
               <a:pPr/>
-              <a:t>29.05.2015</a:t>
+              <a:t>31.05.2015</a:t>
             </a:fld>
             <a:endParaRPr lang="ru-RU"/>
           </a:p>
@@ -482,7 +482,7 @@
             <a:fld id="{21F36726-CBBA-4CB8-81DA-DDFBFDBDA1BE}" type="datetimeFigureOut">
               <a:rPr lang="ru-RU" smtClean="0"/>
               <a:pPr/>
-              <a:t>29.05.2015</a:t>
+              <a:t>31.05.2015</a:t>
             </a:fld>
             <a:endParaRPr lang="ru-RU"/>
           </a:p>
@@ -659,7 +659,7 @@
             <a:fld id="{21F36726-CBBA-4CB8-81DA-DDFBFDBDA1BE}" type="datetimeFigureOut">
               <a:rPr lang="ru-RU" smtClean="0"/>
               <a:pPr/>
-              <a:t>29.05.2015</a:t>
+              <a:t>31.05.2015</a:t>
             </a:fld>
             <a:endParaRPr lang="ru-RU"/>
           </a:p>
@@ -826,7 +826,7 @@
             <a:fld id="{21F36726-CBBA-4CB8-81DA-DDFBFDBDA1BE}" type="datetimeFigureOut">
               <a:rPr lang="ru-RU" smtClean="0"/>
               <a:pPr/>
-              <a:t>29.05.2015</a:t>
+              <a:t>31.05.2015</a:t>
             </a:fld>
             <a:endParaRPr lang="ru-RU"/>
           </a:p>
@@ -1069,7 +1069,7 @@
             <a:fld id="{21F36726-CBBA-4CB8-81DA-DDFBFDBDA1BE}" type="datetimeFigureOut">
               <a:rPr lang="ru-RU" smtClean="0"/>
               <a:pPr/>
-              <a:t>29.05.2015</a:t>
+              <a:t>31.05.2015</a:t>
             </a:fld>
             <a:endParaRPr lang="ru-RU"/>
           </a:p>
@@ -1354,7 +1354,7 @@
             <a:fld id="{21F36726-CBBA-4CB8-81DA-DDFBFDBDA1BE}" type="datetimeFigureOut">
               <a:rPr lang="ru-RU" smtClean="0"/>
               <a:pPr/>
-              <a:t>29.05.2015</a:t>
+              <a:t>31.05.2015</a:t>
             </a:fld>
             <a:endParaRPr lang="ru-RU"/>
           </a:p>
@@ -1773,7 +1773,7 @@
             <a:fld id="{21F36726-CBBA-4CB8-81DA-DDFBFDBDA1BE}" type="datetimeFigureOut">
               <a:rPr lang="ru-RU" smtClean="0"/>
               <a:pPr/>
-              <a:t>29.05.2015</a:t>
+              <a:t>31.05.2015</a:t>
             </a:fld>
             <a:endParaRPr lang="ru-RU"/>
           </a:p>
@@ -1888,7 +1888,7 @@
             <a:fld id="{21F36726-CBBA-4CB8-81DA-DDFBFDBDA1BE}" type="datetimeFigureOut">
               <a:rPr lang="ru-RU" smtClean="0"/>
               <a:pPr/>
-              <a:t>29.05.2015</a:t>
+              <a:t>31.05.2015</a:t>
             </a:fld>
             <a:endParaRPr lang="ru-RU"/>
           </a:p>
@@ -1980,7 +1980,7 @@
             <a:fld id="{21F36726-CBBA-4CB8-81DA-DDFBFDBDA1BE}" type="datetimeFigureOut">
               <a:rPr lang="ru-RU" smtClean="0"/>
               <a:pPr/>
-              <a:t>29.05.2015</a:t>
+              <a:t>31.05.2015</a:t>
             </a:fld>
             <a:endParaRPr lang="ru-RU"/>
           </a:p>
@@ -2254,7 +2254,7 @@
             <a:fld id="{21F36726-CBBA-4CB8-81DA-DDFBFDBDA1BE}" type="datetimeFigureOut">
               <a:rPr lang="ru-RU" smtClean="0"/>
               <a:pPr/>
-              <a:t>29.05.2015</a:t>
+              <a:t>31.05.2015</a:t>
             </a:fld>
             <a:endParaRPr lang="ru-RU"/>
           </a:p>
@@ -2504,7 +2504,7 @@
             <a:fld id="{21F36726-CBBA-4CB8-81DA-DDFBFDBDA1BE}" type="datetimeFigureOut">
               <a:rPr lang="ru-RU" smtClean="0"/>
               <a:pPr/>
-              <a:t>29.05.2015</a:t>
+              <a:t>31.05.2015</a:t>
             </a:fld>
             <a:endParaRPr lang="ru-RU"/>
           </a:p>
@@ -2714,7 +2714,7 @@
             <a:fld id="{21F36726-CBBA-4CB8-81DA-DDFBFDBDA1BE}" type="datetimeFigureOut">
               <a:rPr lang="ru-RU" smtClean="0"/>
               <a:pPr/>
-              <a:t>29.05.2015</a:t>
+              <a:t>31.05.2015</a:t>
             </a:fld>
             <a:endParaRPr lang="ru-RU"/>
           </a:p>
@@ -3109,7 +3109,11 @@
           <a:p>
             <a:r>
               <a:rPr lang="ru-RU" dirty="0" smtClean="0"/>
-              <a:t>Система совместного редактирования текстов в режиме реального времени</a:t>
+              <a:t>Разработка системы </a:t>
+            </a:r>
+            <a:r>
+              <a:rPr lang="ru-RU" dirty="0" smtClean="0"/>
+              <a:t>совместного редактирования текстов в режиме реального времени</a:t>
             </a:r>
             <a:endParaRPr lang="ru-RU" dirty="0"/>
           </a:p>
@@ -5180,8 +5184,9 @@
             </a:r>
             <a:r>
               <a:rPr lang="ru-RU" dirty="0" smtClean="0"/>
-              <a:t>текста</a:t>
-            </a:r>
+              <a:t>текста.</a:t>
+            </a:r>
+            <a:endParaRPr lang="ru-RU" dirty="0" smtClean="0"/>
           </a:p>
           <a:p>
             <a:r>
@@ -5190,8 +5195,13 @@
             </a:r>
             <a:r>
               <a:rPr lang="ru-RU" dirty="0"/>
-              <a:t>системы совместного редактирования текстов в режиме реального времени</a:t>
-            </a:r>
+              <a:t>системы совместного редактирования текстов в режиме реального </a:t>
+            </a:r>
+            <a:r>
+              <a:rPr lang="ru-RU" dirty="0" smtClean="0"/>
+              <a:t>времени.</a:t>
+            </a:r>
+            <a:endParaRPr lang="ru-RU" dirty="0"/>
           </a:p>
         </p:txBody>
       </p:sp>
@@ -7371,7 +7381,15 @@
             </a:pPr>
             <a:r>
               <a:rPr lang="ru-RU" dirty="0" smtClean="0"/>
-              <a:t>изучить подходы </a:t>
+              <a:t>И</a:t>
+            </a:r>
+            <a:r>
+              <a:rPr lang="ru-RU" dirty="0" smtClean="0"/>
+              <a:t>зучить </a:t>
+            </a:r>
+            <a:r>
+              <a:rPr lang="ru-RU" dirty="0" smtClean="0"/>
+              <a:t>подходы </a:t>
             </a:r>
             <a:r>
               <a:rPr lang="ru-RU" dirty="0"/>
@@ -7379,7 +7397,7 @@
             </a:r>
             <a:r>
               <a:rPr lang="ru-RU" dirty="0" smtClean="0"/>
-              <a:t>работы;</a:t>
+              <a:t>работы.</a:t>
             </a:r>
             <a:endParaRPr lang="ru-RU" dirty="0"/>
           </a:p>
@@ -7389,17 +7407,18 @@
               <a:buAutoNum type="arabicPeriod"/>
             </a:pPr>
             <a:r>
+              <a:rPr lang="ru-RU" dirty="0" smtClean="0"/>
+              <a:t>Спроектировать </a:t>
+            </a:r>
+            <a:r>
               <a:rPr lang="ru-RU" dirty="0"/>
-              <a:t>с</a:t>
+              <a:t>программное обеспечение, направленное на совместного редактирования </a:t>
             </a:r>
             <a:r>
               <a:rPr lang="ru-RU" dirty="0" smtClean="0"/>
-              <a:t>проектировать </a:t>
-            </a:r>
-            <a:r>
-              <a:rPr lang="ru-RU" dirty="0"/>
-              <a:t>программное обеспечение, направленное на совместного редактирования текстов; </a:t>
-            </a:r>
+              <a:t>текстов.</a:t>
+            </a:r>
+            <a:endParaRPr lang="ru-RU" dirty="0"/>
           </a:p>
           <a:p>
             <a:pPr marL="514350" lvl="0" indent="-514350">
@@ -7408,12 +7427,21 @@
             </a:pPr>
             <a:r>
               <a:rPr lang="ru-RU" dirty="0" smtClean="0"/>
-              <a:t>реализовать </a:t>
+              <a:t>Реализовать </a:t>
             </a:r>
             <a:r>
               <a:rPr lang="ru-RU" dirty="0"/>
-              <a:t>программный продукт; </a:t>
-            </a:r>
+              <a:t>программный </a:t>
+            </a:r>
+            <a:r>
+              <a:rPr lang="ru-RU" dirty="0" smtClean="0"/>
+              <a:t>продукт</a:t>
+            </a:r>
+            <a:r>
+              <a:rPr lang="ru-RU" dirty="0" smtClean="0"/>
+              <a:t>.</a:t>
+            </a:r>
+            <a:endParaRPr lang="ru-RU" dirty="0"/>
           </a:p>
           <a:p>
             <a:pPr marL="514350" lvl="0" indent="-514350">
@@ -7422,7 +7450,7 @@
             </a:pPr>
             <a:r>
               <a:rPr lang="ru-RU" dirty="0" smtClean="0"/>
-              <a:t>описать </a:t>
+              <a:t>Описать </a:t>
             </a:r>
             <a:r>
               <a:rPr lang="ru-RU" dirty="0"/>
@@ -7505,10 +7533,15 @@
             <p:ph idx="1"/>
           </p:nvPr>
         </p:nvSpPr>
-        <p:spPr/>
+        <p:spPr>
+          <a:xfrm>
+            <a:off x="457200" y="1600200"/>
+            <a:ext cx="8363272" cy="4525963"/>
+          </a:xfrm>
+        </p:spPr>
         <p:txBody>
           <a:bodyPr>
-            <a:normAutofit fontScale="92500" lnSpcReduction="10000"/>
+            <a:normAutofit fontScale="92500"/>
           </a:bodyPr>
           <a:lstStyle/>
           <a:p>
@@ -7518,16 +7551,29 @@
             </a:pPr>
             <a:r>
               <a:rPr lang="ru-RU" dirty="0" smtClean="0"/>
-              <a:t>реализация в виде расширения редактора </a:t>
+              <a:t>Р</a:t>
+            </a:r>
+            <a:r>
+              <a:rPr lang="ru-RU" dirty="0" smtClean="0"/>
+              <a:t>еализация </a:t>
+            </a:r>
+            <a:r>
+              <a:rPr lang="ru-RU" dirty="0" smtClean="0"/>
+              <a:t>в виде расширения редактора </a:t>
             </a:r>
             <a:r>
               <a:rPr lang="en-US" dirty="0" smtClean="0"/>
-              <a:t>Sublime Text</a:t>
+              <a:t>Sublime </a:t>
+            </a:r>
+            <a:r>
+              <a:rPr lang="en-US" dirty="0" smtClean="0"/>
+              <a:t>Text</a:t>
             </a:r>
             <a:r>
               <a:rPr lang="ru-RU" dirty="0" smtClean="0"/>
-              <a:t>;</a:t>
-            </a:r>
+              <a:t>.</a:t>
+            </a:r>
+            <a:endParaRPr lang="ru-RU" dirty="0" smtClean="0"/>
           </a:p>
           <a:p>
             <a:pPr marL="514350" indent="-514350">
@@ -7536,8 +7582,21 @@
             </a:pPr>
             <a:r>
               <a:rPr lang="ru-RU" dirty="0" smtClean="0"/>
-              <a:t>автоматический режим синхронизации текста;</a:t>
-            </a:r>
+              <a:t>А</a:t>
+            </a:r>
+            <a:r>
+              <a:rPr lang="ru-RU" dirty="0" smtClean="0"/>
+              <a:t>втоматический </a:t>
+            </a:r>
+            <a:r>
+              <a:rPr lang="ru-RU" dirty="0" smtClean="0"/>
+              <a:t>режим синхронизации </a:t>
+            </a:r>
+            <a:r>
+              <a:rPr lang="ru-RU" dirty="0" smtClean="0"/>
+              <a:t>текста.</a:t>
+            </a:r>
+            <a:endParaRPr lang="ru-RU" dirty="0" smtClean="0"/>
           </a:p>
           <a:p>
             <a:pPr marL="514350" indent="-514350">
@@ -7546,12 +7605,21 @@
             </a:pPr>
             <a:r>
               <a:rPr lang="ru-RU" dirty="0"/>
-              <a:t>п</a:t>
+              <a:t>П</a:t>
             </a:r>
             <a:r>
               <a:rPr lang="ru-RU" dirty="0" smtClean="0"/>
-              <a:t>оддержка модульности исходного кода с целью его повторного использования в качестве расширения к другим текстовым редакторам;</a:t>
-            </a:r>
+              <a:t>оддержка </a:t>
+            </a:r>
+            <a:r>
+              <a:rPr lang="ru-RU" dirty="0" smtClean="0"/>
+              <a:t>модульности исходного кода с целью его повторного использования в качестве расширения к другим текстовым </a:t>
+            </a:r>
+            <a:r>
+              <a:rPr lang="ru-RU" dirty="0" smtClean="0"/>
+              <a:t>редакторам.</a:t>
+            </a:r>
+            <a:endParaRPr lang="ru-RU" dirty="0" smtClean="0"/>
           </a:p>
           <a:p>
             <a:pPr marL="514350" indent="-514350">
@@ -7560,11 +7628,15 @@
             </a:pPr>
             <a:r>
               <a:rPr lang="ru-RU" dirty="0"/>
-              <a:t>в</a:t>
+              <a:t>В</a:t>
             </a:r>
             <a:r>
               <a:rPr lang="ru-RU" dirty="0" smtClean="0"/>
-              <a:t>озможность поиска ожидающего компьютера в локальной сети.</a:t>
+              <a:t>озможность </a:t>
+            </a:r>
+            <a:r>
+              <a:rPr lang="ru-RU" dirty="0" smtClean="0"/>
+              <a:t>поиска ожидающего компьютера в локальной сети.</a:t>
             </a:r>
             <a:endParaRPr lang="ru-RU" dirty="0"/>
           </a:p>

--- a/ВКР Путилов М.Ю. Презентация.pptx
+++ b/ВКР Путилов М.Ю. Презентация.pptx
@@ -3109,11 +3109,7 @@
           <a:p>
             <a:r>
               <a:rPr lang="ru-RU" dirty="0" smtClean="0"/>
-              <a:t>Разработка системы </a:t>
-            </a:r>
-            <a:r>
-              <a:rPr lang="ru-RU" dirty="0" smtClean="0"/>
-              <a:t>совместного редактирования текстов в режиме реального времени</a:t>
+              <a:t>Разработка системы совместного редактирования текстов в режиме реального времени</a:t>
             </a:r>
             <a:endParaRPr lang="ru-RU" dirty="0"/>
           </a:p>
@@ -5186,7 +5182,6 @@
               <a:rPr lang="ru-RU" dirty="0" smtClean="0"/>
               <a:t>текста.</a:t>
             </a:r>
-            <a:endParaRPr lang="ru-RU" dirty="0" smtClean="0"/>
           </a:p>
           <a:p>
             <a:r>
@@ -5369,7 +5364,29 @@
                           <a:ea typeface="+mn-ea"/>
                           <a:cs typeface="Courier New" pitchFamily="49" charset="0"/>
                         </a:rPr>
-                        <a:t>внезапно шел Паша </a:t>
+                        <a:t>внезапно </a:t>
+                      </a:r>
+                      <a:r>
+                        <a:rPr lang="ru-RU" sz="2000" kern="1200" baseline="0" dirty="0" smtClean="0">
+                          <a:solidFill>
+                            <a:schemeClr val="dk1"/>
+                          </a:solidFill>
+                          <a:latin typeface="Courier New" pitchFamily="49" charset="0"/>
+                          <a:ea typeface="+mn-ea"/>
+                          <a:cs typeface="Courier New" pitchFamily="49" charset="0"/>
+                        </a:rPr>
+                        <a:t>Шел </a:t>
+                      </a:r>
+                      <a:r>
+                        <a:rPr lang="ru-RU" sz="2000" kern="1200" baseline="0" dirty="0" smtClean="0">
+                          <a:solidFill>
+                            <a:schemeClr val="dk1"/>
+                          </a:solidFill>
+                          <a:latin typeface="Courier New" pitchFamily="49" charset="0"/>
+                          <a:ea typeface="+mn-ea"/>
+                          <a:cs typeface="Courier New" pitchFamily="49" charset="0"/>
+                        </a:rPr>
+                        <a:t>Паша </a:t>
                       </a:r>
                     </a:p>
                     <a:p>
@@ -5665,7 +5682,18 @@
                           <a:ea typeface="+mn-ea"/>
                           <a:cs typeface="Courier New" pitchFamily="49" charset="0"/>
                         </a:rPr>
-                        <a:t>внезапно шл</a:t>
+                        <a:t>внезапно </a:t>
+                      </a:r>
+                      <a:r>
+                        <a:rPr lang="ru-RU" sz="2000" kern="1200" baseline="0" dirty="0" smtClean="0">
+                          <a:solidFill>
+                            <a:schemeClr val="dk1"/>
+                          </a:solidFill>
+                          <a:latin typeface="Courier New" pitchFamily="49" charset="0"/>
+                          <a:ea typeface="+mn-ea"/>
+                          <a:cs typeface="Courier New" pitchFamily="49" charset="0"/>
+                        </a:rPr>
+                        <a:t>Шл</a:t>
                       </a:r>
                       <a:r>
                         <a:rPr lang="ru-RU" sz="2000" b="1" kern="1200" baseline="0" dirty="0" smtClean="0">
@@ -6019,7 +6047,29 @@
                           <a:ea typeface="+mn-ea"/>
                           <a:cs typeface="Courier New" pitchFamily="49" charset="0"/>
                         </a:rPr>
-                        <a:t>внезапно шел Паша </a:t>
+                        <a:t>внезапно </a:t>
+                      </a:r>
+                      <a:r>
+                        <a:rPr lang="ru-RU" sz="2000" kern="1200" baseline="0" dirty="0" smtClean="0">
+                          <a:solidFill>
+                            <a:schemeClr val="dk1"/>
+                          </a:solidFill>
+                          <a:latin typeface="Courier New" pitchFamily="49" charset="0"/>
+                          <a:ea typeface="+mn-ea"/>
+                          <a:cs typeface="Courier New" pitchFamily="49" charset="0"/>
+                        </a:rPr>
+                        <a:t>Шел </a:t>
+                      </a:r>
+                      <a:r>
+                        <a:rPr lang="ru-RU" sz="2000" kern="1200" baseline="0" dirty="0" smtClean="0">
+                          <a:solidFill>
+                            <a:schemeClr val="dk1"/>
+                          </a:solidFill>
+                          <a:latin typeface="Courier New" pitchFamily="49" charset="0"/>
+                          <a:ea typeface="+mn-ea"/>
+                          <a:cs typeface="Courier New" pitchFamily="49" charset="0"/>
+                        </a:rPr>
+                        <a:t>Паша </a:t>
                       </a:r>
                     </a:p>
                     <a:p>
@@ -7381,15 +7431,7 @@
             </a:pPr>
             <a:r>
               <a:rPr lang="ru-RU" dirty="0" smtClean="0"/>
-              <a:t>И</a:t>
-            </a:r>
-            <a:r>
-              <a:rPr lang="ru-RU" dirty="0" smtClean="0"/>
-              <a:t>зучить </a:t>
-            </a:r>
-            <a:r>
-              <a:rPr lang="ru-RU" dirty="0" smtClean="0"/>
-              <a:t>подходы </a:t>
+              <a:t>Изучить подходы </a:t>
             </a:r>
             <a:r>
               <a:rPr lang="ru-RU" dirty="0"/>
@@ -7435,11 +7477,7 @@
             </a:r>
             <a:r>
               <a:rPr lang="ru-RU" dirty="0" smtClean="0"/>
-              <a:t>продукт</a:t>
-            </a:r>
-            <a:r>
-              <a:rPr lang="ru-RU" dirty="0" smtClean="0"/>
-              <a:t>.</a:t>
+              <a:t>продукт.</a:t>
             </a:r>
             <a:endParaRPr lang="ru-RU" dirty="0"/>
           </a:p>
@@ -7551,29 +7589,16 @@
             </a:pPr>
             <a:r>
               <a:rPr lang="ru-RU" dirty="0" smtClean="0"/>
-              <a:t>Р</a:t>
-            </a:r>
-            <a:r>
-              <a:rPr lang="ru-RU" dirty="0" smtClean="0"/>
-              <a:t>еализация </a:t>
-            </a:r>
-            <a:r>
-              <a:rPr lang="ru-RU" dirty="0" smtClean="0"/>
-              <a:t>в виде расширения редактора </a:t>
+              <a:t>Реализация в виде расширения редактора </a:t>
             </a:r>
             <a:r>
               <a:rPr lang="en-US" dirty="0" smtClean="0"/>
-              <a:t>Sublime </a:t>
-            </a:r>
-            <a:r>
-              <a:rPr lang="en-US" dirty="0" smtClean="0"/>
-              <a:t>Text</a:t>
+              <a:t>Sublime Text</a:t>
             </a:r>
             <a:r>
               <a:rPr lang="ru-RU" dirty="0" smtClean="0"/>
               <a:t>.</a:t>
             </a:r>
-            <a:endParaRPr lang="ru-RU" dirty="0" smtClean="0"/>
           </a:p>
           <a:p>
             <a:pPr marL="514350" indent="-514350">
@@ -7582,21 +7607,8 @@
             </a:pPr>
             <a:r>
               <a:rPr lang="ru-RU" dirty="0" smtClean="0"/>
-              <a:t>А</a:t>
-            </a:r>
-            <a:r>
-              <a:rPr lang="ru-RU" dirty="0" smtClean="0"/>
-              <a:t>втоматический </a:t>
-            </a:r>
-            <a:r>
-              <a:rPr lang="ru-RU" dirty="0" smtClean="0"/>
-              <a:t>режим синхронизации </a:t>
-            </a:r>
-            <a:r>
-              <a:rPr lang="ru-RU" dirty="0" smtClean="0"/>
-              <a:t>текста.</a:t>
-            </a:r>
-            <a:endParaRPr lang="ru-RU" dirty="0" smtClean="0"/>
+              <a:t>Автоматический режим синхронизации текста.</a:t>
+            </a:r>
           </a:p>
           <a:p>
             <a:pPr marL="514350" indent="-514350">
@@ -7609,17 +7621,8 @@
             </a:r>
             <a:r>
               <a:rPr lang="ru-RU" dirty="0" smtClean="0"/>
-              <a:t>оддержка </a:t>
-            </a:r>
-            <a:r>
-              <a:rPr lang="ru-RU" dirty="0" smtClean="0"/>
-              <a:t>модульности исходного кода с целью его повторного использования в качестве расширения к другим текстовым </a:t>
-            </a:r>
-            <a:r>
-              <a:rPr lang="ru-RU" dirty="0" smtClean="0"/>
-              <a:t>редакторам.</a:t>
-            </a:r>
-            <a:endParaRPr lang="ru-RU" dirty="0" smtClean="0"/>
+              <a:t>оддержка модульности исходного кода с целью его повторного использования в качестве расширения к другим текстовым редакторам.</a:t>
+            </a:r>
           </a:p>
           <a:p>
             <a:pPr marL="514350" indent="-514350">
@@ -7632,11 +7635,7 @@
             </a:r>
             <a:r>
               <a:rPr lang="ru-RU" dirty="0" smtClean="0"/>
-              <a:t>озможность </a:t>
-            </a:r>
-            <a:r>
-              <a:rPr lang="ru-RU" dirty="0" smtClean="0"/>
-              <a:t>поиска ожидающего компьютера в локальной сети.</a:t>
+              <a:t>озможность поиска ожидающего компьютера в локальной сети.</a:t>
             </a:r>
             <a:endParaRPr lang="ru-RU" dirty="0"/>
           </a:p>

--- a/ВКР Путилов М.Ю. Презентация.pptx
+++ b/ВКР Путилов М.Ю. Презентация.pptx
@@ -7,31 +7,27 @@
   <p:sldIdLst>
     <p:sldId id="256" r:id="rId2"/>
     <p:sldId id="257" r:id="rId3"/>
-    <p:sldId id="258" r:id="rId4"/>
-    <p:sldId id="259" r:id="rId5"/>
-    <p:sldId id="266" r:id="rId6"/>
-    <p:sldId id="281" r:id="rId7"/>
-    <p:sldId id="267" r:id="rId8"/>
-    <p:sldId id="269" r:id="rId9"/>
-    <p:sldId id="270" r:id="rId10"/>
-    <p:sldId id="282" r:id="rId11"/>
-    <p:sldId id="271" r:id="rId12"/>
-    <p:sldId id="272" r:id="rId13"/>
-    <p:sldId id="268" r:id="rId14"/>
-    <p:sldId id="273" r:id="rId15"/>
-    <p:sldId id="274" r:id="rId16"/>
-    <p:sldId id="275" r:id="rId17"/>
-    <p:sldId id="283" r:id="rId18"/>
-    <p:sldId id="276" r:id="rId19"/>
-    <p:sldId id="277" r:id="rId20"/>
-    <p:sldId id="284" r:id="rId21"/>
-    <p:sldId id="278" r:id="rId22"/>
-    <p:sldId id="285" r:id="rId23"/>
-    <p:sldId id="280" r:id="rId24"/>
-    <p:sldId id="279" r:id="rId25"/>
-    <p:sldId id="261" r:id="rId26"/>
-    <p:sldId id="260" r:id="rId27"/>
-    <p:sldId id="262" r:id="rId28"/>
+    <p:sldId id="266" r:id="rId4"/>
+    <p:sldId id="289" r:id="rId5"/>
+    <p:sldId id="286" r:id="rId6"/>
+    <p:sldId id="292" r:id="rId7"/>
+    <p:sldId id="293" r:id="rId8"/>
+    <p:sldId id="294" r:id="rId9"/>
+    <p:sldId id="284" r:id="rId10"/>
+    <p:sldId id="281" r:id="rId11"/>
+    <p:sldId id="288" r:id="rId12"/>
+    <p:sldId id="296" r:id="rId13"/>
+    <p:sldId id="297" r:id="rId14"/>
+    <p:sldId id="298" r:id="rId15"/>
+    <p:sldId id="299" r:id="rId16"/>
+    <p:sldId id="300" r:id="rId17"/>
+    <p:sldId id="301" r:id="rId18"/>
+    <p:sldId id="302" r:id="rId19"/>
+    <p:sldId id="304" r:id="rId20"/>
+    <p:sldId id="279" r:id="rId21"/>
+    <p:sldId id="295" r:id="rId22"/>
+    <p:sldId id="260" r:id="rId23"/>
+    <p:sldId id="262" r:id="rId24"/>
   </p:sldIdLst>
   <p:sldSz cx="9144000" cy="6858000" type="screen4x3"/>
   <p:notesSz cx="6858000" cy="9144000"/>
@@ -315,7 +311,7 @@
             <a:fld id="{21F36726-CBBA-4CB8-81DA-DDFBFDBDA1BE}" type="datetimeFigureOut">
               <a:rPr lang="ru-RU" smtClean="0"/>
               <a:pPr/>
-              <a:t>31.05.2015</a:t>
+              <a:t>02.06.2015</a:t>
             </a:fld>
             <a:endParaRPr lang="ru-RU"/>
           </a:p>
@@ -482,7 +478,7 @@
             <a:fld id="{21F36726-CBBA-4CB8-81DA-DDFBFDBDA1BE}" type="datetimeFigureOut">
               <a:rPr lang="ru-RU" smtClean="0"/>
               <a:pPr/>
-              <a:t>31.05.2015</a:t>
+              <a:t>02.06.2015</a:t>
             </a:fld>
             <a:endParaRPr lang="ru-RU"/>
           </a:p>
@@ -659,7 +655,7 @@
             <a:fld id="{21F36726-CBBA-4CB8-81DA-DDFBFDBDA1BE}" type="datetimeFigureOut">
               <a:rPr lang="ru-RU" smtClean="0"/>
               <a:pPr/>
-              <a:t>31.05.2015</a:t>
+              <a:t>02.06.2015</a:t>
             </a:fld>
             <a:endParaRPr lang="ru-RU"/>
           </a:p>
@@ -826,7 +822,7 @@
             <a:fld id="{21F36726-CBBA-4CB8-81DA-DDFBFDBDA1BE}" type="datetimeFigureOut">
               <a:rPr lang="ru-RU" smtClean="0"/>
               <a:pPr/>
-              <a:t>31.05.2015</a:t>
+              <a:t>02.06.2015</a:t>
             </a:fld>
             <a:endParaRPr lang="ru-RU"/>
           </a:p>
@@ -1069,7 +1065,7 @@
             <a:fld id="{21F36726-CBBA-4CB8-81DA-DDFBFDBDA1BE}" type="datetimeFigureOut">
               <a:rPr lang="ru-RU" smtClean="0"/>
               <a:pPr/>
-              <a:t>31.05.2015</a:t>
+              <a:t>02.06.2015</a:t>
             </a:fld>
             <a:endParaRPr lang="ru-RU"/>
           </a:p>
@@ -1354,7 +1350,7 @@
             <a:fld id="{21F36726-CBBA-4CB8-81DA-DDFBFDBDA1BE}" type="datetimeFigureOut">
               <a:rPr lang="ru-RU" smtClean="0"/>
               <a:pPr/>
-              <a:t>31.05.2015</a:t>
+              <a:t>02.06.2015</a:t>
             </a:fld>
             <a:endParaRPr lang="ru-RU"/>
           </a:p>
@@ -1773,7 +1769,7 @@
             <a:fld id="{21F36726-CBBA-4CB8-81DA-DDFBFDBDA1BE}" type="datetimeFigureOut">
               <a:rPr lang="ru-RU" smtClean="0"/>
               <a:pPr/>
-              <a:t>31.05.2015</a:t>
+              <a:t>02.06.2015</a:t>
             </a:fld>
             <a:endParaRPr lang="ru-RU"/>
           </a:p>
@@ -1888,7 +1884,7 @@
             <a:fld id="{21F36726-CBBA-4CB8-81DA-DDFBFDBDA1BE}" type="datetimeFigureOut">
               <a:rPr lang="ru-RU" smtClean="0"/>
               <a:pPr/>
-              <a:t>31.05.2015</a:t>
+              <a:t>02.06.2015</a:t>
             </a:fld>
             <a:endParaRPr lang="ru-RU"/>
           </a:p>
@@ -1980,7 +1976,7 @@
             <a:fld id="{21F36726-CBBA-4CB8-81DA-DDFBFDBDA1BE}" type="datetimeFigureOut">
               <a:rPr lang="ru-RU" smtClean="0"/>
               <a:pPr/>
-              <a:t>31.05.2015</a:t>
+              <a:t>02.06.2015</a:t>
             </a:fld>
             <a:endParaRPr lang="ru-RU"/>
           </a:p>
@@ -2254,7 +2250,7 @@
             <a:fld id="{21F36726-CBBA-4CB8-81DA-DDFBFDBDA1BE}" type="datetimeFigureOut">
               <a:rPr lang="ru-RU" smtClean="0"/>
               <a:pPr/>
-              <a:t>31.05.2015</a:t>
+              <a:t>02.06.2015</a:t>
             </a:fld>
             <a:endParaRPr lang="ru-RU"/>
           </a:p>
@@ -2504,7 +2500,7 @@
             <a:fld id="{21F36726-CBBA-4CB8-81DA-DDFBFDBDA1BE}" type="datetimeFigureOut">
               <a:rPr lang="ru-RU" smtClean="0"/>
               <a:pPr/>
-              <a:t>31.05.2015</a:t>
+              <a:t>02.06.2015</a:t>
             </a:fld>
             <a:endParaRPr lang="ru-RU"/>
           </a:p>
@@ -2714,7 +2710,7 @@
             <a:fld id="{21F36726-CBBA-4CB8-81DA-DDFBFDBDA1BE}" type="datetimeFigureOut">
               <a:rPr lang="ru-RU" smtClean="0"/>
               <a:pPr/>
-              <a:t>31.05.2015</a:t>
+              <a:t>02.06.2015</a:t>
             </a:fld>
             <a:endParaRPr lang="ru-RU"/>
           </a:p>
@@ -3140,7 +3136,7 @@
             <a:pPr algn="l"/>
             <a:r>
               <a:rPr lang="ru-RU" dirty="0" smtClean="0"/>
-              <a:t>              Выступающий:               М.Ю. Путилов</a:t>
+              <a:t>              Студент:                           М.Ю. Путилов</a:t>
             </a:r>
           </a:p>
           <a:p>
@@ -3195,7 +3191,7 @@
       </p:grpSpPr>
       <p:sp>
         <p:nvSpPr>
-          <p:cNvPr id="2" name="Заголовок 1"/>
+          <p:cNvPr id="4" name="Заголовок 3"/>
           <p:cNvSpPr>
             <a:spLocks noGrp="1"/>
           </p:cNvSpPr>
@@ -3210,616 +3206,35 @@
           <a:p>
             <a:r>
               <a:rPr lang="ru-RU" dirty="0" smtClean="0"/>
-              <a:t>Дельта</a:t>
+              <a:t>алгоритм</a:t>
             </a:r>
             <a:endParaRPr lang="ru-RU" dirty="0"/>
           </a:p>
         </p:txBody>
       </p:sp>
-      <p:graphicFrame>
-        <p:nvGraphicFramePr>
-          <p:cNvPr id="4" name="Содержимое 3"/>
-          <p:cNvGraphicFramePr>
-            <a:graphicFrameLocks noGrp="1"/>
-          </p:cNvGraphicFramePr>
-          <p:nvPr>
-            <p:ph idx="1"/>
-          </p:nvPr>
-        </p:nvGraphicFramePr>
-        <p:xfrm>
-          <a:off x="457200" y="1600200"/>
-          <a:ext cx="8363271" cy="3972560"/>
-        </p:xfrm>
-        <a:graphic>
-          <a:graphicData uri="http://schemas.openxmlformats.org/drawingml/2006/table">
-            <a:tbl>
-              <a:tblPr firstRow="1" bandRow="1">
-                <a:tableStyleId>{5C22544A-7EE6-4342-B048-85BDC9FD1C3A}</a:tableStyleId>
-              </a:tblPr>
-              <a:tblGrid>
-                <a:gridCol w="2787757"/>
-                <a:gridCol w="2787757"/>
-                <a:gridCol w="2787757"/>
-              </a:tblGrid>
-              <a:tr h="370840">
-                <a:tc>
-                  <a:txBody>
-                    <a:bodyPr/>
-                    <a:lstStyle/>
-                    <a:p>
-                      <a:r>
-                        <a:rPr lang="ru-RU" dirty="0" smtClean="0"/>
-                        <a:t>Последняя </a:t>
-                      </a:r>
-                      <a:r>
-                        <a:rPr lang="ru-RU" dirty="0" err="1" smtClean="0"/>
-                        <a:t>синх</a:t>
-                      </a:r>
-                      <a:r>
-                        <a:rPr lang="ru-RU" dirty="0" smtClean="0"/>
-                        <a:t>. версия</a:t>
-                      </a:r>
-                      <a:endParaRPr lang="ru-RU" dirty="0"/>
-                    </a:p>
-                  </a:txBody>
-                  <a:tcPr/>
-                </a:tc>
-                <a:tc>
-                  <a:txBody>
-                    <a:bodyPr/>
-                    <a:lstStyle/>
-                    <a:p>
-                      <a:r>
-                        <a:rPr lang="ru-RU" dirty="0" smtClean="0"/>
-                        <a:t>Редактируемый текст</a:t>
-                      </a:r>
-                      <a:endParaRPr lang="ru-RU" dirty="0"/>
-                    </a:p>
-                  </a:txBody>
-                  <a:tcPr/>
-                </a:tc>
-                <a:tc>
-                  <a:txBody>
-                    <a:bodyPr/>
-                    <a:lstStyle/>
-                    <a:p>
-                      <a:r>
-                        <a:rPr lang="ru-RU" dirty="0" smtClean="0"/>
-                        <a:t>Построчная</a:t>
-                      </a:r>
-                      <a:r>
-                        <a:rPr lang="ru-RU" baseline="0" dirty="0" smtClean="0"/>
-                        <a:t> </a:t>
-                      </a:r>
-                      <a:r>
-                        <a:rPr lang="ru-RU" dirty="0" smtClean="0"/>
-                        <a:t>дельта</a:t>
-                      </a:r>
-                      <a:endParaRPr lang="ru-RU" dirty="0"/>
-                    </a:p>
-                  </a:txBody>
-                  <a:tcPr/>
-                </a:tc>
-              </a:tr>
-              <a:tr h="370840">
-                <a:tc rowSpan="3">
-                  <a:txBody>
-                    <a:bodyPr/>
-                    <a:lstStyle/>
-                    <a:p>
-                      <a:r>
-                        <a:rPr lang="ru-RU" sz="2000" kern="1200" baseline="0" dirty="0" smtClean="0">
-                          <a:solidFill>
-                            <a:schemeClr val="dk1"/>
-                          </a:solidFill>
-                          <a:latin typeface="Courier New" pitchFamily="49" charset="0"/>
-                          <a:ea typeface="+mn-ea"/>
-                          <a:cs typeface="Courier New" pitchFamily="49" charset="0"/>
-                        </a:rPr>
-                        <a:t>Шел Паша </a:t>
-                      </a:r>
-                    </a:p>
-                    <a:p>
-                      <a:r>
-                        <a:rPr lang="ru-RU" sz="2000" kern="1200" baseline="0" dirty="0" smtClean="0">
-                          <a:solidFill>
-                            <a:schemeClr val="dk1"/>
-                          </a:solidFill>
-                          <a:latin typeface="Courier New" pitchFamily="49" charset="0"/>
-                          <a:ea typeface="+mn-ea"/>
-                          <a:cs typeface="Courier New" pitchFamily="49" charset="0"/>
-                        </a:rPr>
-                        <a:t>по шоссе </a:t>
-                      </a:r>
-                    </a:p>
-                    <a:p>
-                      <a:r>
-                        <a:rPr lang="ru-RU" sz="2000" kern="1200" baseline="0" dirty="0" smtClean="0">
-                          <a:solidFill>
-                            <a:schemeClr val="dk1"/>
-                          </a:solidFill>
-                          <a:latin typeface="Courier New" pitchFamily="49" charset="0"/>
-                          <a:ea typeface="+mn-ea"/>
-                          <a:cs typeface="Courier New" pitchFamily="49" charset="0"/>
-                        </a:rPr>
-                        <a:t>и сосал сушку</a:t>
-                      </a:r>
-                    </a:p>
-                  </a:txBody>
-                  <a:tcPr anchor="ctr"/>
-                </a:tc>
-                <a:tc rowSpan="3">
-                  <a:txBody>
-                    <a:bodyPr/>
-                    <a:lstStyle/>
-                    <a:p>
-                      <a:r>
-                        <a:rPr lang="ru-RU" sz="2000" kern="1200" baseline="0" dirty="0" smtClean="0">
-                          <a:solidFill>
-                            <a:schemeClr val="dk1"/>
-                          </a:solidFill>
-                          <a:latin typeface="Courier New" pitchFamily="49" charset="0"/>
-                          <a:ea typeface="+mn-ea"/>
-                          <a:cs typeface="Courier New" pitchFamily="49" charset="0"/>
-                        </a:rPr>
-                        <a:t>Шла Саша </a:t>
-                      </a:r>
-                    </a:p>
-                    <a:p>
-                      <a:r>
-                        <a:rPr lang="ru-RU" sz="2000" kern="1200" baseline="0" dirty="0" smtClean="0">
-                          <a:solidFill>
-                            <a:schemeClr val="dk1"/>
-                          </a:solidFill>
-                          <a:latin typeface="Courier New" pitchFamily="49" charset="0"/>
-                          <a:ea typeface="+mn-ea"/>
-                          <a:cs typeface="Courier New" pitchFamily="49" charset="0"/>
-                        </a:rPr>
-                        <a:t>по шоссе </a:t>
-                      </a:r>
-                    </a:p>
-                    <a:p>
-                      <a:r>
-                        <a:rPr lang="ru-RU" sz="2000" kern="1200" baseline="0" dirty="0" smtClean="0">
-                          <a:solidFill>
-                            <a:schemeClr val="dk1"/>
-                          </a:solidFill>
-                          <a:latin typeface="Courier New" pitchFamily="49" charset="0"/>
-                          <a:ea typeface="+mn-ea"/>
-                          <a:cs typeface="Courier New" pitchFamily="49" charset="0"/>
-                        </a:rPr>
-                        <a:t>и сосала сушку</a:t>
-                      </a:r>
-                    </a:p>
-                  </a:txBody>
-                  <a:tcPr anchor="ctr"/>
-                </a:tc>
-                <a:tc>
-                  <a:txBody>
-                    <a:bodyPr/>
-                    <a:lstStyle/>
-                    <a:p>
-                      <a:r>
-                        <a:rPr lang="ru-RU" sz="2000" b="0" u="none" strike="sngStrike" kern="1200" baseline="0" dirty="0" smtClean="0">
-                          <a:solidFill>
-                            <a:schemeClr val="dk1"/>
-                          </a:solidFill>
-                          <a:latin typeface="Courier New" pitchFamily="49" charset="0"/>
-                          <a:ea typeface="+mn-ea"/>
-                          <a:cs typeface="Courier New" pitchFamily="49" charset="0"/>
-                        </a:rPr>
-                        <a:t>Шел Паша</a:t>
-                      </a:r>
-                    </a:p>
-                    <a:p>
-                      <a:pPr marL="0" marR="0" indent="0" algn="l" defTabSz="914400" rtl="0" eaLnBrk="1" fontAlgn="auto" latinLnBrk="0" hangingPunct="1">
-                        <a:lnSpc>
-                          <a:spcPct val="100000"/>
-                        </a:lnSpc>
-                        <a:spcBef>
-                          <a:spcPts val="0"/>
-                        </a:spcBef>
-                        <a:spcAft>
-                          <a:spcPts val="0"/>
-                        </a:spcAft>
-                        <a:buClrTx/>
-                        <a:buSzTx/>
-                        <a:buFontTx/>
-                        <a:buNone/>
-                        <a:tabLst/>
-                        <a:defRPr/>
-                      </a:pPr>
-                      <a:r>
-                        <a:rPr lang="ru-RU" sz="2000" b="1" u="sng" strike="noStrike" kern="1200" baseline="0" dirty="0" smtClean="0">
-                          <a:solidFill>
-                            <a:schemeClr val="dk1"/>
-                          </a:solidFill>
-                          <a:latin typeface="Courier New" pitchFamily="49" charset="0"/>
-                          <a:ea typeface="+mn-ea"/>
-                          <a:cs typeface="Courier New" pitchFamily="49" charset="0"/>
-                        </a:rPr>
-                        <a:t>Шла Саша</a:t>
-                      </a:r>
-                      <a:endParaRPr lang="en-US" sz="2000" b="1" u="sng" strike="noStrike" kern="1200" baseline="0" dirty="0" smtClean="0">
-                        <a:solidFill>
-                          <a:schemeClr val="dk1"/>
-                        </a:solidFill>
-                        <a:latin typeface="Courier New" pitchFamily="49" charset="0"/>
-                        <a:ea typeface="+mn-ea"/>
-                        <a:cs typeface="Courier New" pitchFamily="49" charset="0"/>
-                      </a:endParaRPr>
-                    </a:p>
-                    <a:p>
-                      <a:r>
-                        <a:rPr lang="ru-RU" sz="2000" kern="1200" baseline="0" dirty="0" smtClean="0">
-                          <a:solidFill>
-                            <a:schemeClr val="dk1"/>
-                          </a:solidFill>
-                          <a:latin typeface="Courier New" pitchFamily="49" charset="0"/>
-                          <a:ea typeface="+mn-ea"/>
-                          <a:cs typeface="Courier New" pitchFamily="49" charset="0"/>
-                        </a:rPr>
-                        <a:t>по шоссе</a:t>
-                      </a:r>
-                      <a:endParaRPr lang="ru-RU" sz="2000" b="1" u="sng" kern="1200" baseline="0" dirty="0" smtClean="0">
-                        <a:solidFill>
-                          <a:schemeClr val="dk1"/>
-                        </a:solidFill>
-                        <a:latin typeface="Courier New" pitchFamily="49" charset="0"/>
-                        <a:ea typeface="+mn-ea"/>
-                        <a:cs typeface="Courier New" pitchFamily="49" charset="0"/>
-                      </a:endParaRPr>
-                    </a:p>
-                    <a:p>
-                      <a:r>
-                        <a:rPr lang="ru-RU" sz="2000" b="0" i="0" u="none" strike="sngStrike" kern="1200" baseline="0" dirty="0" smtClean="0">
-                          <a:solidFill>
-                            <a:schemeClr val="dk1"/>
-                          </a:solidFill>
-                          <a:latin typeface="Courier New" pitchFamily="49" charset="0"/>
-                          <a:ea typeface="+mn-ea"/>
-                          <a:cs typeface="Courier New" pitchFamily="49" charset="0"/>
-                        </a:rPr>
-                        <a:t>и сосал сушку</a:t>
-                      </a:r>
-                    </a:p>
-                    <a:p>
-                      <a:r>
-                        <a:rPr lang="ru-RU" sz="2000" b="1" u="sng" strike="noStrike" kern="1200" baseline="0" dirty="0" smtClean="0">
-                          <a:solidFill>
-                            <a:schemeClr val="dk1"/>
-                          </a:solidFill>
-                          <a:latin typeface="Courier New" pitchFamily="49" charset="0"/>
-                          <a:ea typeface="+mn-ea"/>
-                          <a:cs typeface="Courier New" pitchFamily="49" charset="0"/>
-                        </a:rPr>
-                        <a:t>и сосала сушку</a:t>
-                      </a:r>
-                    </a:p>
-                    <a:p>
-                      <a:endParaRPr lang="ru-RU" sz="2000" b="1" u="sng" kern="1200" baseline="0" dirty="0" smtClean="0">
-                        <a:solidFill>
-                          <a:schemeClr val="dk1"/>
-                        </a:solidFill>
-                        <a:latin typeface="Courier New" pitchFamily="49" charset="0"/>
-                        <a:ea typeface="+mn-ea"/>
-                        <a:cs typeface="Courier New" pitchFamily="49" charset="0"/>
-                      </a:endParaRPr>
-                    </a:p>
-                  </a:txBody>
-                  <a:tcPr/>
-                </a:tc>
-              </a:tr>
-              <a:tr h="370840">
-                <a:tc vMerge="1">
-                  <a:txBody>
-                    <a:bodyPr/>
-                    <a:lstStyle/>
-                    <a:p>
-                      <a:endParaRPr lang="ru-RU" sz="2000" kern="1200" baseline="0" dirty="0" smtClean="0">
-                        <a:solidFill>
-                          <a:schemeClr val="dk1"/>
-                        </a:solidFill>
-                        <a:latin typeface="Courier New" pitchFamily="49" charset="0"/>
-                        <a:ea typeface="+mn-ea"/>
-                        <a:cs typeface="Courier New" pitchFamily="49" charset="0"/>
-                      </a:endParaRPr>
-                    </a:p>
-                  </a:txBody>
-                  <a:tcPr/>
-                </a:tc>
-                <a:tc vMerge="1">
-                  <a:txBody>
-                    <a:bodyPr/>
-                    <a:lstStyle/>
-                    <a:p>
-                      <a:endParaRPr lang="ru-RU" sz="2000" kern="1200" baseline="0" dirty="0" smtClean="0">
-                        <a:solidFill>
-                          <a:schemeClr val="dk1"/>
-                        </a:solidFill>
-                        <a:latin typeface="Courier New" pitchFamily="49" charset="0"/>
-                        <a:ea typeface="+mn-ea"/>
-                        <a:cs typeface="Courier New" pitchFamily="49" charset="0"/>
-                      </a:endParaRPr>
-                    </a:p>
-                  </a:txBody>
-                  <a:tcPr>
-                    <a:solidFill>
-                      <a:schemeClr val="accent1"/>
-                    </a:solidFill>
-                  </a:tcPr>
-                </a:tc>
-                <a:tc>
-                  <a:txBody>
-                    <a:bodyPr/>
-                    <a:lstStyle/>
-                    <a:p>
-                      <a:r>
-                        <a:rPr lang="ru-RU" sz="1800" b="1" kern="1200" baseline="0" dirty="0" smtClean="0">
-                          <a:solidFill>
-                            <a:schemeClr val="bg1"/>
-                          </a:solidFill>
-                          <a:latin typeface="+mj-lt"/>
-                          <a:ea typeface="+mn-ea"/>
-                          <a:cs typeface="Courier New" pitchFamily="49" charset="0"/>
-                        </a:rPr>
-                        <a:t>Посимвольная дельта</a:t>
-                      </a:r>
-                    </a:p>
-                  </a:txBody>
-                  <a:tcPr>
-                    <a:solidFill>
-                      <a:schemeClr val="accent1"/>
-                    </a:solidFill>
-                  </a:tcPr>
-                </a:tc>
-              </a:tr>
-              <a:tr h="370840">
-                <a:tc vMerge="1">
-                  <a:txBody>
-                    <a:bodyPr/>
-                    <a:lstStyle/>
-                    <a:p>
-                      <a:endParaRPr lang="ru-RU" sz="2000" kern="1200" baseline="0" dirty="0" smtClean="0">
-                        <a:solidFill>
-                          <a:schemeClr val="dk1"/>
-                        </a:solidFill>
-                        <a:latin typeface="Courier New" pitchFamily="49" charset="0"/>
-                        <a:ea typeface="+mn-ea"/>
-                        <a:cs typeface="Courier New" pitchFamily="49" charset="0"/>
-                      </a:endParaRPr>
-                    </a:p>
-                  </a:txBody>
-                  <a:tcPr/>
-                </a:tc>
-                <a:tc vMerge="1">
-                  <a:txBody>
-                    <a:bodyPr/>
-                    <a:lstStyle/>
-                    <a:p>
-                      <a:endParaRPr lang="ru-RU" sz="2000" kern="1200" baseline="0" dirty="0" smtClean="0">
-                        <a:solidFill>
-                          <a:schemeClr val="dk1"/>
-                        </a:solidFill>
-                        <a:latin typeface="Courier New" pitchFamily="49" charset="0"/>
-                        <a:ea typeface="+mn-ea"/>
-                        <a:cs typeface="Courier New" pitchFamily="49" charset="0"/>
-                      </a:endParaRPr>
-                    </a:p>
-                  </a:txBody>
-                  <a:tcPr/>
-                </a:tc>
-                <a:tc>
-                  <a:txBody>
-                    <a:bodyPr/>
-                    <a:lstStyle/>
-                    <a:p>
-                      <a:pPr marL="0" marR="0" indent="0" algn="l" defTabSz="914400" rtl="0" eaLnBrk="1" fontAlgn="auto" latinLnBrk="0" hangingPunct="1">
-                        <a:lnSpc>
-                          <a:spcPct val="100000"/>
-                        </a:lnSpc>
-                        <a:spcBef>
-                          <a:spcPts val="0"/>
-                        </a:spcBef>
-                        <a:spcAft>
-                          <a:spcPts val="0"/>
-                        </a:spcAft>
-                        <a:buClrTx/>
-                        <a:buSzTx/>
-                        <a:buFontTx/>
-                        <a:buNone/>
-                        <a:tabLst/>
-                        <a:defRPr/>
-                      </a:pPr>
-                      <a:r>
-                        <a:rPr lang="ru-RU" sz="2000" kern="1200" baseline="0" dirty="0" smtClean="0">
-                          <a:solidFill>
-                            <a:schemeClr val="dk1"/>
-                          </a:solidFill>
-                          <a:latin typeface="Courier New" pitchFamily="49" charset="0"/>
-                          <a:ea typeface="+mn-ea"/>
-                          <a:cs typeface="Courier New" pitchFamily="49" charset="0"/>
-                        </a:rPr>
-                        <a:t>Ш</a:t>
-                      </a:r>
-                      <a:r>
-                        <a:rPr lang="ru-RU" sz="2000" b="0" u="none" strike="sngStrike" kern="1200" baseline="0" dirty="0" smtClean="0">
-                          <a:solidFill>
-                            <a:schemeClr val="tx1"/>
-                          </a:solidFill>
-                          <a:effectLst/>
-                          <a:latin typeface="Courier New" pitchFamily="49" charset="0"/>
-                          <a:ea typeface="+mn-ea"/>
-                          <a:cs typeface="Courier New" pitchFamily="49" charset="0"/>
-                        </a:rPr>
-                        <a:t>е</a:t>
-                      </a:r>
-                      <a:r>
-                        <a:rPr lang="ru-RU" sz="2000" kern="1200" baseline="0" dirty="0" smtClean="0">
-                          <a:solidFill>
-                            <a:schemeClr val="dk1"/>
-                          </a:solidFill>
-                          <a:latin typeface="Courier New" pitchFamily="49" charset="0"/>
-                          <a:ea typeface="+mn-ea"/>
-                          <a:cs typeface="Courier New" pitchFamily="49" charset="0"/>
-                        </a:rPr>
-                        <a:t>л</a:t>
-                      </a:r>
-                      <a:r>
-                        <a:rPr lang="ru-RU" sz="2000" b="1" u="sng" strike="noStrike" kern="1200" baseline="0" dirty="0" smtClean="0">
-                          <a:solidFill>
-                            <a:schemeClr val="dk1"/>
-                          </a:solidFill>
-                          <a:latin typeface="Courier New" pitchFamily="49" charset="0"/>
-                          <a:ea typeface="+mn-ea"/>
-                          <a:cs typeface="Courier New" pitchFamily="49" charset="0"/>
-                        </a:rPr>
-                        <a:t>а</a:t>
-                      </a:r>
-                      <a:r>
-                        <a:rPr lang="ru-RU" sz="2000" kern="1200" baseline="0" dirty="0" smtClean="0">
-                          <a:solidFill>
-                            <a:schemeClr val="dk1"/>
-                          </a:solidFill>
-                          <a:latin typeface="Courier New" pitchFamily="49" charset="0"/>
-                          <a:ea typeface="+mn-ea"/>
-                          <a:cs typeface="Courier New" pitchFamily="49" charset="0"/>
-                        </a:rPr>
-                        <a:t> </a:t>
-                      </a:r>
-                      <a:r>
-                        <a:rPr lang="ru-RU" sz="2000" b="1" u="sng" strike="noStrike" kern="1200" baseline="0" dirty="0" smtClean="0">
-                          <a:solidFill>
-                            <a:schemeClr val="dk1"/>
-                          </a:solidFill>
-                          <a:latin typeface="Courier New" pitchFamily="49" charset="0"/>
-                          <a:ea typeface="+mn-ea"/>
-                          <a:cs typeface="Courier New" pitchFamily="49" charset="0"/>
-                        </a:rPr>
-                        <a:t>С</a:t>
-                      </a:r>
-                      <a:r>
-                        <a:rPr lang="ru-RU" sz="2000" b="0" u="none" strike="sngStrike" kern="1200" baseline="0" dirty="0" smtClean="0">
-                          <a:solidFill>
-                            <a:schemeClr val="dk1"/>
-                          </a:solidFill>
-                          <a:latin typeface="Courier New" pitchFamily="49" charset="0"/>
-                          <a:ea typeface="+mn-ea"/>
-                          <a:cs typeface="Courier New" pitchFamily="49" charset="0"/>
-                        </a:rPr>
-                        <a:t>П</a:t>
-                      </a:r>
-                      <a:r>
-                        <a:rPr lang="ru-RU" sz="2000" kern="1200" baseline="0" dirty="0" smtClean="0">
-                          <a:solidFill>
-                            <a:schemeClr val="dk1"/>
-                          </a:solidFill>
-                          <a:latin typeface="Courier New" pitchFamily="49" charset="0"/>
-                          <a:ea typeface="+mn-ea"/>
-                          <a:cs typeface="Courier New" pitchFamily="49" charset="0"/>
-                        </a:rPr>
-                        <a:t>аша</a:t>
-                      </a:r>
-                      <a:br>
-                        <a:rPr lang="ru-RU" sz="2000" kern="1200" baseline="0" dirty="0" smtClean="0">
-                          <a:solidFill>
-                            <a:schemeClr val="dk1"/>
-                          </a:solidFill>
-                          <a:latin typeface="Courier New" pitchFamily="49" charset="0"/>
-                          <a:ea typeface="+mn-ea"/>
-                          <a:cs typeface="Courier New" pitchFamily="49" charset="0"/>
-                        </a:rPr>
-                      </a:br>
-                      <a:r>
-                        <a:rPr lang="ru-RU" sz="2000" kern="1200" baseline="0" dirty="0" smtClean="0">
-                          <a:solidFill>
-                            <a:schemeClr val="dk1"/>
-                          </a:solidFill>
-                          <a:latin typeface="Courier New" pitchFamily="49" charset="0"/>
-                          <a:ea typeface="+mn-ea"/>
-                          <a:cs typeface="Courier New" pitchFamily="49" charset="0"/>
-                        </a:rPr>
-                        <a:t>по шоссе</a:t>
-                      </a:r>
-                      <a:br>
-                        <a:rPr lang="ru-RU" sz="2000" kern="1200" baseline="0" dirty="0" smtClean="0">
-                          <a:solidFill>
-                            <a:schemeClr val="dk1"/>
-                          </a:solidFill>
-                          <a:latin typeface="Courier New" pitchFamily="49" charset="0"/>
-                          <a:ea typeface="+mn-ea"/>
-                          <a:cs typeface="Courier New" pitchFamily="49" charset="0"/>
-                        </a:rPr>
-                      </a:br>
-                      <a:r>
-                        <a:rPr lang="ru-RU" sz="2000" kern="1200" baseline="0" dirty="0" smtClean="0">
-                          <a:solidFill>
-                            <a:schemeClr val="dk1"/>
-                          </a:solidFill>
-                          <a:latin typeface="Courier New" pitchFamily="49" charset="0"/>
-                          <a:ea typeface="+mn-ea"/>
-                          <a:cs typeface="Courier New" pitchFamily="49" charset="0"/>
-                        </a:rPr>
-                        <a:t>и сосал</a:t>
-                      </a:r>
-                      <a:r>
-                        <a:rPr lang="ru-RU" sz="2000" b="1" u="sng" strike="noStrike" kern="1200" baseline="0" dirty="0" smtClean="0">
-                          <a:solidFill>
-                            <a:schemeClr val="dk1"/>
-                          </a:solidFill>
-                          <a:latin typeface="Courier New" pitchFamily="49" charset="0"/>
-                          <a:ea typeface="+mn-ea"/>
-                          <a:cs typeface="Courier New" pitchFamily="49" charset="0"/>
-                        </a:rPr>
-                        <a:t>а</a:t>
-                      </a:r>
-                      <a:r>
-                        <a:rPr lang="ru-RU" sz="2000" kern="1200" baseline="0" dirty="0" smtClean="0">
-                          <a:solidFill>
-                            <a:schemeClr val="dk1"/>
-                          </a:solidFill>
-                          <a:latin typeface="Courier New" pitchFamily="49" charset="0"/>
-                          <a:ea typeface="+mn-ea"/>
-                          <a:cs typeface="Courier New" pitchFamily="49" charset="0"/>
-                        </a:rPr>
-                        <a:t> сушку</a:t>
-                      </a:r>
-                    </a:p>
-                    <a:p>
-                      <a:pPr marL="0" marR="0" indent="0" algn="l" defTabSz="914400" rtl="0" eaLnBrk="1" fontAlgn="auto" latinLnBrk="0" hangingPunct="1">
-                        <a:lnSpc>
-                          <a:spcPct val="100000"/>
-                        </a:lnSpc>
-                        <a:spcBef>
-                          <a:spcPts val="0"/>
-                        </a:spcBef>
-                        <a:spcAft>
-                          <a:spcPts val="0"/>
-                        </a:spcAft>
-                        <a:buClrTx/>
-                        <a:buSzTx/>
-                        <a:buFontTx/>
-                        <a:buNone/>
-                        <a:tabLst/>
-                        <a:defRPr/>
-                      </a:pPr>
-                      <a:endParaRPr lang="ru-RU" sz="2000" kern="1200" baseline="0" dirty="0" smtClean="0">
-                        <a:solidFill>
-                          <a:schemeClr val="dk1"/>
-                        </a:solidFill>
-                        <a:latin typeface="Courier New" pitchFamily="49" charset="0"/>
-                        <a:ea typeface="+mn-ea"/>
-                        <a:cs typeface="Courier New" pitchFamily="49" charset="0"/>
-                      </a:endParaRPr>
-                    </a:p>
-                  </a:txBody>
-                  <a:tcPr/>
-                </a:tc>
-              </a:tr>
-            </a:tbl>
-          </a:graphicData>
-        </a:graphic>
-      </p:graphicFrame>
+      <p:sp>
+        <p:nvSpPr>
+          <p:cNvPr id="5" name="Текст 4"/>
+          <p:cNvSpPr>
+            <a:spLocks noGrp="1"/>
+          </p:cNvSpPr>
+          <p:nvPr>
+            <p:ph type="body" idx="1"/>
+          </p:nvPr>
+        </p:nvSpPr>
+        <p:spPr/>
+        <p:txBody>
+          <a:bodyPr/>
+          <a:lstStyle/>
+          <a:p>
+            <a:r>
+              <a:rPr lang="ru-RU" dirty="0" smtClean="0"/>
+              <a:t>Как это работает</a:t>
+            </a:r>
+            <a:endParaRPr lang="ru-RU" dirty="0"/>
+          </a:p>
+        </p:txBody>
+      </p:sp>
     </p:spTree>
   </p:cSld>
   <p:clrMapOvr>
@@ -3871,28 +3286,13 @@
               <a:rPr lang="ru-RU" dirty="0" smtClean="0"/>
               <a:t>Алгоритм</a:t>
             </a:r>
-            <a:r>
-              <a:rPr lang="en-US" dirty="0" smtClean="0"/>
-              <a:t> (</a:t>
-            </a:r>
-            <a:r>
-              <a:rPr lang="ru-RU" dirty="0" smtClean="0"/>
-              <a:t>часть 1</a:t>
-            </a:r>
-            <a:r>
-              <a:rPr lang="en-US" dirty="0" smtClean="0"/>
-              <a:t>)</a:t>
-            </a:r>
-            <a:endParaRPr lang="ru-RU" dirty="0">
-              <a:latin typeface="Times New Roman" pitchFamily="18" charset="0"/>
-              <a:cs typeface="Times New Roman" pitchFamily="18" charset="0"/>
-            </a:endParaRPr>
+            <a:endParaRPr lang="ru-RU" dirty="0"/>
           </a:p>
         </p:txBody>
       </p:sp>
       <p:pic>
         <p:nvPicPr>
-          <p:cNvPr id="8" name="Содержимое 7" descr="алгоритм2.png"/>
+          <p:cNvPr id="6" name="Содержимое 5" descr="present1.wmf"/>
           <p:cNvPicPr>
             <a:picLocks noGrp="1" noChangeAspect="1"/>
           </p:cNvPicPr>
@@ -3902,90 +3302,17 @@
         </p:nvPicPr>
         <p:blipFill>
           <a:blip r:embed="rId2" cstate="print"/>
-          <a:srcRect r="10551" b="56732"/>
           <a:stretch>
             <a:fillRect/>
           </a:stretch>
         </p:blipFill>
         <p:spPr>
           <a:xfrm>
-            <a:off x="251520" y="1268760"/>
-            <a:ext cx="8516606" cy="4677997"/>
+            <a:off x="251520" y="1659366"/>
+            <a:ext cx="8577196" cy="4150256"/>
           </a:xfrm>
-          <a:prstGeom prst="rect">
-            <a:avLst/>
-          </a:prstGeom>
-          <a:noFill/>
-          <a:ln>
-            <a:noFill/>
-          </a:ln>
         </p:spPr>
       </p:pic>
-      <p:sp>
-        <p:nvSpPr>
-          <p:cNvPr id="4" name="TextBox 3"/>
-          <p:cNvSpPr txBox="1"/>
-          <p:nvPr/>
-        </p:nvSpPr>
-        <p:spPr>
-          <a:xfrm>
-            <a:off x="2411760" y="6093296"/>
-            <a:ext cx="1944216" cy="369332"/>
-          </a:xfrm>
-          <a:prstGeom prst="rect">
-            <a:avLst/>
-          </a:prstGeom>
-          <a:noFill/>
-          <a:effectLst/>
-        </p:spPr>
-        <p:txBody>
-          <a:bodyPr wrap="square" rtlCol="0">
-            <a:spAutoFit/>
-          </a:bodyPr>
-          <a:lstStyle/>
-          <a:p>
-            <a:r>
-              <a:rPr lang="ru-RU" dirty="0" smtClean="0">
-                <a:latin typeface="Times New Roman" pitchFamily="18" charset="0"/>
-                <a:cs typeface="Times New Roman" pitchFamily="18" charset="0"/>
-              </a:rPr>
-              <a:t>Присвоить </a:t>
-            </a:r>
-            <a:r>
-              <a:rPr lang="en-US" dirty="0" smtClean="0">
-                <a:latin typeface="Times New Roman" pitchFamily="18" charset="0"/>
-                <a:cs typeface="Times New Roman" pitchFamily="18" charset="0"/>
-              </a:rPr>
-              <a:t>S</a:t>
-            </a:r>
-            <a:r>
-              <a:rPr lang="en-US" baseline="-25000" dirty="0" smtClean="0">
-                <a:latin typeface="Times New Roman" pitchFamily="18" charset="0"/>
-                <a:cs typeface="Times New Roman" pitchFamily="18" charset="0"/>
-              </a:rPr>
-              <a:t>t</a:t>
-            </a:r>
-            <a:r>
-              <a:rPr lang="en-US" dirty="0" smtClean="0">
-                <a:latin typeface="Times New Roman" pitchFamily="18" charset="0"/>
-                <a:cs typeface="Times New Roman" pitchFamily="18" charset="0"/>
-              </a:rPr>
-              <a:t> = C</a:t>
-            </a:r>
-            <a:r>
-              <a:rPr lang="en-US" baseline="-25000" dirty="0" smtClean="0">
-                <a:latin typeface="Times New Roman" pitchFamily="18" charset="0"/>
-                <a:cs typeface="Times New Roman" pitchFamily="18" charset="0"/>
-              </a:rPr>
-              <a:t>t</a:t>
-            </a:r>
-            <a:endParaRPr lang="ru-RU" baseline="-25000" dirty="0">
-              <a:latin typeface="Times New Roman" pitchFamily="18" charset="0"/>
-              <a:cs typeface="Times New Roman" pitchFamily="18" charset="0"/>
-            </a:endParaRPr>
-          </a:p>
-        </p:txBody>
-      </p:sp>
     </p:spTree>
   </p:cSld>
   <p:clrMapOvr>
@@ -4037,28 +3364,13 @@
               <a:rPr lang="ru-RU" dirty="0" smtClean="0"/>
               <a:t>Алгоритм</a:t>
             </a:r>
-            <a:r>
-              <a:rPr lang="en-US" dirty="0" smtClean="0"/>
-              <a:t> (</a:t>
-            </a:r>
-            <a:r>
-              <a:rPr lang="ru-RU" dirty="0" smtClean="0"/>
-              <a:t>часть 1</a:t>
-            </a:r>
-            <a:r>
-              <a:rPr lang="en-US" dirty="0" smtClean="0"/>
-              <a:t>)</a:t>
-            </a:r>
-            <a:endParaRPr lang="ru-RU" dirty="0">
-              <a:latin typeface="Times New Roman" pitchFamily="18" charset="0"/>
-              <a:cs typeface="Times New Roman" pitchFamily="18" charset="0"/>
-            </a:endParaRPr>
+            <a:endParaRPr lang="ru-RU" dirty="0"/>
           </a:p>
         </p:txBody>
       </p:sp>
       <p:pic>
         <p:nvPicPr>
-          <p:cNvPr id="8" name="Содержимое 7" descr="алгоритм2.png"/>
+          <p:cNvPr id="6" name="Содержимое 5" descr="present1.wmf"/>
           <p:cNvPicPr>
             <a:picLocks noGrp="1" noChangeAspect="1"/>
           </p:cNvPicPr>
@@ -4068,83 +3380,17 @@
         </p:nvPicPr>
         <p:blipFill>
           <a:blip r:embed="rId2" cstate="print"/>
-          <a:srcRect r="8489" b="56708"/>
           <a:stretch>
             <a:fillRect/>
           </a:stretch>
         </p:blipFill>
         <p:spPr>
           <a:xfrm>
-            <a:off x="251520" y="1268760"/>
-            <a:ext cx="8712968" cy="4680520"/>
+            <a:off x="251521" y="1659366"/>
+            <a:ext cx="8577195" cy="4150256"/>
           </a:xfrm>
         </p:spPr>
       </p:pic>
-      <p:sp>
-        <p:nvSpPr>
-          <p:cNvPr id="4" name="TextBox 3"/>
-          <p:cNvSpPr txBox="1"/>
-          <p:nvPr/>
-        </p:nvSpPr>
-        <p:spPr>
-          <a:xfrm>
-            <a:off x="2411760" y="6093296"/>
-            <a:ext cx="1944216" cy="369332"/>
-          </a:xfrm>
-          <a:prstGeom prst="rect">
-            <a:avLst/>
-          </a:prstGeom>
-          <a:noFill/>
-          <a:effectLst/>
-        </p:spPr>
-        <p:txBody>
-          <a:bodyPr wrap="square" rtlCol="0">
-            <a:spAutoFit/>
-          </a:bodyPr>
-          <a:lstStyle/>
-          <a:p>
-            <a:r>
-              <a:rPr lang="ru-RU" dirty="0" smtClean="0">
-                <a:latin typeface="Times New Roman" pitchFamily="18" charset="0"/>
-                <a:cs typeface="Times New Roman" pitchFamily="18" charset="0"/>
-              </a:rPr>
-              <a:t>Присвоить </a:t>
-            </a:r>
-            <a:r>
-              <a:rPr lang="en-US" dirty="0" smtClean="0">
-                <a:latin typeface="Times New Roman" pitchFamily="18" charset="0"/>
-                <a:cs typeface="Times New Roman" pitchFamily="18" charset="0"/>
-              </a:rPr>
-              <a:t>S</a:t>
-            </a:r>
-            <a:r>
-              <a:rPr lang="en-US" baseline="-25000" dirty="0" smtClean="0">
-                <a:latin typeface="Times New Roman" pitchFamily="18" charset="0"/>
-                <a:cs typeface="Times New Roman" pitchFamily="18" charset="0"/>
-              </a:rPr>
-              <a:t>t</a:t>
-            </a:r>
-            <a:r>
-              <a:rPr lang="en-US" dirty="0" smtClean="0">
-                <a:latin typeface="Times New Roman" pitchFamily="18" charset="0"/>
-                <a:cs typeface="Times New Roman" pitchFamily="18" charset="0"/>
-              </a:rPr>
-              <a:t> = C</a:t>
-            </a:r>
-            <a:r>
-              <a:rPr lang="en-US" baseline="-25000" dirty="0" smtClean="0">
-                <a:latin typeface="Times New Roman" pitchFamily="18" charset="0"/>
-                <a:cs typeface="Times New Roman" pitchFamily="18" charset="0"/>
-              </a:rPr>
-              <a:t>t</a:t>
-            </a:r>
-            <a:endParaRPr lang="ru-RU" baseline="-25000" dirty="0">
-              <a:latin typeface="Times New Roman" pitchFamily="18" charset="0"/>
-              <a:cs typeface="Times New Roman" pitchFamily="18" charset="0"/>
-            </a:endParaRPr>
-          </a:p>
-        </p:txBody>
-      </p:sp>
     </p:spTree>
   </p:cSld>
   <p:clrMapOvr>
@@ -4194,7 +3440,7 @@
           <a:p>
             <a:r>
               <a:rPr lang="ru-RU" dirty="0" smtClean="0"/>
-              <a:t>Алгоритм (часть 2)</a:t>
+              <a:t>Алгоритм</a:t>
             </a:r>
             <a:endParaRPr lang="ru-RU" dirty="0"/>
           </a:p>
@@ -4202,7 +3448,7 @@
       </p:sp>
       <p:pic>
         <p:nvPicPr>
-          <p:cNvPr id="4" name="Содержимое 3" descr="алгоритм2.png"/>
+          <p:cNvPr id="6" name="Содержимое 5" descr="present1.wmf"/>
           <p:cNvPicPr>
             <a:picLocks noGrp="1" noChangeAspect="1"/>
           </p:cNvPicPr>
@@ -4212,15 +3458,14 @@
         </p:nvPicPr>
         <p:blipFill>
           <a:blip r:embed="rId2" cstate="print"/>
-          <a:srcRect t="43078"/>
           <a:stretch>
             <a:fillRect/>
           </a:stretch>
         </p:blipFill>
         <p:spPr>
           <a:xfrm>
-            <a:off x="0" y="1484784"/>
-            <a:ext cx="8096266" cy="5233109"/>
+            <a:off x="251521" y="1659366"/>
+            <a:ext cx="8577195" cy="4150255"/>
           </a:xfrm>
         </p:spPr>
       </p:pic>
@@ -4273,7 +3518,7 @@
           <a:p>
             <a:r>
               <a:rPr lang="ru-RU" dirty="0" smtClean="0"/>
-              <a:t>Алгоритм (часть 2)</a:t>
+              <a:t>Алгоритм</a:t>
             </a:r>
             <a:endParaRPr lang="ru-RU" dirty="0"/>
           </a:p>
@@ -4281,7 +3526,7 @@
       </p:sp>
       <p:pic>
         <p:nvPicPr>
-          <p:cNvPr id="4" name="Содержимое 3" descr="алгоритм2.6.png"/>
+          <p:cNvPr id="6" name="Содержимое 5" descr="present1.wmf"/>
           <p:cNvPicPr>
             <a:picLocks noGrp="1" noChangeAspect="1"/>
           </p:cNvPicPr>
@@ -4291,15 +3536,14 @@
         </p:nvPicPr>
         <p:blipFill>
           <a:blip r:embed="rId2" cstate="print"/>
-          <a:srcRect t="43078"/>
           <a:stretch>
             <a:fillRect/>
           </a:stretch>
         </p:blipFill>
         <p:spPr>
           <a:xfrm>
-            <a:off x="0" y="1484784"/>
-            <a:ext cx="8096266" cy="5233109"/>
+            <a:off x="251522" y="1659366"/>
+            <a:ext cx="8577193" cy="4150255"/>
           </a:xfrm>
         </p:spPr>
       </p:pic>
@@ -4352,7 +3596,7 @@
           <a:p>
             <a:r>
               <a:rPr lang="ru-RU" dirty="0" smtClean="0"/>
-              <a:t>Алгоритм (часть 2)</a:t>
+              <a:t>Алгоритм</a:t>
             </a:r>
             <a:endParaRPr lang="ru-RU" dirty="0"/>
           </a:p>
@@ -4360,7 +3604,7 @@
       </p:sp>
       <p:pic>
         <p:nvPicPr>
-          <p:cNvPr id="4" name="Содержимое 3" descr="алгоритм2.6.png"/>
+          <p:cNvPr id="6" name="Содержимое 5" descr="present1.wmf"/>
           <p:cNvPicPr>
             <a:picLocks noGrp="1" noChangeAspect="1"/>
           </p:cNvPicPr>
@@ -4370,15 +3614,14 @@
         </p:nvPicPr>
         <p:blipFill>
           <a:blip r:embed="rId2" cstate="print"/>
-          <a:srcRect t="43078"/>
           <a:stretch>
             <a:fillRect/>
           </a:stretch>
         </p:blipFill>
         <p:spPr>
           <a:xfrm>
-            <a:off x="0" y="1484784"/>
-            <a:ext cx="8096266" cy="5233109"/>
+            <a:off x="251522" y="1659366"/>
+            <a:ext cx="8577193" cy="4150254"/>
           </a:xfrm>
         </p:spPr>
       </p:pic>
@@ -4431,7 +3674,7 @@
           <a:p>
             <a:r>
               <a:rPr lang="ru-RU" dirty="0" smtClean="0"/>
-              <a:t>Алгоритм (часть 2)</a:t>
+              <a:t>Алгоритм</a:t>
             </a:r>
             <a:endParaRPr lang="ru-RU" dirty="0"/>
           </a:p>
@@ -4439,7 +3682,7 @@
       </p:sp>
       <p:pic>
         <p:nvPicPr>
-          <p:cNvPr id="4" name="Содержимое 3" descr="алгоритм2.6.png"/>
+          <p:cNvPr id="6" name="Содержимое 5" descr="present1.wmf"/>
           <p:cNvPicPr>
             <a:picLocks noGrp="1" noChangeAspect="1"/>
           </p:cNvPicPr>
@@ -4449,15 +3692,14 @@
         </p:nvPicPr>
         <p:blipFill>
           <a:blip r:embed="rId2" cstate="print"/>
-          <a:srcRect t="43406"/>
           <a:stretch>
             <a:fillRect/>
           </a:stretch>
         </p:blipFill>
         <p:spPr>
           <a:xfrm>
-            <a:off x="0" y="1512000"/>
-            <a:ext cx="8096266" cy="5202925"/>
+            <a:off x="251523" y="1659366"/>
+            <a:ext cx="8577191" cy="4150254"/>
           </a:xfrm>
         </p:spPr>
       </p:pic>
@@ -4510,438 +3752,35 @@
           <a:p>
             <a:r>
               <a:rPr lang="ru-RU" dirty="0" smtClean="0"/>
-              <a:t>Применение дельты</a:t>
+              <a:t>Алгоритм</a:t>
             </a:r>
             <a:endParaRPr lang="ru-RU" dirty="0"/>
           </a:p>
         </p:txBody>
       </p:sp>
-      <p:graphicFrame>
-        <p:nvGraphicFramePr>
-          <p:cNvPr id="4" name="Содержимое 3"/>
-          <p:cNvGraphicFramePr>
-            <a:graphicFrameLocks noGrp="1"/>
-          </p:cNvGraphicFramePr>
+      <p:pic>
+        <p:nvPicPr>
+          <p:cNvPr id="6" name="Содержимое 5" descr="present1.wmf"/>
+          <p:cNvPicPr>
+            <a:picLocks noGrp="1" noChangeAspect="1"/>
+          </p:cNvPicPr>
           <p:nvPr>
             <p:ph idx="1"/>
           </p:nvPr>
-        </p:nvGraphicFramePr>
-        <p:xfrm>
-          <a:off x="457200" y="1600200"/>
-          <a:ext cx="8219256" cy="1986280"/>
-        </p:xfrm>
-        <a:graphic>
-          <a:graphicData uri="http://schemas.openxmlformats.org/drawingml/2006/table">
-            <a:tbl>
-              <a:tblPr firstRow="1" bandRow="1">
-                <a:tableStyleId>{5C22544A-7EE6-4342-B048-85BDC9FD1C3A}</a:tableStyleId>
-              </a:tblPr>
-              <a:tblGrid>
-                <a:gridCol w="2739752"/>
-                <a:gridCol w="2739752"/>
-                <a:gridCol w="2739752"/>
-              </a:tblGrid>
-              <a:tr h="370840">
-                <a:tc>
-                  <a:txBody>
-                    <a:bodyPr/>
-                    <a:lstStyle/>
-                    <a:p>
-                      <a:r>
-                        <a:rPr lang="ru-RU" dirty="0" smtClean="0"/>
-                        <a:t>Последняя</a:t>
-                      </a:r>
-                      <a:r>
-                        <a:rPr lang="ru-RU" baseline="0" dirty="0" smtClean="0"/>
-                        <a:t> </a:t>
-                      </a:r>
-                      <a:r>
-                        <a:rPr lang="ru-RU" baseline="0" dirty="0" err="1" smtClean="0"/>
-                        <a:t>синх</a:t>
-                      </a:r>
-                      <a:r>
-                        <a:rPr lang="ru-RU" baseline="0" dirty="0" smtClean="0"/>
-                        <a:t>. версия</a:t>
-                      </a:r>
-                      <a:endParaRPr lang="ru-RU" dirty="0"/>
-                    </a:p>
-                  </a:txBody>
-                  <a:tcPr/>
-                </a:tc>
-                <a:tc>
-                  <a:txBody>
-                    <a:bodyPr/>
-                    <a:lstStyle/>
-                    <a:p>
-                      <a:r>
-                        <a:rPr lang="ru-RU" dirty="0" smtClean="0"/>
-                        <a:t>Посимвольная</a:t>
-                      </a:r>
-                      <a:r>
-                        <a:rPr lang="ru-RU" baseline="0" dirty="0" smtClean="0"/>
-                        <a:t> д</a:t>
-                      </a:r>
-                      <a:r>
-                        <a:rPr lang="ru-RU" dirty="0" smtClean="0"/>
-                        <a:t>ельта</a:t>
-                      </a:r>
-                      <a:endParaRPr lang="ru-RU" dirty="0"/>
-                    </a:p>
-                  </a:txBody>
-                  <a:tcPr/>
-                </a:tc>
-                <a:tc>
-                  <a:txBody>
-                    <a:bodyPr/>
-                    <a:lstStyle/>
-                    <a:p>
-                      <a:r>
-                        <a:rPr lang="ru-RU" dirty="0" smtClean="0"/>
-                        <a:t>Результат</a:t>
-                      </a:r>
-                      <a:endParaRPr lang="ru-RU" dirty="0"/>
-                    </a:p>
-                  </a:txBody>
-                  <a:tcPr/>
-                </a:tc>
-              </a:tr>
-              <a:tr h="370840">
-                <a:tc>
-                  <a:txBody>
-                    <a:bodyPr/>
-                    <a:lstStyle/>
-                    <a:p>
-                      <a:pPr algn="l"/>
-                      <a:r>
-                        <a:rPr lang="ru-RU" sz="2000" kern="1200" baseline="0" dirty="0" smtClean="0">
-                          <a:solidFill>
-                            <a:schemeClr val="dk1"/>
-                          </a:solidFill>
-                          <a:latin typeface="Courier New" pitchFamily="49" charset="0"/>
-                          <a:ea typeface="+mn-ea"/>
-                          <a:cs typeface="Courier New" pitchFamily="49" charset="0"/>
-                        </a:rPr>
-                        <a:t>Шел Паша </a:t>
-                      </a:r>
-                    </a:p>
-                    <a:p>
-                      <a:pPr algn="l"/>
-                      <a:r>
-                        <a:rPr lang="ru-RU" sz="2000" kern="1200" baseline="0" dirty="0" smtClean="0">
-                          <a:solidFill>
-                            <a:schemeClr val="dk1"/>
-                          </a:solidFill>
-                          <a:latin typeface="Courier New" pitchFamily="49" charset="0"/>
-                          <a:ea typeface="+mn-ea"/>
-                          <a:cs typeface="Courier New" pitchFamily="49" charset="0"/>
-                        </a:rPr>
-                        <a:t>по шоссе </a:t>
-                      </a:r>
-                    </a:p>
-                    <a:p>
-                      <a:pPr algn="l"/>
-                      <a:r>
-                        <a:rPr lang="ru-RU" sz="2000" kern="1200" baseline="0" dirty="0" smtClean="0">
-                          <a:solidFill>
-                            <a:schemeClr val="dk1"/>
-                          </a:solidFill>
-                          <a:latin typeface="Courier New" pitchFamily="49" charset="0"/>
-                          <a:ea typeface="+mn-ea"/>
-                          <a:cs typeface="Courier New" pitchFamily="49" charset="0"/>
-                        </a:rPr>
-                        <a:t>и сосал сушку</a:t>
-                      </a:r>
-                    </a:p>
-                  </a:txBody>
-                  <a:tcPr anchor="ctr"/>
-                </a:tc>
-                <a:tc>
-                  <a:txBody>
-                    <a:bodyPr/>
-                    <a:lstStyle/>
-                    <a:p>
-                      <a:pPr marL="0" marR="0" indent="0" algn="l" defTabSz="914400" rtl="0" eaLnBrk="1" fontAlgn="auto" latinLnBrk="0" hangingPunct="1">
-                        <a:lnSpc>
-                          <a:spcPct val="100000"/>
-                        </a:lnSpc>
-                        <a:spcBef>
-                          <a:spcPts val="0"/>
-                        </a:spcBef>
-                        <a:spcAft>
-                          <a:spcPts val="0"/>
-                        </a:spcAft>
-                        <a:buClrTx/>
-                        <a:buSzTx/>
-                        <a:buFontTx/>
-                        <a:buNone/>
-                        <a:tabLst/>
-                        <a:defRPr/>
-                      </a:pPr>
-                      <a:endParaRPr lang="ru-RU" sz="2000" kern="1200" baseline="0" dirty="0" smtClean="0">
-                        <a:solidFill>
-                          <a:schemeClr val="dk1"/>
-                        </a:solidFill>
-                        <a:latin typeface="Courier New" pitchFamily="49" charset="0"/>
-                        <a:ea typeface="+mn-ea"/>
-                        <a:cs typeface="Courier New" pitchFamily="49" charset="0"/>
-                      </a:endParaRPr>
-                    </a:p>
-                    <a:p>
-                      <a:pPr marL="0" marR="0" indent="0" algn="l" defTabSz="914400" rtl="0" eaLnBrk="1" fontAlgn="auto" latinLnBrk="0" hangingPunct="1">
-                        <a:lnSpc>
-                          <a:spcPct val="100000"/>
-                        </a:lnSpc>
-                        <a:spcBef>
-                          <a:spcPts val="0"/>
-                        </a:spcBef>
-                        <a:spcAft>
-                          <a:spcPts val="0"/>
-                        </a:spcAft>
-                        <a:buClrTx/>
-                        <a:buSzTx/>
-                        <a:buFontTx/>
-                        <a:buNone/>
-                        <a:tabLst/>
-                        <a:defRPr/>
-                      </a:pPr>
-                      <a:r>
-                        <a:rPr lang="ru-RU" sz="2000" kern="1200" baseline="0" dirty="0" smtClean="0">
-                          <a:solidFill>
-                            <a:schemeClr val="dk1"/>
-                          </a:solidFill>
-                          <a:latin typeface="Courier New" pitchFamily="49" charset="0"/>
-                          <a:ea typeface="+mn-ea"/>
-                          <a:cs typeface="Courier New" pitchFamily="49" charset="0"/>
-                        </a:rPr>
-                        <a:t>Ш</a:t>
-                      </a:r>
-                      <a:r>
-                        <a:rPr lang="ru-RU" sz="2000" b="0" u="none" strike="sngStrike" kern="1200" baseline="0" dirty="0" smtClean="0">
-                          <a:solidFill>
-                            <a:schemeClr val="tx1"/>
-                          </a:solidFill>
-                          <a:effectLst/>
-                          <a:latin typeface="Courier New" pitchFamily="49" charset="0"/>
-                          <a:ea typeface="+mn-ea"/>
-                          <a:cs typeface="Courier New" pitchFamily="49" charset="0"/>
-                        </a:rPr>
-                        <a:t>е</a:t>
-                      </a:r>
-                      <a:r>
-                        <a:rPr lang="ru-RU" sz="2000" kern="1200" baseline="0" dirty="0" smtClean="0">
-                          <a:solidFill>
-                            <a:schemeClr val="dk1"/>
-                          </a:solidFill>
-                          <a:latin typeface="Courier New" pitchFamily="49" charset="0"/>
-                          <a:ea typeface="+mn-ea"/>
-                          <a:cs typeface="Courier New" pitchFamily="49" charset="0"/>
-                        </a:rPr>
-                        <a:t>л</a:t>
-                      </a:r>
-                      <a:r>
-                        <a:rPr lang="ru-RU" sz="2000" b="1" u="sng" strike="noStrike" kern="1200" baseline="0" dirty="0" smtClean="0">
-                          <a:solidFill>
-                            <a:schemeClr val="dk1"/>
-                          </a:solidFill>
-                          <a:latin typeface="Courier New" pitchFamily="49" charset="0"/>
-                          <a:ea typeface="+mn-ea"/>
-                          <a:cs typeface="Courier New" pitchFamily="49" charset="0"/>
-                        </a:rPr>
-                        <a:t>а</a:t>
-                      </a:r>
-                      <a:r>
-                        <a:rPr lang="ru-RU" sz="2000" kern="1200" baseline="0" dirty="0" smtClean="0">
-                          <a:solidFill>
-                            <a:schemeClr val="dk1"/>
-                          </a:solidFill>
-                          <a:latin typeface="Courier New" pitchFamily="49" charset="0"/>
-                          <a:ea typeface="+mn-ea"/>
-                          <a:cs typeface="Courier New" pitchFamily="49" charset="0"/>
-                        </a:rPr>
-                        <a:t> </a:t>
-                      </a:r>
-                      <a:r>
-                        <a:rPr lang="ru-RU" sz="2000" b="1" u="sng" strike="noStrike" kern="1200" baseline="0" dirty="0" smtClean="0">
-                          <a:solidFill>
-                            <a:schemeClr val="dk1"/>
-                          </a:solidFill>
-                          <a:latin typeface="Courier New" pitchFamily="49" charset="0"/>
-                          <a:ea typeface="+mn-ea"/>
-                          <a:cs typeface="Courier New" pitchFamily="49" charset="0"/>
-                        </a:rPr>
-                        <a:t>С</a:t>
-                      </a:r>
-                      <a:r>
-                        <a:rPr lang="ru-RU" sz="2000" b="0" u="none" strike="sngStrike" kern="1200" baseline="0" dirty="0" smtClean="0">
-                          <a:solidFill>
-                            <a:schemeClr val="dk1"/>
-                          </a:solidFill>
-                          <a:latin typeface="Courier New" pitchFamily="49" charset="0"/>
-                          <a:ea typeface="+mn-ea"/>
-                          <a:cs typeface="Courier New" pitchFamily="49" charset="0"/>
-                        </a:rPr>
-                        <a:t>П</a:t>
-                      </a:r>
-                      <a:r>
-                        <a:rPr lang="ru-RU" sz="2000" kern="1200" baseline="0" dirty="0" smtClean="0">
-                          <a:solidFill>
-                            <a:schemeClr val="dk1"/>
-                          </a:solidFill>
-                          <a:latin typeface="Courier New" pitchFamily="49" charset="0"/>
-                          <a:ea typeface="+mn-ea"/>
-                          <a:cs typeface="Courier New" pitchFamily="49" charset="0"/>
-                        </a:rPr>
-                        <a:t>аша</a:t>
-                      </a:r>
-                      <a:br>
-                        <a:rPr lang="ru-RU" sz="2000" kern="1200" baseline="0" dirty="0" smtClean="0">
-                          <a:solidFill>
-                            <a:schemeClr val="dk1"/>
-                          </a:solidFill>
-                          <a:latin typeface="Courier New" pitchFamily="49" charset="0"/>
-                          <a:ea typeface="+mn-ea"/>
-                          <a:cs typeface="Courier New" pitchFamily="49" charset="0"/>
-                        </a:rPr>
-                      </a:br>
-                      <a:r>
-                        <a:rPr lang="ru-RU" sz="2000" kern="1200" baseline="0" dirty="0" smtClean="0">
-                          <a:solidFill>
-                            <a:schemeClr val="dk1"/>
-                          </a:solidFill>
-                          <a:latin typeface="Courier New" pitchFamily="49" charset="0"/>
-                          <a:ea typeface="+mn-ea"/>
-                          <a:cs typeface="Courier New" pitchFamily="49" charset="0"/>
-                        </a:rPr>
-                        <a:t>по шоссе</a:t>
-                      </a:r>
-                      <a:br>
-                        <a:rPr lang="ru-RU" sz="2000" kern="1200" baseline="0" dirty="0" smtClean="0">
-                          <a:solidFill>
-                            <a:schemeClr val="dk1"/>
-                          </a:solidFill>
-                          <a:latin typeface="Courier New" pitchFamily="49" charset="0"/>
-                          <a:ea typeface="+mn-ea"/>
-                          <a:cs typeface="Courier New" pitchFamily="49" charset="0"/>
-                        </a:rPr>
-                      </a:br>
-                      <a:r>
-                        <a:rPr lang="ru-RU" sz="2000" kern="1200" baseline="0" dirty="0" smtClean="0">
-                          <a:solidFill>
-                            <a:schemeClr val="dk1"/>
-                          </a:solidFill>
-                          <a:latin typeface="Courier New" pitchFamily="49" charset="0"/>
-                          <a:ea typeface="+mn-ea"/>
-                          <a:cs typeface="Courier New" pitchFamily="49" charset="0"/>
-                        </a:rPr>
-                        <a:t>и сосал</a:t>
-                      </a:r>
-                      <a:r>
-                        <a:rPr lang="ru-RU" sz="2000" b="1" u="sng" strike="noStrike" kern="1200" baseline="0" dirty="0" smtClean="0">
-                          <a:solidFill>
-                            <a:schemeClr val="dk1"/>
-                          </a:solidFill>
-                          <a:latin typeface="Courier New" pitchFamily="49" charset="0"/>
-                          <a:ea typeface="+mn-ea"/>
-                          <a:cs typeface="Courier New" pitchFamily="49" charset="0"/>
-                        </a:rPr>
-                        <a:t>а</a:t>
-                      </a:r>
-                      <a:r>
-                        <a:rPr lang="ru-RU" sz="2000" kern="1200" baseline="0" dirty="0" smtClean="0">
-                          <a:solidFill>
-                            <a:schemeClr val="dk1"/>
-                          </a:solidFill>
-                          <a:latin typeface="Courier New" pitchFamily="49" charset="0"/>
-                          <a:ea typeface="+mn-ea"/>
-                          <a:cs typeface="Courier New" pitchFamily="49" charset="0"/>
-                        </a:rPr>
-                        <a:t> сушку</a:t>
-                      </a:r>
-                    </a:p>
-                    <a:p>
-                      <a:pPr marL="0" marR="0" indent="0" algn="l" defTabSz="914400" rtl="0" eaLnBrk="1" fontAlgn="auto" latinLnBrk="0" hangingPunct="1">
-                        <a:lnSpc>
-                          <a:spcPct val="100000"/>
-                        </a:lnSpc>
-                        <a:spcBef>
-                          <a:spcPts val="0"/>
-                        </a:spcBef>
-                        <a:spcAft>
-                          <a:spcPts val="0"/>
-                        </a:spcAft>
-                        <a:buClrTx/>
-                        <a:buSzTx/>
-                        <a:buFontTx/>
-                        <a:buNone/>
-                        <a:tabLst/>
-                        <a:defRPr/>
-                      </a:pPr>
-                      <a:endParaRPr lang="ru-RU" sz="2000" kern="1200" baseline="0" dirty="0" smtClean="0">
-                        <a:solidFill>
-                          <a:schemeClr val="dk1"/>
-                        </a:solidFill>
-                        <a:latin typeface="Courier New" pitchFamily="49" charset="0"/>
-                        <a:ea typeface="+mn-ea"/>
-                        <a:cs typeface="Courier New" pitchFamily="49" charset="0"/>
-                      </a:endParaRPr>
-                    </a:p>
-                  </a:txBody>
-                  <a:tcPr anchor="ctr"/>
-                </a:tc>
-                <a:tc>
-                  <a:txBody>
-                    <a:bodyPr/>
-                    <a:lstStyle/>
-                    <a:p>
-                      <a:pPr algn="l"/>
-                      <a:r>
-                        <a:rPr lang="ru-RU" sz="2000" kern="1200" baseline="0" dirty="0" smtClean="0">
-                          <a:solidFill>
-                            <a:schemeClr val="dk1"/>
-                          </a:solidFill>
-                          <a:latin typeface="Courier New" pitchFamily="49" charset="0"/>
-                          <a:ea typeface="+mn-ea"/>
-                          <a:cs typeface="Courier New" pitchFamily="49" charset="0"/>
-                        </a:rPr>
-                        <a:t>Шла Саша </a:t>
-                      </a:r>
-                    </a:p>
-                    <a:p>
-                      <a:pPr algn="l"/>
-                      <a:r>
-                        <a:rPr lang="ru-RU" sz="2000" kern="1200" baseline="0" dirty="0" smtClean="0">
-                          <a:solidFill>
-                            <a:schemeClr val="dk1"/>
-                          </a:solidFill>
-                          <a:latin typeface="Courier New" pitchFamily="49" charset="0"/>
-                          <a:ea typeface="+mn-ea"/>
-                          <a:cs typeface="Courier New" pitchFamily="49" charset="0"/>
-                        </a:rPr>
-                        <a:t>по шоссе </a:t>
-                      </a:r>
-                    </a:p>
-                    <a:p>
-                      <a:pPr algn="l"/>
-                      <a:r>
-                        <a:rPr lang="ru-RU" sz="2000" kern="1200" baseline="0" dirty="0" smtClean="0">
-                          <a:solidFill>
-                            <a:schemeClr val="dk1"/>
-                          </a:solidFill>
-                          <a:latin typeface="Courier New" pitchFamily="49" charset="0"/>
-                          <a:ea typeface="+mn-ea"/>
-                          <a:cs typeface="Courier New" pitchFamily="49" charset="0"/>
-                        </a:rPr>
-                        <a:t>и сосала сушку</a:t>
-                      </a:r>
-                    </a:p>
-                  </a:txBody>
-                  <a:tcPr anchor="ctr"/>
-                </a:tc>
-              </a:tr>
-            </a:tbl>
-          </a:graphicData>
-        </a:graphic>
-      </p:graphicFrame>
+        </p:nvPicPr>
+        <p:blipFill>
+          <a:blip r:embed="rId2" cstate="print"/>
+          <a:stretch>
+            <a:fillRect/>
+          </a:stretch>
+        </p:blipFill>
+        <p:spPr>
+          <a:xfrm>
+            <a:off x="251523" y="1659366"/>
+            <a:ext cx="8577191" cy="4150253"/>
+          </a:xfrm>
+        </p:spPr>
+      </p:pic>
     </p:spTree>
   </p:cSld>
   <p:clrMapOvr>
@@ -4991,7 +3830,7 @@
           <a:p>
             <a:r>
               <a:rPr lang="ru-RU" dirty="0" smtClean="0"/>
-              <a:t>Алгоритм (часть 2)</a:t>
+              <a:t>Алгоритм</a:t>
             </a:r>
             <a:endParaRPr lang="ru-RU" dirty="0"/>
           </a:p>
@@ -4999,7 +3838,7 @@
       </p:sp>
       <p:pic>
         <p:nvPicPr>
-          <p:cNvPr id="4" name="Содержимое 3" descr="алгоритм2.6.png"/>
+          <p:cNvPr id="6" name="Содержимое 5" descr="present1.wmf"/>
           <p:cNvPicPr>
             <a:picLocks noGrp="1" noChangeAspect="1"/>
           </p:cNvPicPr>
@@ -5009,15 +3848,14 @@
         </p:nvPicPr>
         <p:blipFill>
           <a:blip r:embed="rId2" cstate="print"/>
-          <a:srcRect t="43078"/>
           <a:stretch>
             <a:fillRect/>
           </a:stretch>
         </p:blipFill>
         <p:spPr>
           <a:xfrm>
-            <a:off x="0" y="1484784"/>
-            <a:ext cx="8096266" cy="5233109"/>
+            <a:off x="251524" y="1659366"/>
+            <a:ext cx="8577189" cy="4150253"/>
           </a:xfrm>
         </p:spPr>
       </p:pic>
@@ -5070,7 +3908,7 @@
           <a:p>
             <a:r>
               <a:rPr lang="ru-RU" dirty="0" smtClean="0"/>
-              <a:t>Алгоритм (часть 2)</a:t>
+              <a:t>Алгоритм</a:t>
             </a:r>
             <a:endParaRPr lang="ru-RU" dirty="0"/>
           </a:p>
@@ -5078,7 +3916,7 @@
       </p:sp>
       <p:pic>
         <p:nvPicPr>
-          <p:cNvPr id="4" name="Содержимое 3" descr="алгоритм2.6.png"/>
+          <p:cNvPr id="6" name="Содержимое 5" descr="present1.wmf"/>
           <p:cNvPicPr>
             <a:picLocks noGrp="1" noChangeAspect="1"/>
           </p:cNvPicPr>
@@ -5088,15 +3926,14 @@
         </p:nvPicPr>
         <p:blipFill>
           <a:blip r:embed="rId2" cstate="print"/>
-          <a:srcRect t="43073"/>
           <a:stretch>
             <a:fillRect/>
           </a:stretch>
         </p:blipFill>
         <p:spPr>
           <a:xfrm>
-            <a:off x="0" y="1484784"/>
-            <a:ext cx="8161036" cy="5235775"/>
+            <a:off x="251524" y="1659366"/>
+            <a:ext cx="8577189" cy="4150252"/>
           </a:xfrm>
         </p:spPr>
       </p:pic>
@@ -5167,35 +4004,82 @@
         </p:nvSpPr>
         <p:spPr/>
         <p:txBody>
-          <a:bodyPr/>
-          <a:lstStyle/>
-          <a:p>
+          <a:bodyPr>
+            <a:normAutofit/>
+          </a:bodyPr>
+          <a:lstStyle/>
+          <a:p>
+            <a:pPr marL="0" indent="0">
+              <a:buNone/>
+            </a:pPr>
             <a:r>
               <a:rPr lang="ru-RU" dirty="0" smtClean="0"/>
-              <a:t>Предмет: </a:t>
+              <a:t>Создать расширение текстового редактора </a:t>
+            </a:r>
+            <a:r>
+              <a:rPr lang="en-US" dirty="0" smtClean="0"/>
+              <a:t>Sublime Text </a:t>
+            </a:r>
+            <a:r>
+              <a:rPr lang="ru-RU" dirty="0" smtClean="0"/>
+              <a:t>для совместного редактирования </a:t>
             </a:r>
             <a:r>
               <a:rPr lang="ru-RU" dirty="0"/>
-              <a:t>программное обеспечение совместной работы для редактирования </a:t>
+              <a:t>текстов в режиме реального </a:t>
             </a:r>
             <a:r>
               <a:rPr lang="ru-RU" dirty="0" smtClean="0"/>
-              <a:t>текста.</a:t>
-            </a:r>
-          </a:p>
-          <a:p>
+              <a:t>времени</a:t>
+            </a:r>
+          </a:p>
+          <a:p>
+            <a:pPr>
+              <a:buNone/>
+            </a:pPr>
+            <a:endParaRPr lang="ru-RU" dirty="0" smtClean="0"/>
+          </a:p>
+          <a:p>
+            <a:pPr>
+              <a:buNone/>
+            </a:pPr>
             <a:r>
               <a:rPr lang="ru-RU" dirty="0" smtClean="0"/>
-              <a:t>Цель: реализация </a:t>
-            </a:r>
-            <a:r>
-              <a:rPr lang="ru-RU" dirty="0"/>
-              <a:t>системы совместного редактирования текстов в режиме реального </a:t>
-            </a:r>
+              <a:t>Подзадачи:</a:t>
+            </a:r>
+            <a:endParaRPr lang="ru-RU" dirty="0" smtClean="0"/>
+          </a:p>
+          <a:p>
+            <a:pPr marL="514350" lvl="0" indent="-514350">
+              <a:buFont typeface="+mj-lt"/>
+              <a:buAutoNum type="arabicPeriod"/>
+            </a:pPr>
             <a:r>
               <a:rPr lang="ru-RU" dirty="0" smtClean="0"/>
-              <a:t>времени.</a:t>
-            </a:r>
+              <a:t>Изучить подходы к синхронизации текста при совместном редактировании</a:t>
+            </a:r>
+          </a:p>
+          <a:p>
+            <a:pPr marL="514350" lvl="0" indent="-514350">
+              <a:buFont typeface="+mj-lt"/>
+              <a:buAutoNum type="arabicPeriod"/>
+            </a:pPr>
+            <a:r>
+              <a:rPr lang="ru-RU" dirty="0" smtClean="0"/>
+              <a:t>Спроектировать и реализовать ПО</a:t>
+            </a:r>
+          </a:p>
+          <a:p>
+            <a:pPr marL="514350" indent="-514350">
+              <a:buFont typeface="+mj-lt"/>
+              <a:buAutoNum type="arabicPeriod"/>
+            </a:pPr>
+            <a:endParaRPr lang="ru-RU" dirty="0" smtClean="0"/>
+          </a:p>
+          <a:p>
+            <a:pPr>
+              <a:buNone/>
+            </a:pPr>
             <a:endParaRPr lang="ru-RU" dirty="0"/>
           </a:p>
         </p:txBody>
@@ -5208,7 +4092,141 @@
   <p:timing>
     <p:tnLst>
       <p:par>
-        <p:cTn id="1" dur="indefinite" restart="never" nodeType="tmRoot"/>
+        <p:cTn id="1" dur="indefinite" restart="never" nodeType="tmRoot">
+          <p:childTnLst>
+            <p:seq concurrent="1" nextAc="seek">
+              <p:cTn id="2" dur="indefinite" nodeType="mainSeq">
+                <p:childTnLst>
+                  <p:par>
+                    <p:cTn id="3" fill="hold">
+                      <p:stCondLst>
+                        <p:cond delay="indefinite"/>
+                      </p:stCondLst>
+                      <p:childTnLst>
+                        <p:par>
+                          <p:cTn id="4" fill="hold">
+                            <p:stCondLst>
+                              <p:cond delay="0"/>
+                            </p:stCondLst>
+                            <p:childTnLst>
+                              <p:par>
+                                <p:cTn id="5" presetID="1" presetClass="entr" presetSubtype="0" fill="hold" nodeType="clickEffect">
+                                  <p:stCondLst>
+                                    <p:cond delay="0"/>
+                                  </p:stCondLst>
+                                  <p:childTnLst>
+                                    <p:set>
+                                      <p:cBhvr>
+                                        <p:cTn id="6" dur="1" fill="hold">
+                                          <p:stCondLst>
+                                            <p:cond delay="0"/>
+                                          </p:stCondLst>
+                                        </p:cTn>
+                                        <p:tgtEl>
+                                          <p:spTgt spid="3">
+                                            <p:txEl>
+                                              <p:pRg st="2" end="2"/>
+                                            </p:txEl>
+                                          </p:spTgt>
+                                        </p:tgtEl>
+                                        <p:attrNameLst>
+                                          <p:attrName>style.visibility</p:attrName>
+                                        </p:attrNameLst>
+                                      </p:cBhvr>
+                                      <p:to>
+                                        <p:strVal val="visible"/>
+                                      </p:to>
+                                    </p:set>
+                                  </p:childTnLst>
+                                </p:cTn>
+                              </p:par>
+                              <p:par>
+                                <p:cTn id="7" presetID="1" presetClass="entr" presetSubtype="0" fill="hold" nodeType="withEffect">
+                                  <p:stCondLst>
+                                    <p:cond delay="0"/>
+                                  </p:stCondLst>
+                                  <p:childTnLst>
+                                    <p:set>
+                                      <p:cBhvr>
+                                        <p:cTn id="8" dur="1" fill="hold">
+                                          <p:stCondLst>
+                                            <p:cond delay="0"/>
+                                          </p:stCondLst>
+                                        </p:cTn>
+                                        <p:tgtEl>
+                                          <p:spTgt spid="3">
+                                            <p:txEl>
+                                              <p:pRg st="3" end="3"/>
+                                            </p:txEl>
+                                          </p:spTgt>
+                                        </p:tgtEl>
+                                        <p:attrNameLst>
+                                          <p:attrName>style.visibility</p:attrName>
+                                        </p:attrNameLst>
+                                      </p:cBhvr>
+                                      <p:to>
+                                        <p:strVal val="visible"/>
+                                      </p:to>
+                                    </p:set>
+                                  </p:childTnLst>
+                                </p:cTn>
+                              </p:par>
+                              <p:par>
+                                <p:cTn id="9" presetID="1" presetClass="entr" presetSubtype="0" fill="hold" nodeType="withEffect">
+                                  <p:stCondLst>
+                                    <p:cond delay="0"/>
+                                  </p:stCondLst>
+                                  <p:childTnLst>
+                                    <p:set>
+                                      <p:cBhvr>
+                                        <p:cTn id="10" dur="1" fill="hold">
+                                          <p:stCondLst>
+                                            <p:cond delay="0"/>
+                                          </p:stCondLst>
+                                        </p:cTn>
+                                        <p:tgtEl>
+                                          <p:spTgt spid="3">
+                                            <p:txEl>
+                                              <p:pRg st="4" end="4"/>
+                                            </p:txEl>
+                                          </p:spTgt>
+                                        </p:tgtEl>
+                                        <p:attrNameLst>
+                                          <p:attrName>style.visibility</p:attrName>
+                                        </p:attrNameLst>
+                                      </p:cBhvr>
+                                      <p:to>
+                                        <p:strVal val="visible"/>
+                                      </p:to>
+                                    </p:set>
+                                  </p:childTnLst>
+                                </p:cTn>
+                              </p:par>
+                            </p:childTnLst>
+                          </p:cTn>
+                        </p:par>
+                      </p:childTnLst>
+                    </p:cTn>
+                  </p:par>
+                </p:childTnLst>
+              </p:cTn>
+              <p:prevCondLst>
+                <p:cond evt="onPrev" delay="0">
+                  <p:tgtEl>
+                    <p:sldTgt/>
+                  </p:tgtEl>
+                </p:cond>
+              </p:prevCondLst>
+              <p:nextCondLst>
+                <p:cond evt="onNext" delay="0">
+                  <p:tgtEl>
+                    <p:sldTgt/>
+                  </p:tgtEl>
+                </p:cond>
+              </p:nextCondLst>
+            </p:seq>
+          </p:childTnLst>
+        </p:cTn>
       </p:par>
     </p:tnLst>
   </p:timing>
@@ -5245,880 +4263,90 @@
         <p:spPr/>
         <p:txBody>
           <a:bodyPr>
-            <a:normAutofit fontScale="90000"/>
+            <a:normAutofit/>
           </a:bodyPr>
           <a:lstStyle/>
           <a:p>
             <a:r>
               <a:rPr lang="ru-RU" dirty="0" smtClean="0"/>
-              <a:t>Применение дельты с учетом ошибок</a:t>
+              <a:t>Производительность</a:t>
             </a:r>
             <a:endParaRPr lang="ru-RU" dirty="0"/>
           </a:p>
         </p:txBody>
       </p:sp>
-      <p:graphicFrame>
-        <p:nvGraphicFramePr>
-          <p:cNvPr id="4" name="Содержимое 3"/>
-          <p:cNvGraphicFramePr>
-            <a:graphicFrameLocks noGrp="1"/>
-          </p:cNvGraphicFramePr>
+      <p:sp>
+        <p:nvSpPr>
+          <p:cNvPr id="4" name="Текст 3"/>
+          <p:cNvSpPr>
+            <a:spLocks noGrp="1"/>
+          </p:cNvSpPr>
           <p:nvPr>
             <p:ph idx="1"/>
           </p:nvPr>
-        </p:nvGraphicFramePr>
-        <p:xfrm>
-          <a:off x="457200" y="1600200"/>
-          <a:ext cx="8435280" cy="3972560"/>
-        </p:xfrm>
-        <a:graphic>
-          <a:graphicData uri="http://schemas.openxmlformats.org/drawingml/2006/table">
-            <a:tbl>
-              <a:tblPr firstRow="1" bandRow="1">
-                <a:tableStyleId>{5C22544A-7EE6-4342-B048-85BDC9FD1C3A}</a:tableStyleId>
-              </a:tblPr>
-              <a:tblGrid>
-                <a:gridCol w="3040539"/>
-                <a:gridCol w="2582981"/>
-                <a:gridCol w="2811760"/>
-              </a:tblGrid>
-              <a:tr h="370840">
-                <a:tc>
-                  <a:txBody>
-                    <a:bodyPr/>
-                    <a:lstStyle/>
-                    <a:p>
-                      <a:r>
-                        <a:rPr lang="ru-RU" dirty="0" smtClean="0"/>
-                        <a:t>Редактируемый текст</a:t>
-                      </a:r>
-                      <a:endParaRPr lang="ru-RU" dirty="0"/>
-                    </a:p>
-                  </a:txBody>
-                  <a:tcPr/>
-                </a:tc>
-                <a:tc>
-                  <a:txBody>
-                    <a:bodyPr/>
-                    <a:lstStyle/>
-                    <a:p>
-                      <a:r>
-                        <a:rPr lang="ru-RU" dirty="0" smtClean="0"/>
-                        <a:t>Посимвольная</a:t>
-                      </a:r>
-                      <a:r>
-                        <a:rPr lang="ru-RU" baseline="0" dirty="0" smtClean="0"/>
-                        <a:t> д</a:t>
-                      </a:r>
-                      <a:r>
-                        <a:rPr lang="ru-RU" dirty="0" smtClean="0"/>
-                        <a:t>ельта</a:t>
-                      </a:r>
-                      <a:endParaRPr lang="ru-RU" dirty="0"/>
-                    </a:p>
-                  </a:txBody>
-                  <a:tcPr/>
-                </a:tc>
-                <a:tc>
-                  <a:txBody>
-                    <a:bodyPr/>
-                    <a:lstStyle/>
-                    <a:p>
-                      <a:r>
-                        <a:rPr lang="ru-RU" dirty="0" smtClean="0"/>
-                        <a:t>Результат применения</a:t>
-                      </a:r>
-                      <a:endParaRPr lang="ru-RU" dirty="0"/>
-                    </a:p>
-                  </a:txBody>
-                  <a:tcPr/>
-                </a:tc>
-              </a:tr>
-              <a:tr h="370840">
-                <a:tc rowSpan="3">
-                  <a:txBody>
-                    <a:bodyPr/>
-                    <a:lstStyle/>
-                    <a:p>
-                      <a:pPr algn="l"/>
-                      <a:r>
-                        <a:rPr lang="ru-RU" sz="2000" kern="1200" baseline="0" dirty="0" smtClean="0">
-                          <a:solidFill>
-                            <a:schemeClr val="dk1"/>
-                          </a:solidFill>
-                          <a:latin typeface="Courier New" pitchFamily="49" charset="0"/>
-                          <a:ea typeface="+mn-ea"/>
-                          <a:cs typeface="Courier New" pitchFamily="49" charset="0"/>
-                        </a:rPr>
-                        <a:t>Я увидел, что</a:t>
-                      </a:r>
-                    </a:p>
-                    <a:p>
-                      <a:pPr algn="l"/>
-                      <a:r>
-                        <a:rPr lang="ru-RU" sz="2000" kern="1200" baseline="0" dirty="0" smtClean="0">
-                          <a:solidFill>
-                            <a:schemeClr val="dk1"/>
-                          </a:solidFill>
-                          <a:latin typeface="Courier New" pitchFamily="49" charset="0"/>
-                          <a:ea typeface="+mn-ea"/>
-                          <a:cs typeface="Courier New" pitchFamily="49" charset="0"/>
-                        </a:rPr>
-                        <a:t>внезапно </a:t>
-                      </a:r>
-                      <a:r>
-                        <a:rPr lang="ru-RU" sz="2000" kern="1200" baseline="0" dirty="0" smtClean="0">
-                          <a:solidFill>
-                            <a:schemeClr val="dk1"/>
-                          </a:solidFill>
-                          <a:latin typeface="Courier New" pitchFamily="49" charset="0"/>
-                          <a:ea typeface="+mn-ea"/>
-                          <a:cs typeface="Courier New" pitchFamily="49" charset="0"/>
-                        </a:rPr>
-                        <a:t>Шел </a:t>
-                      </a:r>
-                      <a:r>
-                        <a:rPr lang="ru-RU" sz="2000" kern="1200" baseline="0" dirty="0" smtClean="0">
-                          <a:solidFill>
-                            <a:schemeClr val="dk1"/>
-                          </a:solidFill>
-                          <a:latin typeface="Courier New" pitchFamily="49" charset="0"/>
-                          <a:ea typeface="+mn-ea"/>
-                          <a:cs typeface="Courier New" pitchFamily="49" charset="0"/>
-                        </a:rPr>
-                        <a:t>Паша </a:t>
-                      </a:r>
-                    </a:p>
-                    <a:p>
-                      <a:pPr algn="l"/>
-                      <a:r>
-                        <a:rPr lang="ru-RU" sz="2000" kern="1200" baseline="0" dirty="0" smtClean="0">
-                          <a:solidFill>
-                            <a:schemeClr val="dk1"/>
-                          </a:solidFill>
-                          <a:latin typeface="Courier New" pitchFamily="49" charset="0"/>
-                          <a:ea typeface="+mn-ea"/>
-                          <a:cs typeface="Courier New" pitchFamily="49" charset="0"/>
-                        </a:rPr>
-                        <a:t>по шоссе </a:t>
-                      </a:r>
-                    </a:p>
-                    <a:p>
-                      <a:pPr algn="l"/>
-                      <a:r>
-                        <a:rPr lang="ru-RU" sz="2000" kern="1200" baseline="0" dirty="0" smtClean="0">
-                          <a:solidFill>
-                            <a:schemeClr val="dk1"/>
-                          </a:solidFill>
-                          <a:latin typeface="Courier New" pitchFamily="49" charset="0"/>
-                          <a:ea typeface="+mn-ea"/>
-                          <a:cs typeface="Courier New" pitchFamily="49" charset="0"/>
-                        </a:rPr>
-                        <a:t>и сосал сушку</a:t>
-                      </a:r>
-                    </a:p>
-                  </a:txBody>
-                  <a:tcPr anchor="ctr"/>
-                </a:tc>
-                <a:tc>
-                  <a:txBody>
-                    <a:bodyPr/>
-                    <a:lstStyle/>
-                    <a:p>
-                      <a:pPr marL="0" marR="0" indent="0" algn="l" defTabSz="914400" rtl="0" eaLnBrk="1" fontAlgn="auto" latinLnBrk="0" hangingPunct="1">
-                        <a:lnSpc>
-                          <a:spcPct val="100000"/>
-                        </a:lnSpc>
-                        <a:spcBef>
-                          <a:spcPts val="0"/>
-                        </a:spcBef>
-                        <a:spcAft>
-                          <a:spcPts val="0"/>
-                        </a:spcAft>
-                        <a:buClrTx/>
-                        <a:buSzTx/>
-                        <a:buFontTx/>
-                        <a:buNone/>
-                        <a:tabLst/>
-                        <a:defRPr/>
-                      </a:pPr>
-                      <a:endParaRPr lang="ru-RU" sz="2000" kern="1200" baseline="0" dirty="0" smtClean="0">
-                        <a:solidFill>
-                          <a:schemeClr val="dk1"/>
-                        </a:solidFill>
-                        <a:latin typeface="Courier New" pitchFamily="49" charset="0"/>
-                        <a:ea typeface="+mn-ea"/>
-                        <a:cs typeface="Courier New" pitchFamily="49" charset="0"/>
-                      </a:endParaRPr>
-                    </a:p>
-                    <a:p>
-                      <a:pPr marL="0" marR="0" indent="0" algn="l" defTabSz="914400" rtl="0" eaLnBrk="1" fontAlgn="auto" latinLnBrk="0" hangingPunct="1">
-                        <a:lnSpc>
-                          <a:spcPct val="100000"/>
-                        </a:lnSpc>
-                        <a:spcBef>
-                          <a:spcPts val="0"/>
-                        </a:spcBef>
-                        <a:spcAft>
-                          <a:spcPts val="0"/>
-                        </a:spcAft>
-                        <a:buClrTx/>
-                        <a:buSzTx/>
-                        <a:buFontTx/>
-                        <a:buNone/>
-                        <a:tabLst/>
-                        <a:defRPr/>
-                      </a:pPr>
-                      <a:r>
-                        <a:rPr lang="ru-RU" sz="2000" kern="1200" baseline="0" dirty="0" smtClean="0">
-                          <a:solidFill>
-                            <a:schemeClr val="dk1"/>
-                          </a:solidFill>
-                          <a:latin typeface="Courier New" pitchFamily="49" charset="0"/>
-                          <a:ea typeface="+mn-ea"/>
-                          <a:cs typeface="Courier New" pitchFamily="49" charset="0"/>
-                        </a:rPr>
-                        <a:t>Ш</a:t>
-                      </a:r>
-                      <a:r>
-                        <a:rPr lang="ru-RU" sz="2000" b="0" u="none" strike="sngStrike" kern="1200" baseline="0" dirty="0" smtClean="0">
-                          <a:solidFill>
-                            <a:schemeClr val="tx1"/>
-                          </a:solidFill>
-                          <a:effectLst/>
-                          <a:latin typeface="Courier New" pitchFamily="49" charset="0"/>
-                          <a:ea typeface="+mn-ea"/>
-                          <a:cs typeface="Courier New" pitchFamily="49" charset="0"/>
-                        </a:rPr>
-                        <a:t>е</a:t>
-                      </a:r>
-                      <a:r>
-                        <a:rPr lang="ru-RU" sz="2000" kern="1200" baseline="0" dirty="0" smtClean="0">
-                          <a:solidFill>
-                            <a:schemeClr val="dk1"/>
-                          </a:solidFill>
-                          <a:latin typeface="Courier New" pitchFamily="49" charset="0"/>
-                          <a:ea typeface="+mn-ea"/>
-                          <a:cs typeface="Courier New" pitchFamily="49" charset="0"/>
-                        </a:rPr>
-                        <a:t>л</a:t>
-                      </a:r>
-                      <a:r>
-                        <a:rPr lang="ru-RU" sz="2000" b="1" u="sng" strike="noStrike" kern="1200" baseline="0" dirty="0" smtClean="0">
-                          <a:solidFill>
-                            <a:schemeClr val="dk1"/>
-                          </a:solidFill>
-                          <a:latin typeface="Courier New" pitchFamily="49" charset="0"/>
-                          <a:ea typeface="+mn-ea"/>
-                          <a:cs typeface="Courier New" pitchFamily="49" charset="0"/>
-                        </a:rPr>
-                        <a:t>а</a:t>
-                      </a:r>
-                      <a:r>
-                        <a:rPr lang="ru-RU" sz="2000" kern="1200" baseline="0" dirty="0" smtClean="0">
-                          <a:solidFill>
-                            <a:schemeClr val="dk1"/>
-                          </a:solidFill>
-                          <a:latin typeface="Courier New" pitchFamily="49" charset="0"/>
-                          <a:ea typeface="+mn-ea"/>
-                          <a:cs typeface="Courier New" pitchFamily="49" charset="0"/>
-                        </a:rPr>
-                        <a:t> </a:t>
-                      </a:r>
-                      <a:r>
-                        <a:rPr lang="ru-RU" sz="2000" b="1" u="sng" strike="noStrike" kern="1200" baseline="0" dirty="0" smtClean="0">
-                          <a:solidFill>
-                            <a:schemeClr val="dk1"/>
-                          </a:solidFill>
-                          <a:latin typeface="Courier New" pitchFamily="49" charset="0"/>
-                          <a:ea typeface="+mn-ea"/>
-                          <a:cs typeface="Courier New" pitchFamily="49" charset="0"/>
-                        </a:rPr>
-                        <a:t>С</a:t>
-                      </a:r>
-                      <a:r>
-                        <a:rPr lang="ru-RU" sz="2000" b="0" u="none" strike="sngStrike" kern="1200" baseline="0" dirty="0" smtClean="0">
-                          <a:solidFill>
-                            <a:schemeClr val="dk1"/>
-                          </a:solidFill>
-                          <a:latin typeface="Courier New" pitchFamily="49" charset="0"/>
-                          <a:ea typeface="+mn-ea"/>
-                          <a:cs typeface="Courier New" pitchFamily="49" charset="0"/>
-                        </a:rPr>
-                        <a:t>П</a:t>
-                      </a:r>
-                      <a:r>
-                        <a:rPr lang="ru-RU" sz="2000" kern="1200" baseline="0" dirty="0" smtClean="0">
-                          <a:solidFill>
-                            <a:schemeClr val="dk1"/>
-                          </a:solidFill>
-                          <a:latin typeface="Courier New" pitchFamily="49" charset="0"/>
-                          <a:ea typeface="+mn-ea"/>
-                          <a:cs typeface="Courier New" pitchFamily="49" charset="0"/>
-                        </a:rPr>
-                        <a:t>аша</a:t>
-                      </a:r>
-                      <a:br>
-                        <a:rPr lang="ru-RU" sz="2000" kern="1200" baseline="0" dirty="0" smtClean="0">
-                          <a:solidFill>
-                            <a:schemeClr val="dk1"/>
-                          </a:solidFill>
-                          <a:latin typeface="Courier New" pitchFamily="49" charset="0"/>
-                          <a:ea typeface="+mn-ea"/>
-                          <a:cs typeface="Courier New" pitchFamily="49" charset="0"/>
-                        </a:rPr>
-                      </a:br>
-                      <a:r>
-                        <a:rPr lang="ru-RU" sz="2000" kern="1200" baseline="0" dirty="0" smtClean="0">
-                          <a:solidFill>
-                            <a:schemeClr val="dk1"/>
-                          </a:solidFill>
-                          <a:latin typeface="Courier New" pitchFamily="49" charset="0"/>
-                          <a:ea typeface="+mn-ea"/>
-                          <a:cs typeface="Courier New" pitchFamily="49" charset="0"/>
-                        </a:rPr>
-                        <a:t>по шоссе</a:t>
-                      </a:r>
-                      <a:br>
-                        <a:rPr lang="ru-RU" sz="2000" kern="1200" baseline="0" dirty="0" smtClean="0">
-                          <a:solidFill>
-                            <a:schemeClr val="dk1"/>
-                          </a:solidFill>
-                          <a:latin typeface="Courier New" pitchFamily="49" charset="0"/>
-                          <a:ea typeface="+mn-ea"/>
-                          <a:cs typeface="Courier New" pitchFamily="49" charset="0"/>
-                        </a:rPr>
-                      </a:br>
-                      <a:r>
-                        <a:rPr lang="ru-RU" sz="2000" kern="1200" baseline="0" dirty="0" smtClean="0">
-                          <a:solidFill>
-                            <a:schemeClr val="dk1"/>
-                          </a:solidFill>
-                          <a:latin typeface="Courier New" pitchFamily="49" charset="0"/>
-                          <a:ea typeface="+mn-ea"/>
-                          <a:cs typeface="Courier New" pitchFamily="49" charset="0"/>
-                        </a:rPr>
-                        <a:t>и сосал</a:t>
-                      </a:r>
-                      <a:r>
-                        <a:rPr lang="ru-RU" sz="2000" b="1" u="sng" strike="noStrike" kern="1200" baseline="0" dirty="0" smtClean="0">
-                          <a:solidFill>
-                            <a:schemeClr val="dk1"/>
-                          </a:solidFill>
-                          <a:latin typeface="Courier New" pitchFamily="49" charset="0"/>
-                          <a:ea typeface="+mn-ea"/>
-                          <a:cs typeface="Courier New" pitchFamily="49" charset="0"/>
-                        </a:rPr>
-                        <a:t>а</a:t>
-                      </a:r>
-                      <a:r>
-                        <a:rPr lang="ru-RU" sz="2000" kern="1200" baseline="0" dirty="0" smtClean="0">
-                          <a:solidFill>
-                            <a:schemeClr val="dk1"/>
-                          </a:solidFill>
-                          <a:latin typeface="Courier New" pitchFamily="49" charset="0"/>
-                          <a:ea typeface="+mn-ea"/>
-                          <a:cs typeface="Courier New" pitchFamily="49" charset="0"/>
-                        </a:rPr>
-                        <a:t> сушку</a:t>
-                      </a:r>
-                    </a:p>
-                    <a:p>
-                      <a:pPr marL="0" marR="0" indent="0" algn="l" defTabSz="914400" rtl="0" eaLnBrk="1" fontAlgn="auto" latinLnBrk="0" hangingPunct="1">
-                        <a:lnSpc>
-                          <a:spcPct val="100000"/>
-                        </a:lnSpc>
-                        <a:spcBef>
-                          <a:spcPts val="0"/>
-                        </a:spcBef>
-                        <a:spcAft>
-                          <a:spcPts val="0"/>
-                        </a:spcAft>
-                        <a:buClrTx/>
-                        <a:buSzTx/>
-                        <a:buFontTx/>
-                        <a:buNone/>
-                        <a:tabLst/>
-                        <a:defRPr/>
-                      </a:pPr>
-                      <a:endParaRPr lang="ru-RU" sz="2000" kern="1200" baseline="0" dirty="0" smtClean="0">
-                        <a:solidFill>
-                          <a:schemeClr val="dk1"/>
-                        </a:solidFill>
-                        <a:latin typeface="Courier New" pitchFamily="49" charset="0"/>
-                        <a:ea typeface="+mn-ea"/>
-                        <a:cs typeface="Courier New" pitchFamily="49" charset="0"/>
-                      </a:endParaRPr>
-                    </a:p>
-                  </a:txBody>
-                  <a:tcPr anchor="ctr"/>
-                </a:tc>
-                <a:tc>
-                  <a:txBody>
-                    <a:bodyPr/>
-                    <a:lstStyle/>
-                    <a:p>
-                      <a:pPr algn="l"/>
-                      <a:r>
-                        <a:rPr lang="ru-RU" sz="2000" kern="1200" baseline="0" dirty="0" smtClean="0">
-                          <a:solidFill>
-                            <a:schemeClr val="dk1"/>
-                          </a:solidFill>
-                          <a:latin typeface="Courier New" pitchFamily="49" charset="0"/>
-                          <a:ea typeface="+mn-ea"/>
-                          <a:cs typeface="Courier New" pitchFamily="49" charset="0"/>
-                        </a:rPr>
-                        <a:t>Я увидел, что</a:t>
-                      </a:r>
-                    </a:p>
-                    <a:p>
-                      <a:pPr algn="l"/>
-                      <a:r>
-                        <a:rPr lang="ru-RU" sz="2000" kern="1200" baseline="0" dirty="0" smtClean="0">
-                          <a:solidFill>
-                            <a:schemeClr val="dk1"/>
-                          </a:solidFill>
-                          <a:latin typeface="Courier New" pitchFamily="49" charset="0"/>
-                          <a:ea typeface="+mn-ea"/>
-                          <a:cs typeface="Courier New" pitchFamily="49" charset="0"/>
-                        </a:rPr>
-                        <a:t>внезапно </a:t>
-                      </a:r>
-                      <a:r>
-                        <a:rPr lang="ru-RU" sz="2000" kern="1200" baseline="0" dirty="0" smtClean="0">
-                          <a:solidFill>
-                            <a:schemeClr val="dk1"/>
-                          </a:solidFill>
-                          <a:latin typeface="Courier New" pitchFamily="49" charset="0"/>
-                          <a:ea typeface="+mn-ea"/>
-                          <a:cs typeface="Courier New" pitchFamily="49" charset="0"/>
-                        </a:rPr>
-                        <a:t>Шл</a:t>
-                      </a:r>
-                      <a:r>
-                        <a:rPr lang="ru-RU" sz="2000" b="1" kern="1200" baseline="0" dirty="0" smtClean="0">
-                          <a:solidFill>
-                            <a:schemeClr val="dk1"/>
-                          </a:solidFill>
-                          <a:latin typeface="Courier New" pitchFamily="49" charset="0"/>
-                          <a:ea typeface="+mn-ea"/>
-                          <a:cs typeface="Courier New" pitchFamily="49" charset="0"/>
-                        </a:rPr>
-                        <a:t>а</a:t>
-                      </a:r>
-                      <a:r>
-                        <a:rPr lang="ru-RU" sz="2000" kern="1200" baseline="0" dirty="0" smtClean="0">
-                          <a:solidFill>
-                            <a:schemeClr val="dk1"/>
-                          </a:solidFill>
-                          <a:latin typeface="Courier New" pitchFamily="49" charset="0"/>
-                          <a:ea typeface="+mn-ea"/>
-                          <a:cs typeface="Courier New" pitchFamily="49" charset="0"/>
-                        </a:rPr>
-                        <a:t> </a:t>
-                      </a:r>
-                      <a:r>
-                        <a:rPr lang="ru-RU" sz="2000" b="1" kern="1200" baseline="0" dirty="0" smtClean="0">
-                          <a:solidFill>
-                            <a:schemeClr val="dk1"/>
-                          </a:solidFill>
-                          <a:latin typeface="Courier New" pitchFamily="49" charset="0"/>
-                          <a:ea typeface="+mn-ea"/>
-                          <a:cs typeface="Courier New" pitchFamily="49" charset="0"/>
-                        </a:rPr>
-                        <a:t>С</a:t>
-                      </a:r>
-                      <a:r>
-                        <a:rPr lang="ru-RU" sz="2000" kern="1200" baseline="0" dirty="0" smtClean="0">
-                          <a:solidFill>
-                            <a:schemeClr val="dk1"/>
-                          </a:solidFill>
-                          <a:latin typeface="Courier New" pitchFamily="49" charset="0"/>
-                          <a:ea typeface="+mn-ea"/>
-                          <a:cs typeface="Courier New" pitchFamily="49" charset="0"/>
-                        </a:rPr>
-                        <a:t>аша </a:t>
-                      </a:r>
-                    </a:p>
-                    <a:p>
-                      <a:pPr algn="l"/>
-                      <a:r>
-                        <a:rPr lang="ru-RU" sz="2000" kern="1200" baseline="0" dirty="0" smtClean="0">
-                          <a:solidFill>
-                            <a:schemeClr val="dk1"/>
-                          </a:solidFill>
-                          <a:latin typeface="Courier New" pitchFamily="49" charset="0"/>
-                          <a:ea typeface="+mn-ea"/>
-                          <a:cs typeface="Courier New" pitchFamily="49" charset="0"/>
-                        </a:rPr>
-                        <a:t>по шоссе </a:t>
-                      </a:r>
-                    </a:p>
-                    <a:p>
-                      <a:pPr algn="l"/>
-                      <a:r>
-                        <a:rPr lang="ru-RU" sz="2000" kern="1200" baseline="0" dirty="0" smtClean="0">
-                          <a:solidFill>
-                            <a:schemeClr val="dk1"/>
-                          </a:solidFill>
-                          <a:latin typeface="Courier New" pitchFamily="49" charset="0"/>
-                          <a:ea typeface="+mn-ea"/>
-                          <a:cs typeface="Courier New" pitchFamily="49" charset="0"/>
-                        </a:rPr>
-                        <a:t>и сосал</a:t>
-                      </a:r>
-                      <a:r>
-                        <a:rPr lang="ru-RU" sz="2000" b="1" kern="1200" baseline="0" dirty="0" smtClean="0">
-                          <a:solidFill>
-                            <a:schemeClr val="dk1"/>
-                          </a:solidFill>
-                          <a:latin typeface="Courier New" pitchFamily="49" charset="0"/>
-                          <a:ea typeface="+mn-ea"/>
-                          <a:cs typeface="Courier New" pitchFamily="49" charset="0"/>
-                        </a:rPr>
-                        <a:t>а</a:t>
-                      </a:r>
-                      <a:r>
-                        <a:rPr lang="ru-RU" sz="2000" kern="1200" baseline="0" dirty="0" smtClean="0">
-                          <a:solidFill>
-                            <a:schemeClr val="dk1"/>
-                          </a:solidFill>
-                          <a:latin typeface="Courier New" pitchFamily="49" charset="0"/>
-                          <a:ea typeface="+mn-ea"/>
-                          <a:cs typeface="Courier New" pitchFamily="49" charset="0"/>
-                        </a:rPr>
-                        <a:t> сушку</a:t>
-                      </a:r>
-                    </a:p>
-                  </a:txBody>
-                  <a:tcPr anchor="ctr"/>
-                </a:tc>
-              </a:tr>
-              <a:tr h="370840">
-                <a:tc vMerge="1">
-                  <a:txBody>
-                    <a:bodyPr/>
-                    <a:lstStyle/>
-                    <a:p>
-                      <a:pPr algn="l"/>
-                      <a:endParaRPr lang="ru-RU" sz="2000" kern="1200" baseline="0" dirty="0" smtClean="0">
-                        <a:solidFill>
-                          <a:schemeClr val="dk1"/>
-                        </a:solidFill>
-                        <a:latin typeface="Courier New" pitchFamily="49" charset="0"/>
-                        <a:ea typeface="+mn-ea"/>
-                        <a:cs typeface="Courier New" pitchFamily="49" charset="0"/>
-                      </a:endParaRPr>
-                    </a:p>
-                  </a:txBody>
-                  <a:tcPr anchor="ctr"/>
-                </a:tc>
-                <a:tc>
-                  <a:txBody>
-                    <a:bodyPr/>
-                    <a:lstStyle/>
-                    <a:p>
-                      <a:r>
-                        <a:rPr lang="ru-RU" sz="1800" b="1" dirty="0" smtClean="0">
-                          <a:solidFill>
-                            <a:schemeClr val="bg1"/>
-                          </a:solidFill>
-                        </a:rPr>
-                        <a:t>Построчная</a:t>
-                      </a:r>
-                      <a:r>
-                        <a:rPr lang="ru-RU" sz="1800" b="1" baseline="0" dirty="0" smtClean="0">
-                          <a:solidFill>
-                            <a:schemeClr val="bg1"/>
-                          </a:solidFill>
-                        </a:rPr>
-                        <a:t> </a:t>
-                      </a:r>
-                      <a:r>
-                        <a:rPr lang="ru-RU" sz="1800" b="1" dirty="0" smtClean="0">
-                          <a:solidFill>
-                            <a:schemeClr val="bg1"/>
-                          </a:solidFill>
-                        </a:rPr>
-                        <a:t>дельта</a:t>
-                      </a:r>
-                      <a:endParaRPr lang="ru-RU" sz="1800" b="1" dirty="0">
-                        <a:solidFill>
-                          <a:schemeClr val="bg1"/>
-                        </a:solidFill>
-                      </a:endParaRPr>
-                    </a:p>
-                  </a:txBody>
-                  <a:tcPr>
-                    <a:solidFill>
-                      <a:schemeClr val="accent1"/>
-                    </a:solidFill>
-                  </a:tcPr>
-                </a:tc>
-                <a:tc>
-                  <a:txBody>
-                    <a:bodyPr/>
-                    <a:lstStyle/>
-                    <a:p>
-                      <a:pPr marL="0" marR="0" indent="0" algn="l" defTabSz="914400" rtl="0" eaLnBrk="1" fontAlgn="auto" latinLnBrk="0" hangingPunct="1">
-                        <a:lnSpc>
-                          <a:spcPct val="100000"/>
-                        </a:lnSpc>
-                        <a:spcBef>
-                          <a:spcPts val="0"/>
-                        </a:spcBef>
-                        <a:spcAft>
-                          <a:spcPts val="0"/>
-                        </a:spcAft>
-                        <a:buClrTx/>
-                        <a:buSzTx/>
-                        <a:buFontTx/>
-                        <a:buNone/>
-                        <a:tabLst/>
-                        <a:defRPr/>
-                      </a:pPr>
-                      <a:r>
-                        <a:rPr lang="ru-RU" sz="1800" b="1" dirty="0" smtClean="0">
-                          <a:solidFill>
-                            <a:schemeClr val="bg1"/>
-                          </a:solidFill>
-                        </a:rPr>
-                        <a:t>Результат применения</a:t>
-                      </a:r>
-                    </a:p>
-                  </a:txBody>
-                  <a:tcPr anchor="ctr">
-                    <a:solidFill>
-                      <a:schemeClr val="accent1"/>
-                    </a:solidFill>
-                  </a:tcPr>
-                </a:tc>
-              </a:tr>
-              <a:tr h="370840">
-                <a:tc vMerge="1">
-                  <a:txBody>
-                    <a:bodyPr/>
-                    <a:lstStyle/>
-                    <a:p>
-                      <a:pPr algn="l"/>
-                      <a:endParaRPr lang="ru-RU" sz="2000" kern="1200" baseline="0" dirty="0" smtClean="0">
-                        <a:solidFill>
-                          <a:schemeClr val="dk1"/>
-                        </a:solidFill>
-                        <a:latin typeface="Courier New" pitchFamily="49" charset="0"/>
-                        <a:ea typeface="+mn-ea"/>
-                        <a:cs typeface="Courier New" pitchFamily="49" charset="0"/>
-                      </a:endParaRPr>
-                    </a:p>
-                  </a:txBody>
-                  <a:tcPr anchor="ctr"/>
-                </a:tc>
-                <a:tc>
-                  <a:txBody>
-                    <a:bodyPr/>
-                    <a:lstStyle/>
-                    <a:p>
-                      <a:r>
-                        <a:rPr lang="ru-RU" sz="2000" b="0" u="none" strike="sngStrike" kern="1200" baseline="0" dirty="0" smtClean="0">
-                          <a:solidFill>
-                            <a:schemeClr val="dk1"/>
-                          </a:solidFill>
-                          <a:latin typeface="Courier New" pitchFamily="49" charset="0"/>
-                          <a:ea typeface="+mn-ea"/>
-                          <a:cs typeface="Courier New" pitchFamily="49" charset="0"/>
-                        </a:rPr>
-                        <a:t>Шел Паша</a:t>
-                      </a:r>
-                    </a:p>
-                    <a:p>
-                      <a:pPr marL="0" marR="0" indent="0" algn="l" defTabSz="914400" rtl="0" eaLnBrk="1" fontAlgn="auto" latinLnBrk="0" hangingPunct="1">
-                        <a:lnSpc>
-                          <a:spcPct val="100000"/>
-                        </a:lnSpc>
-                        <a:spcBef>
-                          <a:spcPts val="0"/>
-                        </a:spcBef>
-                        <a:spcAft>
-                          <a:spcPts val="0"/>
-                        </a:spcAft>
-                        <a:buClrTx/>
-                        <a:buSzTx/>
-                        <a:buFontTx/>
-                        <a:buNone/>
-                        <a:tabLst/>
-                        <a:defRPr/>
-                      </a:pPr>
-                      <a:r>
-                        <a:rPr lang="ru-RU" sz="2000" b="1" u="sng" strike="noStrike" kern="1200" baseline="0" dirty="0" smtClean="0">
-                          <a:solidFill>
-                            <a:schemeClr val="dk1"/>
-                          </a:solidFill>
-                          <a:latin typeface="Courier New" pitchFamily="49" charset="0"/>
-                          <a:ea typeface="+mn-ea"/>
-                          <a:cs typeface="Courier New" pitchFamily="49" charset="0"/>
-                        </a:rPr>
-                        <a:t>Шла Саша</a:t>
-                      </a:r>
-                      <a:endParaRPr lang="en-US" sz="2000" b="1" u="sng" strike="noStrike" kern="1200" baseline="0" dirty="0" smtClean="0">
-                        <a:solidFill>
-                          <a:schemeClr val="dk1"/>
-                        </a:solidFill>
-                        <a:latin typeface="Courier New" pitchFamily="49" charset="0"/>
-                        <a:ea typeface="+mn-ea"/>
-                        <a:cs typeface="Courier New" pitchFamily="49" charset="0"/>
-                      </a:endParaRPr>
-                    </a:p>
-                    <a:p>
-                      <a:r>
-                        <a:rPr lang="ru-RU" sz="2000" kern="1200" baseline="0" dirty="0" smtClean="0">
-                          <a:solidFill>
-                            <a:schemeClr val="dk1"/>
-                          </a:solidFill>
-                          <a:latin typeface="Courier New" pitchFamily="49" charset="0"/>
-                          <a:ea typeface="+mn-ea"/>
-                          <a:cs typeface="Courier New" pitchFamily="49" charset="0"/>
-                        </a:rPr>
-                        <a:t>по шоссе</a:t>
-                      </a:r>
-                      <a:endParaRPr lang="ru-RU" sz="2000" b="1" u="sng" kern="1200" baseline="0" dirty="0" smtClean="0">
-                        <a:solidFill>
-                          <a:schemeClr val="dk1"/>
-                        </a:solidFill>
-                        <a:latin typeface="Courier New" pitchFamily="49" charset="0"/>
-                        <a:ea typeface="+mn-ea"/>
-                        <a:cs typeface="Courier New" pitchFamily="49" charset="0"/>
-                      </a:endParaRPr>
-                    </a:p>
-                    <a:p>
-                      <a:r>
-                        <a:rPr lang="ru-RU" sz="2000" b="0" i="0" u="none" strike="sngStrike" kern="1200" baseline="0" dirty="0" smtClean="0">
-                          <a:solidFill>
-                            <a:schemeClr val="dk1"/>
-                          </a:solidFill>
-                          <a:latin typeface="Courier New" pitchFamily="49" charset="0"/>
-                          <a:ea typeface="+mn-ea"/>
-                          <a:cs typeface="Courier New" pitchFamily="49" charset="0"/>
-                        </a:rPr>
-                        <a:t>и сосал сушку</a:t>
-                      </a:r>
-                    </a:p>
-                    <a:p>
-                      <a:r>
-                        <a:rPr lang="ru-RU" sz="2000" b="1" u="sng" strike="noStrike" kern="1200" baseline="0" dirty="0" smtClean="0">
-                          <a:solidFill>
-                            <a:schemeClr val="dk1"/>
-                          </a:solidFill>
-                          <a:latin typeface="Courier New" pitchFamily="49" charset="0"/>
-                          <a:ea typeface="+mn-ea"/>
-                          <a:cs typeface="Courier New" pitchFamily="49" charset="0"/>
-                        </a:rPr>
-                        <a:t>и сосала сушку</a:t>
-                      </a:r>
-                    </a:p>
-                  </a:txBody>
-                  <a:tcPr/>
-                </a:tc>
-                <a:tc>
-                  <a:txBody>
-                    <a:bodyPr/>
-                    <a:lstStyle/>
-                    <a:p>
-                      <a:pPr algn="l"/>
-                      <a:r>
-                        <a:rPr lang="ru-RU" sz="2000" kern="1200" baseline="0" dirty="0" smtClean="0">
-                          <a:solidFill>
-                            <a:schemeClr val="dk1"/>
-                          </a:solidFill>
-                          <a:latin typeface="Courier New" pitchFamily="49" charset="0"/>
-                          <a:ea typeface="+mn-ea"/>
-                          <a:cs typeface="Courier New" pitchFamily="49" charset="0"/>
-                        </a:rPr>
-                        <a:t>Я увидел, что</a:t>
-                      </a:r>
-                    </a:p>
-                    <a:p>
-                      <a:pPr algn="l"/>
-                      <a:r>
-                        <a:rPr lang="ru-RU" sz="2000" kern="1200" baseline="0" dirty="0" smtClean="0">
-                          <a:solidFill>
-                            <a:schemeClr val="dk1"/>
-                          </a:solidFill>
-                          <a:latin typeface="Courier New" pitchFamily="49" charset="0"/>
-                          <a:ea typeface="+mn-ea"/>
-                          <a:cs typeface="Courier New" pitchFamily="49" charset="0"/>
-                        </a:rPr>
-                        <a:t>внезапно </a:t>
-                      </a:r>
-                      <a:r>
-                        <a:rPr lang="ru-RU" sz="2000" kern="1200" baseline="0" dirty="0" smtClean="0">
-                          <a:solidFill>
-                            <a:schemeClr val="dk1"/>
-                          </a:solidFill>
-                          <a:latin typeface="Courier New" pitchFamily="49" charset="0"/>
-                          <a:ea typeface="+mn-ea"/>
-                          <a:cs typeface="Courier New" pitchFamily="49" charset="0"/>
-                        </a:rPr>
-                        <a:t>Шел </a:t>
-                      </a:r>
-                      <a:r>
-                        <a:rPr lang="ru-RU" sz="2000" kern="1200" baseline="0" dirty="0" smtClean="0">
-                          <a:solidFill>
-                            <a:schemeClr val="dk1"/>
-                          </a:solidFill>
-                          <a:latin typeface="Courier New" pitchFamily="49" charset="0"/>
-                          <a:ea typeface="+mn-ea"/>
-                          <a:cs typeface="Courier New" pitchFamily="49" charset="0"/>
-                        </a:rPr>
-                        <a:t>Паша </a:t>
-                      </a:r>
-                    </a:p>
-                    <a:p>
-                      <a:pPr algn="l"/>
-                      <a:r>
-                        <a:rPr lang="ru-RU" sz="2000" kern="1200" baseline="0" dirty="0" smtClean="0">
-                          <a:solidFill>
-                            <a:schemeClr val="dk1"/>
-                          </a:solidFill>
-                          <a:latin typeface="Courier New" pitchFamily="49" charset="0"/>
-                          <a:ea typeface="+mn-ea"/>
-                          <a:cs typeface="Courier New" pitchFamily="49" charset="0"/>
-                        </a:rPr>
-                        <a:t>по шоссе </a:t>
-                      </a:r>
-                    </a:p>
-                    <a:p>
-                      <a:pPr algn="l"/>
-                      <a:r>
-                        <a:rPr lang="ru-RU" sz="2000" b="1" kern="1200" baseline="0" dirty="0" smtClean="0">
-                          <a:solidFill>
-                            <a:schemeClr val="dk1"/>
-                          </a:solidFill>
-                          <a:latin typeface="Courier New" pitchFamily="49" charset="0"/>
-                          <a:ea typeface="+mn-ea"/>
-                          <a:cs typeface="Courier New" pitchFamily="49" charset="0"/>
-                        </a:rPr>
-                        <a:t>и сосала сушку</a:t>
-                      </a:r>
-                    </a:p>
-                    <a:p>
-                      <a:pPr algn="l"/>
-                      <a:endParaRPr lang="ru-RU" sz="2000" kern="1200" baseline="0" dirty="0" smtClean="0">
-                        <a:solidFill>
-                          <a:schemeClr val="dk1"/>
-                        </a:solidFill>
-                        <a:latin typeface="Courier New" pitchFamily="49" charset="0"/>
-                        <a:ea typeface="+mn-ea"/>
-                        <a:cs typeface="Courier New" pitchFamily="49" charset="0"/>
-                      </a:endParaRPr>
-                    </a:p>
-                  </a:txBody>
-                  <a:tcPr anchor="ctr"/>
-                </a:tc>
-              </a:tr>
-            </a:tbl>
-          </a:graphicData>
-        </a:graphic>
-      </p:graphicFrame>
+        </p:nvSpPr>
+        <p:spPr/>
+        <p:txBody>
+          <a:bodyPr/>
+          <a:lstStyle/>
+          <a:p>
+            <a:pPr marL="0" indent="0">
+              <a:buNone/>
+            </a:pPr>
+            <a:r>
+              <a:rPr lang="ru-RU" dirty="0" smtClean="0"/>
+              <a:t>При размере текста </a:t>
+            </a:r>
+            <a:r>
+              <a:rPr lang="ru-RU" dirty="0" smtClean="0"/>
+              <a:t>менее </a:t>
+            </a:r>
+            <a:r>
+              <a:rPr lang="en-US" dirty="0" smtClean="0"/>
+              <a:t>50 </a:t>
+            </a:r>
+            <a:r>
+              <a:rPr lang="ru-RU" dirty="0" smtClean="0"/>
+              <a:t>тысяч символов (45</a:t>
+            </a:r>
+            <a:r>
+              <a:rPr lang="en-US" dirty="0" smtClean="0"/>
+              <a:t>-50 </a:t>
+            </a:r>
+            <a:r>
+              <a:rPr lang="ru-RU" dirty="0" smtClean="0"/>
+              <a:t>КБ) работает без задержек на старых </a:t>
+            </a:r>
+            <a:r>
+              <a:rPr lang="ru-RU" dirty="0" err="1" smtClean="0"/>
+              <a:t>нетбуках</a:t>
+            </a:r>
+            <a:r>
+              <a:rPr lang="ru-RU" dirty="0" smtClean="0"/>
+              <a:t> (</a:t>
+            </a:r>
+            <a:r>
+              <a:rPr lang="en-US" dirty="0" smtClean="0"/>
+              <a:t>Celeron 1007U</a:t>
+            </a:r>
+            <a:r>
+              <a:rPr lang="ru-RU" dirty="0" smtClean="0"/>
+              <a:t> </a:t>
+            </a:r>
+            <a:r>
+              <a:rPr lang="en-US" dirty="0" smtClean="0"/>
+              <a:t>1.5 </a:t>
+            </a:r>
+            <a:r>
+              <a:rPr lang="ru-RU" dirty="0" smtClean="0"/>
+              <a:t>ГГц)</a:t>
+            </a:r>
+          </a:p>
+          <a:p>
+            <a:endParaRPr lang="ru-RU" dirty="0"/>
+          </a:p>
+        </p:txBody>
+      </p:sp>
     </p:spTree>
   </p:cSld>
   <p:clrMapOvr>
@@ -6163,42 +4391,81 @@
         </p:nvSpPr>
         <p:spPr/>
         <p:txBody>
-          <a:bodyPr>
-            <a:normAutofit fontScale="90000"/>
-          </a:bodyPr>
+          <a:bodyPr/>
           <a:lstStyle/>
           <a:p>
             <a:r>
               <a:rPr lang="ru-RU" dirty="0" smtClean="0"/>
-              <a:t>Общая последовательность работы</a:t>
+              <a:t>Особенности решения</a:t>
             </a:r>
             <a:endParaRPr lang="ru-RU" dirty="0"/>
           </a:p>
         </p:txBody>
       </p:sp>
-      <p:pic>
-        <p:nvPicPr>
-          <p:cNvPr id="4" name="Содержимое 3" descr="алгоритм3.png"/>
-          <p:cNvPicPr>
-            <a:picLocks noGrp="1" noChangeAspect="1"/>
-          </p:cNvPicPr>
+      <p:sp>
+        <p:nvSpPr>
+          <p:cNvPr id="3" name="Содержимое 2"/>
+          <p:cNvSpPr>
+            <a:spLocks noGrp="1"/>
+          </p:cNvSpPr>
           <p:nvPr>
             <p:ph idx="1"/>
           </p:nvPr>
-        </p:nvPicPr>
-        <p:blipFill>
-          <a:blip r:embed="rId2" cstate="print"/>
-          <a:stretch>
-            <a:fillRect/>
-          </a:stretch>
-        </p:blipFill>
-        <p:spPr>
-          <a:xfrm>
-            <a:off x="1547664" y="1556792"/>
-            <a:ext cx="6016764" cy="4800611"/>
-          </a:xfrm>
-        </p:spPr>
-      </p:pic>
+        </p:nvSpPr>
+        <p:spPr/>
+        <p:txBody>
+          <a:bodyPr/>
+          <a:lstStyle/>
+          <a:p>
+            <a:pPr>
+              <a:buNone/>
+            </a:pPr>
+            <a:r>
+              <a:rPr lang="ru-RU" dirty="0" smtClean="0"/>
+              <a:t>Главное:</a:t>
+            </a:r>
+          </a:p>
+          <a:p>
+            <a:r>
+              <a:rPr lang="ru-RU" dirty="0" smtClean="0"/>
+              <a:t>Современный редактор </a:t>
+            </a:r>
+            <a:r>
+              <a:rPr lang="en-US" dirty="0" smtClean="0"/>
+              <a:t>Sublime Text</a:t>
+            </a:r>
+            <a:endParaRPr lang="ru-RU" dirty="0" smtClean="0"/>
+          </a:p>
+          <a:p>
+            <a:r>
+              <a:rPr lang="ru-RU" dirty="0" smtClean="0"/>
+              <a:t>Возможность работы по локальной сети</a:t>
+            </a:r>
+          </a:p>
+          <a:p>
+            <a:r>
+              <a:rPr lang="ru-RU" dirty="0" smtClean="0"/>
+              <a:t>Поиск координатора в локальной сети</a:t>
+            </a:r>
+          </a:p>
+          <a:p>
+            <a:endParaRPr lang="ru-RU" dirty="0" smtClean="0"/>
+          </a:p>
+          <a:p>
+            <a:r>
+              <a:rPr lang="ru-RU" dirty="0" smtClean="0"/>
+              <a:t>Клиент-серверная архитектура</a:t>
+            </a:r>
+          </a:p>
+          <a:p>
+            <a:r>
+              <a:rPr lang="ru-RU" dirty="0" smtClean="0"/>
+              <a:t>Оригинальный алгоритм синхронизации</a:t>
+            </a:r>
+            <a:endParaRPr lang="ru-RU" dirty="0"/>
+          </a:p>
+        </p:txBody>
+      </p:sp>
     </p:spTree>
   </p:cSld>
   <p:clrMapOvr>
@@ -6207,7 +4474,110 @@
   <p:timing>
     <p:tnLst>
       <p:par>
-        <p:cTn id="1" dur="indefinite" restart="never" nodeType="tmRoot"/>
+        <p:cTn id="1" dur="indefinite" restart="never" nodeType="tmRoot">
+          <p:childTnLst>
+            <p:seq concurrent="1" nextAc="seek">
+              <p:cTn id="2" dur="indefinite" nodeType="mainSeq">
+                <p:childTnLst>
+                  <p:par>
+                    <p:cTn id="3" fill="hold">
+                      <p:stCondLst>
+                        <p:cond delay="indefinite"/>
+                      </p:stCondLst>
+                      <p:childTnLst>
+                        <p:par>
+                          <p:cTn id="4" fill="hold">
+                            <p:stCondLst>
+                              <p:cond delay="0"/>
+                            </p:stCondLst>
+                            <p:childTnLst>
+                              <p:par>
+                                <p:cTn id="5" presetID="1" presetClass="entr" presetSubtype="0" fill="hold" nodeType="clickEffect">
+                                  <p:stCondLst>
+                                    <p:cond delay="0"/>
+                                  </p:stCondLst>
+                                  <p:childTnLst>
+                                    <p:set>
+                                      <p:cBhvr>
+                                        <p:cTn id="6" dur="1" fill="hold">
+                                          <p:stCondLst>
+                                            <p:cond delay="0"/>
+                                          </p:stCondLst>
+                                        </p:cTn>
+                                        <p:tgtEl>
+                                          <p:spTgt spid="3">
+                                            <p:txEl>
+                                              <p:pRg st="5" end="5"/>
+                                            </p:txEl>
+                                          </p:spTgt>
+                                        </p:tgtEl>
+                                        <p:attrNameLst>
+                                          <p:attrName>style.visibility</p:attrName>
+                                        </p:attrNameLst>
+                                      </p:cBhvr>
+                                      <p:to>
+                                        <p:strVal val="visible"/>
+                                      </p:to>
+                                    </p:set>
+                                  </p:childTnLst>
+                                </p:cTn>
+                              </p:par>
+                              <p:par>
+                                <p:cTn id="7" presetID="1" presetClass="entr" presetSubtype="0" fill="hold" nodeType="withEffect">
+                                  <p:stCondLst>
+                                    <p:cond delay="0"/>
+                                  </p:stCondLst>
+                                  <p:childTnLst>
+                                    <p:set>
+                                      <p:cBhvr>
+                                        <p:cTn id="8" dur="1" fill="hold">
+                                          <p:stCondLst>
+                                            <p:cond delay="0"/>
+                                          </p:stCondLst>
+                                        </p:cTn>
+                                        <p:tgtEl>
+                                          <p:spTgt spid="3">
+                                            <p:txEl>
+                                              <p:pRg st="6" end="6"/>
+                                            </p:txEl>
+                                          </p:spTgt>
+                                        </p:tgtEl>
+                                        <p:attrNameLst>
+                                          <p:attrName>style.visibility</p:attrName>
+                                        </p:attrNameLst>
+                                      </p:cBhvr>
+                                      <p:to>
+                                        <p:strVal val="visible"/>
+                                      </p:to>
+                                    </p:set>
+                                  </p:childTnLst>
+                                </p:cTn>
+                              </p:par>
+                            </p:childTnLst>
+                          </p:cTn>
+                        </p:par>
+                      </p:childTnLst>
+                    </p:cTn>
+                  </p:par>
+                </p:childTnLst>
+              </p:cTn>
+              <p:prevCondLst>
+                <p:cond evt="onPrev" delay="0">
+                  <p:tgtEl>
+                    <p:sldTgt/>
+                  </p:tgtEl>
+                </p:cond>
+              </p:prevCondLst>
+              <p:nextCondLst>
+                <p:cond evt="onNext" delay="0">
+                  <p:tgtEl>
+                    <p:sldTgt/>
+                  </p:tgtEl>
+                </p:cond>
+              </p:nextCondLst>
+            </p:seq>
+          </p:childTnLst>
+        </p:cTn>
       </p:par>
     </p:tnLst>
   </p:timing>
@@ -6243,40 +4613,67 @@
         </p:nvSpPr>
         <p:spPr/>
         <p:txBody>
-          <a:bodyPr/>
+          <a:bodyPr>
+            <a:normAutofit/>
+          </a:bodyPr>
           <a:lstStyle/>
           <a:p>
             <a:r>
               <a:rPr lang="ru-RU" dirty="0" smtClean="0"/>
-              <a:t>Топология сети</a:t>
+              <a:t>Дальнейшее развитие проекта</a:t>
             </a:r>
             <a:endParaRPr lang="ru-RU" dirty="0"/>
           </a:p>
         </p:txBody>
       </p:sp>
-      <p:pic>
-        <p:nvPicPr>
-          <p:cNvPr id="4" name="Содержимое 3" descr="топология.png"/>
-          <p:cNvPicPr>
-            <a:picLocks noGrp="1" noChangeAspect="1"/>
-          </p:cNvPicPr>
+      <p:sp>
+        <p:nvSpPr>
+          <p:cNvPr id="3" name="Содержимое 2"/>
+          <p:cNvSpPr>
+            <a:spLocks noGrp="1"/>
+          </p:cNvSpPr>
           <p:nvPr>
             <p:ph idx="1"/>
           </p:nvPr>
-        </p:nvPicPr>
-        <p:blipFill>
-          <a:blip r:embed="rId2" cstate="print"/>
-          <a:stretch>
-            <a:fillRect/>
-          </a:stretch>
-        </p:blipFill>
-        <p:spPr>
-          <a:xfrm>
-            <a:off x="251520" y="2348880"/>
-            <a:ext cx="8733005" cy="2800634"/>
-          </a:xfrm>
-        </p:spPr>
-      </p:pic>
+        </p:nvSpPr>
+        <p:spPr/>
+        <p:txBody>
+          <a:bodyPr>
+            <a:normAutofit/>
+          </a:bodyPr>
+          <a:lstStyle/>
+          <a:p>
+            <a:pPr marL="0" indent="0">
+              <a:buNone/>
+            </a:pPr>
+            <a:r>
+              <a:rPr lang="ru-RU" dirty="0" smtClean="0"/>
+              <a:t>Предоставление </a:t>
+            </a:r>
+            <a:r>
+              <a:rPr lang="ru-RU" dirty="0" smtClean="0"/>
+              <a:t>возможности отправлять непрерывный поток обновлений в каждом из </a:t>
+            </a:r>
+            <a:r>
+              <a:rPr lang="ru-RU" dirty="0" smtClean="0"/>
+              <a:t>направлений</a:t>
+            </a:r>
+            <a:endParaRPr lang="ru-RU" dirty="0" smtClean="0"/>
+          </a:p>
+          <a:p>
+            <a:pPr marL="514350" indent="-514350">
+              <a:buNone/>
+            </a:pPr>
+            <a:endParaRPr lang="ru-RU" dirty="0" smtClean="0"/>
+          </a:p>
+          <a:p>
+            <a:pPr marL="514350" indent="-514350">
+              <a:buNone/>
+            </a:pPr>
+            <a:endParaRPr lang="ru-RU" dirty="0"/>
+          </a:p>
+        </p:txBody>
+      </p:sp>
     </p:spTree>
   </p:cSld>
   <p:clrMapOvr>
@@ -6311,771 +4708,6 @@
       </p:grpSpPr>
       <p:sp>
         <p:nvSpPr>
-          <p:cNvPr id="4" name="Заголовок 3"/>
-          <p:cNvSpPr>
-            <a:spLocks noGrp="1"/>
-          </p:cNvSpPr>
-          <p:nvPr>
-            <p:ph type="title"/>
-          </p:nvPr>
-        </p:nvSpPr>
-        <p:spPr/>
-        <p:txBody>
-          <a:bodyPr/>
-          <a:lstStyle/>
-          <a:p>
-            <a:r>
-              <a:rPr lang="ru-RU" dirty="0" smtClean="0"/>
-              <a:t>производительность</a:t>
-            </a:r>
-            <a:endParaRPr lang="ru-RU" dirty="0"/>
-          </a:p>
-        </p:txBody>
-      </p:sp>
-      <p:sp>
-        <p:nvSpPr>
-          <p:cNvPr id="5" name="Текст 4"/>
-          <p:cNvSpPr>
-            <a:spLocks noGrp="1"/>
-          </p:cNvSpPr>
-          <p:nvPr>
-            <p:ph type="body" idx="1"/>
-          </p:nvPr>
-        </p:nvSpPr>
-        <p:spPr/>
-        <p:txBody>
-          <a:bodyPr/>
-          <a:lstStyle/>
-          <a:p>
-            <a:r>
-              <a:rPr lang="ru-RU" dirty="0" smtClean="0"/>
-              <a:t>Результаты тестирования</a:t>
-            </a:r>
-            <a:endParaRPr lang="ru-RU" dirty="0"/>
-          </a:p>
-        </p:txBody>
-      </p:sp>
-    </p:spTree>
-  </p:cSld>
-  <p:clrMapOvr>
-    <a:masterClrMapping/>
-  </p:clrMapOvr>
-  <p:timing>
-    <p:tnLst>
-      <p:par>
-        <p:cTn id="1" dur="indefinite" restart="never" nodeType="tmRoot"/>
-      </p:par>
-    </p:tnLst>
-  </p:timing>
-</p:sld>
-</file>
-
-<file path=ppt/slides/slide24.xml><?xml version="1.0" encoding="utf-8"?>
-<p:sld xmlns:a="http://schemas.openxmlformats.org/drawingml/2006/main" xmlns:r="http://schemas.openxmlformats.org/officeDocument/2006/relationships" xmlns:p="http://schemas.openxmlformats.org/presentationml/2006/main">
-  <p:cSld>
-    <p:spTree>
-      <p:nvGrpSpPr>
-        <p:cNvPr id="1" name=""/>
-        <p:cNvGrpSpPr/>
-        <p:nvPr/>
-      </p:nvGrpSpPr>
-      <p:grpSpPr>
-        <a:xfrm>
-          <a:off x="0" y="0"/>
-          <a:ext cx="0" cy="0"/>
-          <a:chOff x="0" y="0"/>
-          <a:chExt cx="0" cy="0"/>
-        </a:xfrm>
-      </p:grpSpPr>
-      <p:sp>
-        <p:nvSpPr>
-          <p:cNvPr id="2" name="Заголовок 1"/>
-          <p:cNvSpPr>
-            <a:spLocks noGrp="1"/>
-          </p:cNvSpPr>
-          <p:nvPr>
-            <p:ph type="title"/>
-          </p:nvPr>
-        </p:nvSpPr>
-        <p:spPr/>
-        <p:txBody>
-          <a:bodyPr/>
-          <a:lstStyle/>
-          <a:p>
-            <a:endParaRPr lang="ru-RU"/>
-          </a:p>
-        </p:txBody>
-      </p:sp>
-      <p:sp>
-        <p:nvSpPr>
-          <p:cNvPr id="4" name="Текст 3"/>
-          <p:cNvSpPr>
-            <a:spLocks noGrp="1"/>
-          </p:cNvSpPr>
-          <p:nvPr>
-            <p:ph type="body" sz="half" idx="2"/>
-          </p:nvPr>
-        </p:nvSpPr>
-        <p:spPr>
-          <a:xfrm>
-            <a:off x="611560" y="6152530"/>
-            <a:ext cx="6667128" cy="804862"/>
-          </a:xfrm>
-        </p:spPr>
-        <p:txBody>
-          <a:bodyPr/>
-          <a:lstStyle/>
-          <a:p>
-            <a:r>
-              <a:rPr lang="ru-RU" dirty="0" smtClean="0"/>
-              <a:t>Таблица 1 — Результаты тестирования производительности</a:t>
-            </a:r>
-            <a:endParaRPr lang="ru-RU" dirty="0"/>
-          </a:p>
-        </p:txBody>
-      </p:sp>
-      <p:graphicFrame>
-        <p:nvGraphicFramePr>
-          <p:cNvPr id="5" name="Содержимое 3"/>
-          <p:cNvGraphicFramePr>
-            <a:graphicFrameLocks noGrp="1"/>
-          </p:cNvGraphicFramePr>
-          <p:nvPr>
-            <p:ph type="pic" idx="1"/>
-          </p:nvPr>
-        </p:nvGraphicFramePr>
-        <p:xfrm>
-          <a:off x="539552" y="275426"/>
-          <a:ext cx="8229600" cy="5817870"/>
-        </p:xfrm>
-        <a:graphic>
-          <a:graphicData uri="http://schemas.openxmlformats.org/drawingml/2006/table">
-            <a:tbl>
-              <a:tblPr firstRow="1" bandRow="1">
-                <a:tableStyleId>{3C2FFA5D-87B4-456A-9821-1D502468CF0F}</a:tableStyleId>
-              </a:tblPr>
-              <a:tblGrid>
-                <a:gridCol w="2743200"/>
-                <a:gridCol w="2743200"/>
-                <a:gridCol w="2743200"/>
-              </a:tblGrid>
-              <a:tr h="370840">
-                <a:tc>
-                  <a:txBody>
-                    <a:bodyPr/>
-                    <a:lstStyle/>
-                    <a:p>
-                      <a:pPr algn="ctr"/>
-                      <a:endParaRPr lang="ru-RU" sz="2000" dirty="0"/>
-                    </a:p>
-                  </a:txBody>
-                  <a:tcPr/>
-                </a:tc>
-                <a:tc>
-                  <a:txBody>
-                    <a:bodyPr/>
-                    <a:lstStyle/>
-                    <a:p>
-                      <a:pPr algn="ctr"/>
-                      <a:r>
-                        <a:rPr lang="ru-RU" sz="2000" dirty="0" smtClean="0"/>
-                        <a:t>Конфигурация 1</a:t>
-                      </a:r>
-                      <a:endParaRPr lang="ru-RU" sz="2000" dirty="0"/>
-                    </a:p>
-                  </a:txBody>
-                  <a:tcPr/>
-                </a:tc>
-                <a:tc>
-                  <a:txBody>
-                    <a:bodyPr/>
-                    <a:lstStyle/>
-                    <a:p>
-                      <a:pPr algn="ctr"/>
-                      <a:r>
-                        <a:rPr lang="ru-RU" sz="2000" dirty="0" smtClean="0"/>
-                        <a:t>Конфигурация 2</a:t>
-                      </a:r>
-                      <a:endParaRPr lang="ru-RU" sz="2000" dirty="0"/>
-                    </a:p>
-                  </a:txBody>
-                  <a:tcPr/>
-                </a:tc>
-              </a:tr>
-              <a:tr h="370840">
-                <a:tc>
-                  <a:txBody>
-                    <a:bodyPr/>
-                    <a:lstStyle/>
-                    <a:p>
-                      <a:r>
-                        <a:rPr lang="ru-RU" sz="2000" b="1" dirty="0" smtClean="0"/>
-                        <a:t>Процессор</a:t>
-                      </a:r>
-                      <a:endParaRPr lang="ru-RU" sz="2000" b="1" dirty="0"/>
-                    </a:p>
-                  </a:txBody>
-                  <a:tcPr/>
-                </a:tc>
-                <a:tc>
-                  <a:txBody>
-                    <a:bodyPr/>
-                    <a:lstStyle/>
-                    <a:p>
-                      <a:pPr algn="just">
-                        <a:lnSpc>
-                          <a:spcPct val="150000"/>
-                        </a:lnSpc>
-                        <a:spcAft>
-                          <a:spcPts val="0"/>
-                        </a:spcAft>
-                      </a:pPr>
-                      <a:r>
-                        <a:rPr lang="en-US" sz="2000" dirty="0" smtClean="0">
-                          <a:latin typeface="+mj-lt"/>
-                          <a:ea typeface="Calibri"/>
-                          <a:cs typeface="Times New Roman"/>
-                        </a:rPr>
-                        <a:t>Celeron 1007U </a:t>
-                      </a:r>
-                      <a:r>
-                        <a:rPr lang="en-US" sz="2000" dirty="0">
-                          <a:latin typeface="+mj-lt"/>
-                          <a:ea typeface="Calibri"/>
-                          <a:cs typeface="Times New Roman"/>
-                        </a:rPr>
-                        <a:t>1.5</a:t>
-                      </a:r>
-                      <a:r>
-                        <a:rPr lang="ru-RU" sz="2000" dirty="0">
-                          <a:latin typeface="+mj-lt"/>
-                          <a:ea typeface="Calibri"/>
-                          <a:cs typeface="Times New Roman"/>
-                        </a:rPr>
-                        <a:t>ГГц</a:t>
-                      </a:r>
-                    </a:p>
-                  </a:txBody>
-                  <a:tcPr marL="66675" marR="66675" marT="66675" marB="66675"/>
-                </a:tc>
-                <a:tc>
-                  <a:txBody>
-                    <a:bodyPr/>
-                    <a:lstStyle/>
-                    <a:p>
-                      <a:pPr algn="just">
-                        <a:lnSpc>
-                          <a:spcPct val="150000"/>
-                        </a:lnSpc>
-                        <a:spcAft>
-                          <a:spcPts val="0"/>
-                        </a:spcAft>
-                      </a:pPr>
-                      <a:r>
-                        <a:rPr lang="ru-RU" sz="2000">
-                          <a:latin typeface="+mj-lt"/>
-                          <a:ea typeface="Calibri"/>
-                          <a:cs typeface="Times New Roman"/>
-                        </a:rPr>
-                        <a:t>Core 2 Duo 3 ГГЦ</a:t>
-                      </a:r>
-                    </a:p>
-                  </a:txBody>
-                  <a:tcPr marL="66675" marR="66675" marT="66675" marB="66675"/>
-                </a:tc>
-              </a:tr>
-              <a:tr h="370840">
-                <a:tc>
-                  <a:txBody>
-                    <a:bodyPr/>
-                    <a:lstStyle/>
-                    <a:p>
-                      <a:r>
-                        <a:rPr lang="ru-RU" sz="2000" b="1" dirty="0" smtClean="0"/>
-                        <a:t>ОЗУ</a:t>
-                      </a:r>
-                      <a:endParaRPr lang="ru-RU" sz="2000" b="1" dirty="0"/>
-                    </a:p>
-                  </a:txBody>
-                  <a:tcPr/>
-                </a:tc>
-                <a:tc>
-                  <a:txBody>
-                    <a:bodyPr/>
-                    <a:lstStyle/>
-                    <a:p>
-                      <a:pPr algn="just">
-                        <a:lnSpc>
-                          <a:spcPct val="150000"/>
-                        </a:lnSpc>
-                        <a:spcAft>
-                          <a:spcPts val="0"/>
-                        </a:spcAft>
-                      </a:pPr>
-                      <a:r>
-                        <a:rPr lang="ru-RU" sz="2000" dirty="0">
-                          <a:latin typeface="+mj-lt"/>
-                          <a:ea typeface="Calibri"/>
-                          <a:cs typeface="Times New Roman"/>
-                        </a:rPr>
-                        <a:t>4 ГБ</a:t>
-                      </a:r>
-                    </a:p>
-                  </a:txBody>
-                  <a:tcPr marL="66675" marR="66675" marT="66675" marB="66675"/>
-                </a:tc>
-                <a:tc>
-                  <a:txBody>
-                    <a:bodyPr/>
-                    <a:lstStyle/>
-                    <a:p>
-                      <a:pPr algn="just">
-                        <a:lnSpc>
-                          <a:spcPct val="150000"/>
-                        </a:lnSpc>
-                        <a:spcAft>
-                          <a:spcPts val="0"/>
-                        </a:spcAft>
-                      </a:pPr>
-                      <a:r>
-                        <a:rPr lang="ru-RU" sz="2000" dirty="0">
-                          <a:latin typeface="+mj-lt"/>
-                          <a:ea typeface="Calibri"/>
-                          <a:cs typeface="Times New Roman"/>
-                        </a:rPr>
-                        <a:t>4 ГБ</a:t>
-                      </a:r>
-                    </a:p>
-                  </a:txBody>
-                  <a:tcPr marL="66675" marR="66675" marT="66675" marB="66675"/>
-                </a:tc>
-              </a:tr>
-              <a:tr h="370840">
-                <a:tc>
-                  <a:txBody>
-                    <a:bodyPr/>
-                    <a:lstStyle/>
-                    <a:p>
-                      <a:r>
-                        <a:rPr lang="ru-RU" sz="2000" b="1" dirty="0" smtClean="0"/>
-                        <a:t>Операционная</a:t>
-                      </a:r>
-                      <a:r>
-                        <a:rPr lang="ru-RU" sz="2000" b="1" baseline="0" dirty="0" smtClean="0"/>
-                        <a:t> система</a:t>
-                      </a:r>
-                      <a:endParaRPr lang="ru-RU" sz="2000" b="1" dirty="0"/>
-                    </a:p>
-                  </a:txBody>
-                  <a:tcPr/>
-                </a:tc>
-                <a:tc>
-                  <a:txBody>
-                    <a:bodyPr/>
-                    <a:lstStyle/>
-                    <a:p>
-                      <a:pPr algn="just">
-                        <a:lnSpc>
-                          <a:spcPct val="150000"/>
-                        </a:lnSpc>
-                        <a:spcAft>
-                          <a:spcPts val="0"/>
-                        </a:spcAft>
-                      </a:pPr>
-                      <a:r>
-                        <a:rPr lang="ru-RU" sz="2000" dirty="0" err="1">
-                          <a:latin typeface="+mj-lt"/>
-                          <a:ea typeface="Calibri"/>
-                          <a:cs typeface="Times New Roman"/>
-                        </a:rPr>
-                        <a:t>Windows</a:t>
-                      </a:r>
-                      <a:r>
-                        <a:rPr lang="ru-RU" sz="2000" dirty="0">
-                          <a:latin typeface="+mj-lt"/>
-                          <a:ea typeface="Calibri"/>
-                          <a:cs typeface="Times New Roman"/>
-                        </a:rPr>
-                        <a:t> 7</a:t>
-                      </a:r>
-                    </a:p>
-                  </a:txBody>
-                  <a:tcPr marL="66675" marR="66675" marT="66675" marB="66675"/>
-                </a:tc>
-                <a:tc>
-                  <a:txBody>
-                    <a:bodyPr/>
-                    <a:lstStyle/>
-                    <a:p>
-                      <a:pPr algn="just">
-                        <a:lnSpc>
-                          <a:spcPct val="150000"/>
-                        </a:lnSpc>
-                        <a:spcAft>
-                          <a:spcPts val="0"/>
-                        </a:spcAft>
-                      </a:pPr>
-                      <a:r>
-                        <a:rPr lang="ru-RU" sz="2000" dirty="0" err="1">
-                          <a:latin typeface="+mj-lt"/>
-                          <a:ea typeface="Calibri"/>
-                          <a:cs typeface="Times New Roman"/>
-                        </a:rPr>
-                        <a:t>Elementary</a:t>
-                      </a:r>
-                      <a:r>
-                        <a:rPr lang="ru-RU" sz="2000" dirty="0">
-                          <a:latin typeface="+mj-lt"/>
-                          <a:ea typeface="Calibri"/>
-                          <a:cs typeface="Times New Roman"/>
-                        </a:rPr>
-                        <a:t> OS </a:t>
-                      </a:r>
-                      <a:r>
-                        <a:rPr lang="ru-RU" sz="2000" dirty="0" err="1">
-                          <a:latin typeface="+mj-lt"/>
-                          <a:ea typeface="Calibri"/>
-                          <a:cs typeface="Times New Roman"/>
-                        </a:rPr>
-                        <a:t>Freya</a:t>
-                      </a:r>
-                      <a:endParaRPr lang="ru-RU" sz="2000" dirty="0">
-                        <a:latin typeface="+mj-lt"/>
-                        <a:ea typeface="Calibri"/>
-                        <a:cs typeface="Times New Roman"/>
-                      </a:endParaRPr>
-                    </a:p>
-                  </a:txBody>
-                  <a:tcPr marL="66675" marR="66675" marT="66675" marB="66675"/>
-                </a:tc>
-              </a:tr>
-              <a:tr h="370840">
-                <a:tc gridSpan="3">
-                  <a:txBody>
-                    <a:bodyPr/>
-                    <a:lstStyle/>
-                    <a:p>
-                      <a:pPr algn="ctr"/>
-                      <a:r>
-                        <a:rPr lang="ru-RU" sz="2000" b="1" dirty="0" smtClean="0">
-                          <a:solidFill>
-                            <a:schemeClr val="bg1"/>
-                          </a:solidFill>
-                        </a:rPr>
-                        <a:t>Производительность при редактировании текста</a:t>
-                      </a:r>
-                      <a:endParaRPr lang="ru-RU" sz="2000" b="1" dirty="0">
-                        <a:solidFill>
-                          <a:schemeClr val="bg1"/>
-                        </a:solidFill>
-                      </a:endParaRPr>
-                    </a:p>
-                  </a:txBody>
-                  <a:tcPr>
-                    <a:solidFill>
-                      <a:schemeClr val="accent1"/>
-                    </a:solidFill>
-                  </a:tcPr>
-                </a:tc>
-                <a:tc hMerge="1">
-                  <a:txBody>
-                    <a:bodyPr/>
-                    <a:lstStyle/>
-                    <a:p>
-                      <a:endParaRPr lang="ru-RU" dirty="0"/>
-                    </a:p>
-                  </a:txBody>
-                  <a:tcPr/>
-                </a:tc>
-                <a:tc hMerge="1">
-                  <a:txBody>
-                    <a:bodyPr/>
-                    <a:lstStyle/>
-                    <a:p>
-                      <a:endParaRPr lang="ru-RU" dirty="0"/>
-                    </a:p>
-                  </a:txBody>
-                  <a:tcPr/>
-                </a:tc>
-              </a:tr>
-              <a:tr h="370840">
-                <a:tc>
-                  <a:txBody>
-                    <a:bodyPr/>
-                    <a:lstStyle/>
-                    <a:p>
-                      <a:pPr algn="just">
-                        <a:lnSpc>
-                          <a:spcPct val="150000"/>
-                        </a:lnSpc>
-                        <a:spcAft>
-                          <a:spcPts val="0"/>
-                        </a:spcAft>
-                      </a:pPr>
-                      <a:r>
-                        <a:rPr lang="ru-RU" sz="2000" b="1" dirty="0"/>
-                        <a:t>Текст объемом 44КБ (42796 символа)</a:t>
-                      </a:r>
-                      <a:endParaRPr lang="ru-RU" sz="2000" b="1" dirty="0">
-                        <a:latin typeface="Times New Roman"/>
-                        <a:ea typeface="Calibri"/>
-                        <a:cs typeface="Times New Roman"/>
-                      </a:endParaRPr>
-                    </a:p>
-                  </a:txBody>
-                  <a:tcPr marL="66675" marR="66675" marT="66675" marB="66675"/>
-                </a:tc>
-                <a:tc gridSpan="2">
-                  <a:txBody>
-                    <a:bodyPr/>
-                    <a:lstStyle/>
-                    <a:p>
-                      <a:pPr algn="ctr">
-                        <a:lnSpc>
-                          <a:spcPct val="150000"/>
-                        </a:lnSpc>
-                        <a:spcAft>
-                          <a:spcPts val="0"/>
-                        </a:spcAft>
-                      </a:pPr>
-                      <a:r>
-                        <a:rPr lang="ru-RU" sz="2000" dirty="0"/>
-                        <a:t>Комфортная работа без </a:t>
-                      </a:r>
-                      <a:r>
-                        <a:rPr lang="ru-RU" sz="2000" dirty="0" smtClean="0"/>
-                        <a:t>задержек</a:t>
-                      </a:r>
-                      <a:endParaRPr lang="ru-RU" sz="2000" dirty="0">
-                        <a:latin typeface="Times New Roman"/>
-                        <a:ea typeface="Calibri"/>
-                        <a:cs typeface="Times New Roman"/>
-                      </a:endParaRPr>
-                    </a:p>
-                  </a:txBody>
-                  <a:tcPr marL="66675" marR="66675" marT="66675" marB="66675"/>
-                </a:tc>
-                <a:tc hMerge="1">
-                  <a:txBody>
-                    <a:bodyPr/>
-                    <a:lstStyle/>
-                    <a:p>
-                      <a:pPr algn="just">
-                        <a:lnSpc>
-                          <a:spcPct val="150000"/>
-                        </a:lnSpc>
-                        <a:spcAft>
-                          <a:spcPts val="0"/>
-                        </a:spcAft>
-                      </a:pPr>
-                      <a:endParaRPr lang="ru-RU" sz="1200" dirty="0">
-                        <a:latin typeface="Times New Roman"/>
-                        <a:ea typeface="Calibri"/>
-                        <a:cs typeface="Times New Roman"/>
-                      </a:endParaRPr>
-                    </a:p>
-                  </a:txBody>
-                  <a:tcPr marL="66675" marR="66675" marT="66675" marB="66675"/>
-                </a:tc>
-              </a:tr>
-              <a:tr h="370840">
-                <a:tc>
-                  <a:txBody>
-                    <a:bodyPr/>
-                    <a:lstStyle/>
-                    <a:p>
-                      <a:pPr algn="just">
-                        <a:lnSpc>
-                          <a:spcPct val="150000"/>
-                        </a:lnSpc>
-                        <a:spcAft>
-                          <a:spcPts val="0"/>
-                        </a:spcAft>
-                      </a:pPr>
-                      <a:r>
-                        <a:rPr lang="ru-RU" sz="2000" b="1" dirty="0"/>
-                        <a:t>Текст объемом 88КБ (85592 символа)</a:t>
-                      </a:r>
-                      <a:endParaRPr lang="ru-RU" sz="2000" b="1" dirty="0">
-                        <a:latin typeface="Times New Roman"/>
-                        <a:ea typeface="Calibri"/>
-                        <a:cs typeface="Times New Roman"/>
-                      </a:endParaRPr>
-                    </a:p>
-                  </a:txBody>
-                  <a:tcPr marL="66675" marR="66675" marT="66675" marB="66675"/>
-                </a:tc>
-                <a:tc>
-                  <a:txBody>
-                    <a:bodyPr/>
-                    <a:lstStyle/>
-                    <a:p>
-                      <a:pPr algn="ctr">
-                        <a:lnSpc>
-                          <a:spcPct val="150000"/>
-                        </a:lnSpc>
-                        <a:spcAft>
-                          <a:spcPts val="0"/>
-                        </a:spcAft>
-                      </a:pPr>
-                      <a:r>
-                        <a:rPr lang="ru-RU" sz="2000" dirty="0"/>
-                        <a:t>Большие задержки при редактировании</a:t>
-                      </a:r>
-                      <a:endParaRPr lang="ru-RU" sz="2000" dirty="0">
-                        <a:latin typeface="Times New Roman"/>
-                        <a:ea typeface="Calibri"/>
-                        <a:cs typeface="Times New Roman"/>
-                      </a:endParaRPr>
-                    </a:p>
-                  </a:txBody>
-                  <a:tcPr marL="66675" marR="66675" marT="66675" marB="66675"/>
-                </a:tc>
-                <a:tc>
-                  <a:txBody>
-                    <a:bodyPr/>
-                    <a:lstStyle/>
-                    <a:p>
-                      <a:pPr algn="ctr">
-                        <a:lnSpc>
-                          <a:spcPct val="150000"/>
-                        </a:lnSpc>
-                        <a:spcAft>
-                          <a:spcPts val="0"/>
-                        </a:spcAft>
-                      </a:pPr>
-                      <a:r>
-                        <a:rPr lang="ru-RU" sz="2000" dirty="0"/>
-                        <a:t>Комфортная работа без задержек</a:t>
-                      </a:r>
-                      <a:endParaRPr lang="ru-RU" sz="2000" dirty="0">
-                        <a:latin typeface="Times New Roman"/>
-                        <a:ea typeface="Calibri"/>
-                        <a:cs typeface="Times New Roman"/>
-                      </a:endParaRPr>
-                    </a:p>
-                  </a:txBody>
-                  <a:tcPr marL="66675" marR="66675" marT="66675" marB="66675"/>
-                </a:tc>
-              </a:tr>
-              <a:tr h="370840">
-                <a:tc>
-                  <a:txBody>
-                    <a:bodyPr/>
-                    <a:lstStyle/>
-                    <a:p>
-                      <a:pPr algn="just">
-                        <a:lnSpc>
-                          <a:spcPct val="150000"/>
-                        </a:lnSpc>
-                        <a:spcAft>
-                          <a:spcPts val="0"/>
-                        </a:spcAft>
-                      </a:pPr>
-                      <a:r>
-                        <a:rPr lang="ru-RU" sz="2000" b="1" dirty="0"/>
-                        <a:t>Текст объемом 100КБ (97263 символа)</a:t>
-                      </a:r>
-                      <a:endParaRPr lang="ru-RU" sz="2000" b="1" dirty="0">
-                        <a:latin typeface="Times New Roman"/>
-                        <a:ea typeface="Calibri"/>
-                        <a:cs typeface="Times New Roman"/>
-                      </a:endParaRPr>
-                    </a:p>
-                  </a:txBody>
-                  <a:tcPr marL="66675" marR="66675" marT="66675" marB="66675"/>
-                </a:tc>
-                <a:tc>
-                  <a:txBody>
-                    <a:bodyPr/>
-                    <a:lstStyle/>
-                    <a:p>
-                      <a:pPr algn="ctr">
-                        <a:lnSpc>
-                          <a:spcPct val="150000"/>
-                        </a:lnSpc>
-                        <a:spcAft>
-                          <a:spcPts val="0"/>
-                        </a:spcAft>
-                      </a:pPr>
-                      <a:r>
-                        <a:rPr lang="ru-RU" sz="2000" dirty="0"/>
-                        <a:t>Работа с файлом невозможна</a:t>
-                      </a:r>
-                      <a:endParaRPr lang="ru-RU" sz="2000" dirty="0">
-                        <a:latin typeface="Times New Roman"/>
-                        <a:ea typeface="Calibri"/>
-                        <a:cs typeface="Times New Roman"/>
-                      </a:endParaRPr>
-                    </a:p>
-                  </a:txBody>
-                  <a:tcPr marL="66675" marR="66675" marT="66675" marB="66675"/>
-                </a:tc>
-                <a:tc>
-                  <a:txBody>
-                    <a:bodyPr/>
-                    <a:lstStyle/>
-                    <a:p>
-                      <a:pPr algn="ctr">
-                        <a:lnSpc>
-                          <a:spcPct val="150000"/>
-                        </a:lnSpc>
-                        <a:spcAft>
-                          <a:spcPts val="0"/>
-                        </a:spcAft>
-                      </a:pPr>
-                      <a:r>
-                        <a:rPr lang="ru-RU" sz="2000" dirty="0"/>
-                        <a:t>Большие задержки при редактировании</a:t>
-                      </a:r>
-                      <a:endParaRPr lang="ru-RU" sz="2000" dirty="0">
-                        <a:latin typeface="Times New Roman"/>
-                        <a:ea typeface="Calibri"/>
-                        <a:cs typeface="Times New Roman"/>
-                      </a:endParaRPr>
-                    </a:p>
-                  </a:txBody>
-                  <a:tcPr marL="66675" marR="66675" marT="66675" marB="66675"/>
-                </a:tc>
-              </a:tr>
-            </a:tbl>
-          </a:graphicData>
-        </a:graphic>
-      </p:graphicFrame>
-    </p:spTree>
-  </p:cSld>
-  <p:clrMapOvr>
-    <a:masterClrMapping/>
-  </p:clrMapOvr>
-  <p:timing>
-    <p:tnLst>
-      <p:par>
-        <p:cTn id="1" dur="indefinite" restart="never" nodeType="tmRoot"/>
-      </p:par>
-    </p:tnLst>
-  </p:timing>
-</p:sld>
-</file>
-
-<file path=ppt/slides/slide25.xml><?xml version="1.0" encoding="utf-8"?>
-<p:sld xmlns:a="http://schemas.openxmlformats.org/drawingml/2006/main" xmlns:r="http://schemas.openxmlformats.org/officeDocument/2006/relationships" xmlns:p="http://schemas.openxmlformats.org/presentationml/2006/main">
-  <p:cSld>
-    <p:spTree>
-      <p:nvGrpSpPr>
-        <p:cNvPr id="1" name=""/>
-        <p:cNvGrpSpPr/>
-        <p:nvPr/>
-      </p:nvGrpSpPr>
-      <p:grpSpPr>
-        <a:xfrm>
-          <a:off x="0" y="0"/>
-          <a:ext cx="0" cy="0"/>
-          <a:chOff x="0" y="0"/>
-          <a:chExt cx="0" cy="0"/>
-        </a:xfrm>
-      </p:grpSpPr>
-      <p:sp>
-        <p:nvSpPr>
           <p:cNvPr id="2" name="Заголовок 1"/>
           <p:cNvSpPr>
             <a:spLocks noGrp="1"/>
@@ -7093,7 +4725,7 @@
           <a:p>
             <a:r>
               <a:rPr lang="ru-RU" dirty="0" smtClean="0"/>
-              <a:t>Результаты работы</a:t>
+              <a:t>Дальнейшее развитие проекта</a:t>
             </a:r>
             <a:endParaRPr lang="ru-RU" dirty="0"/>
           </a:p>
@@ -7116,238 +4748,24 @@
           </a:bodyPr>
           <a:lstStyle/>
           <a:p>
-            <a:pPr marL="514350" indent="-514350">
-              <a:buFont typeface="+mj-lt"/>
-              <a:buAutoNum type="arabicPeriod"/>
+            <a:pPr marL="0" indent="0">
+              <a:buNone/>
             </a:pPr>
             <a:r>
               <a:rPr lang="ru-RU" dirty="0" smtClean="0"/>
-              <a:t>был разработан алгоритм;</a:t>
-            </a:r>
-          </a:p>
-          <a:p>
-            <a:pPr marL="514350" indent="-514350">
-              <a:buFont typeface="+mj-lt"/>
-              <a:buAutoNum type="arabicPeriod"/>
-            </a:pPr>
+              <a:t>Добавление возможности </a:t>
+            </a:r>
+            <a:r>
+              <a:rPr lang="ru-RU" dirty="0"/>
+              <a:t>отслеживать, какой пользователь был ответственен за какие </a:t>
+            </a:r>
             <a:r>
               <a:rPr lang="ru-RU" dirty="0" smtClean="0"/>
-              <a:t>написана реализация расширения для текстового редактора </a:t>
-            </a:r>
-            <a:r>
-              <a:rPr lang="en-US" dirty="0" smtClean="0"/>
-              <a:t>Sublime Text </a:t>
+              <a:t>изменения общего </a:t>
             </a:r>
             <a:r>
               <a:rPr lang="ru-RU" dirty="0" smtClean="0"/>
-              <a:t>на языке </a:t>
-            </a:r>
-            <a:r>
-              <a:rPr lang="en-US" dirty="0" smtClean="0"/>
-              <a:t>Python</a:t>
-            </a:r>
-            <a:r>
-              <a:rPr lang="ru-RU" dirty="0" smtClean="0"/>
-              <a:t>;</a:t>
-            </a:r>
-            <a:endParaRPr lang="en-US" dirty="0" smtClean="0"/>
-          </a:p>
-          <a:p>
-            <a:pPr marL="514350" indent="-514350">
-              <a:buFont typeface="+mj-lt"/>
-              <a:buAutoNum type="arabicPeriod"/>
-            </a:pPr>
-            <a:r>
-              <a:rPr lang="ru-RU" dirty="0" smtClean="0"/>
-              <a:t>создано описание разработанного продукта.</a:t>
-            </a:r>
-          </a:p>
-        </p:txBody>
-      </p:sp>
-    </p:spTree>
-  </p:cSld>
-  <p:clrMapOvr>
-    <a:masterClrMapping/>
-  </p:clrMapOvr>
-  <p:timing>
-    <p:tnLst>
-      <p:par>
-        <p:cTn id="1" dur="indefinite" restart="never" nodeType="tmRoot"/>
-      </p:par>
-    </p:tnLst>
-  </p:timing>
-</p:sld>
-</file>
-
-<file path=ppt/slides/slide26.xml><?xml version="1.0" encoding="utf-8"?>
-<p:sld xmlns:a="http://schemas.openxmlformats.org/drawingml/2006/main" xmlns:r="http://schemas.openxmlformats.org/officeDocument/2006/relationships" xmlns:p="http://schemas.openxmlformats.org/presentationml/2006/main">
-  <p:cSld>
-    <p:spTree>
-      <p:nvGrpSpPr>
-        <p:cNvPr id="1" name=""/>
-        <p:cNvGrpSpPr/>
-        <p:nvPr/>
-      </p:nvGrpSpPr>
-      <p:grpSpPr>
-        <a:xfrm>
-          <a:off x="0" y="0"/>
-          <a:ext cx="0" cy="0"/>
-          <a:chOff x="0" y="0"/>
-          <a:chExt cx="0" cy="0"/>
-        </a:xfrm>
-      </p:grpSpPr>
-      <p:sp>
-        <p:nvSpPr>
-          <p:cNvPr id="2" name="Заголовок 1"/>
-          <p:cNvSpPr>
-            <a:spLocks noGrp="1"/>
-          </p:cNvSpPr>
-          <p:nvPr>
-            <p:ph type="title"/>
-          </p:nvPr>
-        </p:nvSpPr>
-        <p:spPr/>
-        <p:txBody>
-          <a:bodyPr>
-            <a:normAutofit/>
-          </a:bodyPr>
-          <a:lstStyle/>
-          <a:p>
-            <a:r>
-              <a:rPr lang="ru-RU" dirty="0" smtClean="0"/>
-              <a:t>Дальнейшее развитие проекта</a:t>
-            </a:r>
-            <a:endParaRPr lang="ru-RU" dirty="0"/>
-          </a:p>
-        </p:txBody>
-      </p:sp>
-      <p:sp>
-        <p:nvSpPr>
-          <p:cNvPr id="3" name="Содержимое 2"/>
-          <p:cNvSpPr>
-            <a:spLocks noGrp="1"/>
-          </p:cNvSpPr>
-          <p:nvPr>
-            <p:ph idx="1"/>
-          </p:nvPr>
-        </p:nvSpPr>
-        <p:spPr/>
-        <p:txBody>
-          <a:bodyPr>
-            <a:normAutofit/>
-          </a:bodyPr>
-          <a:lstStyle/>
-          <a:p>
-            <a:pPr marL="514350" indent="-514350">
-              <a:buNone/>
-            </a:pPr>
-            <a:r>
-              <a:rPr lang="ru-RU" dirty="0" smtClean="0"/>
-              <a:t>	Предоставление возможности отправлять непрерывный поток обновлений в каждом из направлений.</a:t>
-            </a:r>
-          </a:p>
-          <a:p>
-            <a:pPr marL="514350" indent="-514350">
-              <a:buNone/>
-            </a:pPr>
-            <a:endParaRPr lang="ru-RU" dirty="0" smtClean="0"/>
-          </a:p>
-          <a:p>
-            <a:pPr marL="514350" indent="-514350">
-              <a:buNone/>
-            </a:pPr>
-            <a:endParaRPr lang="ru-RU" dirty="0"/>
-          </a:p>
-        </p:txBody>
-      </p:sp>
-    </p:spTree>
-  </p:cSld>
-  <p:clrMapOvr>
-    <a:masterClrMapping/>
-  </p:clrMapOvr>
-  <p:timing>
-    <p:tnLst>
-      <p:par>
-        <p:cTn id="1" dur="indefinite" restart="never" nodeType="tmRoot"/>
-      </p:par>
-    </p:tnLst>
-  </p:timing>
-</p:sld>
-</file>
-
-<file path=ppt/slides/slide27.xml><?xml version="1.0" encoding="utf-8"?>
-<p:sld xmlns:a="http://schemas.openxmlformats.org/drawingml/2006/main" xmlns:r="http://schemas.openxmlformats.org/officeDocument/2006/relationships" xmlns:p="http://schemas.openxmlformats.org/presentationml/2006/main">
-  <p:cSld>
-    <p:spTree>
-      <p:nvGrpSpPr>
-        <p:cNvPr id="1" name=""/>
-        <p:cNvGrpSpPr/>
-        <p:nvPr/>
-      </p:nvGrpSpPr>
-      <p:grpSpPr>
-        <a:xfrm>
-          <a:off x="0" y="0"/>
-          <a:ext cx="0" cy="0"/>
-          <a:chOff x="0" y="0"/>
-          <a:chExt cx="0" cy="0"/>
-        </a:xfrm>
-      </p:grpSpPr>
-      <p:sp>
-        <p:nvSpPr>
-          <p:cNvPr id="2" name="Заголовок 1"/>
-          <p:cNvSpPr>
-            <a:spLocks noGrp="1"/>
-          </p:cNvSpPr>
-          <p:nvPr>
-            <p:ph type="title"/>
-          </p:nvPr>
-        </p:nvSpPr>
-        <p:spPr/>
-        <p:txBody>
-          <a:bodyPr>
-            <a:normAutofit/>
-          </a:bodyPr>
-          <a:lstStyle/>
-          <a:p>
-            <a:r>
-              <a:rPr lang="ru-RU" dirty="0" smtClean="0"/>
-              <a:t>Дальнейшее развитие проекта</a:t>
-            </a:r>
-            <a:endParaRPr lang="ru-RU" dirty="0"/>
-          </a:p>
-        </p:txBody>
-      </p:sp>
-      <p:sp>
-        <p:nvSpPr>
-          <p:cNvPr id="3" name="Содержимое 2"/>
-          <p:cNvSpPr>
-            <a:spLocks noGrp="1"/>
-          </p:cNvSpPr>
-          <p:nvPr>
-            <p:ph idx="1"/>
-          </p:nvPr>
-        </p:nvSpPr>
-        <p:spPr/>
-        <p:txBody>
-          <a:bodyPr>
-            <a:normAutofit/>
-          </a:bodyPr>
-          <a:lstStyle/>
-          <a:p>
-            <a:pPr marL="514350" indent="-514350">
-              <a:buNone/>
-            </a:pPr>
-            <a:r>
-              <a:rPr lang="ru-RU" dirty="0" smtClean="0"/>
-              <a:t>	Добавление </a:t>
-            </a:r>
-            <a:r>
-              <a:rPr lang="ru-RU" dirty="0"/>
-              <a:t>функциональной возможности отслеживать, какой пользователь был ответственен за какие </a:t>
-            </a:r>
-            <a:r>
-              <a:rPr lang="ru-RU" dirty="0" smtClean="0"/>
-              <a:t>изменения общего документа.</a:t>
+              <a:t>документа</a:t>
             </a:r>
             <a:endParaRPr lang="ru-RU" dirty="0"/>
           </a:p>
@@ -7369,294 +4787,6 @@
 </file>
 
 <file path=ppt/slides/slide3.xml><?xml version="1.0" encoding="utf-8"?>
-<p:sld xmlns:a="http://schemas.openxmlformats.org/drawingml/2006/main" xmlns:r="http://schemas.openxmlformats.org/officeDocument/2006/relationships" xmlns:p="http://schemas.openxmlformats.org/presentationml/2006/main">
-  <p:cSld>
-    <p:spTree>
-      <p:nvGrpSpPr>
-        <p:cNvPr id="1" name=""/>
-        <p:cNvGrpSpPr/>
-        <p:nvPr/>
-      </p:nvGrpSpPr>
-      <p:grpSpPr>
-        <a:xfrm>
-          <a:off x="0" y="0"/>
-          <a:ext cx="0" cy="0"/>
-          <a:chOff x="0" y="0"/>
-          <a:chExt cx="0" cy="0"/>
-        </a:xfrm>
-      </p:grpSpPr>
-      <p:sp>
-        <p:nvSpPr>
-          <p:cNvPr id="2" name="Заголовок 1"/>
-          <p:cNvSpPr>
-            <a:spLocks noGrp="1"/>
-          </p:cNvSpPr>
-          <p:nvPr>
-            <p:ph type="title"/>
-          </p:nvPr>
-        </p:nvSpPr>
-        <p:spPr/>
-        <p:txBody>
-          <a:bodyPr/>
-          <a:lstStyle/>
-          <a:p>
-            <a:r>
-              <a:rPr lang="ru-RU" dirty="0" smtClean="0"/>
-              <a:t>Задачи</a:t>
-            </a:r>
-            <a:endParaRPr lang="ru-RU" dirty="0"/>
-          </a:p>
-        </p:txBody>
-      </p:sp>
-      <p:sp>
-        <p:nvSpPr>
-          <p:cNvPr id="3" name="Содержимое 2"/>
-          <p:cNvSpPr>
-            <a:spLocks noGrp="1"/>
-          </p:cNvSpPr>
-          <p:nvPr>
-            <p:ph idx="1"/>
-          </p:nvPr>
-        </p:nvSpPr>
-        <p:spPr/>
-        <p:txBody>
-          <a:bodyPr>
-            <a:normAutofit/>
-          </a:bodyPr>
-          <a:lstStyle/>
-          <a:p>
-            <a:pPr marL="514350" lvl="0" indent="-514350">
-              <a:buFont typeface="+mj-lt"/>
-              <a:buAutoNum type="arabicPeriod"/>
-            </a:pPr>
-            <a:r>
-              <a:rPr lang="ru-RU" dirty="0" smtClean="0"/>
-              <a:t>Изучить подходы </a:t>
-            </a:r>
-            <a:r>
-              <a:rPr lang="ru-RU" dirty="0"/>
-              <a:t>к организации совместной </a:t>
-            </a:r>
-            <a:r>
-              <a:rPr lang="ru-RU" dirty="0" smtClean="0"/>
-              <a:t>работы.</a:t>
-            </a:r>
-            <a:endParaRPr lang="ru-RU" dirty="0"/>
-          </a:p>
-          <a:p>
-            <a:pPr marL="514350" lvl="0" indent="-514350">
-              <a:buFont typeface="+mj-lt"/>
-              <a:buAutoNum type="arabicPeriod"/>
-            </a:pPr>
-            <a:r>
-              <a:rPr lang="ru-RU" dirty="0" smtClean="0"/>
-              <a:t>Спроектировать </a:t>
-            </a:r>
-            <a:r>
-              <a:rPr lang="ru-RU" dirty="0"/>
-              <a:t>программное обеспечение, направленное на совместного редактирования </a:t>
-            </a:r>
-            <a:r>
-              <a:rPr lang="ru-RU" dirty="0" smtClean="0"/>
-              <a:t>текстов.</a:t>
-            </a:r>
-            <a:endParaRPr lang="ru-RU" dirty="0"/>
-          </a:p>
-          <a:p>
-            <a:pPr marL="514350" lvl="0" indent="-514350">
-              <a:buFont typeface="+mj-lt"/>
-              <a:buAutoNum type="arabicPeriod"/>
-            </a:pPr>
-            <a:r>
-              <a:rPr lang="ru-RU" dirty="0" smtClean="0"/>
-              <a:t>Реализовать </a:t>
-            </a:r>
-            <a:r>
-              <a:rPr lang="ru-RU" dirty="0"/>
-              <a:t>программный </a:t>
-            </a:r>
-            <a:r>
-              <a:rPr lang="ru-RU" dirty="0" smtClean="0"/>
-              <a:t>продукт.</a:t>
-            </a:r>
-            <a:endParaRPr lang="ru-RU" dirty="0"/>
-          </a:p>
-          <a:p>
-            <a:pPr marL="514350" lvl="0" indent="-514350">
-              <a:buFont typeface="+mj-lt"/>
-              <a:buAutoNum type="arabicPeriod"/>
-            </a:pPr>
-            <a:r>
-              <a:rPr lang="ru-RU" dirty="0" smtClean="0"/>
-              <a:t>Описать </a:t>
-            </a:r>
-            <a:r>
-              <a:rPr lang="ru-RU" dirty="0"/>
-              <a:t>созданное ПО.</a:t>
-            </a:r>
-          </a:p>
-          <a:p>
-            <a:pPr marL="514350" indent="-514350">
-              <a:buFont typeface="+mj-lt"/>
-              <a:buAutoNum type="arabicPeriod"/>
-            </a:pPr>
-            <a:endParaRPr lang="ru-RU" dirty="0"/>
-          </a:p>
-        </p:txBody>
-      </p:sp>
-    </p:spTree>
-  </p:cSld>
-  <p:clrMapOvr>
-    <a:masterClrMapping/>
-  </p:clrMapOvr>
-  <p:timing>
-    <p:tnLst>
-      <p:par>
-        <p:cTn id="1" dur="indefinite" restart="never" nodeType="tmRoot"/>
-      </p:par>
-    </p:tnLst>
-  </p:timing>
-</p:sld>
-</file>
-
-<file path=ppt/slides/slide4.xml><?xml version="1.0" encoding="utf-8"?>
-<p:sld xmlns:a="http://schemas.openxmlformats.org/drawingml/2006/main" xmlns:r="http://schemas.openxmlformats.org/officeDocument/2006/relationships" xmlns:p="http://schemas.openxmlformats.org/presentationml/2006/main">
-  <p:cSld>
-    <p:spTree>
-      <p:nvGrpSpPr>
-        <p:cNvPr id="1" name=""/>
-        <p:cNvGrpSpPr/>
-        <p:nvPr/>
-      </p:nvGrpSpPr>
-      <p:grpSpPr>
-        <a:xfrm>
-          <a:off x="0" y="0"/>
-          <a:ext cx="0" cy="0"/>
-          <a:chOff x="0" y="0"/>
-          <a:chExt cx="0" cy="0"/>
-        </a:xfrm>
-      </p:grpSpPr>
-      <p:sp>
-        <p:nvSpPr>
-          <p:cNvPr id="2" name="Заголовок 1"/>
-          <p:cNvSpPr>
-            <a:spLocks noGrp="1"/>
-          </p:cNvSpPr>
-          <p:nvPr>
-            <p:ph type="title"/>
-          </p:nvPr>
-        </p:nvSpPr>
-        <p:spPr/>
-        <p:txBody>
-          <a:bodyPr>
-            <a:normAutofit fontScale="90000"/>
-          </a:bodyPr>
-          <a:lstStyle/>
-          <a:p>
-            <a:r>
-              <a:rPr lang="ru-RU" dirty="0" smtClean="0"/>
-              <a:t>Требования к программному продукту</a:t>
-            </a:r>
-            <a:endParaRPr lang="ru-RU" dirty="0"/>
-          </a:p>
-        </p:txBody>
-      </p:sp>
-      <p:sp>
-        <p:nvSpPr>
-          <p:cNvPr id="3" name="Содержимое 2"/>
-          <p:cNvSpPr>
-            <a:spLocks noGrp="1"/>
-          </p:cNvSpPr>
-          <p:nvPr>
-            <p:ph idx="1"/>
-          </p:nvPr>
-        </p:nvSpPr>
-        <p:spPr>
-          <a:xfrm>
-            <a:off x="457200" y="1600200"/>
-            <a:ext cx="8363272" cy="4525963"/>
-          </a:xfrm>
-        </p:spPr>
-        <p:txBody>
-          <a:bodyPr>
-            <a:normAutofit fontScale="92500"/>
-          </a:bodyPr>
-          <a:lstStyle/>
-          <a:p>
-            <a:pPr marL="514350" indent="-514350">
-              <a:buFont typeface="+mj-lt"/>
-              <a:buAutoNum type="arabicPeriod"/>
-            </a:pPr>
-            <a:r>
-              <a:rPr lang="ru-RU" dirty="0" smtClean="0"/>
-              <a:t>Реализация в виде расширения редактора </a:t>
-            </a:r>
-            <a:r>
-              <a:rPr lang="en-US" dirty="0" smtClean="0"/>
-              <a:t>Sublime Text</a:t>
-            </a:r>
-            <a:r>
-              <a:rPr lang="ru-RU" dirty="0" smtClean="0"/>
-              <a:t>.</a:t>
-            </a:r>
-          </a:p>
-          <a:p>
-            <a:pPr marL="514350" indent="-514350">
-              <a:buFont typeface="+mj-lt"/>
-              <a:buAutoNum type="arabicPeriod"/>
-            </a:pPr>
-            <a:r>
-              <a:rPr lang="ru-RU" dirty="0" smtClean="0"/>
-              <a:t>Автоматический режим синхронизации текста.</a:t>
-            </a:r>
-          </a:p>
-          <a:p>
-            <a:pPr marL="514350" indent="-514350">
-              <a:buFont typeface="+mj-lt"/>
-              <a:buAutoNum type="arabicPeriod"/>
-            </a:pPr>
-            <a:r>
-              <a:rPr lang="ru-RU" dirty="0"/>
-              <a:t>П</a:t>
-            </a:r>
-            <a:r>
-              <a:rPr lang="ru-RU" dirty="0" smtClean="0"/>
-              <a:t>оддержка модульности исходного кода с целью его повторного использования в качестве расширения к другим текстовым редакторам.</a:t>
-            </a:r>
-          </a:p>
-          <a:p>
-            <a:pPr marL="514350" indent="-514350">
-              <a:buFont typeface="+mj-lt"/>
-              <a:buAutoNum type="arabicPeriod"/>
-            </a:pPr>
-            <a:r>
-              <a:rPr lang="ru-RU" dirty="0"/>
-              <a:t>В</a:t>
-            </a:r>
-            <a:r>
-              <a:rPr lang="ru-RU" dirty="0" smtClean="0"/>
-              <a:t>озможность поиска ожидающего компьютера в локальной сети.</a:t>
-            </a:r>
-            <a:endParaRPr lang="ru-RU" dirty="0"/>
-          </a:p>
-        </p:txBody>
-      </p:sp>
-    </p:spTree>
-  </p:cSld>
-  <p:clrMapOvr>
-    <a:masterClrMapping/>
-  </p:clrMapOvr>
-  <p:timing>
-    <p:tnLst>
-      <p:par>
-        <p:cTn id="1" dur="indefinite" restart="never" nodeType="tmRoot"/>
-      </p:par>
-    </p:tnLst>
-  </p:timing>
-</p:sld>
-</file>
-
-<file path=ppt/slides/slide5.xml><?xml version="1.0" encoding="utf-8"?>
 <p:sld xmlns:a="http://schemas.openxmlformats.org/drawingml/2006/main" xmlns:r="http://schemas.openxmlformats.org/officeDocument/2006/relationships" xmlns:p="http://schemas.openxmlformats.org/presentationml/2006/main">
   <p:cSld>
     <p:spTree>
@@ -7825,6 +4955,256 @@
 </p:sld>
 </file>
 
+<file path=ppt/slides/slide4.xml><?xml version="1.0" encoding="utf-8"?>
+<p:sld xmlns:a="http://schemas.openxmlformats.org/drawingml/2006/main" xmlns:r="http://schemas.openxmlformats.org/officeDocument/2006/relationships" xmlns:p="http://schemas.openxmlformats.org/presentationml/2006/main" show="0">
+  <p:cSld>
+    <p:spTree>
+      <p:nvGrpSpPr>
+        <p:cNvPr id="1" name=""/>
+        <p:cNvGrpSpPr/>
+        <p:nvPr/>
+      </p:nvGrpSpPr>
+      <p:grpSpPr>
+        <a:xfrm>
+          <a:off x="0" y="0"/>
+          <a:ext cx="0" cy="0"/>
+          <a:chOff x="0" y="0"/>
+          <a:chExt cx="0" cy="0"/>
+        </a:xfrm>
+      </p:grpSpPr>
+      <p:sp>
+        <p:nvSpPr>
+          <p:cNvPr id="2" name="Заголовок 1"/>
+          <p:cNvSpPr>
+            <a:spLocks noGrp="1"/>
+          </p:cNvSpPr>
+          <p:nvPr>
+            <p:ph type="title"/>
+          </p:nvPr>
+        </p:nvSpPr>
+        <p:spPr/>
+        <p:txBody>
+          <a:bodyPr/>
+          <a:lstStyle/>
+          <a:p>
+            <a:r>
+              <a:rPr lang="ru-RU" dirty="0" smtClean="0"/>
+              <a:t>Вдохновители</a:t>
+            </a:r>
+            <a:endParaRPr lang="ru-RU" dirty="0"/>
+          </a:p>
+        </p:txBody>
+      </p:sp>
+      <p:sp>
+        <p:nvSpPr>
+          <p:cNvPr id="3" name="Содержимое 2"/>
+          <p:cNvSpPr>
+            <a:spLocks noGrp="1"/>
+          </p:cNvSpPr>
+          <p:nvPr>
+            <p:ph idx="1"/>
+          </p:nvPr>
+        </p:nvSpPr>
+        <p:spPr/>
+        <p:txBody>
+          <a:bodyPr/>
+          <a:lstStyle/>
+          <a:p>
+            <a:r>
+              <a:rPr lang="en-US" dirty="0" smtClean="0"/>
+              <a:t>Microsoft Word - </a:t>
+            </a:r>
+            <a:r>
+              <a:rPr lang="ru-RU" dirty="0" smtClean="0"/>
+              <a:t>блокировки</a:t>
+            </a:r>
+            <a:endParaRPr lang="en-US" dirty="0" smtClean="0"/>
+          </a:p>
+          <a:p>
+            <a:r>
+              <a:rPr lang="en-US" dirty="0" err="1" smtClean="0"/>
+              <a:t>Git</a:t>
+            </a:r>
+            <a:r>
+              <a:rPr lang="ru-RU" dirty="0" smtClean="0"/>
+              <a:t> – копирование – изменение - слияние</a:t>
+            </a:r>
+            <a:endParaRPr lang="en-US" dirty="0" smtClean="0"/>
+          </a:p>
+          <a:p>
+            <a:r>
+              <a:rPr lang="en-US" dirty="0" smtClean="0"/>
+              <a:t>Google Wave</a:t>
+            </a:r>
+            <a:r>
+              <a:rPr lang="ru-RU" dirty="0" smtClean="0"/>
+              <a:t> – </a:t>
+            </a:r>
+            <a:r>
+              <a:rPr lang="ru-RU" dirty="0" err="1" smtClean="0"/>
+              <a:t>зеркализация</a:t>
+            </a:r>
+            <a:r>
+              <a:rPr lang="ru-RU" dirty="0" smtClean="0"/>
+              <a:t> и </a:t>
+            </a:r>
+            <a:r>
+              <a:rPr lang="ru-RU" dirty="0" err="1" smtClean="0"/>
+              <a:t>операциональное</a:t>
+            </a:r>
+            <a:r>
+              <a:rPr lang="ru-RU" dirty="0" smtClean="0"/>
+              <a:t> преобразование</a:t>
+            </a:r>
+            <a:endParaRPr lang="ru-RU" dirty="0"/>
+          </a:p>
+        </p:txBody>
+      </p:sp>
+    </p:spTree>
+  </p:cSld>
+  <p:clrMapOvr>
+    <a:masterClrMapping/>
+  </p:clrMapOvr>
+  <p:transition/>
+  <p:timing>
+    <p:tnLst>
+      <p:par>
+        <p:cTn id="1" dur="indefinite" restart="never" nodeType="tmRoot"/>
+      </p:par>
+    </p:tnLst>
+  </p:timing>
+</p:sld>
+</file>
+
+<file path=ppt/slides/slide5.xml><?xml version="1.0" encoding="utf-8"?>
+<p:sld xmlns:a="http://schemas.openxmlformats.org/drawingml/2006/main" xmlns:r="http://schemas.openxmlformats.org/officeDocument/2006/relationships" xmlns:p="http://schemas.openxmlformats.org/presentationml/2006/main" show="0">
+  <p:cSld>
+    <p:spTree>
+      <p:nvGrpSpPr>
+        <p:cNvPr id="1" name=""/>
+        <p:cNvGrpSpPr/>
+        <p:nvPr/>
+      </p:nvGrpSpPr>
+      <p:grpSpPr>
+        <a:xfrm>
+          <a:off x="0" y="0"/>
+          <a:ext cx="0" cy="0"/>
+          <a:chOff x="0" y="0"/>
+          <a:chExt cx="0" cy="0"/>
+        </a:xfrm>
+      </p:grpSpPr>
+      <p:sp>
+        <p:nvSpPr>
+          <p:cNvPr id="2" name="Заголовок 1"/>
+          <p:cNvSpPr>
+            <a:spLocks noGrp="1"/>
+          </p:cNvSpPr>
+          <p:nvPr>
+            <p:ph type="title"/>
+          </p:nvPr>
+        </p:nvSpPr>
+        <p:spPr/>
+        <p:txBody>
+          <a:bodyPr/>
+          <a:lstStyle/>
+          <a:p>
+            <a:r>
+              <a:rPr lang="ru-RU" dirty="0" err="1" smtClean="0"/>
+              <a:t>Фичи</a:t>
+            </a:r>
+            <a:r>
+              <a:rPr lang="ru-RU" dirty="0" smtClean="0"/>
+              <a:t> работы</a:t>
+            </a:r>
+            <a:endParaRPr lang="ru-RU" dirty="0"/>
+          </a:p>
+        </p:txBody>
+      </p:sp>
+      <p:sp>
+        <p:nvSpPr>
+          <p:cNvPr id="3" name="Содержимое 2"/>
+          <p:cNvSpPr>
+            <a:spLocks noGrp="1"/>
+          </p:cNvSpPr>
+          <p:nvPr>
+            <p:ph idx="1"/>
+          </p:nvPr>
+        </p:nvSpPr>
+        <p:spPr/>
+        <p:txBody>
+          <a:bodyPr>
+            <a:normAutofit lnSpcReduction="10000"/>
+          </a:bodyPr>
+          <a:lstStyle/>
+          <a:p>
+            <a:r>
+              <a:rPr lang="ru-RU" dirty="0" smtClean="0"/>
+              <a:t>Координатор</a:t>
+            </a:r>
+          </a:p>
+          <a:p>
+            <a:r>
+              <a:rPr lang="en-US" dirty="0" smtClean="0"/>
+              <a:t>Sublime Text, Python</a:t>
+            </a:r>
+            <a:endParaRPr lang="ru-RU" dirty="0" smtClean="0"/>
+          </a:p>
+          <a:p>
+            <a:r>
+              <a:rPr lang="en-US" dirty="0" smtClean="0"/>
+              <a:t>Sublime Text = </a:t>
+            </a:r>
+            <a:r>
+              <a:rPr lang="ru-RU" dirty="0" smtClean="0"/>
+              <a:t>редактор для программистов</a:t>
+            </a:r>
+            <a:endParaRPr lang="en-US" dirty="0" smtClean="0"/>
+          </a:p>
+          <a:p>
+            <a:r>
+              <a:rPr lang="en-US" dirty="0" smtClean="0"/>
+              <a:t>LAN</a:t>
+            </a:r>
+          </a:p>
+          <a:p>
+            <a:r>
+              <a:rPr lang="ru-RU" dirty="0" smtClean="0"/>
+              <a:t>Оригинальный алгоритм</a:t>
+            </a:r>
+          </a:p>
+          <a:p>
+            <a:r>
+              <a:rPr lang="ru-RU" dirty="0" smtClean="0"/>
+              <a:t>Есть учет ошибок (проблема –решение)</a:t>
+            </a:r>
+          </a:p>
+          <a:p>
+            <a:endParaRPr lang="ru-RU" dirty="0" smtClean="0"/>
+          </a:p>
+          <a:p>
+            <a:r>
+              <a:rPr lang="ru-RU" dirty="0" smtClean="0"/>
+              <a:t>Ограничения и области применения</a:t>
+            </a:r>
+          </a:p>
+        </p:txBody>
+      </p:sp>
+    </p:spTree>
+  </p:cSld>
+  <p:clrMapOvr>
+    <a:masterClrMapping/>
+  </p:clrMapOvr>
+  <p:transition/>
+  <p:timing>
+    <p:tnLst>
+      <p:par>
+        <p:cTn id="1" dur="indefinite" restart="never" nodeType="tmRoot"/>
+      </p:par>
+    </p:tnLst>
+  </p:timing>
+</p:sld>
+</file>
+
 <file path=ppt/slides/slide6.xml><?xml version="1.0" encoding="utf-8"?>
 <p:sld xmlns:a="http://schemas.openxmlformats.org/drawingml/2006/main" xmlns:r="http://schemas.openxmlformats.org/officeDocument/2006/relationships" xmlns:p="http://schemas.openxmlformats.org/presentationml/2006/main">
   <p:cSld>
@@ -7844,7 +5224,7 @@
       </p:grpSpPr>
       <p:sp>
         <p:nvSpPr>
-          <p:cNvPr id="4" name="Заголовок 3"/>
+          <p:cNvPr id="2" name="Заголовок 1"/>
           <p:cNvSpPr>
             <a:spLocks noGrp="1"/>
           </p:cNvSpPr>
@@ -7859,7 +5239,7 @@
           <a:p>
             <a:r>
               <a:rPr lang="ru-RU" dirty="0" smtClean="0"/>
-              <a:t>алгоритм</a:t>
+              <a:t>Подходы к решению</a:t>
             </a:r>
             <a:endParaRPr lang="ru-RU" dirty="0"/>
           </a:p>
@@ -7867,7 +5247,7 @@
       </p:sp>
       <p:sp>
         <p:nvSpPr>
-          <p:cNvPr id="5" name="Текст 4"/>
+          <p:cNvPr id="4" name="Текст 3"/>
           <p:cNvSpPr>
             <a:spLocks noGrp="1"/>
           </p:cNvSpPr>
@@ -7875,19 +5255,192 @@
             <p:ph type="body" idx="1"/>
           </p:nvPr>
         </p:nvSpPr>
-        <p:spPr/>
-        <p:txBody>
-          <a:bodyPr/>
+        <p:spPr>
+          <a:xfrm>
+            <a:off x="323528" y="1556791"/>
+            <a:ext cx="4186808" cy="618083"/>
+          </a:xfrm>
+        </p:spPr>
+        <p:txBody>
+          <a:bodyPr>
+            <a:noAutofit/>
+          </a:bodyPr>
           <a:lstStyle/>
           <a:p>
             <a:r>
               <a:rPr lang="ru-RU" dirty="0" smtClean="0"/>
-              <a:t>Как это работает</a:t>
+              <a:t>Блокировка редактирования</a:t>
             </a:r>
             <a:endParaRPr lang="ru-RU" dirty="0"/>
           </a:p>
         </p:txBody>
       </p:sp>
+      <p:sp>
+        <p:nvSpPr>
+          <p:cNvPr id="5" name="Содержимое 4"/>
+          <p:cNvSpPr>
+            <a:spLocks noGrp="1"/>
+          </p:cNvSpPr>
+          <p:nvPr>
+            <p:ph sz="half" idx="2"/>
+          </p:nvPr>
+        </p:nvSpPr>
+        <p:spPr>
+          <a:xfrm>
+            <a:off x="323528" y="2174875"/>
+            <a:ext cx="4040188" cy="3951288"/>
+          </a:xfrm>
+        </p:spPr>
+        <p:txBody>
+          <a:bodyPr/>
+          <a:lstStyle/>
+          <a:p>
+            <a:pPr marL="0" indent="0">
+              <a:buNone/>
+            </a:pPr>
+            <a:endParaRPr lang="en-US" dirty="0" smtClean="0"/>
+          </a:p>
+          <a:p>
+            <a:pPr marL="0" indent="0">
+              <a:buNone/>
+            </a:pPr>
+            <a:r>
+              <a:rPr lang="ru-RU" dirty="0" smtClean="0"/>
+              <a:t>Заставляет ждать остальных писателей</a:t>
+            </a:r>
+            <a:endParaRPr lang="en-US" dirty="0" smtClean="0"/>
+          </a:p>
+          <a:p>
+            <a:pPr marL="0" indent="0">
+              <a:buNone/>
+            </a:pPr>
+            <a:endParaRPr lang="ru-RU" dirty="0" smtClean="0"/>
+          </a:p>
+          <a:p>
+            <a:pPr marL="0" indent="0">
+              <a:buNone/>
+            </a:pPr>
+            <a:r>
+              <a:rPr lang="ru-RU" dirty="0" smtClean="0"/>
+              <a:t>Пример: </a:t>
+            </a:r>
+            <a:r>
+              <a:rPr lang="en-US" dirty="0" smtClean="0"/>
+              <a:t>Microsoft Word</a:t>
+            </a:r>
+            <a:endParaRPr lang="ru-RU" dirty="0"/>
+          </a:p>
+        </p:txBody>
+      </p:sp>
+      <p:sp>
+        <p:nvSpPr>
+          <p:cNvPr id="6" name="Текст 5"/>
+          <p:cNvSpPr>
+            <a:spLocks noGrp="1"/>
+          </p:cNvSpPr>
+          <p:nvPr>
+            <p:ph type="body" sz="quarter" idx="3"/>
+          </p:nvPr>
+        </p:nvSpPr>
+        <p:spPr/>
+        <p:txBody>
+          <a:bodyPr/>
+          <a:lstStyle/>
+          <a:p>
+            <a:r>
+              <a:rPr lang="ru-RU" dirty="0" err="1" smtClean="0"/>
+              <a:t>Зеркализация</a:t>
+            </a:r>
+            <a:r>
+              <a:rPr lang="ru-RU" dirty="0" smtClean="0"/>
+              <a:t> команд</a:t>
+            </a:r>
+            <a:endParaRPr lang="ru-RU" dirty="0"/>
+          </a:p>
+        </p:txBody>
+      </p:sp>
+      <p:sp>
+        <p:nvSpPr>
+          <p:cNvPr id="7" name="Содержимое 6"/>
+          <p:cNvSpPr>
+            <a:spLocks noGrp="1"/>
+          </p:cNvSpPr>
+          <p:nvPr>
+            <p:ph sz="quarter" idx="4"/>
+          </p:nvPr>
+        </p:nvSpPr>
+        <p:spPr/>
+        <p:txBody>
+          <a:bodyPr/>
+          <a:lstStyle/>
+          <a:p>
+            <a:pPr>
+              <a:buNone/>
+            </a:pPr>
+            <a:endParaRPr lang="en-US" dirty="0" smtClean="0"/>
+          </a:p>
+          <a:p>
+            <a:pPr marL="0" indent="0">
+              <a:buNone/>
+            </a:pPr>
+            <a:r>
+              <a:rPr lang="ru-RU" dirty="0" smtClean="0"/>
+              <a:t>Большая сложность,             нет гибкости</a:t>
+            </a:r>
+          </a:p>
+          <a:p>
+            <a:pPr marL="0" indent="0">
+              <a:buNone/>
+            </a:pPr>
+            <a:endParaRPr lang="ru-RU" dirty="0" smtClean="0"/>
+          </a:p>
+          <a:p>
+            <a:pPr marL="0" indent="0">
+              <a:buNone/>
+            </a:pPr>
+            <a:r>
+              <a:rPr lang="ru-RU" dirty="0" smtClean="0"/>
+              <a:t>Пример: </a:t>
+            </a:r>
+            <a:r>
+              <a:rPr lang="en-US" dirty="0" smtClean="0"/>
+              <a:t>Google Wave</a:t>
+            </a:r>
+            <a:endParaRPr lang="ru-RU" dirty="0"/>
+          </a:p>
+        </p:txBody>
+      </p:sp>
+      <p:cxnSp>
+        <p:nvCxnSpPr>
+          <p:cNvPr id="9" name="Прямая соединительная линия 8"/>
+          <p:cNvCxnSpPr/>
+          <p:nvPr/>
+        </p:nvCxnSpPr>
+        <p:spPr>
+          <a:xfrm>
+            <a:off x="4499992" y="1772816"/>
+            <a:ext cx="70991" cy="3302198"/>
+          </a:xfrm>
+          <a:prstGeom prst="line">
+            <a:avLst/>
+          </a:prstGeom>
+          <a:ln/>
+        </p:spPr>
+        <p:style>
+          <a:lnRef idx="3">
+            <a:schemeClr val="dk1"/>
+          </a:lnRef>
+          <a:fillRef idx="0">
+            <a:schemeClr val="dk1"/>
+          </a:fillRef>
+          <a:effectRef idx="2">
+            <a:schemeClr val="dk1"/>
+          </a:effectRef>
+          <a:fontRef idx="minor">
+            <a:schemeClr val="tx1"/>
+          </a:fontRef>
+        </p:style>
+      </p:cxnSp>
     </p:spTree>
   </p:cSld>
   <p:clrMapOvr>
@@ -7896,9 +5449,174 @@
   <p:timing>
     <p:tnLst>
       <p:par>
-        <p:cTn id="1" dur="indefinite" restart="never" nodeType="tmRoot"/>
+        <p:cTn id="1" dur="indefinite" restart="never" nodeType="tmRoot">
+          <p:childTnLst>
+            <p:seq concurrent="1" nextAc="seek">
+              <p:cTn id="2" dur="indefinite" nodeType="mainSeq">
+                <p:childTnLst>
+                  <p:par>
+                    <p:cTn id="3" fill="hold">
+                      <p:stCondLst>
+                        <p:cond delay="indefinite"/>
+                      </p:stCondLst>
+                      <p:childTnLst>
+                        <p:par>
+                          <p:cTn id="4" fill="hold">
+                            <p:stCondLst>
+                              <p:cond delay="0"/>
+                            </p:stCondLst>
+                            <p:childTnLst>
+                              <p:par>
+                                <p:cTn id="5" presetID="1" presetClass="entr" presetSubtype="0" fill="hold" grpId="0" nodeType="clickEffect">
+                                  <p:stCondLst>
+                                    <p:cond delay="0"/>
+                                  </p:stCondLst>
+                                  <p:childTnLst>
+                                    <p:set>
+                                      <p:cBhvr>
+                                        <p:cTn id="6" dur="1" fill="hold">
+                                          <p:stCondLst>
+                                            <p:cond delay="0"/>
+                                          </p:stCondLst>
+                                        </p:cTn>
+                                        <p:tgtEl>
+                                          <p:spTgt spid="6">
+                                            <p:txEl>
+                                              <p:pRg st="0" end="0"/>
+                                            </p:txEl>
+                                          </p:spTgt>
+                                        </p:tgtEl>
+                                        <p:attrNameLst>
+                                          <p:attrName>style.visibility</p:attrName>
+                                        </p:attrNameLst>
+                                      </p:cBhvr>
+                                      <p:to>
+                                        <p:strVal val="visible"/>
+                                      </p:to>
+                                    </p:set>
+                                  </p:childTnLst>
+                                </p:cTn>
+                              </p:par>
+                              <p:par>
+                                <p:cTn id="7" presetID="1" presetClass="entr" presetSubtype="0" fill="hold" grpId="0" nodeType="withEffect">
+                                  <p:stCondLst>
+                                    <p:cond delay="0"/>
+                                  </p:stCondLst>
+                                  <p:childTnLst>
+                                    <p:set>
+                                      <p:cBhvr>
+                                        <p:cTn id="8" dur="1" fill="hold">
+                                          <p:stCondLst>
+                                            <p:cond delay="0"/>
+                                          </p:stCondLst>
+                                        </p:cTn>
+                                        <p:tgtEl>
+                                          <p:spTgt spid="7">
+                                            <p:txEl>
+                                              <p:pRg st="1" end="1"/>
+                                            </p:txEl>
+                                          </p:spTgt>
+                                        </p:tgtEl>
+                                        <p:attrNameLst>
+                                          <p:attrName>style.visibility</p:attrName>
+                                        </p:attrNameLst>
+                                      </p:cBhvr>
+                                      <p:to>
+                                        <p:strVal val="visible"/>
+                                      </p:to>
+                                    </p:set>
+                                  </p:childTnLst>
+                                </p:cTn>
+                              </p:par>
+                              <p:par>
+                                <p:cTn id="9" presetID="1" presetClass="entr" presetSubtype="0" fill="hold" grpId="0" nodeType="withEffect">
+                                  <p:stCondLst>
+                                    <p:cond delay="0"/>
+                                  </p:stCondLst>
+                                  <p:childTnLst>
+                                    <p:set>
+                                      <p:cBhvr>
+                                        <p:cTn id="10" dur="1" fill="hold">
+                                          <p:stCondLst>
+                                            <p:cond delay="0"/>
+                                          </p:stCondLst>
+                                        </p:cTn>
+                                        <p:tgtEl>
+                                          <p:spTgt spid="7">
+                                            <p:txEl>
+                                              <p:pRg st="3" end="3"/>
+                                            </p:txEl>
+                                          </p:spTgt>
+                                        </p:tgtEl>
+                                        <p:attrNameLst>
+                                          <p:attrName>style.visibility</p:attrName>
+                                        </p:attrNameLst>
+                                      </p:cBhvr>
+                                      <p:to>
+                                        <p:strVal val="visible"/>
+                                      </p:to>
+                                    </p:set>
+                                  </p:childTnLst>
+                                </p:cTn>
+                              </p:par>
+                              <p:par>
+                                <p:cTn id="11" presetID="1" presetClass="entr" presetSubtype="0" fill="hold" nodeType="withEffect">
+                                  <p:stCondLst>
+                                    <p:cond delay="0"/>
+                                  </p:stCondLst>
+                                  <p:childTnLst>
+                                    <p:set>
+                                      <p:cBhvr>
+                                        <p:cTn id="12" dur="1" fill="hold">
+                                          <p:stCondLst>
+                                            <p:cond delay="0"/>
+                                          </p:stCondLst>
+                                        </p:cTn>
+                                        <p:tgtEl>
+                                          <p:spTgt spid="9"/>
+                                        </p:tgtEl>
+                                        <p:attrNameLst>
+                                          <p:attrName>style.visibility</p:attrName>
+                                        </p:attrNameLst>
+                                      </p:cBhvr>
+                                      <p:to>
+                                        <p:strVal val="visible"/>
+                                      </p:to>
+                                    </p:set>
+                                  </p:childTnLst>
+                                </p:cTn>
+                              </p:par>
+                            </p:childTnLst>
+                          </p:cTn>
+                        </p:par>
+                      </p:childTnLst>
+                    </p:cTn>
+                  </p:par>
+                </p:childTnLst>
+              </p:cTn>
+              <p:prevCondLst>
+                <p:cond evt="onPrev" delay="0">
+                  <p:tgtEl>
+                    <p:sldTgt/>
+                  </p:tgtEl>
+                </p:cond>
+              </p:prevCondLst>
+              <p:nextCondLst>
+                <p:cond evt="onNext" delay="0">
+                  <p:tgtEl>
+                    <p:sldTgt/>
+                  </p:tgtEl>
+                </p:cond>
+              </p:nextCondLst>
+            </p:seq>
+          </p:childTnLst>
+        </p:cTn>
       </p:par>
     </p:tnLst>
+    <p:bldLst>
+      <p:bldP spid="6" grpId="0" build="p"/>
+      <p:bldP spid="7" grpId="0" uiExpand="1" build="p"/>
+    </p:bldLst>
   </p:timing>
 </p:sld>
 </file>
@@ -7932,118 +5650,192 @@
         </p:nvSpPr>
         <p:spPr/>
         <p:txBody>
-          <a:bodyPr/>
+          <a:bodyPr>
+            <a:normAutofit fontScale="90000"/>
+          </a:bodyPr>
           <a:lstStyle/>
           <a:p>
             <a:r>
               <a:rPr lang="ru-RU" dirty="0" smtClean="0"/>
-              <a:t>Алгоритм</a:t>
-            </a:r>
-            <a:r>
-              <a:rPr lang="en-US" dirty="0" smtClean="0"/>
-              <a:t> (</a:t>
-            </a:r>
+              <a:t>«Копирование — изменение — слияние»</a:t>
+            </a:r>
+            <a:endParaRPr lang="ru-RU" dirty="0"/>
+          </a:p>
+        </p:txBody>
+      </p:sp>
+      <p:sp>
+        <p:nvSpPr>
+          <p:cNvPr id="7" name="Содержимое 6"/>
+          <p:cNvSpPr>
+            <a:spLocks noGrp="1"/>
+          </p:cNvSpPr>
+          <p:nvPr>
+            <p:ph idx="1"/>
+          </p:nvPr>
+        </p:nvSpPr>
+        <p:spPr/>
+        <p:txBody>
+          <a:bodyPr/>
+          <a:lstStyle/>
+          <a:p>
+            <a:pPr>
+              <a:buNone/>
+            </a:pPr>
             <a:r>
               <a:rPr lang="ru-RU" dirty="0" smtClean="0"/>
-              <a:t>часть 1</a:t>
-            </a:r>
-            <a:r>
-              <a:rPr lang="en-US" dirty="0" smtClean="0"/>
-              <a:t>)</a:t>
-            </a:r>
-            <a:endParaRPr lang="ru-RU" dirty="0">
-              <a:latin typeface="Times New Roman" pitchFamily="18" charset="0"/>
-              <a:cs typeface="Times New Roman" pitchFamily="18" charset="0"/>
+              <a:t>Без блокировок на редактирование</a:t>
+            </a:r>
+          </a:p>
+          <a:p>
+            <a:pPr>
+              <a:buNone/>
+            </a:pPr>
+            <a:endParaRPr lang="ru-RU" dirty="0" smtClean="0"/>
+          </a:p>
+          <a:p>
+            <a:pPr>
+              <a:buNone/>
+            </a:pPr>
+            <a:r>
+              <a:rPr lang="ru-RU" dirty="0" smtClean="0"/>
+              <a:t>Пример: </a:t>
+            </a:r>
+            <a:r>
+              <a:rPr lang="en-US" dirty="0" err="1" smtClean="0"/>
+              <a:t>Git</a:t>
+            </a:r>
+            <a:endParaRPr lang="ru-RU" dirty="0" smtClean="0"/>
+          </a:p>
+          <a:p>
+            <a:pPr>
+              <a:buNone/>
+            </a:pPr>
+            <a:endParaRPr lang="ru-RU" dirty="0" smtClean="0"/>
+          </a:p>
+          <a:p>
+            <a:pPr>
+              <a:buNone/>
+            </a:pPr>
+            <a:r>
+              <a:rPr lang="ru-RU" b="1" dirty="0" smtClean="0">
+                <a:solidFill>
+                  <a:srgbClr val="C00000"/>
+                </a:solidFill>
+              </a:rPr>
+              <a:t>Проблема: </a:t>
+            </a:r>
+            <a:r>
+              <a:rPr lang="ru-RU" b="1" dirty="0" smtClean="0">
+                <a:solidFill>
+                  <a:srgbClr val="C00000"/>
+                </a:solidFill>
+              </a:rPr>
+              <a:t>конфликты </a:t>
+            </a:r>
+            <a:r>
+              <a:rPr lang="ru-RU" b="1" dirty="0" smtClean="0">
+                <a:solidFill>
+                  <a:srgbClr val="C00000"/>
+                </a:solidFill>
+              </a:rPr>
+              <a:t>двойной записи</a:t>
+            </a:r>
+            <a:endParaRPr lang="ru-RU" b="1" dirty="0">
+              <a:solidFill>
+                <a:srgbClr val="C00000"/>
+              </a:solidFill>
             </a:endParaRPr>
           </a:p>
         </p:txBody>
       </p:sp>
-      <p:pic>
-        <p:nvPicPr>
-          <p:cNvPr id="8" name="Содержимое 7" descr="алгоритм2.png"/>
-          <p:cNvPicPr>
-            <a:picLocks noGrp="1" noChangeAspect="1"/>
-          </p:cNvPicPr>
-          <p:nvPr>
-            <p:ph idx="1"/>
-          </p:nvPr>
-        </p:nvPicPr>
-        <p:blipFill>
-          <a:blip r:embed="rId2" cstate="print"/>
-          <a:srcRect r="12903" b="57016"/>
-          <a:stretch>
-            <a:fillRect/>
-          </a:stretch>
-        </p:blipFill>
+      <p:sp>
+        <p:nvSpPr>
+          <p:cNvPr id="11" name="Полилиния 10"/>
+          <p:cNvSpPr/>
+          <p:nvPr/>
+        </p:nvSpPr>
         <p:spPr>
           <a:xfrm>
-            <a:off x="251520" y="1268760"/>
-            <a:ext cx="8568952" cy="4685158"/>
+            <a:off x="395536" y="4509120"/>
+            <a:ext cx="7409329" cy="94130"/>
           </a:xfrm>
-        </p:spPr>
-      </p:pic>
-      <p:sp>
-        <p:nvSpPr>
-          <p:cNvPr id="4" name="TextBox 3"/>
-          <p:cNvSpPr txBox="1"/>
-          <p:nvPr/>
-        </p:nvSpPr>
-        <p:spPr>
-          <a:xfrm>
-            <a:off x="2411760" y="6093296"/>
-            <a:ext cx="1944216" cy="369332"/>
-          </a:xfrm>
-          <a:prstGeom prst="rect">
+          <a:custGeom>
             <a:avLst/>
-          </a:prstGeom>
-          <a:noFill/>
+            <a:gdLst>
+              <a:gd name="connsiteX0" fmla="*/ 0 w 7409329"/>
+              <a:gd name="connsiteY0" fmla="*/ 94130 h 94130"/>
+              <a:gd name="connsiteX1" fmla="*/ 3092823 w 7409329"/>
+              <a:gd name="connsiteY1" fmla="*/ 0 h 94130"/>
+              <a:gd name="connsiteX2" fmla="*/ 5459506 w 7409329"/>
+              <a:gd name="connsiteY2" fmla="*/ 26894 h 94130"/>
+              <a:gd name="connsiteX3" fmla="*/ 7409329 w 7409329"/>
+              <a:gd name="connsiteY3" fmla="*/ 94130 h 94130"/>
+              <a:gd name="connsiteX4" fmla="*/ 7409329 w 7409329"/>
+              <a:gd name="connsiteY4" fmla="*/ 94130 h 94130"/>
+            </a:gdLst>
+            <a:ahLst/>
+            <a:cxnLst>
+              <a:cxn ang="0">
+                <a:pos x="connsiteX0" y="connsiteY0"/>
+              </a:cxn>
+              <a:cxn ang="0">
+                <a:pos x="connsiteX1" y="connsiteY1"/>
+              </a:cxn>
+              <a:cxn ang="0">
+                <a:pos x="connsiteX2" y="connsiteY2"/>
+              </a:cxn>
+              <a:cxn ang="0">
+                <a:pos x="connsiteX3" y="connsiteY3"/>
+              </a:cxn>
+              <a:cxn ang="0">
+                <a:pos x="connsiteX4" y="connsiteY4"/>
+              </a:cxn>
+            </a:cxnLst>
+            <a:rect l="l" t="t" r="r" b="b"/>
+            <a:pathLst>
+              <a:path w="7409329" h="94130">
+                <a:moveTo>
+                  <a:pt x="0" y="94130"/>
+                </a:moveTo>
+                <a:lnTo>
+                  <a:pt x="3092823" y="0"/>
+                </a:lnTo>
+                <a:lnTo>
+                  <a:pt x="5459506" y="26894"/>
+                </a:lnTo>
+                <a:cubicBezTo>
+                  <a:pt x="6178924" y="42582"/>
+                  <a:pt x="7409329" y="94130"/>
+                  <a:pt x="7409329" y="94130"/>
+                </a:cubicBezTo>
+                <a:lnTo>
+                  <a:pt x="7409329" y="94130"/>
+                </a:lnTo>
+              </a:path>
+            </a:pathLst>
+          </a:custGeom>
           <a:effectLst/>
         </p:spPr>
-        <p:txBody>
-          <a:bodyPr wrap="square" rtlCol="0">
-            <a:spAutoFit/>
-          </a:bodyPr>
-          <a:lstStyle/>
-          <a:p>
-            <a:r>
-              <a:rPr lang="ru-RU" dirty="0" smtClean="0">
-                <a:latin typeface="Times New Roman" pitchFamily="18" charset="0"/>
-                <a:cs typeface="Times New Roman" pitchFamily="18" charset="0"/>
-              </a:rPr>
-              <a:t>Присвоить </a:t>
-            </a:r>
-            <a:r>
-              <a:rPr lang="en-US" dirty="0" smtClean="0">
-                <a:latin typeface="Times New Roman" pitchFamily="18" charset="0"/>
-                <a:cs typeface="Times New Roman" pitchFamily="18" charset="0"/>
-              </a:rPr>
-              <a:t>S</a:t>
-            </a:r>
-            <a:r>
-              <a:rPr lang="en-US" baseline="-25000" dirty="0" smtClean="0">
-                <a:latin typeface="Times New Roman" pitchFamily="18" charset="0"/>
-                <a:cs typeface="Times New Roman" pitchFamily="18" charset="0"/>
-              </a:rPr>
-              <a:t>t</a:t>
-            </a:r>
-            <a:r>
-              <a:rPr lang="en-US" dirty="0" smtClean="0">
-                <a:latin typeface="Times New Roman" pitchFamily="18" charset="0"/>
-                <a:cs typeface="Times New Roman" pitchFamily="18" charset="0"/>
-              </a:rPr>
-              <a:t> = C</a:t>
-            </a:r>
-            <a:r>
-              <a:rPr lang="en-US" baseline="-25000" dirty="0" smtClean="0">
-                <a:latin typeface="Times New Roman" pitchFamily="18" charset="0"/>
-                <a:cs typeface="Times New Roman" pitchFamily="18" charset="0"/>
-              </a:rPr>
-              <a:t>t</a:t>
-            </a:r>
-            <a:endParaRPr lang="ru-RU" baseline="-25000" dirty="0">
-              <a:latin typeface="Times New Roman" pitchFamily="18" charset="0"/>
-              <a:cs typeface="Times New Roman" pitchFamily="18" charset="0"/>
-            </a:endParaRPr>
+        <p:style>
+          <a:lnRef idx="2">
+            <a:schemeClr val="dk1"/>
+          </a:lnRef>
+          <a:fillRef idx="0">
+            <a:schemeClr val="dk1"/>
+          </a:fillRef>
+          <a:effectRef idx="1">
+            <a:schemeClr val="dk1"/>
+          </a:effectRef>
+          <a:fontRef idx="minor">
+            <a:schemeClr val="tx1"/>
+          </a:fontRef>
+        </p:style>
+        <p:txBody>
+          <a:bodyPr rtlCol="0" anchor="ctr"/>
+          <a:lstStyle/>
+          <a:p>
+            <a:pPr algn="ctr"/>
+            <a:endParaRPr lang="ru-RU"/>
           </a:p>
         </p:txBody>
       </p:sp>
@@ -8055,9 +5847,111 @@
   <p:timing>
     <p:tnLst>
       <p:par>
-        <p:cTn id="1" dur="indefinite" restart="never" nodeType="tmRoot"/>
+        <p:cTn id="1" dur="indefinite" restart="never" nodeType="tmRoot">
+          <p:childTnLst>
+            <p:seq concurrent="1" nextAc="seek">
+              <p:cTn id="2" dur="indefinite" nodeType="mainSeq">
+                <p:childTnLst>
+                  <p:par>
+                    <p:cTn id="3" fill="hold">
+                      <p:stCondLst>
+                        <p:cond delay="indefinite"/>
+                      </p:stCondLst>
+                      <p:childTnLst>
+                        <p:par>
+                          <p:cTn id="4" fill="hold">
+                            <p:stCondLst>
+                              <p:cond delay="0"/>
+                            </p:stCondLst>
+                            <p:childTnLst>
+                              <p:par>
+                                <p:cTn id="5" presetID="1" presetClass="entr" presetSubtype="0" fill="hold" nodeType="clickEffect">
+                                  <p:stCondLst>
+                                    <p:cond delay="0"/>
+                                  </p:stCondLst>
+                                  <p:childTnLst>
+                                    <p:set>
+                                      <p:cBhvr>
+                                        <p:cTn id="6" dur="1" fill="hold">
+                                          <p:stCondLst>
+                                            <p:cond delay="0"/>
+                                          </p:stCondLst>
+                                        </p:cTn>
+                                        <p:tgtEl>
+                                          <p:spTgt spid="7">
+                                            <p:txEl>
+                                              <p:pRg st="4" end="4"/>
+                                            </p:txEl>
+                                          </p:spTgt>
+                                        </p:tgtEl>
+                                        <p:attrNameLst>
+                                          <p:attrName>style.visibility</p:attrName>
+                                        </p:attrNameLst>
+                                      </p:cBhvr>
+                                      <p:to>
+                                        <p:strVal val="visible"/>
+                                      </p:to>
+                                    </p:set>
+                                  </p:childTnLst>
+                                </p:cTn>
+                              </p:par>
+                              <p:par>
+                                <p:cTn id="7" presetID="1" presetClass="entr" presetSubtype="0" fill="hold" grpId="0" nodeType="withEffect">
+                                  <p:stCondLst>
+                                    <p:cond delay="0"/>
+                                  </p:stCondLst>
+                                  <p:childTnLst>
+                                    <p:set>
+                                      <p:cBhvr>
+                                        <p:cTn id="8" dur="1" fill="hold">
+                                          <p:stCondLst>
+                                            <p:cond delay="0"/>
+                                          </p:stCondLst>
+                                        </p:cTn>
+                                        <p:tgtEl>
+                                          <p:spTgt spid="11"/>
+                                        </p:tgtEl>
+                                        <p:attrNameLst>
+                                          <p:attrName>style.visibility</p:attrName>
+                                        </p:attrNameLst>
+                                      </p:cBhvr>
+                                      <p:to>
+                                        <p:strVal val="visible"/>
+                                      </p:to>
+                                    </p:set>
+                                  </p:childTnLst>
+                                </p:cTn>
+                              </p:par>
+                            </p:childTnLst>
+                          </p:cTn>
+                        </p:par>
+                      </p:childTnLst>
+                    </p:cTn>
+                  </p:par>
+                </p:childTnLst>
+              </p:cTn>
+              <p:prevCondLst>
+                <p:cond evt="onPrev" delay="0">
+                  <p:tgtEl>
+                    <p:sldTgt/>
+                  </p:tgtEl>
+                </p:cond>
+              </p:prevCondLst>
+              <p:nextCondLst>
+                <p:cond evt="onNext" delay="0">
+                  <p:tgtEl>
+                    <p:sldTgt/>
+                  </p:tgtEl>
+                </p:cond>
+              </p:nextCondLst>
+            </p:seq>
+          </p:childTnLst>
+        </p:cTn>
       </p:par>
     </p:tnLst>
+    <p:bldLst>
+      <p:bldP spid="11" grpId="0" animBg="1"/>
+    </p:bldLst>
   </p:timing>
 </p:sld>
 </file>
@@ -8096,112 +5990,65 @@
           <a:p>
             <a:r>
               <a:rPr lang="ru-RU" dirty="0" smtClean="0"/>
-              <a:t>Алгоритм</a:t>
-            </a:r>
-            <a:r>
-              <a:rPr lang="en-US" dirty="0" smtClean="0"/>
-              <a:t> (</a:t>
-            </a:r>
+              <a:t>Идея</a:t>
+            </a:r>
+            <a:endParaRPr lang="ru-RU" dirty="0"/>
+          </a:p>
+        </p:txBody>
+      </p:sp>
+      <p:sp>
+        <p:nvSpPr>
+          <p:cNvPr id="3" name="Содержимое 2"/>
+          <p:cNvSpPr>
+            <a:spLocks noGrp="1"/>
+          </p:cNvSpPr>
+          <p:nvPr>
+            <p:ph idx="1"/>
+          </p:nvPr>
+        </p:nvSpPr>
+        <p:spPr/>
+        <p:txBody>
+          <a:bodyPr/>
+          <a:lstStyle/>
+          <a:p>
+            <a:pPr marL="0" indent="0">
+              <a:buNone/>
+            </a:pPr>
             <a:r>
               <a:rPr lang="ru-RU" dirty="0" smtClean="0"/>
-              <a:t>часть 1</a:t>
-            </a:r>
-            <a:r>
-              <a:rPr lang="en-US" dirty="0" smtClean="0"/>
-              <a:t>)</a:t>
-            </a:r>
-            <a:endParaRPr lang="ru-RU" dirty="0">
-              <a:latin typeface="Times New Roman" pitchFamily="18" charset="0"/>
-              <a:cs typeface="Times New Roman" pitchFamily="18" charset="0"/>
-            </a:endParaRPr>
-          </a:p>
-        </p:txBody>
-      </p:sp>
-      <p:pic>
-        <p:nvPicPr>
-          <p:cNvPr id="8" name="Содержимое 7" descr="алгоритм2.png"/>
-          <p:cNvPicPr>
-            <a:picLocks noGrp="1" noChangeAspect="1"/>
-          </p:cNvPicPr>
-          <p:nvPr>
-            <p:ph idx="1"/>
-          </p:nvPr>
-        </p:nvPicPr>
-        <p:blipFill>
-          <a:blip r:embed="rId2" cstate="print"/>
-          <a:srcRect r="10226" b="56867"/>
-          <a:stretch>
-            <a:fillRect/>
-          </a:stretch>
-        </p:blipFill>
-        <p:spPr>
-          <a:xfrm>
-            <a:off x="251520" y="1268760"/>
-            <a:ext cx="8547571" cy="4663374"/>
-          </a:xfrm>
-        </p:spPr>
-      </p:pic>
-      <p:sp>
-        <p:nvSpPr>
-          <p:cNvPr id="5" name="TextBox 4"/>
-          <p:cNvSpPr txBox="1"/>
-          <p:nvPr/>
-        </p:nvSpPr>
-        <p:spPr>
-          <a:xfrm>
-            <a:off x="2411760" y="6093296"/>
-            <a:ext cx="1944216" cy="369332"/>
-          </a:xfrm>
-          <a:prstGeom prst="rect">
-            <a:avLst/>
-          </a:prstGeom>
-          <a:noFill/>
-          <a:effectLst/>
-        </p:spPr>
-        <p:txBody>
-          <a:bodyPr wrap="square" rtlCol="0">
-            <a:spAutoFit/>
-          </a:bodyPr>
-          <a:lstStyle/>
-          <a:p>
-            <a:r>
-              <a:rPr lang="ru-RU" dirty="0" smtClean="0">
-                <a:latin typeface="Times New Roman" pitchFamily="18" charset="0"/>
-                <a:cs typeface="Times New Roman" pitchFamily="18" charset="0"/>
+              <a:t>Делаем что-то, лишь бы не потерять сделанные изменения</a:t>
+            </a:r>
+          </a:p>
+          <a:p>
+            <a:pPr>
+              <a:buNone/>
+            </a:pPr>
+            <a:endParaRPr lang="ru-RU" dirty="0" smtClean="0"/>
+          </a:p>
+          <a:p>
+            <a:pPr>
+              <a:buNone/>
+            </a:pPr>
+            <a:r>
+              <a:rPr lang="ru-RU" b="1" dirty="0" smtClean="0">
+                <a:solidFill>
+                  <a:srgbClr val="00B050"/>
+                </a:solidFill>
               </a:rPr>
-              <a:t>Присвоить </a:t>
-            </a:r>
-            <a:r>
-              <a:rPr lang="en-US" dirty="0" smtClean="0">
-                <a:latin typeface="Times New Roman" pitchFamily="18" charset="0"/>
-                <a:cs typeface="Times New Roman" pitchFamily="18" charset="0"/>
+              <a:t>Решение: </a:t>
+            </a:r>
+            <a:r>
+              <a:rPr lang="en-US" b="1" dirty="0" smtClean="0">
+                <a:solidFill>
+                  <a:srgbClr val="00B050"/>
+                </a:solidFill>
               </a:rPr>
-              <a:t>S</a:t>
-            </a:r>
-            <a:r>
-              <a:rPr lang="en-US" baseline="-25000" dirty="0" smtClean="0">
-                <a:latin typeface="Times New Roman" pitchFamily="18" charset="0"/>
-                <a:cs typeface="Times New Roman" pitchFamily="18" charset="0"/>
-              </a:rPr>
-              <a:t>t</a:t>
-            </a:r>
-            <a:r>
-              <a:rPr lang="en-US" dirty="0" smtClean="0">
-                <a:latin typeface="Times New Roman" pitchFamily="18" charset="0"/>
-                <a:cs typeface="Times New Roman" pitchFamily="18" charset="0"/>
-              </a:rPr>
-              <a:t> = C</a:t>
-            </a:r>
-            <a:r>
-              <a:rPr lang="en-US" baseline="-25000" dirty="0" smtClean="0">
-                <a:latin typeface="Times New Roman" pitchFamily="18" charset="0"/>
-                <a:cs typeface="Times New Roman" pitchFamily="18" charset="0"/>
-              </a:rPr>
-              <a:t>t</a:t>
-            </a:r>
-            <a:endParaRPr lang="ru-RU" baseline="-25000" dirty="0">
-              <a:latin typeface="Times New Roman" pitchFamily="18" charset="0"/>
-              <a:cs typeface="Times New Roman" pitchFamily="18" charset="0"/>
+              <a:t>Fuzzy Patch</a:t>
+            </a:r>
+            <a:endParaRPr lang="ru-RU" b="1" dirty="0">
+              <a:solidFill>
+                <a:srgbClr val="00B050"/>
+              </a:solidFill>
             </a:endParaRPr>
           </a:p>
         </p:txBody>
@@ -8214,7 +6061,79 @@
   <p:timing>
     <p:tnLst>
       <p:par>
-        <p:cTn id="1" dur="indefinite" restart="never" nodeType="tmRoot"/>
+        <p:cTn id="1" dur="indefinite" restart="never" nodeType="tmRoot">
+          <p:childTnLst>
+            <p:seq concurrent="1" nextAc="seek">
+              <p:cTn id="2" dur="indefinite" nodeType="mainSeq">
+                <p:childTnLst>
+                  <p:par>
+                    <p:cTn id="3" fill="hold">
+                      <p:stCondLst>
+                        <p:cond delay="indefinite"/>
+                      </p:stCondLst>
+                      <p:childTnLst>
+                        <p:par>
+                          <p:cTn id="4" fill="hold">
+                            <p:stCondLst>
+                              <p:cond delay="0"/>
+                            </p:stCondLst>
+                            <p:childTnLst>
+                              <p:par>
+                                <p:cTn id="5" presetID="1" presetClass="entr" presetSubtype="0" fill="hold" nodeType="clickEffect">
+                                  <p:stCondLst>
+                                    <p:cond delay="0"/>
+                                  </p:stCondLst>
+                                  <p:childTnLst>
+                                    <p:set>
+                                      <p:cBhvr>
+                                        <p:cTn id="6" dur="1" fill="hold">
+                                          <p:stCondLst>
+                                            <p:cond delay="0"/>
+                                          </p:stCondLst>
+                                        </p:cTn>
+                                        <p:tgtEl>
+                                          <p:spTgt spid="3">
+                                            <p:txEl>
+                                              <p:pRg st="2" end="2"/>
+                                            </p:txEl>
+                                          </p:spTgt>
+                                        </p:tgtEl>
+                                        <p:attrNameLst>
+                                          <p:attrName>style.visibility</p:attrName>
+                                        </p:attrNameLst>
+                                      </p:cBhvr>
+                                      <p:to>
+                                        <p:strVal val="visible"/>
+                                      </p:to>
+                                    </p:set>
+                                  </p:childTnLst>
+                                </p:cTn>
+                              </p:par>
+                            </p:childTnLst>
+                          </p:cTn>
+                        </p:par>
+                      </p:childTnLst>
+                    </p:cTn>
+                  </p:par>
+                </p:childTnLst>
+              </p:cTn>
+              <p:prevCondLst>
+                <p:cond evt="onPrev" delay="0">
+                  <p:tgtEl>
+                    <p:sldTgt/>
+                  </p:tgtEl>
+                </p:cond>
+              </p:prevCondLst>
+              <p:nextCondLst>
+                <p:cond evt="onNext" delay="0">
+                  <p:tgtEl>
+                    <p:sldTgt/>
+                  </p:tgtEl>
+                </p:cond>
+              </p:nextCondLst>
+            </p:seq>
+          </p:childTnLst>
+        </p:cTn>
       </p:par>
     </p:tnLst>
   </p:timing>
@@ -8250,72 +6169,702 @@
         </p:nvSpPr>
         <p:spPr/>
         <p:txBody>
-          <a:bodyPr/>
+          <a:bodyPr>
+            <a:normAutofit fontScale="90000"/>
+          </a:bodyPr>
           <a:lstStyle/>
           <a:p>
             <a:r>
               <a:rPr lang="ru-RU" dirty="0" smtClean="0"/>
-              <a:t>Алгоритм</a:t>
-            </a:r>
-            <a:r>
-              <a:rPr lang="en-US" dirty="0" smtClean="0"/>
-              <a:t> (</a:t>
-            </a:r>
-            <a:r>
-              <a:rPr lang="ru-RU" dirty="0" smtClean="0"/>
-              <a:t>часть 1</a:t>
-            </a:r>
-            <a:r>
-              <a:rPr lang="en-US" dirty="0" smtClean="0"/>
-              <a:t>)</a:t>
-            </a:r>
-            <a:endParaRPr lang="ru-RU" dirty="0">
-              <a:latin typeface="Times New Roman" pitchFamily="18" charset="0"/>
-              <a:cs typeface="Times New Roman" pitchFamily="18" charset="0"/>
-            </a:endParaRPr>
-          </a:p>
-        </p:txBody>
-      </p:sp>
-      <p:pic>
-        <p:nvPicPr>
-          <p:cNvPr id="8" name="Содержимое 7" descr="алгоритм2.png"/>
-          <p:cNvPicPr>
-            <a:picLocks noGrp="1" noChangeAspect="1"/>
-          </p:cNvPicPr>
+              <a:t>Применение дельты с учетом ошибок</a:t>
+            </a:r>
+            <a:endParaRPr lang="ru-RU" dirty="0"/>
+          </a:p>
+        </p:txBody>
+      </p:sp>
+      <p:graphicFrame>
+        <p:nvGraphicFramePr>
+          <p:cNvPr id="4" name="Содержимое 3"/>
+          <p:cNvGraphicFramePr>
+            <a:graphicFrameLocks noGrp="1"/>
+          </p:cNvGraphicFramePr>
           <p:nvPr>
             <p:ph idx="1"/>
           </p:nvPr>
-        </p:nvPicPr>
-        <p:blipFill>
-          <a:blip r:embed="rId2" cstate="print"/>
-          <a:srcRect r="10288" b="56765"/>
-          <a:stretch>
-            <a:fillRect/>
-          </a:stretch>
-        </p:blipFill>
+        </p:nvGraphicFramePr>
+        <p:xfrm>
+          <a:off x="395536" y="1484785"/>
+          <a:ext cx="8568953" cy="4597573"/>
+        </p:xfrm>
+        <a:graphic>
+          <a:graphicData uri="http://schemas.openxmlformats.org/drawingml/2006/table">
+            <a:tbl>
+              <a:tblPr firstRow="1" bandRow="1">
+                <a:solidFill>
+                  <a:schemeClr val="accent1">
+                    <a:lumMod val="60000"/>
+                    <a:lumOff val="40000"/>
+                  </a:schemeClr>
+                </a:solidFill>
+                <a:tableStyleId>{5C22544A-7EE6-4342-B048-85BDC9FD1C3A}</a:tableStyleId>
+              </a:tblPr>
+              <a:tblGrid>
+                <a:gridCol w="432048"/>
+                <a:gridCol w="5089500"/>
+                <a:gridCol w="3047405"/>
+              </a:tblGrid>
+              <a:tr h="338716">
+                <a:tc>
+                  <a:txBody>
+                    <a:bodyPr/>
+                    <a:lstStyle/>
+                    <a:p>
+                      <a:endParaRPr lang="ru-RU" dirty="0"/>
+                    </a:p>
+                  </a:txBody>
+                  <a:tcPr>
+                    <a:solidFill>
+                      <a:schemeClr val="bg1"/>
+                    </a:solidFill>
+                  </a:tcPr>
+                </a:tc>
+                <a:tc>
+                  <a:txBody>
+                    <a:bodyPr/>
+                    <a:lstStyle/>
+                    <a:p>
+                      <a:r>
+                        <a:rPr lang="ru-RU" dirty="0" smtClean="0"/>
+                        <a:t>Редактируемый текст</a:t>
+                      </a:r>
+                      <a:endParaRPr lang="ru-RU" dirty="0"/>
+                    </a:p>
+                  </a:txBody>
+                  <a:tcPr/>
+                </a:tc>
+                <a:tc>
+                  <a:txBody>
+                    <a:bodyPr/>
+                    <a:lstStyle/>
+                    <a:p>
+                      <a:r>
+                        <a:rPr lang="ru-RU" baseline="0" dirty="0" smtClean="0"/>
+                        <a:t>Д</a:t>
+                      </a:r>
+                      <a:r>
+                        <a:rPr lang="ru-RU" dirty="0" smtClean="0"/>
+                        <a:t>ельта</a:t>
+                      </a:r>
+                      <a:endParaRPr lang="ru-RU" dirty="0"/>
+                    </a:p>
+                  </a:txBody>
+                  <a:tcPr/>
+                </a:tc>
+              </a:tr>
+              <a:tr h="2229879">
+                <a:tc>
+                  <a:txBody>
+                    <a:bodyPr/>
+                    <a:lstStyle/>
+                    <a:p>
+                      <a:pPr algn="l"/>
+                      <a:endParaRPr lang="ru-RU" sz="2800" kern="1200" baseline="0" dirty="0" smtClean="0">
+                        <a:solidFill>
+                          <a:schemeClr val="dk1"/>
+                        </a:solidFill>
+                        <a:latin typeface="Courier New" pitchFamily="49" charset="0"/>
+                        <a:ea typeface="+mn-ea"/>
+                        <a:cs typeface="Courier New" pitchFamily="49" charset="0"/>
+                      </a:endParaRPr>
+                    </a:p>
+                  </a:txBody>
+                  <a:tcPr anchor="ctr">
+                    <a:lnB w="12700" cap="flat" cmpd="sng" algn="ctr">
+                      <a:noFill/>
+                      <a:prstDash val="solid"/>
+                      <a:round/>
+                      <a:headEnd type="none" w="med" len="med"/>
+                      <a:tailEnd type="none" w="med" len="med"/>
+                    </a:lnB>
+                    <a:solidFill>
+                      <a:schemeClr val="bg1"/>
+                    </a:solidFill>
+                  </a:tcPr>
+                </a:tc>
+                <a:tc>
+                  <a:txBody>
+                    <a:bodyPr/>
+                    <a:lstStyle/>
+                    <a:p>
+                      <a:pPr algn="l"/>
+                      <a:r>
+                        <a:rPr lang="ru-RU" sz="2800" i="0" kern="1200" baseline="0" dirty="0" smtClean="0">
+                          <a:solidFill>
+                            <a:schemeClr val="dk1"/>
+                          </a:solidFill>
+                          <a:latin typeface="Courier New" pitchFamily="49" charset="0"/>
+                          <a:ea typeface="+mn-ea"/>
+                          <a:cs typeface="Courier New" pitchFamily="49" charset="0"/>
+                        </a:rPr>
+                        <a:t>Я увидел, что</a:t>
+                      </a:r>
+                    </a:p>
+                    <a:p>
+                      <a:pPr algn="l"/>
+                      <a:r>
+                        <a:rPr lang="ru-RU" sz="2800" i="0" kern="1200" baseline="0" dirty="0" smtClean="0">
+                          <a:solidFill>
+                            <a:schemeClr val="dk1"/>
+                          </a:solidFill>
+                          <a:latin typeface="Courier New" pitchFamily="49" charset="0"/>
+                          <a:ea typeface="+mn-ea"/>
+                          <a:cs typeface="Courier New" pitchFamily="49" charset="0"/>
+                        </a:rPr>
+                        <a:t>внезапно </a:t>
+                      </a:r>
+                      <a:r>
+                        <a:rPr lang="ru-RU" sz="2800" kern="1200" baseline="0" dirty="0" smtClean="0">
+                          <a:solidFill>
+                            <a:schemeClr val="dk1"/>
+                          </a:solidFill>
+                          <a:latin typeface="Courier New" pitchFamily="49" charset="0"/>
+                          <a:ea typeface="+mn-ea"/>
+                          <a:cs typeface="Courier New" pitchFamily="49" charset="0"/>
+                        </a:rPr>
+                        <a:t>Шел Паша </a:t>
+                      </a:r>
+                    </a:p>
+                    <a:p>
+                      <a:pPr algn="l"/>
+                      <a:r>
+                        <a:rPr lang="ru-RU" sz="2800" kern="1200" baseline="0" dirty="0" smtClean="0">
+                          <a:solidFill>
+                            <a:schemeClr val="dk1"/>
+                          </a:solidFill>
+                          <a:latin typeface="Courier New" pitchFamily="49" charset="0"/>
+                          <a:ea typeface="+mn-ea"/>
+                          <a:cs typeface="Courier New" pitchFamily="49" charset="0"/>
+                        </a:rPr>
+                        <a:t>по шоссе </a:t>
+                      </a:r>
+                    </a:p>
+                    <a:p>
+                      <a:pPr algn="l"/>
+                      <a:r>
+                        <a:rPr lang="ru-RU" sz="2800" kern="1200" baseline="0" dirty="0" smtClean="0">
+                          <a:solidFill>
+                            <a:schemeClr val="dk1"/>
+                          </a:solidFill>
+                          <a:latin typeface="Courier New" pitchFamily="49" charset="0"/>
+                          <a:ea typeface="+mn-ea"/>
+                          <a:cs typeface="Courier New" pitchFamily="49" charset="0"/>
+                        </a:rPr>
+                        <a:t>и сосал сушку</a:t>
+                      </a:r>
+                    </a:p>
+                  </a:txBody>
+                  <a:tcPr anchor="ctr">
+                    <a:lnB w="12700" cap="flat" cmpd="sng" algn="ctr">
+                      <a:noFill/>
+                      <a:prstDash val="solid"/>
+                      <a:round/>
+                      <a:headEnd type="none" w="med" len="med"/>
+                      <a:tailEnd type="none" w="med" len="med"/>
+                    </a:lnB>
+                  </a:tcPr>
+                </a:tc>
+                <a:tc>
+                  <a:txBody>
+                    <a:bodyPr/>
+                    <a:lstStyle/>
+                    <a:p>
+                      <a:pPr marL="0" marR="0" indent="0" algn="l" defTabSz="914400" rtl="0" eaLnBrk="1" fontAlgn="auto" latinLnBrk="0" hangingPunct="1">
+                        <a:lnSpc>
+                          <a:spcPct val="100000"/>
+                        </a:lnSpc>
+                        <a:spcBef>
+                          <a:spcPts val="0"/>
+                        </a:spcBef>
+                        <a:spcAft>
+                          <a:spcPts val="0"/>
+                        </a:spcAft>
+                        <a:buClrTx/>
+                        <a:buSzTx/>
+                        <a:buFontTx/>
+                        <a:buNone/>
+                        <a:tabLst/>
+                        <a:defRPr/>
+                      </a:pPr>
+                      <a:endParaRPr lang="ru-RU" sz="2000" kern="1200" baseline="0" dirty="0" smtClean="0">
+                        <a:solidFill>
+                          <a:schemeClr val="dk1"/>
+                        </a:solidFill>
+                        <a:latin typeface="Courier New" pitchFamily="49" charset="0"/>
+                        <a:ea typeface="+mn-ea"/>
+                        <a:cs typeface="Courier New" pitchFamily="49" charset="0"/>
+                      </a:endParaRPr>
+                    </a:p>
+                    <a:p>
+                      <a:pPr marL="0" marR="0" indent="0" algn="l" defTabSz="914400" rtl="0" eaLnBrk="1" fontAlgn="auto" latinLnBrk="0" hangingPunct="1">
+                        <a:lnSpc>
+                          <a:spcPct val="100000"/>
+                        </a:lnSpc>
+                        <a:spcBef>
+                          <a:spcPts val="0"/>
+                        </a:spcBef>
+                        <a:spcAft>
+                          <a:spcPts val="0"/>
+                        </a:spcAft>
+                        <a:buClrTx/>
+                        <a:buSzTx/>
+                        <a:buFontTx/>
+                        <a:buNone/>
+                        <a:tabLst/>
+                        <a:defRPr/>
+                      </a:pPr>
+                      <a:r>
+                        <a:rPr lang="ru-RU" sz="2800" kern="1200" baseline="0" dirty="0" smtClean="0">
+                          <a:solidFill>
+                            <a:schemeClr val="dk1"/>
+                          </a:solidFill>
+                          <a:latin typeface="Courier New" pitchFamily="49" charset="0"/>
+                          <a:ea typeface="+mn-ea"/>
+                          <a:cs typeface="Courier New" pitchFamily="49" charset="0"/>
+                        </a:rPr>
+                        <a:t>Ш</a:t>
+                      </a:r>
+                      <a:r>
+                        <a:rPr lang="ru-RU" sz="2800" b="0" u="none" strike="sngStrike" kern="1200" baseline="0" dirty="0" smtClean="0">
+                          <a:solidFill>
+                            <a:schemeClr val="tx1"/>
+                          </a:solidFill>
+                          <a:effectLst/>
+                          <a:latin typeface="Courier New" pitchFamily="49" charset="0"/>
+                          <a:ea typeface="+mn-ea"/>
+                          <a:cs typeface="Courier New" pitchFamily="49" charset="0"/>
+                        </a:rPr>
+                        <a:t>е</a:t>
+                      </a:r>
+                      <a:r>
+                        <a:rPr lang="ru-RU" sz="2800" kern="1200" baseline="0" dirty="0" smtClean="0">
+                          <a:solidFill>
+                            <a:schemeClr val="dk1"/>
+                          </a:solidFill>
+                          <a:latin typeface="Courier New" pitchFamily="49" charset="0"/>
+                          <a:ea typeface="+mn-ea"/>
+                          <a:cs typeface="Courier New" pitchFamily="49" charset="0"/>
+                        </a:rPr>
+                        <a:t>л</a:t>
+                      </a:r>
+                      <a:r>
+                        <a:rPr lang="ru-RU" sz="2800" b="1" u="sng" strike="noStrike" kern="1200" baseline="0" dirty="0" smtClean="0">
+                          <a:solidFill>
+                            <a:schemeClr val="dk1"/>
+                          </a:solidFill>
+                          <a:latin typeface="Courier New" pitchFamily="49" charset="0"/>
+                          <a:ea typeface="+mn-ea"/>
+                          <a:cs typeface="Courier New" pitchFamily="49" charset="0"/>
+                        </a:rPr>
+                        <a:t>а</a:t>
+                      </a:r>
+                      <a:r>
+                        <a:rPr lang="ru-RU" sz="2800" kern="1200" baseline="0" dirty="0" smtClean="0">
+                          <a:solidFill>
+                            <a:schemeClr val="dk1"/>
+                          </a:solidFill>
+                          <a:latin typeface="Courier New" pitchFamily="49" charset="0"/>
+                          <a:ea typeface="+mn-ea"/>
+                          <a:cs typeface="Courier New" pitchFamily="49" charset="0"/>
+                        </a:rPr>
+                        <a:t> </a:t>
+                      </a:r>
+                      <a:r>
+                        <a:rPr lang="ru-RU" sz="2800" b="1" u="sng" strike="noStrike" kern="1200" baseline="0" dirty="0" smtClean="0">
+                          <a:solidFill>
+                            <a:schemeClr val="dk1"/>
+                          </a:solidFill>
+                          <a:latin typeface="Courier New" pitchFamily="49" charset="0"/>
+                          <a:ea typeface="+mn-ea"/>
+                          <a:cs typeface="Courier New" pitchFamily="49" charset="0"/>
+                        </a:rPr>
+                        <a:t>С</a:t>
+                      </a:r>
+                      <a:r>
+                        <a:rPr lang="ru-RU" sz="2800" b="0" u="none" strike="sngStrike" kern="1200" baseline="0" dirty="0" smtClean="0">
+                          <a:solidFill>
+                            <a:schemeClr val="dk1"/>
+                          </a:solidFill>
+                          <a:latin typeface="Courier New" pitchFamily="49" charset="0"/>
+                          <a:ea typeface="+mn-ea"/>
+                          <a:cs typeface="Courier New" pitchFamily="49" charset="0"/>
+                        </a:rPr>
+                        <a:t>П</a:t>
+                      </a:r>
+                      <a:r>
+                        <a:rPr lang="ru-RU" sz="2800" kern="1200" baseline="0" dirty="0" smtClean="0">
+                          <a:solidFill>
+                            <a:schemeClr val="dk1"/>
+                          </a:solidFill>
+                          <a:latin typeface="Courier New" pitchFamily="49" charset="0"/>
+                          <a:ea typeface="+mn-ea"/>
+                          <a:cs typeface="Courier New" pitchFamily="49" charset="0"/>
+                        </a:rPr>
+                        <a:t>аша</a:t>
+                      </a:r>
+                      <a:br>
+                        <a:rPr lang="ru-RU" sz="2800" kern="1200" baseline="0" dirty="0" smtClean="0">
+                          <a:solidFill>
+                            <a:schemeClr val="dk1"/>
+                          </a:solidFill>
+                          <a:latin typeface="Courier New" pitchFamily="49" charset="0"/>
+                          <a:ea typeface="+mn-ea"/>
+                          <a:cs typeface="Courier New" pitchFamily="49" charset="0"/>
+                        </a:rPr>
+                      </a:br>
+                      <a:r>
+                        <a:rPr lang="ru-RU" sz="2800" kern="1200" baseline="0" dirty="0" smtClean="0">
+                          <a:solidFill>
+                            <a:schemeClr val="dk1"/>
+                          </a:solidFill>
+                          <a:latin typeface="Courier New" pitchFamily="49" charset="0"/>
+                          <a:ea typeface="+mn-ea"/>
+                          <a:cs typeface="Courier New" pitchFamily="49" charset="0"/>
+                        </a:rPr>
+                        <a:t>по шоссе</a:t>
+                      </a:r>
+                      <a:br>
+                        <a:rPr lang="ru-RU" sz="2800" kern="1200" baseline="0" dirty="0" smtClean="0">
+                          <a:solidFill>
+                            <a:schemeClr val="dk1"/>
+                          </a:solidFill>
+                          <a:latin typeface="Courier New" pitchFamily="49" charset="0"/>
+                          <a:ea typeface="+mn-ea"/>
+                          <a:cs typeface="Courier New" pitchFamily="49" charset="0"/>
+                        </a:rPr>
+                      </a:br>
+                      <a:r>
+                        <a:rPr lang="ru-RU" sz="2800" kern="1200" baseline="0" dirty="0" smtClean="0">
+                          <a:solidFill>
+                            <a:schemeClr val="dk1"/>
+                          </a:solidFill>
+                          <a:latin typeface="Courier New" pitchFamily="49" charset="0"/>
+                          <a:ea typeface="+mn-ea"/>
+                          <a:cs typeface="Courier New" pitchFamily="49" charset="0"/>
+                        </a:rPr>
+                        <a:t>и сосал</a:t>
+                      </a:r>
+                      <a:r>
+                        <a:rPr lang="ru-RU" sz="2800" b="1" u="sng" strike="noStrike" kern="1200" baseline="0" dirty="0" smtClean="0">
+                          <a:solidFill>
+                            <a:schemeClr val="dk1"/>
+                          </a:solidFill>
+                          <a:latin typeface="Courier New" pitchFamily="49" charset="0"/>
+                          <a:ea typeface="+mn-ea"/>
+                          <a:cs typeface="Courier New" pitchFamily="49" charset="0"/>
+                        </a:rPr>
+                        <a:t>а</a:t>
+                      </a:r>
+                      <a:r>
+                        <a:rPr lang="ru-RU" sz="2800" kern="1200" baseline="0" dirty="0" smtClean="0">
+                          <a:solidFill>
+                            <a:schemeClr val="dk1"/>
+                          </a:solidFill>
+                          <a:latin typeface="Courier New" pitchFamily="49" charset="0"/>
+                          <a:ea typeface="+mn-ea"/>
+                          <a:cs typeface="Courier New" pitchFamily="49" charset="0"/>
+                        </a:rPr>
+                        <a:t> сушку</a:t>
+                      </a:r>
+                    </a:p>
+                    <a:p>
+                      <a:pPr marL="0" marR="0" indent="0" algn="l" defTabSz="914400" rtl="0" eaLnBrk="1" fontAlgn="auto" latinLnBrk="0" hangingPunct="1">
+                        <a:lnSpc>
+                          <a:spcPct val="100000"/>
+                        </a:lnSpc>
+                        <a:spcBef>
+                          <a:spcPts val="0"/>
+                        </a:spcBef>
+                        <a:spcAft>
+                          <a:spcPts val="0"/>
+                        </a:spcAft>
+                        <a:buClrTx/>
+                        <a:buSzTx/>
+                        <a:buFontTx/>
+                        <a:buNone/>
+                        <a:tabLst/>
+                        <a:defRPr/>
+                      </a:pPr>
+                      <a:endParaRPr lang="ru-RU" sz="2000" kern="1200" baseline="0" dirty="0" smtClean="0">
+                        <a:solidFill>
+                          <a:schemeClr val="dk1"/>
+                        </a:solidFill>
+                        <a:latin typeface="Courier New" pitchFamily="49" charset="0"/>
+                        <a:ea typeface="+mn-ea"/>
+                        <a:cs typeface="Courier New" pitchFamily="49" charset="0"/>
+                      </a:endParaRPr>
+                    </a:p>
+                  </a:txBody>
+                  <a:tcPr anchor="ctr">
+                    <a:lnB w="12700" cap="flat" cmpd="sng" algn="ctr">
+                      <a:noFill/>
+                      <a:prstDash val="solid"/>
+                      <a:round/>
+                      <a:headEnd type="none" w="med" len="med"/>
+                      <a:tailEnd type="none" w="med" len="med"/>
+                    </a:lnB>
+                  </a:tcPr>
+                </a:tc>
+              </a:tr>
+              <a:tr h="1823893">
+                <a:tc>
+                  <a:txBody>
+                    <a:bodyPr/>
+                    <a:lstStyle/>
+                    <a:p>
+                      <a:pPr algn="ctr"/>
+                      <a:r>
+                        <a:rPr lang="ru-RU" sz="1800" b="1" kern="1200" baseline="0" dirty="0" smtClean="0">
+                          <a:solidFill>
+                            <a:schemeClr val="bg1"/>
+                          </a:solidFill>
+                          <a:latin typeface="+mj-lt"/>
+                          <a:ea typeface="+mn-ea"/>
+                          <a:cs typeface="Courier New" pitchFamily="49" charset="0"/>
+                        </a:rPr>
+                        <a:t>Результат</a:t>
+                      </a:r>
+                      <a:endParaRPr lang="ru-RU" sz="1800" b="1" kern="1200" baseline="0" dirty="0" smtClean="0">
+                        <a:solidFill>
+                          <a:schemeClr val="bg1"/>
+                        </a:solidFill>
+                        <a:latin typeface="+mj-lt"/>
+                        <a:ea typeface="+mn-ea"/>
+                        <a:cs typeface="Courier New" pitchFamily="49" charset="0"/>
+                      </a:endParaRPr>
+                    </a:p>
+                  </a:txBody>
+                  <a:tcPr vert="vert270" anchor="ctr">
+                    <a:lnL w="12700" cmpd="sng">
+                      <a:noFill/>
+                    </a:lnL>
+                    <a:lnR w="12700" cmpd="sng">
+                      <a:noFill/>
+                    </a:lnR>
+                    <a:lnT w="12700" cap="flat" cmpd="sng" algn="ctr">
+                      <a:noFill/>
+                      <a:prstDash val="solid"/>
+                      <a:round/>
+                      <a:headEnd type="none" w="med" len="med"/>
+                      <a:tailEnd type="none" w="med" len="med"/>
+                    </a:lnT>
+                    <a:lnB w="12700" cmpd="sng">
+                      <a:noFill/>
+                    </a:lnB>
+                    <a:lnTlToBr w="12700" cmpd="sng">
+                      <a:noFill/>
+                      <a:prstDash val="solid"/>
+                    </a:lnTlToBr>
+                    <a:lnBlToTr w="12700" cmpd="sng">
+                      <a:noFill/>
+                      <a:prstDash val="solid"/>
+                    </a:lnBlToTr>
+                    <a:solidFill>
+                      <a:schemeClr val="accent1"/>
+                    </a:solidFill>
+                  </a:tcPr>
+                </a:tc>
+                <a:tc gridSpan="2">
+                  <a:txBody>
+                    <a:bodyPr/>
+                    <a:lstStyle/>
+                    <a:p>
+                      <a:pPr algn="l"/>
+                      <a:r>
+                        <a:rPr lang="ru-RU" sz="2800" kern="1200" baseline="0" dirty="0" smtClean="0">
+                          <a:solidFill>
+                            <a:schemeClr val="dk1"/>
+                          </a:solidFill>
+                          <a:latin typeface="Courier New" pitchFamily="49" charset="0"/>
+                          <a:ea typeface="+mn-ea"/>
+                          <a:cs typeface="Courier New" pitchFamily="49" charset="0"/>
+                        </a:rPr>
+                        <a:t>Я увидел, что</a:t>
+                      </a:r>
+                    </a:p>
+                    <a:p>
+                      <a:pPr algn="l"/>
+                      <a:r>
+                        <a:rPr lang="ru-RU" sz="2800" kern="1200" baseline="0" dirty="0" smtClean="0">
+                          <a:solidFill>
+                            <a:schemeClr val="dk1"/>
+                          </a:solidFill>
+                          <a:latin typeface="Courier New" pitchFamily="49" charset="0"/>
+                          <a:ea typeface="+mn-ea"/>
+                          <a:cs typeface="Courier New" pitchFamily="49" charset="0"/>
+                        </a:rPr>
+                        <a:t>внезапно Шл</a:t>
+                      </a:r>
+                      <a:r>
+                        <a:rPr lang="ru-RU" sz="2800" b="1" kern="1200" baseline="0" dirty="0" smtClean="0">
+                          <a:solidFill>
+                            <a:schemeClr val="dk1"/>
+                          </a:solidFill>
+                          <a:latin typeface="Courier New" pitchFamily="49" charset="0"/>
+                          <a:ea typeface="+mn-ea"/>
+                          <a:cs typeface="Courier New" pitchFamily="49" charset="0"/>
+                        </a:rPr>
+                        <a:t>а</a:t>
+                      </a:r>
+                      <a:r>
+                        <a:rPr lang="ru-RU" sz="2800" kern="1200" baseline="0" dirty="0" smtClean="0">
+                          <a:solidFill>
+                            <a:schemeClr val="dk1"/>
+                          </a:solidFill>
+                          <a:latin typeface="Courier New" pitchFamily="49" charset="0"/>
+                          <a:ea typeface="+mn-ea"/>
+                          <a:cs typeface="Courier New" pitchFamily="49" charset="0"/>
+                        </a:rPr>
+                        <a:t> </a:t>
+                      </a:r>
+                      <a:r>
+                        <a:rPr lang="ru-RU" sz="2800" b="1" kern="1200" baseline="0" dirty="0" smtClean="0">
+                          <a:solidFill>
+                            <a:schemeClr val="dk1"/>
+                          </a:solidFill>
+                          <a:latin typeface="Courier New" pitchFamily="49" charset="0"/>
+                          <a:ea typeface="+mn-ea"/>
+                          <a:cs typeface="Courier New" pitchFamily="49" charset="0"/>
+                        </a:rPr>
+                        <a:t>С</a:t>
+                      </a:r>
+                      <a:r>
+                        <a:rPr lang="ru-RU" sz="2800" kern="1200" baseline="0" dirty="0" smtClean="0">
+                          <a:solidFill>
+                            <a:schemeClr val="dk1"/>
+                          </a:solidFill>
+                          <a:latin typeface="Courier New" pitchFamily="49" charset="0"/>
+                          <a:ea typeface="+mn-ea"/>
+                          <a:cs typeface="Courier New" pitchFamily="49" charset="0"/>
+                        </a:rPr>
+                        <a:t>аша </a:t>
+                      </a:r>
+                    </a:p>
+                    <a:p>
+                      <a:pPr algn="l"/>
+                      <a:r>
+                        <a:rPr lang="ru-RU" sz="2800" kern="1200" baseline="0" dirty="0" smtClean="0">
+                          <a:solidFill>
+                            <a:schemeClr val="dk1"/>
+                          </a:solidFill>
+                          <a:latin typeface="Courier New" pitchFamily="49" charset="0"/>
+                          <a:ea typeface="+mn-ea"/>
+                          <a:cs typeface="Courier New" pitchFamily="49" charset="0"/>
+                        </a:rPr>
+                        <a:t>по шоссе </a:t>
+                      </a:r>
+                    </a:p>
+                    <a:p>
+                      <a:pPr algn="l"/>
+                      <a:r>
+                        <a:rPr lang="ru-RU" sz="2800" kern="1200" baseline="0" dirty="0" smtClean="0">
+                          <a:solidFill>
+                            <a:schemeClr val="dk1"/>
+                          </a:solidFill>
+                          <a:latin typeface="Courier New" pitchFamily="49" charset="0"/>
+                          <a:ea typeface="+mn-ea"/>
+                          <a:cs typeface="Courier New" pitchFamily="49" charset="0"/>
+                        </a:rPr>
+                        <a:t>и сосал</a:t>
+                      </a:r>
+                      <a:r>
+                        <a:rPr lang="ru-RU" sz="2800" b="1" kern="1200" baseline="0" dirty="0" smtClean="0">
+                          <a:solidFill>
+                            <a:schemeClr val="dk1"/>
+                          </a:solidFill>
+                          <a:latin typeface="Courier New" pitchFamily="49" charset="0"/>
+                          <a:ea typeface="+mn-ea"/>
+                          <a:cs typeface="Courier New" pitchFamily="49" charset="0"/>
+                        </a:rPr>
+                        <a:t>а</a:t>
+                      </a:r>
+                      <a:r>
+                        <a:rPr lang="ru-RU" sz="2800" kern="1200" baseline="0" dirty="0" smtClean="0">
+                          <a:solidFill>
+                            <a:schemeClr val="dk1"/>
+                          </a:solidFill>
+                          <a:latin typeface="Courier New" pitchFamily="49" charset="0"/>
+                          <a:ea typeface="+mn-ea"/>
+                          <a:cs typeface="Courier New" pitchFamily="49" charset="0"/>
+                        </a:rPr>
+                        <a:t> сушку</a:t>
+                      </a:r>
+                    </a:p>
+                  </a:txBody>
+                  <a:tcPr anchor="ctr">
+                    <a:lnL w="12700" cmpd="sng">
+                      <a:noFill/>
+                    </a:lnL>
+                    <a:lnR w="12700" cmpd="sng">
+                      <a:noFill/>
+                    </a:lnR>
+                    <a:lnT w="12700" cap="flat" cmpd="sng" algn="ctr">
+                      <a:noFill/>
+                      <a:prstDash val="solid"/>
+                      <a:round/>
+                      <a:headEnd type="none" w="med" len="med"/>
+                      <a:tailEnd type="none" w="med" len="med"/>
+                    </a:lnT>
+                    <a:lnB w="12700" cmpd="sng">
+                      <a:noFill/>
+                    </a:lnB>
+                    <a:lnTlToBr w="12700" cmpd="sng">
+                      <a:noFill/>
+                      <a:prstDash val="solid"/>
+                    </a:lnTlToBr>
+                    <a:lnBlToTr w="12700" cmpd="sng">
+                      <a:noFill/>
+                      <a:prstDash val="solid"/>
+                    </a:lnBlToTr>
+                  </a:tcPr>
+                </a:tc>
+                <a:tc hMerge="1">
+                  <a:txBody>
+                    <a:bodyPr/>
+                    <a:lstStyle/>
+                    <a:p>
+                      <a:pPr algn="l"/>
+                      <a:endParaRPr lang="ru-RU" sz="2800" kern="1200" baseline="0" dirty="0" smtClean="0">
+                        <a:solidFill>
+                          <a:schemeClr val="dk1"/>
+                        </a:solidFill>
+                        <a:latin typeface="Courier New" pitchFamily="49" charset="0"/>
+                        <a:ea typeface="+mn-ea"/>
+                        <a:cs typeface="Courier New" pitchFamily="49" charset="0"/>
+                      </a:endParaRPr>
+                    </a:p>
+                  </a:txBody>
+                  <a:tcPr anchor="ctr"/>
+                </a:tc>
+              </a:tr>
+            </a:tbl>
+          </a:graphicData>
+        </a:graphic>
+      </p:graphicFrame>
+      <p:sp>
+        <p:nvSpPr>
+          <p:cNvPr id="5" name="TextBox 4"/>
+          <p:cNvSpPr txBox="1"/>
+          <p:nvPr/>
+        </p:nvSpPr>
         <p:spPr>
           <a:xfrm>
-            <a:off x="251520" y="1268760"/>
-            <a:ext cx="8541667" cy="4674402"/>
-          </a:xfrm>
-        </p:spPr>
-      </p:pic>
-      <p:sp>
-        <p:nvSpPr>
-          <p:cNvPr id="4" name="TextBox 3"/>
-          <p:cNvSpPr txBox="1"/>
-          <p:nvPr/>
-        </p:nvSpPr>
-        <p:spPr>
-          <a:xfrm>
-            <a:off x="2411760" y="6093296"/>
-            <a:ext cx="1944216" cy="369332"/>
+            <a:off x="467544" y="6165304"/>
+            <a:ext cx="8424936" cy="400110"/>
           </a:xfrm>
           <a:prstGeom prst="rect">
             <a:avLst/>
           </a:prstGeom>
           <a:noFill/>
-          <a:effectLst/>
         </p:spPr>
         <p:txBody>
           <a:bodyPr wrap="square" rtlCol="0">
@@ -8323,45 +6872,12 @@
           </a:bodyPr>
           <a:lstStyle/>
           <a:p>
-            <a:r>
-              <a:rPr lang="ru-RU" dirty="0" smtClean="0">
-                <a:latin typeface="Times New Roman" pitchFamily="18" charset="0"/>
-                <a:cs typeface="Times New Roman" pitchFamily="18" charset="0"/>
-              </a:rPr>
-              <a:t>Присвоить </a:t>
-            </a:r>
-            <a:r>
-              <a:rPr lang="en-US" dirty="0" smtClean="0">
-                <a:latin typeface="Times New Roman" pitchFamily="18" charset="0"/>
-                <a:cs typeface="Times New Roman" pitchFamily="18" charset="0"/>
-              </a:rPr>
-              <a:t>S</a:t>
-            </a:r>
-            <a:r>
-              <a:rPr lang="en-US" baseline="-25000" dirty="0" smtClean="0">
-                <a:latin typeface="Times New Roman" pitchFamily="18" charset="0"/>
-                <a:cs typeface="Times New Roman" pitchFamily="18" charset="0"/>
-              </a:rPr>
-              <a:t>t</a:t>
-            </a:r>
-            <a:r>
-              <a:rPr lang="en-US" dirty="0" smtClean="0">
-                <a:latin typeface="Times New Roman" pitchFamily="18" charset="0"/>
-                <a:cs typeface="Times New Roman" pitchFamily="18" charset="0"/>
-              </a:rPr>
-              <a:t> = C</a:t>
-            </a:r>
-            <a:r>
-              <a:rPr lang="en-US" baseline="-25000" dirty="0" smtClean="0">
-                <a:latin typeface="Times New Roman" pitchFamily="18" charset="0"/>
-                <a:cs typeface="Times New Roman" pitchFamily="18" charset="0"/>
-              </a:rPr>
-              <a:t>t</a:t>
-            </a:r>
-            <a:endParaRPr lang="ru-RU" baseline="-25000" dirty="0">
-              <a:latin typeface="Times New Roman" pitchFamily="18" charset="0"/>
-              <a:cs typeface="Times New Roman" pitchFamily="18" charset="0"/>
-            </a:endParaRPr>
+            <a:pPr algn="ctr"/>
+            <a:r>
+              <a:rPr lang="ru-RU" sz="2000" dirty="0" smtClean="0"/>
+              <a:t>Не всегда идеальный результат, но ситуация возникает не часто</a:t>
+            </a:r>
+            <a:endParaRPr lang="ru-RU" sz="2000" dirty="0"/>
           </a:p>
         </p:txBody>
       </p:sp>
